--- a/Notification System Design.pptx
+++ b/Notification System Design.pptx
@@ -259,7 +259,7 @@
           <a:p>
             <a:fld id="{06C28339-2151-49AF-B4B9-DF404CFA876A}" type="datetimeFigureOut">
               <a:rPr lang="he-IL" smtClean="0"/>
-              <a:t>ח'/סיון/תשפ"א</a:t>
+              <a:t>י"א/סיון/תשפ"א</a:t>
             </a:fld>
             <a:endParaRPr lang="he-IL"/>
           </a:p>
@@ -457,7 +457,7 @@
           <a:p>
             <a:fld id="{06C28339-2151-49AF-B4B9-DF404CFA876A}" type="datetimeFigureOut">
               <a:rPr lang="he-IL" smtClean="0"/>
-              <a:t>ח'/סיון/תשפ"א</a:t>
+              <a:t>י"א/סיון/תשפ"א</a:t>
             </a:fld>
             <a:endParaRPr lang="he-IL"/>
           </a:p>
@@ -665,7 +665,7 @@
           <a:p>
             <a:fld id="{06C28339-2151-49AF-B4B9-DF404CFA876A}" type="datetimeFigureOut">
               <a:rPr lang="he-IL" smtClean="0"/>
-              <a:t>ח'/סיון/תשפ"א</a:t>
+              <a:t>י"א/סיון/תשפ"א</a:t>
             </a:fld>
             <a:endParaRPr lang="he-IL"/>
           </a:p>
@@ -863,7 +863,7 @@
           <a:p>
             <a:fld id="{06C28339-2151-49AF-B4B9-DF404CFA876A}" type="datetimeFigureOut">
               <a:rPr lang="he-IL" smtClean="0"/>
-              <a:t>ח'/סיון/תשפ"א</a:t>
+              <a:t>י"א/סיון/תשפ"א</a:t>
             </a:fld>
             <a:endParaRPr lang="he-IL"/>
           </a:p>
@@ -1138,7 +1138,7 @@
           <a:p>
             <a:fld id="{06C28339-2151-49AF-B4B9-DF404CFA876A}" type="datetimeFigureOut">
               <a:rPr lang="he-IL" smtClean="0"/>
-              <a:t>ח'/סיון/תשפ"א</a:t>
+              <a:t>י"א/סיון/תשפ"א</a:t>
             </a:fld>
             <a:endParaRPr lang="he-IL"/>
           </a:p>
@@ -1403,7 +1403,7 @@
           <a:p>
             <a:fld id="{06C28339-2151-49AF-B4B9-DF404CFA876A}" type="datetimeFigureOut">
               <a:rPr lang="he-IL" smtClean="0"/>
-              <a:t>ח'/סיון/תשפ"א</a:t>
+              <a:t>י"א/סיון/תשפ"א</a:t>
             </a:fld>
             <a:endParaRPr lang="he-IL"/>
           </a:p>
@@ -1815,7 +1815,7 @@
           <a:p>
             <a:fld id="{06C28339-2151-49AF-B4B9-DF404CFA876A}" type="datetimeFigureOut">
               <a:rPr lang="he-IL" smtClean="0"/>
-              <a:t>ח'/סיון/תשפ"א</a:t>
+              <a:t>י"א/סיון/תשפ"א</a:t>
             </a:fld>
             <a:endParaRPr lang="he-IL"/>
           </a:p>
@@ -1956,7 +1956,7 @@
           <a:p>
             <a:fld id="{06C28339-2151-49AF-B4B9-DF404CFA876A}" type="datetimeFigureOut">
               <a:rPr lang="he-IL" smtClean="0"/>
-              <a:t>ח'/סיון/תשפ"א</a:t>
+              <a:t>י"א/סיון/תשפ"א</a:t>
             </a:fld>
             <a:endParaRPr lang="he-IL"/>
           </a:p>
@@ -2069,7 +2069,7 @@
           <a:p>
             <a:fld id="{06C28339-2151-49AF-B4B9-DF404CFA876A}" type="datetimeFigureOut">
               <a:rPr lang="he-IL" smtClean="0"/>
-              <a:t>ח'/סיון/תשפ"א</a:t>
+              <a:t>י"א/סיון/תשפ"א</a:t>
             </a:fld>
             <a:endParaRPr lang="he-IL"/>
           </a:p>
@@ -2380,7 +2380,7 @@
           <a:p>
             <a:fld id="{06C28339-2151-49AF-B4B9-DF404CFA876A}" type="datetimeFigureOut">
               <a:rPr lang="he-IL" smtClean="0"/>
-              <a:t>ח'/סיון/תשפ"א</a:t>
+              <a:t>י"א/סיון/תשפ"א</a:t>
             </a:fld>
             <a:endParaRPr lang="he-IL"/>
           </a:p>
@@ -2668,7 +2668,7 @@
           <a:p>
             <a:fld id="{06C28339-2151-49AF-B4B9-DF404CFA876A}" type="datetimeFigureOut">
               <a:rPr lang="he-IL" smtClean="0"/>
-              <a:t>ח'/סיון/תשפ"א</a:t>
+              <a:t>י"א/סיון/תשפ"א</a:t>
             </a:fld>
             <a:endParaRPr lang="he-IL"/>
           </a:p>
@@ -2909,7 +2909,7 @@
           <a:p>
             <a:fld id="{06C28339-2151-49AF-B4B9-DF404CFA876A}" type="datetimeFigureOut">
               <a:rPr lang="he-IL" smtClean="0"/>
-              <a:t>ח'/סיון/תשפ"א</a:t>
+              <a:t>י"א/סיון/תשפ"א</a:t>
             </a:fld>
             <a:endParaRPr lang="he-IL"/>
           </a:p>
@@ -6745,7 +6745,7 @@
         </p:nvSpPr>
         <p:spPr>
           <a:xfrm>
-            <a:off x="3660961" y="476823"/>
+            <a:off x="3652648" y="476823"/>
             <a:ext cx="3309565" cy="1777688"/>
           </a:xfrm>
           <a:prstGeom prst="roundRect">

--- a/Notification System Design.pptx
+++ b/Notification System Design.pptx
@@ -6,6 +6,7 @@
   </p:sldMasterIdLst>
   <p:sldIdLst>
     <p:sldId id="256" r:id="rId2"/>
+    <p:sldId id="257" r:id="rId3"/>
   </p:sldIdLst>
   <p:sldSz cx="12192000" cy="6858000"/>
   <p:notesSz cx="6858000" cy="9144000"/>
@@ -259,7 +260,7 @@
           <a:p>
             <a:fld id="{06C28339-2151-49AF-B4B9-DF404CFA876A}" type="datetimeFigureOut">
               <a:rPr lang="he-IL" smtClean="0"/>
-              <a:t>י"א/סיון/תשפ"א</a:t>
+              <a:t>י"ב/סיון/תשפ"א</a:t>
             </a:fld>
             <a:endParaRPr lang="he-IL"/>
           </a:p>
@@ -457,7 +458,7 @@
           <a:p>
             <a:fld id="{06C28339-2151-49AF-B4B9-DF404CFA876A}" type="datetimeFigureOut">
               <a:rPr lang="he-IL" smtClean="0"/>
-              <a:t>י"א/סיון/תשפ"א</a:t>
+              <a:t>י"ב/סיון/תשפ"א</a:t>
             </a:fld>
             <a:endParaRPr lang="he-IL"/>
           </a:p>
@@ -665,7 +666,7 @@
           <a:p>
             <a:fld id="{06C28339-2151-49AF-B4B9-DF404CFA876A}" type="datetimeFigureOut">
               <a:rPr lang="he-IL" smtClean="0"/>
-              <a:t>י"א/סיון/תשפ"א</a:t>
+              <a:t>י"ב/סיון/תשפ"א</a:t>
             </a:fld>
             <a:endParaRPr lang="he-IL"/>
           </a:p>
@@ -863,7 +864,7 @@
           <a:p>
             <a:fld id="{06C28339-2151-49AF-B4B9-DF404CFA876A}" type="datetimeFigureOut">
               <a:rPr lang="he-IL" smtClean="0"/>
-              <a:t>י"א/סיון/תשפ"א</a:t>
+              <a:t>י"ב/סיון/תשפ"א</a:t>
             </a:fld>
             <a:endParaRPr lang="he-IL"/>
           </a:p>
@@ -1138,7 +1139,7 @@
           <a:p>
             <a:fld id="{06C28339-2151-49AF-B4B9-DF404CFA876A}" type="datetimeFigureOut">
               <a:rPr lang="he-IL" smtClean="0"/>
-              <a:t>י"א/סיון/תשפ"א</a:t>
+              <a:t>י"ב/סיון/תשפ"א</a:t>
             </a:fld>
             <a:endParaRPr lang="he-IL"/>
           </a:p>
@@ -1403,7 +1404,7 @@
           <a:p>
             <a:fld id="{06C28339-2151-49AF-B4B9-DF404CFA876A}" type="datetimeFigureOut">
               <a:rPr lang="he-IL" smtClean="0"/>
-              <a:t>י"א/סיון/תשפ"א</a:t>
+              <a:t>י"ב/סיון/תשפ"א</a:t>
             </a:fld>
             <a:endParaRPr lang="he-IL"/>
           </a:p>
@@ -1815,7 +1816,7 @@
           <a:p>
             <a:fld id="{06C28339-2151-49AF-B4B9-DF404CFA876A}" type="datetimeFigureOut">
               <a:rPr lang="he-IL" smtClean="0"/>
-              <a:t>י"א/סיון/תשפ"א</a:t>
+              <a:t>י"ב/סיון/תשפ"א</a:t>
             </a:fld>
             <a:endParaRPr lang="he-IL"/>
           </a:p>
@@ -1956,7 +1957,7 @@
           <a:p>
             <a:fld id="{06C28339-2151-49AF-B4B9-DF404CFA876A}" type="datetimeFigureOut">
               <a:rPr lang="he-IL" smtClean="0"/>
-              <a:t>י"א/סיון/תשפ"א</a:t>
+              <a:t>י"ב/סיון/תשפ"א</a:t>
             </a:fld>
             <a:endParaRPr lang="he-IL"/>
           </a:p>
@@ -2069,7 +2070,7 @@
           <a:p>
             <a:fld id="{06C28339-2151-49AF-B4B9-DF404CFA876A}" type="datetimeFigureOut">
               <a:rPr lang="he-IL" smtClean="0"/>
-              <a:t>י"א/סיון/תשפ"א</a:t>
+              <a:t>י"ב/סיון/תשפ"א</a:t>
             </a:fld>
             <a:endParaRPr lang="he-IL"/>
           </a:p>
@@ -2380,7 +2381,7 @@
           <a:p>
             <a:fld id="{06C28339-2151-49AF-B4B9-DF404CFA876A}" type="datetimeFigureOut">
               <a:rPr lang="he-IL" smtClean="0"/>
-              <a:t>י"א/סיון/תשפ"א</a:t>
+              <a:t>י"ב/סיון/תשפ"א</a:t>
             </a:fld>
             <a:endParaRPr lang="he-IL"/>
           </a:p>
@@ -2668,7 +2669,7 @@
           <a:p>
             <a:fld id="{06C28339-2151-49AF-B4B9-DF404CFA876A}" type="datetimeFigureOut">
               <a:rPr lang="he-IL" smtClean="0"/>
-              <a:t>י"א/סיון/תשפ"א</a:t>
+              <a:t>י"ב/סיון/תשפ"א</a:t>
             </a:fld>
             <a:endParaRPr lang="he-IL"/>
           </a:p>
@@ -2909,7 +2910,7 @@
           <a:p>
             <a:fld id="{06C28339-2151-49AF-B4B9-DF404CFA876A}" type="datetimeFigureOut">
               <a:rPr lang="he-IL" smtClean="0"/>
-              <a:t>י"א/סיון/תשפ"א</a:t>
+              <a:t>י"ב/סיון/תשפ"א</a:t>
             </a:fld>
             <a:endParaRPr lang="he-IL"/>
           </a:p>
@@ -6799,8 +6800,8 @@
         </p:nvSpPr>
         <p:spPr>
           <a:xfrm>
-            <a:off x="8302416" y="134574"/>
-            <a:ext cx="3667593" cy="830997"/>
+            <a:off x="8233234" y="434910"/>
+            <a:ext cx="3667593" cy="1015663"/>
           </a:xfrm>
           <a:prstGeom prst="rect">
             <a:avLst/>
@@ -6821,7 +6822,7 @@
             <a:pPr algn="l" rtl="0"/>
             <a:r>
               <a:rPr lang="en-IL" sz="1200" dirty="0"/>
-              <a:t>When using this design, we should note that each unit is defined by its responsibility, and each unit is delimited by Kafka. Using Kafka allows us to scale the system the deal with a massive amount of notifications.</a:t>
+              <a:t>When using this design, we should note that each unit is defined by its responsibility and also each application part is delimited by Kafka. Using Kafka allows us to scale the system and deal with a massive amount of notifications.</a:t>
             </a:r>
           </a:p>
         </p:txBody>
@@ -7038,7 +7039,7 @@
         <p:spPr>
           <a:xfrm flipH="1" flipV="1">
             <a:off x="6521947" y="965572"/>
-            <a:ext cx="511625" cy="430886"/>
+            <a:ext cx="623689" cy="853940"/>
           </a:xfrm>
           <a:prstGeom prst="straightConnector1">
             <a:avLst/>
@@ -7076,7 +7077,7 @@
         </p:nvSpPr>
         <p:spPr>
           <a:xfrm>
-            <a:off x="7033572" y="1119459"/>
+            <a:off x="7145636" y="1542513"/>
             <a:ext cx="2224737" cy="553998"/>
           </a:xfrm>
           <a:prstGeom prst="rect">
@@ -7096,6 +7097,60 @@
               <a:t>Massive amount of data, unstructured, text searches – so elastic or document based DB is applicable</a:t>
             </a:r>
             <a:endParaRPr lang="he-IL" sz="1000" dirty="0"/>
+          </a:p>
+        </p:txBody>
+      </p:sp>
+      <p:sp>
+        <p:nvSpPr>
+          <p:cNvPr id="14" name="תיבת טקסט 13">
+            <a:extLst>
+              <a:ext uri="{FF2B5EF4-FFF2-40B4-BE49-F238E27FC236}">
+                <a16:creationId xmlns:a16="http://schemas.microsoft.com/office/drawing/2014/main" id="{F9DB265B-1826-478C-B18C-4BD01DC089F9}"/>
+              </a:ext>
+            </a:extLst>
+          </p:cNvPr>
+          <p:cNvSpPr txBox="1"/>
+          <p:nvPr/>
+        </p:nvSpPr>
+        <p:spPr>
+          <a:xfrm>
+            <a:off x="8688543" y="15876"/>
+            <a:ext cx="2690545" cy="369332"/>
+          </a:xfrm>
+          <a:prstGeom prst="rect">
+            <a:avLst/>
+          </a:prstGeom>
+          <a:noFill/>
+        </p:spPr>
+        <p:txBody>
+          <a:bodyPr wrap="none" rtlCol="1">
+            <a:spAutoFit/>
+          </a:bodyPr>
+          <a:lstStyle/>
+          <a:p>
+            <a:r>
+              <a:rPr lang="en-IL" u="sng" dirty="0">
+                <a:ln w="0"/>
+                <a:effectLst>
+                  <a:outerShdw blurRad="38100" dist="19050" dir="2700000" algn="tl" rotWithShape="0">
+                    <a:schemeClr val="dk1">
+                      <a:alpha val="40000"/>
+                    </a:schemeClr>
+                  </a:outerShdw>
+                </a:effectLst>
+              </a:rPr>
+              <a:t>Notification System Design</a:t>
+            </a:r>
+            <a:endParaRPr lang="he-IL" u="sng" dirty="0">
+              <a:ln w="0"/>
+              <a:effectLst>
+                <a:outerShdw blurRad="38100" dist="19050" dir="2700000" algn="tl" rotWithShape="0">
+                  <a:schemeClr val="dk1">
+                    <a:alpha val="40000"/>
+                  </a:schemeClr>
+                </a:outerShdw>
+              </a:effectLst>
+            </a:endParaRPr>
           </a:p>
         </p:txBody>
       </p:sp>
@@ -7103,6 +7158,4010 @@
     <p:extLst>
       <p:ext uri="{BB962C8B-B14F-4D97-AF65-F5344CB8AC3E}">
         <p14:creationId xmlns:p14="http://schemas.microsoft.com/office/powerpoint/2010/main" val="2561801856"/>
+      </p:ext>
+    </p:extLst>
+  </p:cSld>
+  <p:clrMapOvr>
+    <a:masterClrMapping/>
+  </p:clrMapOvr>
+</p:sld>
+</file>
+
+<file path=ppt/slides/slide2.xml><?xml version="1.0" encoding="utf-8"?>
+<p:sld xmlns:a="http://schemas.openxmlformats.org/drawingml/2006/main" xmlns:r="http://schemas.openxmlformats.org/officeDocument/2006/relationships" xmlns:p="http://schemas.openxmlformats.org/presentationml/2006/main">
+  <p:cSld>
+    <p:spTree>
+      <p:nvGrpSpPr>
+        <p:cNvPr id="1" name=""/>
+        <p:cNvGrpSpPr/>
+        <p:nvPr/>
+      </p:nvGrpSpPr>
+      <p:grpSpPr>
+        <a:xfrm>
+          <a:off x="0" y="0"/>
+          <a:ext cx="0" cy="0"/>
+          <a:chOff x="0" y="0"/>
+          <a:chExt cx="0" cy="0"/>
+        </a:xfrm>
+      </p:grpSpPr>
+      <p:sp>
+        <p:nvSpPr>
+          <p:cNvPr id="4" name="תיבת טקסט 3">
+            <a:extLst>
+              <a:ext uri="{FF2B5EF4-FFF2-40B4-BE49-F238E27FC236}">
+                <a16:creationId xmlns:a16="http://schemas.microsoft.com/office/drawing/2014/main" id="{199465DF-7233-4984-AA2F-695F2DEE9439}"/>
+              </a:ext>
+            </a:extLst>
+          </p:cNvPr>
+          <p:cNvSpPr txBox="1"/>
+          <p:nvPr/>
+        </p:nvSpPr>
+        <p:spPr>
+          <a:xfrm>
+            <a:off x="8786685" y="360269"/>
+            <a:ext cx="3288206" cy="553998"/>
+          </a:xfrm>
+          <a:prstGeom prst="rect">
+            <a:avLst/>
+          </a:prstGeom>
+          <a:noFill/>
+          <a:ln>
+            <a:solidFill>
+              <a:schemeClr val="tx1"/>
+            </a:solidFill>
+          </a:ln>
+        </p:spPr>
+        <p:txBody>
+          <a:bodyPr wrap="square" rtlCol="1">
+            <a:spAutoFit/>
+          </a:bodyPr>
+          <a:lstStyle/>
+          <a:p>
+            <a:pPr algn="l" rtl="0"/>
+            <a:r>
+              <a:rPr lang="en-IL" sz="1000" b="1" dirty="0"/>
+              <a:t>NFR</a:t>
+            </a:r>
+            <a:r>
+              <a:rPr lang="en-IL" sz="1000" dirty="0"/>
+              <a:t>: Low latency, high availability, lag free, scale!</a:t>
+            </a:r>
+          </a:p>
+          <a:p>
+            <a:pPr algn="l" rtl="0"/>
+            <a:r>
+              <a:rPr lang="en-IL" sz="1000" b="1" dirty="0"/>
+              <a:t>FR</a:t>
+            </a:r>
+            <a:r>
+              <a:rPr lang="en-IL" sz="1000" dirty="0"/>
+              <a:t>: Message state notifications, group messaging, last seen, asset upload.</a:t>
+            </a:r>
+          </a:p>
+        </p:txBody>
+      </p:sp>
+      <p:sp>
+        <p:nvSpPr>
+          <p:cNvPr id="5" name="תיבת טקסט 4">
+            <a:extLst>
+              <a:ext uri="{FF2B5EF4-FFF2-40B4-BE49-F238E27FC236}">
+                <a16:creationId xmlns:a16="http://schemas.microsoft.com/office/drawing/2014/main" id="{49E51C7E-2968-48AE-97B1-7ED48E99E31C}"/>
+              </a:ext>
+            </a:extLst>
+          </p:cNvPr>
+          <p:cNvSpPr txBox="1"/>
+          <p:nvPr/>
+        </p:nvSpPr>
+        <p:spPr>
+          <a:xfrm>
+            <a:off x="9158292" y="15876"/>
+            <a:ext cx="2544992" cy="369332"/>
+          </a:xfrm>
+          <a:prstGeom prst="rect">
+            <a:avLst/>
+          </a:prstGeom>
+          <a:noFill/>
+        </p:spPr>
+        <p:txBody>
+          <a:bodyPr wrap="none" rtlCol="1">
+            <a:spAutoFit/>
+          </a:bodyPr>
+          <a:lstStyle/>
+          <a:p>
+            <a:r>
+              <a:rPr lang="en-IL" u="sng" dirty="0">
+                <a:ln w="0"/>
+                <a:effectLst>
+                  <a:outerShdw blurRad="38100" dist="19050" dir="2700000" algn="tl" rotWithShape="0">
+                    <a:schemeClr val="dk1">
+                      <a:alpha val="40000"/>
+                    </a:schemeClr>
+                  </a:outerShdw>
+                </a:effectLst>
+              </a:rPr>
+              <a:t>WhatsApp System Design</a:t>
+            </a:r>
+            <a:endParaRPr lang="he-IL" u="sng" dirty="0">
+              <a:ln w="0"/>
+              <a:effectLst>
+                <a:outerShdw blurRad="38100" dist="19050" dir="2700000" algn="tl" rotWithShape="0">
+                  <a:schemeClr val="dk1">
+                    <a:alpha val="40000"/>
+                  </a:schemeClr>
+                </a:outerShdw>
+              </a:effectLst>
+            </a:endParaRPr>
+          </a:p>
+        </p:txBody>
+      </p:sp>
+      <p:sp>
+        <p:nvSpPr>
+          <p:cNvPr id="6" name="מלבן 5">
+            <a:extLst>
+              <a:ext uri="{FF2B5EF4-FFF2-40B4-BE49-F238E27FC236}">
+                <a16:creationId xmlns:a16="http://schemas.microsoft.com/office/drawing/2014/main" id="{C11495A7-A75B-49FA-A404-4AFC2CFF485E}"/>
+              </a:ext>
+            </a:extLst>
+          </p:cNvPr>
+          <p:cNvSpPr/>
+          <p:nvPr/>
+        </p:nvSpPr>
+        <p:spPr>
+          <a:xfrm>
+            <a:off x="1435790" y="4309537"/>
+            <a:ext cx="681645" cy="393063"/>
+          </a:xfrm>
+          <a:prstGeom prst="rect">
+            <a:avLst/>
+          </a:prstGeom>
+          <a:noFill/>
+          <a:ln>
+            <a:solidFill>
+              <a:schemeClr val="accent6"/>
+            </a:solidFill>
+          </a:ln>
+        </p:spPr>
+        <p:style>
+          <a:lnRef idx="2">
+            <a:schemeClr val="accent1">
+              <a:shade val="50000"/>
+            </a:schemeClr>
+          </a:lnRef>
+          <a:fillRef idx="1">
+            <a:schemeClr val="accent1"/>
+          </a:fillRef>
+          <a:effectRef idx="0">
+            <a:schemeClr val="accent1"/>
+          </a:effectRef>
+          <a:fontRef idx="minor">
+            <a:schemeClr val="lt1"/>
+          </a:fontRef>
+        </p:style>
+        <p:txBody>
+          <a:bodyPr rtlCol="1" anchor="ctr"/>
+          <a:lstStyle/>
+          <a:p>
+            <a:pPr algn="ctr"/>
+            <a:r>
+              <a:rPr lang="en-IL" sz="1000" dirty="0">
+                <a:solidFill>
+                  <a:schemeClr val="tx1"/>
+                </a:solidFill>
+              </a:rPr>
+              <a:t>User 3</a:t>
+            </a:r>
+            <a:endParaRPr lang="he-IL" sz="1000" dirty="0">
+              <a:solidFill>
+                <a:schemeClr val="tx1"/>
+              </a:solidFill>
+            </a:endParaRPr>
+          </a:p>
+        </p:txBody>
+      </p:sp>
+      <p:sp>
+        <p:nvSpPr>
+          <p:cNvPr id="7" name="מלבן 6">
+            <a:extLst>
+              <a:ext uri="{FF2B5EF4-FFF2-40B4-BE49-F238E27FC236}">
+                <a16:creationId xmlns:a16="http://schemas.microsoft.com/office/drawing/2014/main" id="{EBB85641-32D8-4ED8-B31B-03D4AC3A77E2}"/>
+              </a:ext>
+            </a:extLst>
+          </p:cNvPr>
+          <p:cNvSpPr/>
+          <p:nvPr/>
+        </p:nvSpPr>
+        <p:spPr>
+          <a:xfrm>
+            <a:off x="1426667" y="3336811"/>
+            <a:ext cx="681645" cy="393063"/>
+          </a:xfrm>
+          <a:prstGeom prst="rect">
+            <a:avLst/>
+          </a:prstGeom>
+          <a:noFill/>
+          <a:ln>
+            <a:solidFill>
+              <a:schemeClr val="accent6"/>
+            </a:solidFill>
+          </a:ln>
+        </p:spPr>
+        <p:style>
+          <a:lnRef idx="2">
+            <a:schemeClr val="accent1">
+              <a:shade val="50000"/>
+            </a:schemeClr>
+          </a:lnRef>
+          <a:fillRef idx="1">
+            <a:schemeClr val="accent1"/>
+          </a:fillRef>
+          <a:effectRef idx="0">
+            <a:schemeClr val="accent1"/>
+          </a:effectRef>
+          <a:fontRef idx="minor">
+            <a:schemeClr val="lt1"/>
+          </a:fontRef>
+        </p:style>
+        <p:txBody>
+          <a:bodyPr rtlCol="1" anchor="ctr"/>
+          <a:lstStyle/>
+          <a:p>
+            <a:pPr algn="ctr"/>
+            <a:r>
+              <a:rPr lang="en-IL" sz="1000" dirty="0">
+                <a:solidFill>
+                  <a:schemeClr val="tx1"/>
+                </a:solidFill>
+              </a:rPr>
+              <a:t>User 1</a:t>
+            </a:r>
+            <a:endParaRPr lang="he-IL" sz="1000" dirty="0">
+              <a:solidFill>
+                <a:schemeClr val="tx1"/>
+              </a:solidFill>
+            </a:endParaRPr>
+          </a:p>
+        </p:txBody>
+      </p:sp>
+      <p:sp>
+        <p:nvSpPr>
+          <p:cNvPr id="8" name="מלבן 7">
+            <a:extLst>
+              <a:ext uri="{FF2B5EF4-FFF2-40B4-BE49-F238E27FC236}">
+                <a16:creationId xmlns:a16="http://schemas.microsoft.com/office/drawing/2014/main" id="{1354E467-8DF5-4885-944A-1169B0686D6B}"/>
+              </a:ext>
+            </a:extLst>
+          </p:cNvPr>
+          <p:cNvSpPr/>
+          <p:nvPr/>
+        </p:nvSpPr>
+        <p:spPr>
+          <a:xfrm>
+            <a:off x="1435790" y="3823174"/>
+            <a:ext cx="681645" cy="393063"/>
+          </a:xfrm>
+          <a:prstGeom prst="rect">
+            <a:avLst/>
+          </a:prstGeom>
+          <a:noFill/>
+          <a:ln>
+            <a:solidFill>
+              <a:schemeClr val="accent6"/>
+            </a:solidFill>
+          </a:ln>
+        </p:spPr>
+        <p:style>
+          <a:lnRef idx="2">
+            <a:schemeClr val="accent1">
+              <a:shade val="50000"/>
+            </a:schemeClr>
+          </a:lnRef>
+          <a:fillRef idx="1">
+            <a:schemeClr val="accent1"/>
+          </a:fillRef>
+          <a:effectRef idx="0">
+            <a:schemeClr val="accent1"/>
+          </a:effectRef>
+          <a:fontRef idx="minor">
+            <a:schemeClr val="lt1"/>
+          </a:fontRef>
+        </p:style>
+        <p:txBody>
+          <a:bodyPr rtlCol="1" anchor="ctr"/>
+          <a:lstStyle/>
+          <a:p>
+            <a:pPr algn="ctr"/>
+            <a:r>
+              <a:rPr lang="en-IL" sz="1000" dirty="0">
+                <a:solidFill>
+                  <a:schemeClr val="tx1"/>
+                </a:solidFill>
+              </a:rPr>
+              <a:t>User 2</a:t>
+            </a:r>
+            <a:endParaRPr lang="he-IL" sz="1000" dirty="0">
+              <a:solidFill>
+                <a:schemeClr val="tx1"/>
+              </a:solidFill>
+            </a:endParaRPr>
+          </a:p>
+        </p:txBody>
+      </p:sp>
+      <p:sp>
+        <p:nvSpPr>
+          <p:cNvPr id="9" name="מלבן 8">
+            <a:extLst>
+              <a:ext uri="{FF2B5EF4-FFF2-40B4-BE49-F238E27FC236}">
+                <a16:creationId xmlns:a16="http://schemas.microsoft.com/office/drawing/2014/main" id="{F8B7E968-98DB-489F-8FC6-3270F896542A}"/>
+              </a:ext>
+            </a:extLst>
+          </p:cNvPr>
+          <p:cNvSpPr/>
+          <p:nvPr/>
+        </p:nvSpPr>
+        <p:spPr>
+          <a:xfrm>
+            <a:off x="2372094" y="2882158"/>
+            <a:ext cx="232756" cy="2250946"/>
+          </a:xfrm>
+          <a:prstGeom prst="rect">
+            <a:avLst/>
+          </a:prstGeom>
+          <a:noFill/>
+          <a:ln>
+            <a:solidFill>
+              <a:schemeClr val="tx1"/>
+            </a:solidFill>
+          </a:ln>
+        </p:spPr>
+        <p:style>
+          <a:lnRef idx="2">
+            <a:schemeClr val="accent1">
+              <a:shade val="50000"/>
+            </a:schemeClr>
+          </a:lnRef>
+          <a:fillRef idx="1">
+            <a:schemeClr val="accent1"/>
+          </a:fillRef>
+          <a:effectRef idx="0">
+            <a:schemeClr val="accent1"/>
+          </a:effectRef>
+          <a:fontRef idx="minor">
+            <a:schemeClr val="lt1"/>
+          </a:fontRef>
+        </p:style>
+        <p:txBody>
+          <a:bodyPr rtlCol="1" anchor="ctr"/>
+          <a:lstStyle/>
+          <a:p>
+            <a:pPr algn="ctr"/>
+            <a:r>
+              <a:rPr lang="en-IL" sz="1000" dirty="0">
+                <a:solidFill>
+                  <a:schemeClr val="tx1"/>
+                </a:solidFill>
+              </a:rPr>
+              <a:t>LB</a:t>
+            </a:r>
+            <a:endParaRPr lang="he-IL" sz="1000" dirty="0">
+              <a:solidFill>
+                <a:schemeClr val="tx1"/>
+              </a:solidFill>
+            </a:endParaRPr>
+          </a:p>
+        </p:txBody>
+      </p:sp>
+      <p:sp>
+        <p:nvSpPr>
+          <p:cNvPr id="10" name="מלבן 9">
+            <a:extLst>
+              <a:ext uri="{FF2B5EF4-FFF2-40B4-BE49-F238E27FC236}">
+                <a16:creationId xmlns:a16="http://schemas.microsoft.com/office/drawing/2014/main" id="{98CBDA12-0CDB-4BD9-9A29-0A7C6C1E60AD}"/>
+              </a:ext>
+            </a:extLst>
+          </p:cNvPr>
+          <p:cNvSpPr/>
+          <p:nvPr/>
+        </p:nvSpPr>
+        <p:spPr>
+          <a:xfrm>
+            <a:off x="2923984" y="2896984"/>
+            <a:ext cx="1045417" cy="583072"/>
+          </a:xfrm>
+          <a:prstGeom prst="rect">
+            <a:avLst/>
+          </a:prstGeom>
+          <a:noFill/>
+          <a:ln>
+            <a:solidFill>
+              <a:schemeClr val="accent1"/>
+            </a:solidFill>
+          </a:ln>
+        </p:spPr>
+        <p:style>
+          <a:lnRef idx="2">
+            <a:schemeClr val="accent1">
+              <a:shade val="50000"/>
+            </a:schemeClr>
+          </a:lnRef>
+          <a:fillRef idx="1">
+            <a:schemeClr val="accent1"/>
+          </a:fillRef>
+          <a:effectRef idx="0">
+            <a:schemeClr val="accent1"/>
+          </a:effectRef>
+          <a:fontRef idx="minor">
+            <a:schemeClr val="lt1"/>
+          </a:fontRef>
+        </p:style>
+        <p:txBody>
+          <a:bodyPr rtlCol="1" anchor="b"/>
+          <a:lstStyle/>
+          <a:p>
+            <a:pPr algn="ctr" rtl="0"/>
+            <a:r>
+              <a:rPr lang="en-IL" sz="1000" dirty="0">
+                <a:solidFill>
+                  <a:schemeClr val="tx1"/>
+                </a:solidFill>
+              </a:rPr>
+              <a:t>WebSocket Server 1</a:t>
+            </a:r>
+            <a:endParaRPr lang="he-IL" sz="1000" dirty="0">
+              <a:solidFill>
+                <a:schemeClr val="tx1"/>
+              </a:solidFill>
+            </a:endParaRPr>
+          </a:p>
+        </p:txBody>
+      </p:sp>
+      <p:sp>
+        <p:nvSpPr>
+          <p:cNvPr id="11" name="מלבן 10">
+            <a:extLst>
+              <a:ext uri="{FF2B5EF4-FFF2-40B4-BE49-F238E27FC236}">
+                <a16:creationId xmlns:a16="http://schemas.microsoft.com/office/drawing/2014/main" id="{D099F177-2095-4954-81F6-47A7E343B295}"/>
+              </a:ext>
+            </a:extLst>
+          </p:cNvPr>
+          <p:cNvSpPr/>
+          <p:nvPr/>
+        </p:nvSpPr>
+        <p:spPr>
+          <a:xfrm>
+            <a:off x="2923983" y="4544070"/>
+            <a:ext cx="1045417" cy="583072"/>
+          </a:xfrm>
+          <a:prstGeom prst="rect">
+            <a:avLst/>
+          </a:prstGeom>
+          <a:noFill/>
+          <a:ln>
+            <a:solidFill>
+              <a:schemeClr val="accent1"/>
+            </a:solidFill>
+          </a:ln>
+        </p:spPr>
+        <p:style>
+          <a:lnRef idx="2">
+            <a:schemeClr val="accent1">
+              <a:shade val="50000"/>
+            </a:schemeClr>
+          </a:lnRef>
+          <a:fillRef idx="1">
+            <a:schemeClr val="accent1"/>
+          </a:fillRef>
+          <a:effectRef idx="0">
+            <a:schemeClr val="accent1"/>
+          </a:effectRef>
+          <a:fontRef idx="minor">
+            <a:schemeClr val="lt1"/>
+          </a:fontRef>
+        </p:style>
+        <p:txBody>
+          <a:bodyPr rtlCol="1" anchor="ctr"/>
+          <a:lstStyle/>
+          <a:p>
+            <a:pPr algn="ctr" rtl="0"/>
+            <a:r>
+              <a:rPr lang="en-IL" sz="1000" dirty="0">
+                <a:solidFill>
+                  <a:schemeClr val="tx1"/>
+                </a:solidFill>
+              </a:rPr>
+              <a:t>WebSocket Server 3</a:t>
+            </a:r>
+            <a:endParaRPr lang="he-IL" sz="1000" dirty="0">
+              <a:solidFill>
+                <a:schemeClr val="tx1"/>
+              </a:solidFill>
+            </a:endParaRPr>
+          </a:p>
+        </p:txBody>
+      </p:sp>
+      <p:sp>
+        <p:nvSpPr>
+          <p:cNvPr id="12" name="מלבן 11">
+            <a:extLst>
+              <a:ext uri="{FF2B5EF4-FFF2-40B4-BE49-F238E27FC236}">
+                <a16:creationId xmlns:a16="http://schemas.microsoft.com/office/drawing/2014/main" id="{8DB9E5F8-F6F2-4653-BB6F-883E39449003}"/>
+              </a:ext>
+            </a:extLst>
+          </p:cNvPr>
+          <p:cNvSpPr/>
+          <p:nvPr/>
+        </p:nvSpPr>
+        <p:spPr>
+          <a:xfrm>
+            <a:off x="2923983" y="3716293"/>
+            <a:ext cx="1045417" cy="583072"/>
+          </a:xfrm>
+          <a:prstGeom prst="rect">
+            <a:avLst/>
+          </a:prstGeom>
+          <a:noFill/>
+          <a:ln>
+            <a:solidFill>
+              <a:schemeClr val="accent1"/>
+            </a:solidFill>
+          </a:ln>
+        </p:spPr>
+        <p:style>
+          <a:lnRef idx="2">
+            <a:schemeClr val="accent1">
+              <a:shade val="50000"/>
+            </a:schemeClr>
+          </a:lnRef>
+          <a:fillRef idx="1">
+            <a:schemeClr val="accent1"/>
+          </a:fillRef>
+          <a:effectRef idx="0">
+            <a:schemeClr val="accent1"/>
+          </a:effectRef>
+          <a:fontRef idx="minor">
+            <a:schemeClr val="lt1"/>
+          </a:fontRef>
+        </p:style>
+        <p:txBody>
+          <a:bodyPr rtlCol="1" anchor="ctr"/>
+          <a:lstStyle/>
+          <a:p>
+            <a:pPr algn="ctr" rtl="0"/>
+            <a:r>
+              <a:rPr lang="en-IL" sz="1000" dirty="0">
+                <a:solidFill>
+                  <a:schemeClr val="tx1"/>
+                </a:solidFill>
+              </a:rPr>
+              <a:t>WebSocket Server 2</a:t>
+            </a:r>
+            <a:endParaRPr lang="he-IL" sz="1000" dirty="0">
+              <a:solidFill>
+                <a:schemeClr val="tx1"/>
+              </a:solidFill>
+            </a:endParaRPr>
+          </a:p>
+        </p:txBody>
+      </p:sp>
+      <p:sp>
+        <p:nvSpPr>
+          <p:cNvPr id="13" name="תיבת טקסט 12">
+            <a:extLst>
+              <a:ext uri="{FF2B5EF4-FFF2-40B4-BE49-F238E27FC236}">
+                <a16:creationId xmlns:a16="http://schemas.microsoft.com/office/drawing/2014/main" id="{C1AABD80-A8F6-4BC8-A523-56873083CBE5}"/>
+              </a:ext>
+            </a:extLst>
+          </p:cNvPr>
+          <p:cNvSpPr txBox="1"/>
+          <p:nvPr/>
+        </p:nvSpPr>
+        <p:spPr>
+          <a:xfrm>
+            <a:off x="324201" y="1438921"/>
+            <a:ext cx="1681218" cy="861774"/>
+          </a:xfrm>
+          <a:prstGeom prst="rect">
+            <a:avLst/>
+          </a:prstGeom>
+          <a:noFill/>
+        </p:spPr>
+        <p:txBody>
+          <a:bodyPr wrap="square" rtlCol="1">
+            <a:spAutoFit/>
+          </a:bodyPr>
+          <a:lstStyle/>
+          <a:p>
+            <a:pPr algn="l" rtl="0"/>
+            <a:r>
+              <a:rPr lang="en-IL" sz="1000" dirty="0"/>
+              <a:t>Each machine can have 64K ports, so 64K users can be connected to a single WS server. We can scale on higher demand.</a:t>
+            </a:r>
+            <a:endParaRPr lang="he-IL" sz="1000" dirty="0"/>
+          </a:p>
+        </p:txBody>
+      </p:sp>
+      <p:cxnSp>
+        <p:nvCxnSpPr>
+          <p:cNvPr id="15" name="מחבר חץ ישר 14">
+            <a:extLst>
+              <a:ext uri="{FF2B5EF4-FFF2-40B4-BE49-F238E27FC236}">
+                <a16:creationId xmlns:a16="http://schemas.microsoft.com/office/drawing/2014/main" id="{6C886DD8-F18E-4B50-A6E6-501788121C7C}"/>
+              </a:ext>
+            </a:extLst>
+          </p:cNvPr>
+          <p:cNvCxnSpPr>
+            <a:cxnSpLocks/>
+            <a:stCxn id="13" idx="2"/>
+          </p:cNvCxnSpPr>
+          <p:nvPr/>
+        </p:nvCxnSpPr>
+        <p:spPr>
+          <a:xfrm>
+            <a:off x="1164810" y="2300695"/>
+            <a:ext cx="1705139" cy="557708"/>
+          </a:xfrm>
+          <a:prstGeom prst="straightConnector1">
+            <a:avLst/>
+          </a:prstGeom>
+          <a:ln>
+            <a:tailEnd type="triangle"/>
+          </a:ln>
+        </p:spPr>
+        <p:style>
+          <a:lnRef idx="1">
+            <a:schemeClr val="dk1"/>
+          </a:lnRef>
+          <a:fillRef idx="0">
+            <a:schemeClr val="dk1"/>
+          </a:fillRef>
+          <a:effectRef idx="0">
+            <a:schemeClr val="dk1"/>
+          </a:effectRef>
+          <a:fontRef idx="minor">
+            <a:schemeClr val="tx1"/>
+          </a:fontRef>
+        </p:style>
+      </p:cxnSp>
+      <p:sp>
+        <p:nvSpPr>
+          <p:cNvPr id="25" name="מלבן 24">
+            <a:extLst>
+              <a:ext uri="{FF2B5EF4-FFF2-40B4-BE49-F238E27FC236}">
+                <a16:creationId xmlns:a16="http://schemas.microsoft.com/office/drawing/2014/main" id="{1F101E75-21A7-4394-AD8B-5043EE66E874}"/>
+              </a:ext>
+            </a:extLst>
+          </p:cNvPr>
+          <p:cNvSpPr/>
+          <p:nvPr/>
+        </p:nvSpPr>
+        <p:spPr>
+          <a:xfrm>
+            <a:off x="4220794" y="2882158"/>
+            <a:ext cx="232756" cy="2250000"/>
+          </a:xfrm>
+          <a:prstGeom prst="rect">
+            <a:avLst/>
+          </a:prstGeom>
+          <a:noFill/>
+          <a:ln>
+            <a:solidFill>
+              <a:schemeClr val="tx1"/>
+            </a:solidFill>
+          </a:ln>
+        </p:spPr>
+        <p:style>
+          <a:lnRef idx="2">
+            <a:schemeClr val="accent1">
+              <a:shade val="50000"/>
+            </a:schemeClr>
+          </a:lnRef>
+          <a:fillRef idx="1">
+            <a:schemeClr val="accent1"/>
+          </a:fillRef>
+          <a:effectRef idx="0">
+            <a:schemeClr val="accent1"/>
+          </a:effectRef>
+          <a:fontRef idx="minor">
+            <a:schemeClr val="lt1"/>
+          </a:fontRef>
+        </p:style>
+        <p:txBody>
+          <a:bodyPr rtlCol="1" anchor="ctr"/>
+          <a:lstStyle/>
+          <a:p>
+            <a:pPr algn="ctr"/>
+            <a:r>
+              <a:rPr lang="en-IL" sz="1000" dirty="0">
+                <a:solidFill>
+                  <a:schemeClr val="tx1"/>
+                </a:solidFill>
+              </a:rPr>
+              <a:t>LB</a:t>
+            </a:r>
+            <a:endParaRPr lang="he-IL" sz="1000" dirty="0">
+              <a:solidFill>
+                <a:schemeClr val="tx1"/>
+              </a:solidFill>
+            </a:endParaRPr>
+          </a:p>
+        </p:txBody>
+      </p:sp>
+      <p:cxnSp>
+        <p:nvCxnSpPr>
+          <p:cNvPr id="27" name="מחבר חץ ישר 26">
+            <a:extLst>
+              <a:ext uri="{FF2B5EF4-FFF2-40B4-BE49-F238E27FC236}">
+                <a16:creationId xmlns:a16="http://schemas.microsoft.com/office/drawing/2014/main" id="{8EC74F8F-2DA3-4ACC-B635-C96FFE5ED038}"/>
+              </a:ext>
+            </a:extLst>
+          </p:cNvPr>
+          <p:cNvCxnSpPr>
+            <a:cxnSpLocks/>
+            <a:stCxn id="7" idx="3"/>
+            <a:endCxn id="10" idx="1"/>
+          </p:cNvCxnSpPr>
+          <p:nvPr/>
+        </p:nvCxnSpPr>
+        <p:spPr>
+          <a:xfrm flipV="1">
+            <a:off x="2108312" y="3188520"/>
+            <a:ext cx="815672" cy="344823"/>
+          </a:xfrm>
+          <a:prstGeom prst="straightConnector1">
+            <a:avLst/>
+          </a:prstGeom>
+          <a:ln>
+            <a:headEnd type="triangle"/>
+            <a:tailEnd type="triangle"/>
+          </a:ln>
+        </p:spPr>
+        <p:style>
+          <a:lnRef idx="1">
+            <a:schemeClr val="accent1"/>
+          </a:lnRef>
+          <a:fillRef idx="0">
+            <a:schemeClr val="accent1"/>
+          </a:fillRef>
+          <a:effectRef idx="0">
+            <a:schemeClr val="accent1"/>
+          </a:effectRef>
+          <a:fontRef idx="minor">
+            <a:schemeClr val="tx1"/>
+          </a:fontRef>
+        </p:style>
+      </p:cxnSp>
+      <p:cxnSp>
+        <p:nvCxnSpPr>
+          <p:cNvPr id="30" name="מחבר חץ ישר 29">
+            <a:extLst>
+              <a:ext uri="{FF2B5EF4-FFF2-40B4-BE49-F238E27FC236}">
+                <a16:creationId xmlns:a16="http://schemas.microsoft.com/office/drawing/2014/main" id="{D0A3DF14-4F22-4C22-9837-D6C6BF6F1F28}"/>
+              </a:ext>
+            </a:extLst>
+          </p:cNvPr>
+          <p:cNvCxnSpPr>
+            <a:cxnSpLocks/>
+            <a:stCxn id="8" idx="3"/>
+            <a:endCxn id="12" idx="1"/>
+          </p:cNvCxnSpPr>
+          <p:nvPr/>
+        </p:nvCxnSpPr>
+        <p:spPr>
+          <a:xfrm flipV="1">
+            <a:off x="2117435" y="4007829"/>
+            <a:ext cx="806548" cy="11877"/>
+          </a:xfrm>
+          <a:prstGeom prst="straightConnector1">
+            <a:avLst/>
+          </a:prstGeom>
+          <a:ln>
+            <a:headEnd type="triangle"/>
+            <a:tailEnd type="triangle"/>
+          </a:ln>
+        </p:spPr>
+        <p:style>
+          <a:lnRef idx="1">
+            <a:schemeClr val="accent1"/>
+          </a:lnRef>
+          <a:fillRef idx="0">
+            <a:schemeClr val="accent1"/>
+          </a:fillRef>
+          <a:effectRef idx="0">
+            <a:schemeClr val="accent1"/>
+          </a:effectRef>
+          <a:fontRef idx="minor">
+            <a:schemeClr val="tx1"/>
+          </a:fontRef>
+        </p:style>
+      </p:cxnSp>
+      <p:cxnSp>
+        <p:nvCxnSpPr>
+          <p:cNvPr id="34" name="מחבר חץ ישר 33">
+            <a:extLst>
+              <a:ext uri="{FF2B5EF4-FFF2-40B4-BE49-F238E27FC236}">
+                <a16:creationId xmlns:a16="http://schemas.microsoft.com/office/drawing/2014/main" id="{83528FE0-72FF-42A6-88B0-76BE6F4146E7}"/>
+              </a:ext>
+            </a:extLst>
+          </p:cNvPr>
+          <p:cNvCxnSpPr>
+            <a:cxnSpLocks/>
+            <a:stCxn id="6" idx="3"/>
+            <a:endCxn id="11" idx="1"/>
+          </p:cNvCxnSpPr>
+          <p:nvPr/>
+        </p:nvCxnSpPr>
+        <p:spPr>
+          <a:xfrm>
+            <a:off x="2117435" y="4506069"/>
+            <a:ext cx="806548" cy="329537"/>
+          </a:xfrm>
+          <a:prstGeom prst="straightConnector1">
+            <a:avLst/>
+          </a:prstGeom>
+          <a:ln>
+            <a:headEnd type="triangle"/>
+            <a:tailEnd type="triangle"/>
+          </a:ln>
+        </p:spPr>
+        <p:style>
+          <a:lnRef idx="1">
+            <a:schemeClr val="accent1"/>
+          </a:lnRef>
+          <a:fillRef idx="0">
+            <a:schemeClr val="accent1"/>
+          </a:fillRef>
+          <a:effectRef idx="0">
+            <a:schemeClr val="accent1"/>
+          </a:effectRef>
+          <a:fontRef idx="minor">
+            <a:schemeClr val="tx1"/>
+          </a:fontRef>
+        </p:style>
+      </p:cxnSp>
+      <p:cxnSp>
+        <p:nvCxnSpPr>
+          <p:cNvPr id="37" name="מחבר חץ ישר 36">
+            <a:extLst>
+              <a:ext uri="{FF2B5EF4-FFF2-40B4-BE49-F238E27FC236}">
+                <a16:creationId xmlns:a16="http://schemas.microsoft.com/office/drawing/2014/main" id="{86A23D31-61E9-403A-86E0-B22178FE48E6}"/>
+              </a:ext>
+            </a:extLst>
+          </p:cNvPr>
+          <p:cNvCxnSpPr>
+            <a:cxnSpLocks/>
+            <a:stCxn id="10" idx="3"/>
+          </p:cNvCxnSpPr>
+          <p:nvPr/>
+        </p:nvCxnSpPr>
+        <p:spPr>
+          <a:xfrm>
+            <a:off x="3969401" y="3188520"/>
+            <a:ext cx="251393" cy="0"/>
+          </a:xfrm>
+          <a:prstGeom prst="straightConnector1">
+            <a:avLst/>
+          </a:prstGeom>
+          <a:ln>
+            <a:headEnd type="triangle"/>
+            <a:tailEnd type="triangle"/>
+          </a:ln>
+        </p:spPr>
+        <p:style>
+          <a:lnRef idx="1">
+            <a:schemeClr val="accent1"/>
+          </a:lnRef>
+          <a:fillRef idx="0">
+            <a:schemeClr val="accent1"/>
+          </a:fillRef>
+          <a:effectRef idx="0">
+            <a:schemeClr val="accent1"/>
+          </a:effectRef>
+          <a:fontRef idx="minor">
+            <a:schemeClr val="tx1"/>
+          </a:fontRef>
+        </p:style>
+      </p:cxnSp>
+      <p:cxnSp>
+        <p:nvCxnSpPr>
+          <p:cNvPr id="40" name="מחבר חץ ישר 39">
+            <a:extLst>
+              <a:ext uri="{FF2B5EF4-FFF2-40B4-BE49-F238E27FC236}">
+                <a16:creationId xmlns:a16="http://schemas.microsoft.com/office/drawing/2014/main" id="{E86F0032-4796-4C76-840B-F6781A116FE8}"/>
+              </a:ext>
+            </a:extLst>
+          </p:cNvPr>
+          <p:cNvCxnSpPr>
+            <a:cxnSpLocks/>
+            <a:stCxn id="12" idx="3"/>
+            <a:endCxn id="25" idx="1"/>
+          </p:cNvCxnSpPr>
+          <p:nvPr/>
+        </p:nvCxnSpPr>
+        <p:spPr>
+          <a:xfrm flipV="1">
+            <a:off x="3969400" y="4007158"/>
+            <a:ext cx="251394" cy="671"/>
+          </a:xfrm>
+          <a:prstGeom prst="straightConnector1">
+            <a:avLst/>
+          </a:prstGeom>
+          <a:ln>
+            <a:headEnd type="triangle"/>
+            <a:tailEnd type="triangle"/>
+          </a:ln>
+        </p:spPr>
+        <p:style>
+          <a:lnRef idx="1">
+            <a:schemeClr val="accent1"/>
+          </a:lnRef>
+          <a:fillRef idx="0">
+            <a:schemeClr val="accent1"/>
+          </a:fillRef>
+          <a:effectRef idx="0">
+            <a:schemeClr val="accent1"/>
+          </a:effectRef>
+          <a:fontRef idx="minor">
+            <a:schemeClr val="tx1"/>
+          </a:fontRef>
+        </p:style>
+      </p:cxnSp>
+      <p:cxnSp>
+        <p:nvCxnSpPr>
+          <p:cNvPr id="44" name="מחבר חץ ישר 43">
+            <a:extLst>
+              <a:ext uri="{FF2B5EF4-FFF2-40B4-BE49-F238E27FC236}">
+                <a16:creationId xmlns:a16="http://schemas.microsoft.com/office/drawing/2014/main" id="{DCAF20B2-6BC5-4EFB-A613-BDA911BFB333}"/>
+              </a:ext>
+            </a:extLst>
+          </p:cNvPr>
+          <p:cNvCxnSpPr>
+            <a:cxnSpLocks/>
+            <a:stCxn id="11" idx="3"/>
+          </p:cNvCxnSpPr>
+          <p:nvPr/>
+        </p:nvCxnSpPr>
+        <p:spPr>
+          <a:xfrm>
+            <a:off x="3969400" y="4835606"/>
+            <a:ext cx="251393" cy="0"/>
+          </a:xfrm>
+          <a:prstGeom prst="straightConnector1">
+            <a:avLst/>
+          </a:prstGeom>
+          <a:ln>
+            <a:headEnd type="triangle"/>
+            <a:tailEnd type="triangle"/>
+          </a:ln>
+        </p:spPr>
+        <p:style>
+          <a:lnRef idx="1">
+            <a:schemeClr val="accent1"/>
+          </a:lnRef>
+          <a:fillRef idx="0">
+            <a:schemeClr val="accent1"/>
+          </a:fillRef>
+          <a:effectRef idx="0">
+            <a:schemeClr val="accent1"/>
+          </a:effectRef>
+          <a:fontRef idx="minor">
+            <a:schemeClr val="tx1"/>
+          </a:fontRef>
+        </p:style>
+      </p:cxnSp>
+      <p:sp>
+        <p:nvSpPr>
+          <p:cNvPr id="47" name="מלבן 46">
+            <a:extLst>
+              <a:ext uri="{FF2B5EF4-FFF2-40B4-BE49-F238E27FC236}">
+                <a16:creationId xmlns:a16="http://schemas.microsoft.com/office/drawing/2014/main" id="{2AB1E22C-EAD5-4D77-8ED0-57E028E86DDC}"/>
+              </a:ext>
+            </a:extLst>
+          </p:cNvPr>
+          <p:cNvSpPr/>
+          <p:nvPr/>
+        </p:nvSpPr>
+        <p:spPr>
+          <a:xfrm>
+            <a:off x="4751814" y="3724606"/>
+            <a:ext cx="1026735" cy="583072"/>
+          </a:xfrm>
+          <a:prstGeom prst="rect">
+            <a:avLst/>
+          </a:prstGeom>
+          <a:noFill/>
+          <a:ln>
+            <a:solidFill>
+              <a:schemeClr val="accent1"/>
+            </a:solidFill>
+          </a:ln>
+        </p:spPr>
+        <p:style>
+          <a:lnRef idx="2">
+            <a:schemeClr val="accent1">
+              <a:shade val="50000"/>
+            </a:schemeClr>
+          </a:lnRef>
+          <a:fillRef idx="1">
+            <a:schemeClr val="accent1"/>
+          </a:fillRef>
+          <a:effectRef idx="0">
+            <a:schemeClr val="accent1"/>
+          </a:effectRef>
+          <a:fontRef idx="minor">
+            <a:schemeClr val="lt1"/>
+          </a:fontRef>
+        </p:style>
+        <p:txBody>
+          <a:bodyPr rtlCol="1" anchor="ctr"/>
+          <a:lstStyle/>
+          <a:p>
+            <a:pPr algn="ctr" rtl="0"/>
+            <a:r>
+              <a:rPr lang="en-IL" sz="1000" dirty="0">
+                <a:solidFill>
+                  <a:schemeClr val="tx1"/>
+                </a:solidFill>
+              </a:rPr>
+              <a:t>Session Manager</a:t>
+            </a:r>
+          </a:p>
+        </p:txBody>
+      </p:sp>
+      <p:sp>
+        <p:nvSpPr>
+          <p:cNvPr id="49" name="תיבת טקסט 48">
+            <a:extLst>
+              <a:ext uri="{FF2B5EF4-FFF2-40B4-BE49-F238E27FC236}">
+                <a16:creationId xmlns:a16="http://schemas.microsoft.com/office/drawing/2014/main" id="{92212885-375A-40B3-92AB-D78633E596A1}"/>
+              </a:ext>
+            </a:extLst>
+          </p:cNvPr>
+          <p:cNvSpPr txBox="1"/>
+          <p:nvPr/>
+        </p:nvSpPr>
+        <p:spPr>
+          <a:xfrm>
+            <a:off x="5299153" y="3039377"/>
+            <a:ext cx="902247" cy="553998"/>
+          </a:xfrm>
+          <a:prstGeom prst="rect">
+            <a:avLst/>
+          </a:prstGeom>
+          <a:noFill/>
+        </p:spPr>
+        <p:txBody>
+          <a:bodyPr wrap="square">
+            <a:spAutoFit/>
+          </a:bodyPr>
+          <a:lstStyle/>
+          <a:p>
+            <a:pPr algn="l" rtl="0"/>
+            <a:r>
+              <a:rPr lang="en-IL" sz="1000" dirty="0">
+                <a:solidFill>
+                  <a:schemeClr val="tx1"/>
+                </a:solidFill>
+              </a:rPr>
+              <a:t>Which user is connected to which </a:t>
+            </a:r>
+            <a:r>
+              <a:rPr lang="en-IL" sz="1000" dirty="0"/>
+              <a:t>server</a:t>
+            </a:r>
+            <a:endParaRPr lang="he-IL" sz="1000" dirty="0"/>
+          </a:p>
+        </p:txBody>
+      </p:sp>
+      <p:sp>
+        <p:nvSpPr>
+          <p:cNvPr id="50" name="מלבן 49">
+            <a:extLst>
+              <a:ext uri="{FF2B5EF4-FFF2-40B4-BE49-F238E27FC236}">
+                <a16:creationId xmlns:a16="http://schemas.microsoft.com/office/drawing/2014/main" id="{3AF97103-810E-437B-AF0B-A7F5E0E97582}"/>
+              </a:ext>
+            </a:extLst>
+          </p:cNvPr>
+          <p:cNvSpPr/>
+          <p:nvPr/>
+        </p:nvSpPr>
+        <p:spPr>
+          <a:xfrm flipH="1">
+            <a:off x="6201400" y="3868391"/>
+            <a:ext cx="710342" cy="278479"/>
+          </a:xfrm>
+          <a:prstGeom prst="rect">
+            <a:avLst/>
+          </a:prstGeom>
+          <a:noFill/>
+          <a:ln>
+            <a:solidFill>
+              <a:srgbClr val="FF0000"/>
+            </a:solidFill>
+          </a:ln>
+        </p:spPr>
+        <p:style>
+          <a:lnRef idx="2">
+            <a:schemeClr val="accent1">
+              <a:shade val="50000"/>
+            </a:schemeClr>
+          </a:lnRef>
+          <a:fillRef idx="1">
+            <a:schemeClr val="accent1"/>
+          </a:fillRef>
+          <a:effectRef idx="0">
+            <a:schemeClr val="accent1"/>
+          </a:effectRef>
+          <a:fontRef idx="minor">
+            <a:schemeClr val="lt1"/>
+          </a:fontRef>
+        </p:style>
+        <p:txBody>
+          <a:bodyPr rtlCol="1" anchor="ctr"/>
+          <a:lstStyle/>
+          <a:p>
+            <a:pPr algn="ctr"/>
+            <a:r>
+              <a:rPr lang="en-IL" sz="1000" dirty="0">
+                <a:solidFill>
+                  <a:schemeClr val="tx1"/>
+                </a:solidFill>
+              </a:rPr>
+              <a:t>Redis</a:t>
+            </a:r>
+            <a:endParaRPr lang="he-IL" sz="1000" dirty="0">
+              <a:solidFill>
+                <a:schemeClr val="tx1"/>
+              </a:solidFill>
+            </a:endParaRPr>
+          </a:p>
+        </p:txBody>
+      </p:sp>
+      <p:sp>
+        <p:nvSpPr>
+          <p:cNvPr id="51" name="תיבת טקסט 50">
+            <a:extLst>
+              <a:ext uri="{FF2B5EF4-FFF2-40B4-BE49-F238E27FC236}">
+                <a16:creationId xmlns:a16="http://schemas.microsoft.com/office/drawing/2014/main" id="{7AC9D395-BD9E-40ED-8633-5C5CB0AD95DA}"/>
+              </a:ext>
+            </a:extLst>
+          </p:cNvPr>
+          <p:cNvSpPr txBox="1"/>
+          <p:nvPr/>
+        </p:nvSpPr>
+        <p:spPr>
+          <a:xfrm>
+            <a:off x="6249861" y="3030420"/>
+            <a:ext cx="1188520" cy="553998"/>
+          </a:xfrm>
+          <a:prstGeom prst="rect">
+            <a:avLst/>
+          </a:prstGeom>
+          <a:noFill/>
+        </p:spPr>
+        <p:txBody>
+          <a:bodyPr wrap="square">
+            <a:spAutoFit/>
+          </a:bodyPr>
+          <a:lstStyle/>
+          <a:p>
+            <a:pPr algn="l" rtl="0"/>
+            <a:r>
+              <a:rPr lang="en-IL" sz="1000" dirty="0">
+                <a:solidFill>
+                  <a:schemeClr val="tx1"/>
+                </a:solidFill>
+              </a:rPr>
+              <a:t>Two maps here: </a:t>
+            </a:r>
+            <a:br>
+              <a:rPr lang="en-IL" sz="1000" dirty="0">
+                <a:solidFill>
+                  <a:schemeClr val="tx1"/>
+                </a:solidFill>
+              </a:rPr>
+            </a:br>
+            <a:r>
+              <a:rPr lang="en-IL" sz="1000" dirty="0">
+                <a:solidFill>
+                  <a:schemeClr val="tx1"/>
+                </a:solidFill>
+              </a:rPr>
+              <a:t>Server -&gt; Users</a:t>
+            </a:r>
+            <a:br>
+              <a:rPr lang="en-IL" sz="1000" dirty="0">
+                <a:solidFill>
+                  <a:schemeClr val="tx1"/>
+                </a:solidFill>
+              </a:rPr>
+            </a:br>
+            <a:r>
+              <a:rPr lang="en-IL" sz="1000" dirty="0">
+                <a:solidFill>
+                  <a:schemeClr val="tx1"/>
+                </a:solidFill>
+              </a:rPr>
+              <a:t>User -&gt; Server</a:t>
+            </a:r>
+            <a:endParaRPr lang="he-IL" sz="1000" dirty="0"/>
+          </a:p>
+        </p:txBody>
+      </p:sp>
+      <p:sp>
+        <p:nvSpPr>
+          <p:cNvPr id="52" name="מלבן 51">
+            <a:extLst>
+              <a:ext uri="{FF2B5EF4-FFF2-40B4-BE49-F238E27FC236}">
+                <a16:creationId xmlns:a16="http://schemas.microsoft.com/office/drawing/2014/main" id="{A3DF45C3-D663-4EB8-BB29-0BDA7B869C66}"/>
+              </a:ext>
+            </a:extLst>
+          </p:cNvPr>
+          <p:cNvSpPr/>
+          <p:nvPr/>
+        </p:nvSpPr>
+        <p:spPr>
+          <a:xfrm>
+            <a:off x="4733131" y="4460941"/>
+            <a:ext cx="1045417" cy="583072"/>
+          </a:xfrm>
+          <a:prstGeom prst="rect">
+            <a:avLst/>
+          </a:prstGeom>
+          <a:noFill/>
+          <a:ln>
+            <a:solidFill>
+              <a:schemeClr val="accent1"/>
+            </a:solidFill>
+          </a:ln>
+        </p:spPr>
+        <p:style>
+          <a:lnRef idx="2">
+            <a:schemeClr val="accent1">
+              <a:shade val="50000"/>
+            </a:schemeClr>
+          </a:lnRef>
+          <a:fillRef idx="1">
+            <a:schemeClr val="accent1"/>
+          </a:fillRef>
+          <a:effectRef idx="0">
+            <a:schemeClr val="accent1"/>
+          </a:effectRef>
+          <a:fontRef idx="minor">
+            <a:schemeClr val="lt1"/>
+          </a:fontRef>
+        </p:style>
+        <p:txBody>
+          <a:bodyPr rtlCol="1" anchor="ctr"/>
+          <a:lstStyle/>
+          <a:p>
+            <a:pPr algn="ctr" rtl="0"/>
+            <a:r>
+              <a:rPr lang="en-IL" sz="1000" dirty="0">
+                <a:solidFill>
+                  <a:schemeClr val="tx1"/>
+                </a:solidFill>
+              </a:rPr>
+              <a:t>Message </a:t>
+            </a:r>
+            <a:br>
+              <a:rPr lang="en-IL" sz="1000" dirty="0">
+                <a:solidFill>
+                  <a:schemeClr val="tx1"/>
+                </a:solidFill>
+              </a:rPr>
+            </a:br>
+            <a:r>
+              <a:rPr lang="en-IL" sz="1000" dirty="0">
+                <a:solidFill>
+                  <a:schemeClr val="tx1"/>
+                </a:solidFill>
+              </a:rPr>
+              <a:t>Service</a:t>
+            </a:r>
+            <a:endParaRPr lang="he-IL" sz="1000" dirty="0">
+              <a:solidFill>
+                <a:schemeClr val="tx1"/>
+              </a:solidFill>
+            </a:endParaRPr>
+          </a:p>
+        </p:txBody>
+      </p:sp>
+      <p:sp>
+        <p:nvSpPr>
+          <p:cNvPr id="53" name="מלבן 52">
+            <a:extLst>
+              <a:ext uri="{FF2B5EF4-FFF2-40B4-BE49-F238E27FC236}">
+                <a16:creationId xmlns:a16="http://schemas.microsoft.com/office/drawing/2014/main" id="{C44E4470-6695-4588-894E-490A9CE87E45}"/>
+              </a:ext>
+            </a:extLst>
+          </p:cNvPr>
+          <p:cNvSpPr/>
+          <p:nvPr/>
+        </p:nvSpPr>
+        <p:spPr>
+          <a:xfrm flipH="1">
+            <a:off x="6218026" y="4621550"/>
+            <a:ext cx="710342" cy="278479"/>
+          </a:xfrm>
+          <a:prstGeom prst="rect">
+            <a:avLst/>
+          </a:prstGeom>
+          <a:noFill/>
+          <a:ln>
+            <a:solidFill>
+              <a:srgbClr val="FF0000"/>
+            </a:solidFill>
+          </a:ln>
+        </p:spPr>
+        <p:style>
+          <a:lnRef idx="2">
+            <a:schemeClr val="accent1">
+              <a:shade val="50000"/>
+            </a:schemeClr>
+          </a:lnRef>
+          <a:fillRef idx="1">
+            <a:schemeClr val="accent1"/>
+          </a:fillRef>
+          <a:effectRef idx="0">
+            <a:schemeClr val="accent1"/>
+          </a:effectRef>
+          <a:fontRef idx="minor">
+            <a:schemeClr val="lt1"/>
+          </a:fontRef>
+        </p:style>
+        <p:txBody>
+          <a:bodyPr rtlCol="1" anchor="ctr"/>
+          <a:lstStyle/>
+          <a:p>
+            <a:pPr algn="ctr"/>
+            <a:r>
+              <a:rPr lang="en-IL" sz="1000" dirty="0">
+                <a:solidFill>
+                  <a:schemeClr val="tx1"/>
+                </a:solidFill>
+              </a:rPr>
+              <a:t>Cassandra</a:t>
+            </a:r>
+            <a:endParaRPr lang="he-IL" sz="1000" dirty="0">
+              <a:solidFill>
+                <a:schemeClr val="tx1"/>
+              </a:solidFill>
+            </a:endParaRPr>
+          </a:p>
+        </p:txBody>
+      </p:sp>
+      <p:sp>
+        <p:nvSpPr>
+          <p:cNvPr id="54" name="תיבת טקסט 53">
+            <a:extLst>
+              <a:ext uri="{FF2B5EF4-FFF2-40B4-BE49-F238E27FC236}">
+                <a16:creationId xmlns:a16="http://schemas.microsoft.com/office/drawing/2014/main" id="{6B5429DC-9F8E-4BAE-B669-041DF8DD73C3}"/>
+              </a:ext>
+            </a:extLst>
+          </p:cNvPr>
+          <p:cNvSpPr txBox="1"/>
+          <p:nvPr/>
+        </p:nvSpPr>
+        <p:spPr>
+          <a:xfrm>
+            <a:off x="7122591" y="5312934"/>
+            <a:ext cx="2357510" cy="1015663"/>
+          </a:xfrm>
+          <a:prstGeom prst="rect">
+            <a:avLst/>
+          </a:prstGeom>
+          <a:noFill/>
+        </p:spPr>
+        <p:txBody>
+          <a:bodyPr wrap="square">
+            <a:spAutoFit/>
+          </a:bodyPr>
+          <a:lstStyle/>
+          <a:p>
+            <a:pPr algn="l" rtl="0"/>
+            <a:r>
+              <a:rPr lang="en-IL" sz="1000" dirty="0">
+                <a:solidFill>
+                  <a:schemeClr val="tx1"/>
+                </a:solidFill>
+              </a:rPr>
+              <a:t>We have a lot of write volume in the system so we use Cassandra that supports multi writes. The message services store the message and attach it an ID. A message contains also its state: Read, Received</a:t>
+            </a:r>
+            <a:r>
+              <a:rPr lang="en-IL" sz="1000" dirty="0"/>
+              <a:t> etc...</a:t>
+            </a:r>
+            <a:endParaRPr lang="he-IL" sz="1000" dirty="0"/>
+          </a:p>
+        </p:txBody>
+      </p:sp>
+      <p:sp>
+        <p:nvSpPr>
+          <p:cNvPr id="58" name="תיבת טקסט 57">
+            <a:extLst>
+              <a:ext uri="{FF2B5EF4-FFF2-40B4-BE49-F238E27FC236}">
+                <a16:creationId xmlns:a16="http://schemas.microsoft.com/office/drawing/2014/main" id="{2838202B-E96B-477D-922B-C3EC99DF1DCB}"/>
+              </a:ext>
+            </a:extLst>
+          </p:cNvPr>
+          <p:cNvSpPr txBox="1"/>
+          <p:nvPr/>
+        </p:nvSpPr>
+        <p:spPr>
+          <a:xfrm>
+            <a:off x="2665136" y="5407068"/>
+            <a:ext cx="1969243" cy="861774"/>
+          </a:xfrm>
+          <a:prstGeom prst="rect">
+            <a:avLst/>
+          </a:prstGeom>
+          <a:noFill/>
+        </p:spPr>
+        <p:txBody>
+          <a:bodyPr wrap="square" rtlCol="1">
+            <a:spAutoFit/>
+          </a:bodyPr>
+          <a:lstStyle/>
+          <a:p>
+            <a:pPr algn="l" rtl="0"/>
+            <a:r>
+              <a:rPr lang="en-IL" sz="1000" dirty="0"/>
+              <a:t>The WS server talks to the session manager to discover the target user and also talks to the message service to store the message or get its state</a:t>
+            </a:r>
+            <a:endParaRPr lang="he-IL" sz="1000" dirty="0"/>
+          </a:p>
+        </p:txBody>
+      </p:sp>
+      <p:cxnSp>
+        <p:nvCxnSpPr>
+          <p:cNvPr id="63" name="מחבר חץ ישר 62">
+            <a:extLst>
+              <a:ext uri="{FF2B5EF4-FFF2-40B4-BE49-F238E27FC236}">
+                <a16:creationId xmlns:a16="http://schemas.microsoft.com/office/drawing/2014/main" id="{4561A8F7-0A96-4D5E-A6F9-CE2F31095297}"/>
+              </a:ext>
+            </a:extLst>
+          </p:cNvPr>
+          <p:cNvCxnSpPr>
+            <a:cxnSpLocks/>
+            <a:stCxn id="52" idx="3"/>
+            <a:endCxn id="53" idx="3"/>
+          </p:cNvCxnSpPr>
+          <p:nvPr/>
+        </p:nvCxnSpPr>
+        <p:spPr>
+          <a:xfrm>
+            <a:off x="5778548" y="4752477"/>
+            <a:ext cx="439478" cy="8313"/>
+          </a:xfrm>
+          <a:prstGeom prst="straightConnector1">
+            <a:avLst/>
+          </a:prstGeom>
+          <a:ln>
+            <a:headEnd type="triangle"/>
+            <a:tailEnd type="triangle"/>
+          </a:ln>
+        </p:spPr>
+        <p:style>
+          <a:lnRef idx="1">
+            <a:schemeClr val="accent1"/>
+          </a:lnRef>
+          <a:fillRef idx="0">
+            <a:schemeClr val="accent1"/>
+          </a:fillRef>
+          <a:effectRef idx="0">
+            <a:schemeClr val="accent1"/>
+          </a:effectRef>
+          <a:fontRef idx="minor">
+            <a:schemeClr val="tx1"/>
+          </a:fontRef>
+        </p:style>
+      </p:cxnSp>
+      <p:cxnSp>
+        <p:nvCxnSpPr>
+          <p:cNvPr id="66" name="מחבר חץ ישר 65">
+            <a:extLst>
+              <a:ext uri="{FF2B5EF4-FFF2-40B4-BE49-F238E27FC236}">
+                <a16:creationId xmlns:a16="http://schemas.microsoft.com/office/drawing/2014/main" id="{881007AB-AF04-4DE3-8255-AA93A40D3DB4}"/>
+              </a:ext>
+            </a:extLst>
+          </p:cNvPr>
+          <p:cNvCxnSpPr>
+            <a:cxnSpLocks/>
+            <a:stCxn id="47" idx="3"/>
+            <a:endCxn id="50" idx="3"/>
+          </p:cNvCxnSpPr>
+          <p:nvPr/>
+        </p:nvCxnSpPr>
+        <p:spPr>
+          <a:xfrm flipV="1">
+            <a:off x="5778549" y="4007631"/>
+            <a:ext cx="422851" cy="8511"/>
+          </a:xfrm>
+          <a:prstGeom prst="straightConnector1">
+            <a:avLst/>
+          </a:prstGeom>
+          <a:ln>
+            <a:headEnd type="triangle"/>
+            <a:tailEnd type="triangle"/>
+          </a:ln>
+        </p:spPr>
+        <p:style>
+          <a:lnRef idx="1">
+            <a:schemeClr val="accent1"/>
+          </a:lnRef>
+          <a:fillRef idx="0">
+            <a:schemeClr val="accent1"/>
+          </a:fillRef>
+          <a:effectRef idx="0">
+            <a:schemeClr val="accent1"/>
+          </a:effectRef>
+          <a:fontRef idx="minor">
+            <a:schemeClr val="tx1"/>
+          </a:fontRef>
+        </p:style>
+      </p:cxnSp>
+      <p:cxnSp>
+        <p:nvCxnSpPr>
+          <p:cNvPr id="72" name="מחבר חץ ישר 71">
+            <a:extLst>
+              <a:ext uri="{FF2B5EF4-FFF2-40B4-BE49-F238E27FC236}">
+                <a16:creationId xmlns:a16="http://schemas.microsoft.com/office/drawing/2014/main" id="{D40B475E-AC89-4BF8-A77A-CC5AFA8776B1}"/>
+              </a:ext>
+            </a:extLst>
+          </p:cNvPr>
+          <p:cNvCxnSpPr>
+            <a:cxnSpLocks/>
+            <a:stCxn id="10" idx="2"/>
+            <a:endCxn id="12" idx="0"/>
+          </p:cNvCxnSpPr>
+          <p:nvPr/>
+        </p:nvCxnSpPr>
+        <p:spPr>
+          <a:xfrm flipH="1">
+            <a:off x="3446692" y="3480056"/>
+            <a:ext cx="1" cy="236237"/>
+          </a:xfrm>
+          <a:prstGeom prst="straightConnector1">
+            <a:avLst/>
+          </a:prstGeom>
+          <a:ln>
+            <a:headEnd type="triangle"/>
+            <a:tailEnd type="triangle"/>
+          </a:ln>
+        </p:spPr>
+        <p:style>
+          <a:lnRef idx="1">
+            <a:schemeClr val="accent1"/>
+          </a:lnRef>
+          <a:fillRef idx="0">
+            <a:schemeClr val="accent1"/>
+          </a:fillRef>
+          <a:effectRef idx="0">
+            <a:schemeClr val="accent1"/>
+          </a:effectRef>
+          <a:fontRef idx="minor">
+            <a:schemeClr val="tx1"/>
+          </a:fontRef>
+        </p:style>
+      </p:cxnSp>
+      <p:cxnSp>
+        <p:nvCxnSpPr>
+          <p:cNvPr id="75" name="מחבר חץ ישר 74">
+            <a:extLst>
+              <a:ext uri="{FF2B5EF4-FFF2-40B4-BE49-F238E27FC236}">
+                <a16:creationId xmlns:a16="http://schemas.microsoft.com/office/drawing/2014/main" id="{5C8B2807-CC53-449D-A92D-D9D0252E1017}"/>
+              </a:ext>
+            </a:extLst>
+          </p:cNvPr>
+          <p:cNvCxnSpPr>
+            <a:cxnSpLocks/>
+            <a:stCxn id="12" idx="2"/>
+            <a:endCxn id="11" idx="0"/>
+          </p:cNvCxnSpPr>
+          <p:nvPr/>
+        </p:nvCxnSpPr>
+        <p:spPr>
+          <a:xfrm>
+            <a:off x="3446692" y="4299365"/>
+            <a:ext cx="0" cy="244705"/>
+          </a:xfrm>
+          <a:prstGeom prst="straightConnector1">
+            <a:avLst/>
+          </a:prstGeom>
+          <a:ln>
+            <a:headEnd type="triangle"/>
+            <a:tailEnd type="triangle"/>
+          </a:ln>
+        </p:spPr>
+        <p:style>
+          <a:lnRef idx="1">
+            <a:schemeClr val="accent1"/>
+          </a:lnRef>
+          <a:fillRef idx="0">
+            <a:schemeClr val="accent1"/>
+          </a:fillRef>
+          <a:effectRef idx="0">
+            <a:schemeClr val="accent1"/>
+          </a:effectRef>
+          <a:fontRef idx="minor">
+            <a:schemeClr val="tx1"/>
+          </a:fontRef>
+        </p:style>
+      </p:cxnSp>
+      <p:cxnSp>
+        <p:nvCxnSpPr>
+          <p:cNvPr id="78" name="מחבר חץ ישר 77">
+            <a:extLst>
+              <a:ext uri="{FF2B5EF4-FFF2-40B4-BE49-F238E27FC236}">
+                <a16:creationId xmlns:a16="http://schemas.microsoft.com/office/drawing/2014/main" id="{26B681A4-CABC-4E80-93D6-644CC51B9256}"/>
+              </a:ext>
+            </a:extLst>
+          </p:cNvPr>
+          <p:cNvCxnSpPr>
+            <a:cxnSpLocks/>
+            <a:endCxn id="52" idx="1"/>
+          </p:cNvCxnSpPr>
+          <p:nvPr/>
+        </p:nvCxnSpPr>
+        <p:spPr>
+          <a:xfrm>
+            <a:off x="4461863" y="4752477"/>
+            <a:ext cx="271268" cy="0"/>
+          </a:xfrm>
+          <a:prstGeom prst="straightConnector1">
+            <a:avLst/>
+          </a:prstGeom>
+          <a:ln>
+            <a:headEnd type="triangle"/>
+            <a:tailEnd type="triangle"/>
+          </a:ln>
+        </p:spPr>
+        <p:style>
+          <a:lnRef idx="1">
+            <a:schemeClr val="accent1"/>
+          </a:lnRef>
+          <a:fillRef idx="0">
+            <a:schemeClr val="accent1"/>
+          </a:fillRef>
+          <a:effectRef idx="0">
+            <a:schemeClr val="accent1"/>
+          </a:effectRef>
+          <a:fontRef idx="minor">
+            <a:schemeClr val="tx1"/>
+          </a:fontRef>
+        </p:style>
+      </p:cxnSp>
+      <p:cxnSp>
+        <p:nvCxnSpPr>
+          <p:cNvPr id="82" name="מחבר חץ ישר 81">
+            <a:extLst>
+              <a:ext uri="{FF2B5EF4-FFF2-40B4-BE49-F238E27FC236}">
+                <a16:creationId xmlns:a16="http://schemas.microsoft.com/office/drawing/2014/main" id="{4CAAEE3A-883B-44C7-A09F-D631364C8092}"/>
+              </a:ext>
+            </a:extLst>
+          </p:cNvPr>
+          <p:cNvCxnSpPr>
+            <a:cxnSpLocks/>
+            <a:stCxn id="25" idx="3"/>
+            <a:endCxn id="47" idx="1"/>
+          </p:cNvCxnSpPr>
+          <p:nvPr/>
+        </p:nvCxnSpPr>
+        <p:spPr>
+          <a:xfrm>
+            <a:off x="4453550" y="4007158"/>
+            <a:ext cx="298264" cy="8984"/>
+          </a:xfrm>
+          <a:prstGeom prst="straightConnector1">
+            <a:avLst/>
+          </a:prstGeom>
+          <a:ln>
+            <a:headEnd type="triangle"/>
+            <a:tailEnd type="triangle"/>
+          </a:ln>
+        </p:spPr>
+        <p:style>
+          <a:lnRef idx="1">
+            <a:schemeClr val="accent1"/>
+          </a:lnRef>
+          <a:fillRef idx="0">
+            <a:schemeClr val="accent1"/>
+          </a:fillRef>
+          <a:effectRef idx="0">
+            <a:schemeClr val="accent1"/>
+          </a:effectRef>
+          <a:fontRef idx="minor">
+            <a:schemeClr val="tx1"/>
+          </a:fontRef>
+        </p:style>
+      </p:cxnSp>
+      <p:sp>
+        <p:nvSpPr>
+          <p:cNvPr id="85" name="מלבן 84">
+            <a:extLst>
+              <a:ext uri="{FF2B5EF4-FFF2-40B4-BE49-F238E27FC236}">
+                <a16:creationId xmlns:a16="http://schemas.microsoft.com/office/drawing/2014/main" id="{EB947B98-F6A5-4FBD-9E96-D34230A54D10}"/>
+              </a:ext>
+            </a:extLst>
+          </p:cNvPr>
+          <p:cNvSpPr/>
+          <p:nvPr/>
+        </p:nvSpPr>
+        <p:spPr>
+          <a:xfrm flipH="1">
+            <a:off x="3378951" y="2923321"/>
+            <a:ext cx="545724" cy="201587"/>
+          </a:xfrm>
+          <a:prstGeom prst="rect">
+            <a:avLst/>
+          </a:prstGeom>
+          <a:noFill/>
+          <a:ln>
+            <a:solidFill>
+              <a:srgbClr val="FF0000"/>
+            </a:solidFill>
+          </a:ln>
+        </p:spPr>
+        <p:style>
+          <a:lnRef idx="2">
+            <a:schemeClr val="accent1">
+              <a:shade val="50000"/>
+            </a:schemeClr>
+          </a:lnRef>
+          <a:fillRef idx="1">
+            <a:schemeClr val="accent1"/>
+          </a:fillRef>
+          <a:effectRef idx="0">
+            <a:schemeClr val="accent1"/>
+          </a:effectRef>
+          <a:fontRef idx="minor">
+            <a:schemeClr val="lt1"/>
+          </a:fontRef>
+        </p:style>
+        <p:txBody>
+          <a:bodyPr rtlCol="1" anchor="ctr"/>
+          <a:lstStyle/>
+          <a:p>
+            <a:pPr algn="ctr"/>
+            <a:r>
+              <a:rPr lang="en-IL" sz="1000" dirty="0">
+                <a:solidFill>
+                  <a:schemeClr val="tx1"/>
+                </a:solidFill>
+              </a:rPr>
+              <a:t>Cache</a:t>
+            </a:r>
+            <a:endParaRPr lang="he-IL" sz="1000" dirty="0">
+              <a:solidFill>
+                <a:schemeClr val="tx1"/>
+              </a:solidFill>
+            </a:endParaRPr>
+          </a:p>
+        </p:txBody>
+      </p:sp>
+      <p:sp>
+        <p:nvSpPr>
+          <p:cNvPr id="93" name="תיבת טקסט 92">
+            <a:extLst>
+              <a:ext uri="{FF2B5EF4-FFF2-40B4-BE49-F238E27FC236}">
+                <a16:creationId xmlns:a16="http://schemas.microsoft.com/office/drawing/2014/main" id="{E76236A8-14A9-4DDD-90C6-EEFE5E8A8EDB}"/>
+              </a:ext>
+            </a:extLst>
+          </p:cNvPr>
+          <p:cNvSpPr txBox="1"/>
+          <p:nvPr/>
+        </p:nvSpPr>
+        <p:spPr>
+          <a:xfrm>
+            <a:off x="2051419" y="1438921"/>
+            <a:ext cx="1962426" cy="861774"/>
+          </a:xfrm>
+          <a:prstGeom prst="rect">
+            <a:avLst/>
+          </a:prstGeom>
+          <a:noFill/>
+        </p:spPr>
+        <p:txBody>
+          <a:bodyPr wrap="square" rtlCol="1">
+            <a:spAutoFit/>
+          </a:bodyPr>
+          <a:lstStyle/>
+          <a:p>
+            <a:pPr algn="l" rtl="0"/>
+            <a:r>
+              <a:rPr lang="en-IL" sz="1000" dirty="0"/>
+              <a:t>The cache stores the users currently connected to the server and other users in other servers we’ve interacted with. The cache expires in seconds!</a:t>
+            </a:r>
+            <a:endParaRPr lang="he-IL" sz="1000" dirty="0"/>
+          </a:p>
+        </p:txBody>
+      </p:sp>
+      <p:cxnSp>
+        <p:nvCxnSpPr>
+          <p:cNvPr id="106" name="מחבר חץ ישר 105">
+            <a:extLst>
+              <a:ext uri="{FF2B5EF4-FFF2-40B4-BE49-F238E27FC236}">
+                <a16:creationId xmlns:a16="http://schemas.microsoft.com/office/drawing/2014/main" id="{879CC3F0-35A8-429A-BDFB-EE654E118C3D}"/>
+              </a:ext>
+            </a:extLst>
+          </p:cNvPr>
+          <p:cNvCxnSpPr>
+            <a:cxnSpLocks/>
+            <a:stCxn id="93" idx="2"/>
+            <a:endCxn id="85" idx="0"/>
+          </p:cNvCxnSpPr>
+          <p:nvPr/>
+        </p:nvCxnSpPr>
+        <p:spPr>
+          <a:xfrm>
+            <a:off x="3032632" y="2300695"/>
+            <a:ext cx="619181" cy="622626"/>
+          </a:xfrm>
+          <a:prstGeom prst="straightConnector1">
+            <a:avLst/>
+          </a:prstGeom>
+          <a:ln>
+            <a:tailEnd type="triangle"/>
+          </a:ln>
+        </p:spPr>
+        <p:style>
+          <a:lnRef idx="1">
+            <a:schemeClr val="dk1"/>
+          </a:lnRef>
+          <a:fillRef idx="0">
+            <a:schemeClr val="dk1"/>
+          </a:fillRef>
+          <a:effectRef idx="0">
+            <a:schemeClr val="dk1"/>
+          </a:effectRef>
+          <a:fontRef idx="minor">
+            <a:schemeClr val="tx1"/>
+          </a:fontRef>
+        </p:style>
+      </p:cxnSp>
+      <p:cxnSp>
+        <p:nvCxnSpPr>
+          <p:cNvPr id="113" name="מחבר חץ ישר 112">
+            <a:extLst>
+              <a:ext uri="{FF2B5EF4-FFF2-40B4-BE49-F238E27FC236}">
+                <a16:creationId xmlns:a16="http://schemas.microsoft.com/office/drawing/2014/main" id="{688371F4-BD93-436E-B71D-35BE16E804F4}"/>
+              </a:ext>
+            </a:extLst>
+          </p:cNvPr>
+          <p:cNvCxnSpPr>
+            <a:cxnSpLocks/>
+          </p:cNvCxnSpPr>
+          <p:nvPr/>
+        </p:nvCxnSpPr>
+        <p:spPr>
+          <a:xfrm flipV="1">
+            <a:off x="4110424" y="4886907"/>
+            <a:ext cx="665" cy="520161"/>
+          </a:xfrm>
+          <a:prstGeom prst="straightConnector1">
+            <a:avLst/>
+          </a:prstGeom>
+          <a:ln>
+            <a:tailEnd type="triangle"/>
+          </a:ln>
+        </p:spPr>
+        <p:style>
+          <a:lnRef idx="1">
+            <a:schemeClr val="dk1"/>
+          </a:lnRef>
+          <a:fillRef idx="0">
+            <a:schemeClr val="dk1"/>
+          </a:fillRef>
+          <a:effectRef idx="0">
+            <a:schemeClr val="dk1"/>
+          </a:effectRef>
+          <a:fontRef idx="minor">
+            <a:schemeClr val="tx1"/>
+          </a:fontRef>
+        </p:style>
+      </p:cxnSp>
+      <p:cxnSp>
+        <p:nvCxnSpPr>
+          <p:cNvPr id="123" name="מחבר חץ ישר 122">
+            <a:extLst>
+              <a:ext uri="{FF2B5EF4-FFF2-40B4-BE49-F238E27FC236}">
+                <a16:creationId xmlns:a16="http://schemas.microsoft.com/office/drawing/2014/main" id="{BCA281BC-68FD-4181-8595-894F9273E01B}"/>
+              </a:ext>
+            </a:extLst>
+          </p:cNvPr>
+          <p:cNvCxnSpPr>
+            <a:cxnSpLocks/>
+          </p:cNvCxnSpPr>
+          <p:nvPr/>
+        </p:nvCxnSpPr>
+        <p:spPr>
+          <a:xfrm flipH="1" flipV="1">
+            <a:off x="6564885" y="4947725"/>
+            <a:ext cx="595178" cy="448089"/>
+          </a:xfrm>
+          <a:prstGeom prst="straightConnector1">
+            <a:avLst/>
+          </a:prstGeom>
+          <a:ln>
+            <a:tailEnd type="triangle"/>
+          </a:ln>
+        </p:spPr>
+        <p:style>
+          <a:lnRef idx="1">
+            <a:schemeClr val="dk1"/>
+          </a:lnRef>
+          <a:fillRef idx="0">
+            <a:schemeClr val="dk1"/>
+          </a:fillRef>
+          <a:effectRef idx="0">
+            <a:schemeClr val="dk1"/>
+          </a:effectRef>
+          <a:fontRef idx="minor">
+            <a:schemeClr val="tx1"/>
+          </a:fontRef>
+        </p:style>
+      </p:cxnSp>
+      <p:cxnSp>
+        <p:nvCxnSpPr>
+          <p:cNvPr id="124" name="מחבר חץ ישר 123">
+            <a:extLst>
+              <a:ext uri="{FF2B5EF4-FFF2-40B4-BE49-F238E27FC236}">
+                <a16:creationId xmlns:a16="http://schemas.microsoft.com/office/drawing/2014/main" id="{C4A096BA-8E84-4AF9-A79C-33EB62B7EA00}"/>
+              </a:ext>
+            </a:extLst>
+          </p:cNvPr>
+          <p:cNvCxnSpPr>
+            <a:cxnSpLocks/>
+            <a:stCxn id="51" idx="2"/>
+            <a:endCxn id="50" idx="0"/>
+          </p:cNvCxnSpPr>
+          <p:nvPr/>
+        </p:nvCxnSpPr>
+        <p:spPr>
+          <a:xfrm flipH="1">
+            <a:off x="6556571" y="3584418"/>
+            <a:ext cx="287550" cy="283973"/>
+          </a:xfrm>
+          <a:prstGeom prst="straightConnector1">
+            <a:avLst/>
+          </a:prstGeom>
+          <a:ln>
+            <a:tailEnd type="triangle"/>
+          </a:ln>
+        </p:spPr>
+        <p:style>
+          <a:lnRef idx="1">
+            <a:schemeClr val="dk1"/>
+          </a:lnRef>
+          <a:fillRef idx="0">
+            <a:schemeClr val="dk1"/>
+          </a:fillRef>
+          <a:effectRef idx="0">
+            <a:schemeClr val="dk1"/>
+          </a:effectRef>
+          <a:fontRef idx="minor">
+            <a:schemeClr val="tx1"/>
+          </a:fontRef>
+        </p:style>
+      </p:cxnSp>
+      <p:sp>
+        <p:nvSpPr>
+          <p:cNvPr id="128" name="תיבת טקסט 127">
+            <a:extLst>
+              <a:ext uri="{FF2B5EF4-FFF2-40B4-BE49-F238E27FC236}">
+                <a16:creationId xmlns:a16="http://schemas.microsoft.com/office/drawing/2014/main" id="{8B4EC781-5212-40C0-A13C-7E5A4B865631}"/>
+              </a:ext>
+            </a:extLst>
+          </p:cNvPr>
+          <p:cNvSpPr txBox="1"/>
+          <p:nvPr/>
+        </p:nvSpPr>
+        <p:spPr>
+          <a:xfrm>
+            <a:off x="1395501" y="3071399"/>
+            <a:ext cx="721672" cy="246221"/>
+          </a:xfrm>
+          <a:prstGeom prst="rect">
+            <a:avLst/>
+          </a:prstGeom>
+          <a:noFill/>
+        </p:spPr>
+        <p:txBody>
+          <a:bodyPr wrap="none" rtlCol="1">
+            <a:spAutoFit/>
+          </a:bodyPr>
+          <a:lstStyle/>
+          <a:p>
+            <a:r>
+              <a:rPr lang="en-IL" sz="1000" dirty="0"/>
+              <a:t>U1:U2:M2</a:t>
+            </a:r>
+            <a:endParaRPr lang="he-IL" sz="1000" dirty="0"/>
+          </a:p>
+        </p:txBody>
+      </p:sp>
+      <p:sp>
+        <p:nvSpPr>
+          <p:cNvPr id="129" name="תיבת טקסט 128">
+            <a:extLst>
+              <a:ext uri="{FF2B5EF4-FFF2-40B4-BE49-F238E27FC236}">
+                <a16:creationId xmlns:a16="http://schemas.microsoft.com/office/drawing/2014/main" id="{A779195B-B508-45E4-93F0-C9B282B1EEF4}"/>
+              </a:ext>
+            </a:extLst>
+          </p:cNvPr>
+          <p:cNvSpPr txBox="1"/>
+          <p:nvPr/>
+        </p:nvSpPr>
+        <p:spPr>
+          <a:xfrm>
+            <a:off x="378386" y="2513256"/>
+            <a:ext cx="1510350" cy="400110"/>
+          </a:xfrm>
+          <a:prstGeom prst="rect">
+            <a:avLst/>
+          </a:prstGeom>
+          <a:noFill/>
+        </p:spPr>
+        <p:txBody>
+          <a:bodyPr wrap="none" rtlCol="1">
+            <a:spAutoFit/>
+          </a:bodyPr>
+          <a:lstStyle/>
+          <a:p>
+            <a:pPr algn="l" rtl="0"/>
+            <a:r>
+              <a:rPr lang="en-IL" sz="1000" dirty="0"/>
+              <a:t>When user wants to send</a:t>
+            </a:r>
+            <a:br>
+              <a:rPr lang="en-IL" sz="1000" dirty="0"/>
+            </a:br>
+            <a:r>
+              <a:rPr lang="en-IL" sz="1000" dirty="0"/>
+              <a:t>message to another user</a:t>
+            </a:r>
+            <a:endParaRPr lang="he-IL" sz="1000" dirty="0"/>
+          </a:p>
+        </p:txBody>
+      </p:sp>
+      <p:sp>
+        <p:nvSpPr>
+          <p:cNvPr id="130" name="תיבת טקסט 129">
+            <a:extLst>
+              <a:ext uri="{FF2B5EF4-FFF2-40B4-BE49-F238E27FC236}">
+                <a16:creationId xmlns:a16="http://schemas.microsoft.com/office/drawing/2014/main" id="{A4692A9A-00F6-4F75-856C-4C09E296E3DC}"/>
+              </a:ext>
+            </a:extLst>
+          </p:cNvPr>
+          <p:cNvSpPr txBox="1"/>
+          <p:nvPr/>
+        </p:nvSpPr>
+        <p:spPr>
+          <a:xfrm>
+            <a:off x="116383" y="4956108"/>
+            <a:ext cx="1693428" cy="1323439"/>
+          </a:xfrm>
+          <a:prstGeom prst="rect">
+            <a:avLst/>
+          </a:prstGeom>
+          <a:noFill/>
+        </p:spPr>
+        <p:txBody>
+          <a:bodyPr wrap="square" rtlCol="1">
+            <a:spAutoFit/>
+          </a:bodyPr>
+          <a:lstStyle/>
+          <a:p>
+            <a:pPr algn="l" rtl="0"/>
+            <a:r>
+              <a:rPr lang="en-IL" sz="1000" dirty="0"/>
+              <a:t>When the user becomes online, it asks for any messages for him. </a:t>
+            </a:r>
+            <a:r>
+              <a:rPr lang="en-IL" sz="1000" dirty="0">
+                <a:solidFill>
+                  <a:srgbClr val="FF0000"/>
+                </a:solidFill>
+              </a:rPr>
+              <a:t>We should also poll the server once in a while in order to avoid race conditions. We should do it in a bulk for all the connected users.</a:t>
+            </a:r>
+            <a:endParaRPr lang="he-IL" sz="1000" dirty="0">
+              <a:solidFill>
+                <a:srgbClr val="FF0000"/>
+              </a:solidFill>
+            </a:endParaRPr>
+          </a:p>
+        </p:txBody>
+      </p:sp>
+      <p:cxnSp>
+        <p:nvCxnSpPr>
+          <p:cNvPr id="132" name="מחבר חץ ישר 131">
+            <a:extLst>
+              <a:ext uri="{FF2B5EF4-FFF2-40B4-BE49-F238E27FC236}">
+                <a16:creationId xmlns:a16="http://schemas.microsoft.com/office/drawing/2014/main" id="{CBC91373-58E8-43AB-9B90-726E4E59073C}"/>
+              </a:ext>
+            </a:extLst>
+          </p:cNvPr>
+          <p:cNvCxnSpPr>
+            <a:cxnSpLocks/>
+            <a:stCxn id="129" idx="3"/>
+          </p:cNvCxnSpPr>
+          <p:nvPr/>
+        </p:nvCxnSpPr>
+        <p:spPr>
+          <a:xfrm>
+            <a:off x="1888736" y="2713311"/>
+            <a:ext cx="405577" cy="588920"/>
+          </a:xfrm>
+          <a:prstGeom prst="straightConnector1">
+            <a:avLst/>
+          </a:prstGeom>
+          <a:ln>
+            <a:tailEnd type="triangle"/>
+          </a:ln>
+        </p:spPr>
+        <p:style>
+          <a:lnRef idx="1">
+            <a:schemeClr val="dk1"/>
+          </a:lnRef>
+          <a:fillRef idx="0">
+            <a:schemeClr val="dk1"/>
+          </a:fillRef>
+          <a:effectRef idx="0">
+            <a:schemeClr val="dk1"/>
+          </a:effectRef>
+          <a:fontRef idx="minor">
+            <a:schemeClr val="tx1"/>
+          </a:fontRef>
+        </p:style>
+      </p:cxnSp>
+      <p:cxnSp>
+        <p:nvCxnSpPr>
+          <p:cNvPr id="134" name="מחבר חץ ישר 133">
+            <a:extLst>
+              <a:ext uri="{FF2B5EF4-FFF2-40B4-BE49-F238E27FC236}">
+                <a16:creationId xmlns:a16="http://schemas.microsoft.com/office/drawing/2014/main" id="{A5130BD9-7163-40DE-B408-155C0AFDD784}"/>
+              </a:ext>
+            </a:extLst>
+          </p:cNvPr>
+          <p:cNvCxnSpPr>
+            <a:cxnSpLocks/>
+            <a:stCxn id="130" idx="3"/>
+          </p:cNvCxnSpPr>
+          <p:nvPr/>
+        </p:nvCxnSpPr>
+        <p:spPr>
+          <a:xfrm flipV="1">
+            <a:off x="1809811" y="4621550"/>
+            <a:ext cx="426313" cy="996278"/>
+          </a:xfrm>
+          <a:prstGeom prst="straightConnector1">
+            <a:avLst/>
+          </a:prstGeom>
+          <a:ln>
+            <a:tailEnd type="triangle"/>
+          </a:ln>
+        </p:spPr>
+        <p:style>
+          <a:lnRef idx="1">
+            <a:schemeClr val="dk1"/>
+          </a:lnRef>
+          <a:fillRef idx="0">
+            <a:schemeClr val="dk1"/>
+          </a:fillRef>
+          <a:effectRef idx="0">
+            <a:schemeClr val="dk1"/>
+          </a:effectRef>
+          <a:fontRef idx="minor">
+            <a:schemeClr val="tx1"/>
+          </a:fontRef>
+        </p:style>
+      </p:cxnSp>
+      <p:sp>
+        <p:nvSpPr>
+          <p:cNvPr id="140" name="תיבת טקסט 139">
+            <a:extLst>
+              <a:ext uri="{FF2B5EF4-FFF2-40B4-BE49-F238E27FC236}">
+                <a16:creationId xmlns:a16="http://schemas.microsoft.com/office/drawing/2014/main" id="{ED3C7CD6-0472-4D7E-B3E0-EBA5332B38D8}"/>
+              </a:ext>
+            </a:extLst>
+          </p:cNvPr>
+          <p:cNvSpPr txBox="1"/>
+          <p:nvPr/>
+        </p:nvSpPr>
+        <p:spPr>
+          <a:xfrm>
+            <a:off x="8786685" y="1034996"/>
+            <a:ext cx="3288206" cy="1169551"/>
+          </a:xfrm>
+          <a:prstGeom prst="rect">
+            <a:avLst/>
+          </a:prstGeom>
+          <a:noFill/>
+          <a:ln>
+            <a:solidFill>
+              <a:schemeClr val="tx1"/>
+            </a:solidFill>
+          </a:ln>
+        </p:spPr>
+        <p:txBody>
+          <a:bodyPr wrap="square" rtlCol="1">
+            <a:spAutoFit/>
+          </a:bodyPr>
+          <a:lstStyle/>
+          <a:p>
+            <a:pPr algn="l" rtl="0"/>
+            <a:r>
+              <a:rPr lang="en-IL" sz="1000" b="1" dirty="0"/>
+              <a:t>Race</a:t>
+            </a:r>
+            <a:r>
+              <a:rPr lang="en-IL" sz="1000" dirty="0"/>
+              <a:t>: U1 tries to send a message to U3 which is currently offline. Session manager says there is no connected U3 user so the message was not delivered to him. Meanwhile U3 gets connected and fetch all the messages from message service, he gets nothing because U1 message hasn’t been stored yet! After that fetch trial, U1 message gets written to Cassandra. So U3 missed U1 message!</a:t>
+            </a:r>
+          </a:p>
+        </p:txBody>
+      </p:sp>
+      <p:sp>
+        <p:nvSpPr>
+          <p:cNvPr id="144" name="מלבן 143">
+            <a:extLst>
+              <a:ext uri="{FF2B5EF4-FFF2-40B4-BE49-F238E27FC236}">
+                <a16:creationId xmlns:a16="http://schemas.microsoft.com/office/drawing/2014/main" id="{FD3C0019-42C9-4D16-8EE4-46523FA1E74B}"/>
+              </a:ext>
+            </a:extLst>
+          </p:cNvPr>
+          <p:cNvSpPr/>
+          <p:nvPr/>
+        </p:nvSpPr>
+        <p:spPr>
+          <a:xfrm>
+            <a:off x="7537329" y="2881429"/>
+            <a:ext cx="232756" cy="2250000"/>
+          </a:xfrm>
+          <a:prstGeom prst="rect">
+            <a:avLst/>
+          </a:prstGeom>
+          <a:noFill/>
+          <a:ln>
+            <a:solidFill>
+              <a:srgbClr val="FF0000"/>
+            </a:solidFill>
+          </a:ln>
+        </p:spPr>
+        <p:style>
+          <a:lnRef idx="2">
+            <a:schemeClr val="accent1">
+              <a:shade val="50000"/>
+            </a:schemeClr>
+          </a:lnRef>
+          <a:fillRef idx="1">
+            <a:schemeClr val="accent1"/>
+          </a:fillRef>
+          <a:effectRef idx="0">
+            <a:schemeClr val="accent1"/>
+          </a:effectRef>
+          <a:fontRef idx="minor">
+            <a:schemeClr val="lt1"/>
+          </a:fontRef>
+        </p:style>
+        <p:txBody>
+          <a:bodyPr rtlCol="1" anchor="ctr"/>
+          <a:lstStyle/>
+          <a:p>
+            <a:pPr algn="ctr"/>
+            <a:r>
+              <a:rPr lang="en-IL" sz="1000" dirty="0">
+                <a:solidFill>
+                  <a:schemeClr val="tx1"/>
+                </a:solidFill>
+              </a:rPr>
+              <a:t>KAFKA</a:t>
+            </a:r>
+            <a:endParaRPr lang="he-IL" sz="1000" dirty="0">
+              <a:solidFill>
+                <a:schemeClr val="tx1"/>
+              </a:solidFill>
+            </a:endParaRPr>
+          </a:p>
+        </p:txBody>
+      </p:sp>
+      <p:cxnSp>
+        <p:nvCxnSpPr>
+          <p:cNvPr id="146" name="מחבר: מרפקי 145">
+            <a:extLst>
+              <a:ext uri="{FF2B5EF4-FFF2-40B4-BE49-F238E27FC236}">
+                <a16:creationId xmlns:a16="http://schemas.microsoft.com/office/drawing/2014/main" id="{2F5DC3E9-071B-46C7-A5B1-921A6E386DAD}"/>
+              </a:ext>
+            </a:extLst>
+          </p:cNvPr>
+          <p:cNvCxnSpPr>
+            <a:cxnSpLocks/>
+            <a:endCxn id="144" idx="2"/>
+          </p:cNvCxnSpPr>
+          <p:nvPr/>
+        </p:nvCxnSpPr>
+        <p:spPr>
+          <a:xfrm>
+            <a:off x="5797231" y="4625222"/>
+            <a:ext cx="1856476" cy="506207"/>
+          </a:xfrm>
+          <a:prstGeom prst="bentConnector4">
+            <a:avLst>
+              <a:gd name="adj1" fmla="val 10597"/>
+              <a:gd name="adj2" fmla="val 135306"/>
+            </a:avLst>
+          </a:prstGeom>
+          <a:ln>
+            <a:tailEnd type="triangle"/>
+          </a:ln>
+        </p:spPr>
+        <p:style>
+          <a:lnRef idx="1">
+            <a:schemeClr val="accent2"/>
+          </a:lnRef>
+          <a:fillRef idx="0">
+            <a:schemeClr val="accent2"/>
+          </a:fillRef>
+          <a:effectRef idx="0">
+            <a:schemeClr val="accent2"/>
+          </a:effectRef>
+          <a:fontRef idx="minor">
+            <a:schemeClr val="tx1"/>
+          </a:fontRef>
+        </p:style>
+      </p:cxnSp>
+      <p:sp>
+        <p:nvSpPr>
+          <p:cNvPr id="167" name="מלבן 166">
+            <a:extLst>
+              <a:ext uri="{FF2B5EF4-FFF2-40B4-BE49-F238E27FC236}">
+                <a16:creationId xmlns:a16="http://schemas.microsoft.com/office/drawing/2014/main" id="{C7CBED38-B2EE-4023-8563-A22BB499ACF3}"/>
+              </a:ext>
+            </a:extLst>
+          </p:cNvPr>
+          <p:cNvSpPr/>
+          <p:nvPr/>
+        </p:nvSpPr>
+        <p:spPr>
+          <a:xfrm>
+            <a:off x="4749756" y="2291719"/>
+            <a:ext cx="1026735" cy="583072"/>
+          </a:xfrm>
+          <a:prstGeom prst="rect">
+            <a:avLst/>
+          </a:prstGeom>
+          <a:noFill/>
+          <a:ln>
+            <a:solidFill>
+              <a:schemeClr val="accent1"/>
+            </a:solidFill>
+          </a:ln>
+        </p:spPr>
+        <p:style>
+          <a:lnRef idx="2">
+            <a:schemeClr val="accent1">
+              <a:shade val="50000"/>
+            </a:schemeClr>
+          </a:lnRef>
+          <a:fillRef idx="1">
+            <a:schemeClr val="accent1"/>
+          </a:fillRef>
+          <a:effectRef idx="0">
+            <a:schemeClr val="accent1"/>
+          </a:effectRef>
+          <a:fontRef idx="minor">
+            <a:schemeClr val="lt1"/>
+          </a:fontRef>
+        </p:style>
+        <p:txBody>
+          <a:bodyPr rtlCol="1" anchor="ctr"/>
+          <a:lstStyle/>
+          <a:p>
+            <a:pPr algn="ctr" rtl="0"/>
+            <a:r>
+              <a:rPr lang="en-IL" sz="1000" dirty="0">
+                <a:solidFill>
+                  <a:schemeClr val="tx1"/>
+                </a:solidFill>
+              </a:rPr>
+              <a:t>Group Message Handler</a:t>
+            </a:r>
+          </a:p>
+        </p:txBody>
+      </p:sp>
+      <p:cxnSp>
+        <p:nvCxnSpPr>
+          <p:cNvPr id="168" name="מחבר חץ ישר 167">
+            <a:extLst>
+              <a:ext uri="{FF2B5EF4-FFF2-40B4-BE49-F238E27FC236}">
+                <a16:creationId xmlns:a16="http://schemas.microsoft.com/office/drawing/2014/main" id="{FB342854-E6EA-4F16-B009-BEBB7DF14142}"/>
+              </a:ext>
+            </a:extLst>
+          </p:cNvPr>
+          <p:cNvCxnSpPr>
+            <a:cxnSpLocks/>
+            <a:endCxn id="47" idx="0"/>
+          </p:cNvCxnSpPr>
+          <p:nvPr/>
+        </p:nvCxnSpPr>
+        <p:spPr>
+          <a:xfrm flipH="1">
+            <a:off x="5265182" y="3584418"/>
+            <a:ext cx="129778" cy="140188"/>
+          </a:xfrm>
+          <a:prstGeom prst="straightConnector1">
+            <a:avLst/>
+          </a:prstGeom>
+          <a:ln>
+            <a:tailEnd type="triangle"/>
+          </a:ln>
+        </p:spPr>
+        <p:style>
+          <a:lnRef idx="1">
+            <a:schemeClr val="dk1"/>
+          </a:lnRef>
+          <a:fillRef idx="0">
+            <a:schemeClr val="dk1"/>
+          </a:fillRef>
+          <a:effectRef idx="0">
+            <a:schemeClr val="dk1"/>
+          </a:effectRef>
+          <a:fontRef idx="minor">
+            <a:schemeClr val="tx1"/>
+          </a:fontRef>
+        </p:style>
+      </p:cxnSp>
+      <p:sp>
+        <p:nvSpPr>
+          <p:cNvPr id="171" name="מלבן 170">
+            <a:extLst>
+              <a:ext uri="{FF2B5EF4-FFF2-40B4-BE49-F238E27FC236}">
+                <a16:creationId xmlns:a16="http://schemas.microsoft.com/office/drawing/2014/main" id="{04773F0C-4B92-45ED-AD87-4935330E9D17}"/>
+              </a:ext>
+            </a:extLst>
+          </p:cNvPr>
+          <p:cNvSpPr/>
+          <p:nvPr/>
+        </p:nvSpPr>
+        <p:spPr>
+          <a:xfrm>
+            <a:off x="4749756" y="1723366"/>
+            <a:ext cx="1026735" cy="321892"/>
+          </a:xfrm>
+          <a:prstGeom prst="rect">
+            <a:avLst/>
+          </a:prstGeom>
+          <a:noFill/>
+          <a:ln>
+            <a:solidFill>
+              <a:schemeClr val="accent1"/>
+            </a:solidFill>
+          </a:ln>
+        </p:spPr>
+        <p:style>
+          <a:lnRef idx="2">
+            <a:schemeClr val="accent1">
+              <a:shade val="50000"/>
+            </a:schemeClr>
+          </a:lnRef>
+          <a:fillRef idx="1">
+            <a:schemeClr val="accent1"/>
+          </a:fillRef>
+          <a:effectRef idx="0">
+            <a:schemeClr val="accent1"/>
+          </a:effectRef>
+          <a:fontRef idx="minor">
+            <a:schemeClr val="lt1"/>
+          </a:fontRef>
+        </p:style>
+        <p:txBody>
+          <a:bodyPr rtlCol="1" anchor="ctr"/>
+          <a:lstStyle/>
+          <a:p>
+            <a:pPr algn="ctr" rtl="0"/>
+            <a:r>
+              <a:rPr lang="en-IL" sz="1000" dirty="0">
+                <a:solidFill>
+                  <a:schemeClr val="tx1"/>
+                </a:solidFill>
+              </a:rPr>
+              <a:t>Group Service</a:t>
+            </a:r>
+          </a:p>
+        </p:txBody>
+      </p:sp>
+      <p:sp>
+        <p:nvSpPr>
+          <p:cNvPr id="172" name="מלבן 171">
+            <a:extLst>
+              <a:ext uri="{FF2B5EF4-FFF2-40B4-BE49-F238E27FC236}">
+                <a16:creationId xmlns:a16="http://schemas.microsoft.com/office/drawing/2014/main" id="{20614807-D2F5-472D-8E85-AE12ADB852A1}"/>
+              </a:ext>
+            </a:extLst>
+          </p:cNvPr>
+          <p:cNvSpPr/>
+          <p:nvPr/>
+        </p:nvSpPr>
+        <p:spPr>
+          <a:xfrm>
+            <a:off x="6090844" y="1713539"/>
+            <a:ext cx="1026735" cy="340034"/>
+          </a:xfrm>
+          <a:prstGeom prst="rect">
+            <a:avLst/>
+          </a:prstGeom>
+          <a:noFill/>
+          <a:ln>
+            <a:solidFill>
+              <a:srgbClr val="FF0000"/>
+            </a:solidFill>
+          </a:ln>
+        </p:spPr>
+        <p:style>
+          <a:lnRef idx="2">
+            <a:schemeClr val="accent1">
+              <a:shade val="50000"/>
+            </a:schemeClr>
+          </a:lnRef>
+          <a:fillRef idx="1">
+            <a:schemeClr val="accent1"/>
+          </a:fillRef>
+          <a:effectRef idx="0">
+            <a:schemeClr val="accent1"/>
+          </a:effectRef>
+          <a:fontRef idx="minor">
+            <a:schemeClr val="lt1"/>
+          </a:fontRef>
+        </p:style>
+        <p:txBody>
+          <a:bodyPr rtlCol="1" anchor="ctr"/>
+          <a:lstStyle/>
+          <a:p>
+            <a:pPr algn="ctr"/>
+            <a:r>
+              <a:rPr lang="en-IL" sz="1000" dirty="0">
+                <a:solidFill>
+                  <a:schemeClr val="tx1"/>
+                </a:solidFill>
+              </a:rPr>
+              <a:t>Groups DB MySQL</a:t>
+            </a:r>
+          </a:p>
+        </p:txBody>
+      </p:sp>
+      <p:cxnSp>
+        <p:nvCxnSpPr>
+          <p:cNvPr id="175" name="מחבר חץ ישר 174">
+            <a:extLst>
+              <a:ext uri="{FF2B5EF4-FFF2-40B4-BE49-F238E27FC236}">
+                <a16:creationId xmlns:a16="http://schemas.microsoft.com/office/drawing/2014/main" id="{167EAFD9-2508-4650-AB6B-C4C81E86BFC5}"/>
+              </a:ext>
+            </a:extLst>
+          </p:cNvPr>
+          <p:cNvCxnSpPr>
+            <a:cxnSpLocks/>
+            <a:stCxn id="171" idx="2"/>
+            <a:endCxn id="167" idx="0"/>
+          </p:cNvCxnSpPr>
+          <p:nvPr/>
+        </p:nvCxnSpPr>
+        <p:spPr>
+          <a:xfrm>
+            <a:off x="5263124" y="2045258"/>
+            <a:ext cx="0" cy="246461"/>
+          </a:xfrm>
+          <a:prstGeom prst="straightConnector1">
+            <a:avLst/>
+          </a:prstGeom>
+          <a:ln>
+            <a:tailEnd type="triangle"/>
+          </a:ln>
+        </p:spPr>
+        <p:style>
+          <a:lnRef idx="1">
+            <a:schemeClr val="accent1"/>
+          </a:lnRef>
+          <a:fillRef idx="0">
+            <a:schemeClr val="accent1"/>
+          </a:fillRef>
+          <a:effectRef idx="0">
+            <a:schemeClr val="accent1"/>
+          </a:effectRef>
+          <a:fontRef idx="minor">
+            <a:schemeClr val="tx1"/>
+          </a:fontRef>
+        </p:style>
+      </p:cxnSp>
+      <p:cxnSp>
+        <p:nvCxnSpPr>
+          <p:cNvPr id="179" name="מחבר: מרפקי 178">
+            <a:extLst>
+              <a:ext uri="{FF2B5EF4-FFF2-40B4-BE49-F238E27FC236}">
+                <a16:creationId xmlns:a16="http://schemas.microsoft.com/office/drawing/2014/main" id="{279C07F3-B12B-4BE4-BDEA-A1D1C684883F}"/>
+              </a:ext>
+            </a:extLst>
+          </p:cNvPr>
+          <p:cNvCxnSpPr>
+            <a:stCxn id="144" idx="0"/>
+            <a:endCxn id="167" idx="3"/>
+          </p:cNvCxnSpPr>
+          <p:nvPr/>
+        </p:nvCxnSpPr>
+        <p:spPr>
+          <a:xfrm rot="16200000" flipV="1">
+            <a:off x="6566012" y="1793734"/>
+            <a:ext cx="298174" cy="1877216"/>
+          </a:xfrm>
+          <a:prstGeom prst="bentConnector2">
+            <a:avLst/>
+          </a:prstGeom>
+          <a:ln>
+            <a:tailEnd type="triangle"/>
+          </a:ln>
+        </p:spPr>
+        <p:style>
+          <a:lnRef idx="1">
+            <a:schemeClr val="accent2"/>
+          </a:lnRef>
+          <a:fillRef idx="0">
+            <a:schemeClr val="accent2"/>
+          </a:fillRef>
+          <a:effectRef idx="0">
+            <a:schemeClr val="accent2"/>
+          </a:effectRef>
+          <a:fontRef idx="minor">
+            <a:schemeClr val="tx1"/>
+          </a:fontRef>
+        </p:style>
+      </p:cxnSp>
+      <p:cxnSp>
+        <p:nvCxnSpPr>
+          <p:cNvPr id="181" name="מחבר חץ ישר 180">
+            <a:extLst>
+              <a:ext uri="{FF2B5EF4-FFF2-40B4-BE49-F238E27FC236}">
+                <a16:creationId xmlns:a16="http://schemas.microsoft.com/office/drawing/2014/main" id="{7E204770-822A-4B98-AACA-756197463DC5}"/>
+              </a:ext>
+            </a:extLst>
+          </p:cNvPr>
+          <p:cNvCxnSpPr>
+            <a:cxnSpLocks/>
+            <a:stCxn id="47" idx="0"/>
+            <a:endCxn id="167" idx="2"/>
+          </p:cNvCxnSpPr>
+          <p:nvPr/>
+        </p:nvCxnSpPr>
+        <p:spPr>
+          <a:xfrm flipH="1" flipV="1">
+            <a:off x="5263124" y="2874791"/>
+            <a:ext cx="2058" cy="849815"/>
+          </a:xfrm>
+          <a:prstGeom prst="straightConnector1">
+            <a:avLst/>
+          </a:prstGeom>
+          <a:ln>
+            <a:tailEnd type="triangle"/>
+          </a:ln>
+        </p:spPr>
+        <p:style>
+          <a:lnRef idx="1">
+            <a:schemeClr val="accent1"/>
+          </a:lnRef>
+          <a:fillRef idx="0">
+            <a:schemeClr val="accent1"/>
+          </a:fillRef>
+          <a:effectRef idx="0">
+            <a:schemeClr val="accent1"/>
+          </a:effectRef>
+          <a:fontRef idx="minor">
+            <a:schemeClr val="tx1"/>
+          </a:fontRef>
+        </p:style>
+      </p:cxnSp>
+      <p:cxnSp>
+        <p:nvCxnSpPr>
+          <p:cNvPr id="188" name="מחבר: מרפקי 187">
+            <a:extLst>
+              <a:ext uri="{FF2B5EF4-FFF2-40B4-BE49-F238E27FC236}">
+                <a16:creationId xmlns:a16="http://schemas.microsoft.com/office/drawing/2014/main" id="{D132D51E-AFF5-4067-B967-02B7805F425F}"/>
+              </a:ext>
+            </a:extLst>
+          </p:cNvPr>
+          <p:cNvCxnSpPr>
+            <a:cxnSpLocks/>
+          </p:cNvCxnSpPr>
+          <p:nvPr/>
+        </p:nvCxnSpPr>
+        <p:spPr>
+          <a:xfrm rot="10800000" flipV="1">
+            <a:off x="3969401" y="2483498"/>
+            <a:ext cx="755416" cy="605265"/>
+          </a:xfrm>
+          <a:prstGeom prst="bentConnector3">
+            <a:avLst>
+              <a:gd name="adj1" fmla="val 80812"/>
+            </a:avLst>
+          </a:prstGeom>
+          <a:ln>
+            <a:tailEnd type="triangle"/>
+          </a:ln>
+        </p:spPr>
+        <p:style>
+          <a:lnRef idx="3">
+            <a:schemeClr val="accent2"/>
+          </a:lnRef>
+          <a:fillRef idx="0">
+            <a:schemeClr val="accent2"/>
+          </a:fillRef>
+          <a:effectRef idx="2">
+            <a:schemeClr val="accent2"/>
+          </a:effectRef>
+          <a:fontRef idx="minor">
+            <a:schemeClr val="tx1"/>
+          </a:fontRef>
+        </p:style>
+      </p:cxnSp>
+      <p:cxnSp>
+        <p:nvCxnSpPr>
+          <p:cNvPr id="191" name="מחבר: מרפקי 190">
+            <a:extLst>
+              <a:ext uri="{FF2B5EF4-FFF2-40B4-BE49-F238E27FC236}">
+                <a16:creationId xmlns:a16="http://schemas.microsoft.com/office/drawing/2014/main" id="{62B2DB83-EFDC-47BE-AD5E-6F98BFFBE6BA}"/>
+              </a:ext>
+            </a:extLst>
+          </p:cNvPr>
+          <p:cNvCxnSpPr>
+            <a:cxnSpLocks/>
+          </p:cNvCxnSpPr>
+          <p:nvPr/>
+        </p:nvCxnSpPr>
+        <p:spPr>
+          <a:xfrm rot="10800000" flipV="1">
+            <a:off x="3969401" y="2475186"/>
+            <a:ext cx="755417" cy="1424574"/>
+          </a:xfrm>
+          <a:prstGeom prst="bentConnector3">
+            <a:avLst>
+              <a:gd name="adj1" fmla="val 80812"/>
+            </a:avLst>
+          </a:prstGeom>
+          <a:ln>
+            <a:tailEnd type="triangle"/>
+          </a:ln>
+        </p:spPr>
+        <p:style>
+          <a:lnRef idx="1">
+            <a:schemeClr val="accent2"/>
+          </a:lnRef>
+          <a:fillRef idx="0">
+            <a:schemeClr val="accent2"/>
+          </a:fillRef>
+          <a:effectRef idx="0">
+            <a:schemeClr val="accent2"/>
+          </a:effectRef>
+          <a:fontRef idx="minor">
+            <a:schemeClr val="tx1"/>
+          </a:fontRef>
+        </p:style>
+      </p:cxnSp>
+      <p:cxnSp>
+        <p:nvCxnSpPr>
+          <p:cNvPr id="195" name="מחבר: מרפקי 194">
+            <a:extLst>
+              <a:ext uri="{FF2B5EF4-FFF2-40B4-BE49-F238E27FC236}">
+                <a16:creationId xmlns:a16="http://schemas.microsoft.com/office/drawing/2014/main" id="{ACF385C6-07FB-4284-AF94-D7C8A0C25A7F}"/>
+              </a:ext>
+            </a:extLst>
+          </p:cNvPr>
+          <p:cNvCxnSpPr>
+            <a:cxnSpLocks/>
+          </p:cNvCxnSpPr>
+          <p:nvPr/>
+        </p:nvCxnSpPr>
+        <p:spPr>
+          <a:xfrm rot="10800000" flipV="1">
+            <a:off x="3969401" y="2475185"/>
+            <a:ext cx="755417" cy="2252351"/>
+          </a:xfrm>
+          <a:prstGeom prst="bentConnector3">
+            <a:avLst>
+              <a:gd name="adj1" fmla="val 81912"/>
+            </a:avLst>
+          </a:prstGeom>
+          <a:ln>
+            <a:tailEnd type="triangle"/>
+          </a:ln>
+        </p:spPr>
+        <p:style>
+          <a:lnRef idx="1">
+            <a:schemeClr val="accent2"/>
+          </a:lnRef>
+          <a:fillRef idx="0">
+            <a:schemeClr val="accent2"/>
+          </a:fillRef>
+          <a:effectRef idx="0">
+            <a:schemeClr val="accent2"/>
+          </a:effectRef>
+          <a:fontRef idx="minor">
+            <a:schemeClr val="tx1"/>
+          </a:fontRef>
+        </p:style>
+      </p:cxnSp>
+      <p:sp>
+        <p:nvSpPr>
+          <p:cNvPr id="202" name="תיבת טקסט 201">
+            <a:extLst>
+              <a:ext uri="{FF2B5EF4-FFF2-40B4-BE49-F238E27FC236}">
+                <a16:creationId xmlns:a16="http://schemas.microsoft.com/office/drawing/2014/main" id="{66CFAA10-1127-4E26-AAD8-AD9CD0B66A25}"/>
+              </a:ext>
+            </a:extLst>
+          </p:cNvPr>
+          <p:cNvSpPr txBox="1"/>
+          <p:nvPr/>
+        </p:nvSpPr>
+        <p:spPr>
+          <a:xfrm>
+            <a:off x="7149597" y="1669753"/>
+            <a:ext cx="1486384" cy="400110"/>
+          </a:xfrm>
+          <a:prstGeom prst="rect">
+            <a:avLst/>
+          </a:prstGeom>
+          <a:noFill/>
+        </p:spPr>
+        <p:txBody>
+          <a:bodyPr wrap="square" rtlCol="1">
+            <a:spAutoFit/>
+          </a:bodyPr>
+          <a:lstStyle/>
+          <a:p>
+            <a:pPr algn="l" rtl="0"/>
+            <a:r>
+              <a:rPr lang="en-IL" sz="1000" dirty="0"/>
+              <a:t>Group DB, contains the user group assignments</a:t>
+            </a:r>
+            <a:endParaRPr lang="he-IL" sz="1000" dirty="0"/>
+          </a:p>
+        </p:txBody>
+      </p:sp>
+      <p:sp>
+        <p:nvSpPr>
+          <p:cNvPr id="203" name="תיבת טקסט 202">
+            <a:extLst>
+              <a:ext uri="{FF2B5EF4-FFF2-40B4-BE49-F238E27FC236}">
+                <a16:creationId xmlns:a16="http://schemas.microsoft.com/office/drawing/2014/main" id="{72401CCB-9839-4B14-AD64-002764E74468}"/>
+              </a:ext>
+            </a:extLst>
+          </p:cNvPr>
+          <p:cNvSpPr txBox="1"/>
+          <p:nvPr/>
+        </p:nvSpPr>
+        <p:spPr>
+          <a:xfrm>
+            <a:off x="5799455" y="2119480"/>
+            <a:ext cx="2646272" cy="400110"/>
+          </a:xfrm>
+          <a:prstGeom prst="rect">
+            <a:avLst/>
+          </a:prstGeom>
+          <a:noFill/>
+        </p:spPr>
+        <p:txBody>
+          <a:bodyPr wrap="square" rtlCol="1">
+            <a:spAutoFit/>
+          </a:bodyPr>
+          <a:lstStyle/>
+          <a:p>
+            <a:pPr algn="l" rtl="0"/>
+            <a:r>
+              <a:rPr lang="en-IL" sz="1000" dirty="0"/>
+              <a:t>For each user in the group, we fetch his current WS server and send the message to the server</a:t>
+            </a:r>
+            <a:endParaRPr lang="he-IL" sz="1000" dirty="0"/>
+          </a:p>
+        </p:txBody>
+      </p:sp>
+      <p:sp>
+        <p:nvSpPr>
+          <p:cNvPr id="204" name="תיבת טקסט 203">
+            <a:extLst>
+              <a:ext uri="{FF2B5EF4-FFF2-40B4-BE49-F238E27FC236}">
+                <a16:creationId xmlns:a16="http://schemas.microsoft.com/office/drawing/2014/main" id="{23EBF2B3-4CE6-4C79-847D-E38CA5E13D75}"/>
+              </a:ext>
+            </a:extLst>
+          </p:cNvPr>
+          <p:cNvSpPr txBox="1"/>
+          <p:nvPr/>
+        </p:nvSpPr>
+        <p:spPr>
+          <a:xfrm>
+            <a:off x="8018662" y="3350533"/>
+            <a:ext cx="2280976" cy="1323439"/>
+          </a:xfrm>
+          <a:prstGeom prst="rect">
+            <a:avLst/>
+          </a:prstGeom>
+          <a:noFill/>
+        </p:spPr>
+        <p:txBody>
+          <a:bodyPr wrap="square" rtlCol="1">
+            <a:spAutoFit/>
+          </a:bodyPr>
+          <a:lstStyle/>
+          <a:p>
+            <a:pPr algn="l" rtl="0"/>
+            <a:r>
+              <a:rPr lang="en-IL" sz="1000" dirty="0"/>
+              <a:t>Group messages are handled by Kafka in because we don’t want to overload WS server with this kind of job. WS server is simple server implementation.</a:t>
+            </a:r>
+            <a:br>
+              <a:rPr lang="en-IL" sz="1000" dirty="0"/>
+            </a:br>
+            <a:br>
+              <a:rPr lang="en-IL" sz="1000" dirty="0"/>
+            </a:br>
+            <a:r>
+              <a:rPr lang="en-IL" sz="1000" dirty="0"/>
+              <a:t>Note that the group messages are also stored in the DB, in order to allow disconnected users to fetch them later.</a:t>
+            </a:r>
+            <a:endParaRPr lang="he-IL" sz="1000" dirty="0"/>
+          </a:p>
+        </p:txBody>
+      </p:sp>
+      <p:sp>
+        <p:nvSpPr>
+          <p:cNvPr id="207" name="תיבת טקסט 206">
+            <a:extLst>
+              <a:ext uri="{FF2B5EF4-FFF2-40B4-BE49-F238E27FC236}">
+                <a16:creationId xmlns:a16="http://schemas.microsoft.com/office/drawing/2014/main" id="{9523436B-DB00-4E59-90C6-F63F65CAA48F}"/>
+              </a:ext>
+            </a:extLst>
+          </p:cNvPr>
+          <p:cNvSpPr txBox="1"/>
+          <p:nvPr/>
+        </p:nvSpPr>
+        <p:spPr>
+          <a:xfrm>
+            <a:off x="4635984" y="6325224"/>
+            <a:ext cx="5197972" cy="553998"/>
+          </a:xfrm>
+          <a:prstGeom prst="rect">
+            <a:avLst/>
+          </a:prstGeom>
+          <a:noFill/>
+        </p:spPr>
+        <p:txBody>
+          <a:bodyPr wrap="square">
+            <a:spAutoFit/>
+          </a:bodyPr>
+          <a:lstStyle>
+            <a:defPPr>
+              <a:defRPr lang="he-IL"/>
+            </a:defPPr>
+            <a:lvl1pPr algn="l" rtl="0">
+              <a:defRPr sz="1000"/>
+            </a:lvl1pPr>
+          </a:lstStyle>
+          <a:p>
+            <a:r>
+              <a:rPr lang="en-IL" dirty="0"/>
+              <a:t>In order to support media upload we first upload the media then sending the link to the target user as regular message.  We don’t upload every image and can detect already uploaded image by using a hash that is computed at the client side</a:t>
+            </a:r>
+            <a:endParaRPr lang="he-IL" dirty="0"/>
+          </a:p>
+        </p:txBody>
+      </p:sp>
+      <p:sp>
+        <p:nvSpPr>
+          <p:cNvPr id="208" name="מלבן 207">
+            <a:extLst>
+              <a:ext uri="{FF2B5EF4-FFF2-40B4-BE49-F238E27FC236}">
+                <a16:creationId xmlns:a16="http://schemas.microsoft.com/office/drawing/2014/main" id="{636EE43E-E7BE-497F-ACD1-22821A17C5B0}"/>
+              </a:ext>
+            </a:extLst>
+          </p:cNvPr>
+          <p:cNvSpPr/>
+          <p:nvPr/>
+        </p:nvSpPr>
+        <p:spPr>
+          <a:xfrm>
+            <a:off x="4742331" y="5144647"/>
+            <a:ext cx="1045417" cy="583072"/>
+          </a:xfrm>
+          <a:prstGeom prst="rect">
+            <a:avLst/>
+          </a:prstGeom>
+          <a:noFill/>
+          <a:ln>
+            <a:solidFill>
+              <a:schemeClr val="accent1"/>
+            </a:solidFill>
+          </a:ln>
+        </p:spPr>
+        <p:style>
+          <a:lnRef idx="2">
+            <a:schemeClr val="accent1">
+              <a:shade val="50000"/>
+            </a:schemeClr>
+          </a:lnRef>
+          <a:fillRef idx="1">
+            <a:schemeClr val="accent1"/>
+          </a:fillRef>
+          <a:effectRef idx="0">
+            <a:schemeClr val="accent1"/>
+          </a:effectRef>
+          <a:fontRef idx="minor">
+            <a:schemeClr val="lt1"/>
+          </a:fontRef>
+        </p:style>
+        <p:txBody>
+          <a:bodyPr rtlCol="1" anchor="ctr"/>
+          <a:lstStyle/>
+          <a:p>
+            <a:pPr algn="ctr" rtl="0"/>
+            <a:r>
+              <a:rPr lang="en-IL" sz="1000" dirty="0">
+                <a:solidFill>
+                  <a:schemeClr val="tx1"/>
+                </a:solidFill>
+              </a:rPr>
+              <a:t>Asset Service</a:t>
+            </a:r>
+            <a:endParaRPr lang="he-IL" sz="1000" dirty="0">
+              <a:solidFill>
+                <a:schemeClr val="tx1"/>
+              </a:solidFill>
+            </a:endParaRPr>
+          </a:p>
+        </p:txBody>
+      </p:sp>
+      <p:cxnSp>
+        <p:nvCxnSpPr>
+          <p:cNvPr id="210" name="מחבר חץ ישר 209">
+            <a:extLst>
+              <a:ext uri="{FF2B5EF4-FFF2-40B4-BE49-F238E27FC236}">
+                <a16:creationId xmlns:a16="http://schemas.microsoft.com/office/drawing/2014/main" id="{7C387188-FBFC-4112-AAD1-E5AC8511914F}"/>
+              </a:ext>
+            </a:extLst>
+          </p:cNvPr>
+          <p:cNvCxnSpPr>
+            <a:cxnSpLocks/>
+            <a:endCxn id="208" idx="1"/>
+          </p:cNvCxnSpPr>
+          <p:nvPr/>
+        </p:nvCxnSpPr>
+        <p:spPr>
+          <a:xfrm>
+            <a:off x="4487690" y="4998426"/>
+            <a:ext cx="254641" cy="437757"/>
+          </a:xfrm>
+          <a:prstGeom prst="straightConnector1">
+            <a:avLst/>
+          </a:prstGeom>
+          <a:ln>
+            <a:headEnd type="triangle"/>
+            <a:tailEnd type="triangle"/>
+          </a:ln>
+        </p:spPr>
+        <p:style>
+          <a:lnRef idx="1">
+            <a:schemeClr val="accent1"/>
+          </a:lnRef>
+          <a:fillRef idx="0">
+            <a:schemeClr val="accent1"/>
+          </a:fillRef>
+          <a:effectRef idx="0">
+            <a:schemeClr val="accent1"/>
+          </a:effectRef>
+          <a:fontRef idx="minor">
+            <a:schemeClr val="tx1"/>
+          </a:fontRef>
+        </p:style>
+      </p:cxnSp>
+      <p:sp>
+        <p:nvSpPr>
+          <p:cNvPr id="214" name="מלבן 213">
+            <a:extLst>
+              <a:ext uri="{FF2B5EF4-FFF2-40B4-BE49-F238E27FC236}">
+                <a16:creationId xmlns:a16="http://schemas.microsoft.com/office/drawing/2014/main" id="{90039414-5032-487E-B269-778676A655A0}"/>
+              </a:ext>
+            </a:extLst>
+          </p:cNvPr>
+          <p:cNvSpPr/>
+          <p:nvPr/>
+        </p:nvSpPr>
+        <p:spPr>
+          <a:xfrm flipH="1">
+            <a:off x="4724817" y="6006662"/>
+            <a:ext cx="429832" cy="278479"/>
+          </a:xfrm>
+          <a:prstGeom prst="rect">
+            <a:avLst/>
+          </a:prstGeom>
+          <a:noFill/>
+          <a:ln>
+            <a:solidFill>
+              <a:srgbClr val="FF0000"/>
+            </a:solidFill>
+          </a:ln>
+        </p:spPr>
+        <p:style>
+          <a:lnRef idx="2">
+            <a:schemeClr val="accent1">
+              <a:shade val="50000"/>
+            </a:schemeClr>
+          </a:lnRef>
+          <a:fillRef idx="1">
+            <a:schemeClr val="accent1"/>
+          </a:fillRef>
+          <a:effectRef idx="0">
+            <a:schemeClr val="accent1"/>
+          </a:effectRef>
+          <a:fontRef idx="minor">
+            <a:schemeClr val="lt1"/>
+          </a:fontRef>
+        </p:style>
+        <p:txBody>
+          <a:bodyPr rtlCol="1" anchor="ctr"/>
+          <a:lstStyle/>
+          <a:p>
+            <a:pPr algn="ctr"/>
+            <a:r>
+              <a:rPr lang="en-IL" sz="1000" dirty="0">
+                <a:solidFill>
+                  <a:schemeClr val="tx1"/>
+                </a:solidFill>
+              </a:rPr>
+              <a:t>S3</a:t>
+            </a:r>
+            <a:endParaRPr lang="he-IL" sz="1000" dirty="0">
+              <a:solidFill>
+                <a:schemeClr val="tx1"/>
+              </a:solidFill>
+            </a:endParaRPr>
+          </a:p>
+        </p:txBody>
+      </p:sp>
+      <p:sp>
+        <p:nvSpPr>
+          <p:cNvPr id="215" name="מלבן 214">
+            <a:extLst>
+              <a:ext uri="{FF2B5EF4-FFF2-40B4-BE49-F238E27FC236}">
+                <a16:creationId xmlns:a16="http://schemas.microsoft.com/office/drawing/2014/main" id="{8820DAFC-4F63-4ED9-BA8D-8D3948B1AD8C}"/>
+              </a:ext>
+            </a:extLst>
+          </p:cNvPr>
+          <p:cNvSpPr/>
+          <p:nvPr/>
+        </p:nvSpPr>
+        <p:spPr>
+          <a:xfrm flipH="1">
+            <a:off x="5320444" y="6006663"/>
+            <a:ext cx="429832" cy="278479"/>
+          </a:xfrm>
+          <a:prstGeom prst="rect">
+            <a:avLst/>
+          </a:prstGeom>
+          <a:noFill/>
+          <a:ln>
+            <a:solidFill>
+              <a:srgbClr val="FF0000"/>
+            </a:solidFill>
+          </a:ln>
+        </p:spPr>
+        <p:style>
+          <a:lnRef idx="2">
+            <a:schemeClr val="accent1">
+              <a:shade val="50000"/>
+            </a:schemeClr>
+          </a:lnRef>
+          <a:fillRef idx="1">
+            <a:schemeClr val="accent1"/>
+          </a:fillRef>
+          <a:effectRef idx="0">
+            <a:schemeClr val="accent1"/>
+          </a:effectRef>
+          <a:fontRef idx="minor">
+            <a:schemeClr val="lt1"/>
+          </a:fontRef>
+        </p:style>
+        <p:txBody>
+          <a:bodyPr rtlCol="1" anchor="ctr"/>
+          <a:lstStyle/>
+          <a:p>
+            <a:pPr algn="ctr"/>
+            <a:r>
+              <a:rPr lang="en-IL" sz="1000" dirty="0">
+                <a:solidFill>
+                  <a:schemeClr val="tx1"/>
+                </a:solidFill>
+              </a:rPr>
+              <a:t>CDN</a:t>
+            </a:r>
+            <a:endParaRPr lang="he-IL" sz="1000" dirty="0">
+              <a:solidFill>
+                <a:schemeClr val="tx1"/>
+              </a:solidFill>
+            </a:endParaRPr>
+          </a:p>
+        </p:txBody>
+      </p:sp>
+      <p:cxnSp>
+        <p:nvCxnSpPr>
+          <p:cNvPr id="216" name="מחבר חץ ישר 215">
+            <a:extLst>
+              <a:ext uri="{FF2B5EF4-FFF2-40B4-BE49-F238E27FC236}">
+                <a16:creationId xmlns:a16="http://schemas.microsoft.com/office/drawing/2014/main" id="{308F9A67-D2DE-4900-9263-862D4870C85B}"/>
+              </a:ext>
+            </a:extLst>
+          </p:cNvPr>
+          <p:cNvCxnSpPr>
+            <a:cxnSpLocks/>
+            <a:endCxn id="214" idx="0"/>
+          </p:cNvCxnSpPr>
+          <p:nvPr/>
+        </p:nvCxnSpPr>
+        <p:spPr>
+          <a:xfrm>
+            <a:off x="4939733" y="5715551"/>
+            <a:ext cx="0" cy="291111"/>
+          </a:xfrm>
+          <a:prstGeom prst="straightConnector1">
+            <a:avLst/>
+          </a:prstGeom>
+          <a:ln>
+            <a:headEnd type="triangle"/>
+            <a:tailEnd type="triangle"/>
+          </a:ln>
+        </p:spPr>
+        <p:style>
+          <a:lnRef idx="1">
+            <a:schemeClr val="accent1"/>
+          </a:lnRef>
+          <a:fillRef idx="0">
+            <a:schemeClr val="accent1"/>
+          </a:fillRef>
+          <a:effectRef idx="0">
+            <a:schemeClr val="accent1"/>
+          </a:effectRef>
+          <a:fontRef idx="minor">
+            <a:schemeClr val="tx1"/>
+          </a:fontRef>
+        </p:style>
+      </p:cxnSp>
+      <p:cxnSp>
+        <p:nvCxnSpPr>
+          <p:cNvPr id="219" name="מחבר חץ ישר 218">
+            <a:extLst>
+              <a:ext uri="{FF2B5EF4-FFF2-40B4-BE49-F238E27FC236}">
+                <a16:creationId xmlns:a16="http://schemas.microsoft.com/office/drawing/2014/main" id="{57B3B94A-8F1C-443F-9046-E4D773DA5675}"/>
+              </a:ext>
+            </a:extLst>
+          </p:cNvPr>
+          <p:cNvCxnSpPr>
+            <a:cxnSpLocks/>
+            <a:endCxn id="215" idx="0"/>
+          </p:cNvCxnSpPr>
+          <p:nvPr/>
+        </p:nvCxnSpPr>
+        <p:spPr>
+          <a:xfrm>
+            <a:off x="5535360" y="5727719"/>
+            <a:ext cx="0" cy="278944"/>
+          </a:xfrm>
+          <a:prstGeom prst="straightConnector1">
+            <a:avLst/>
+          </a:prstGeom>
+          <a:ln>
+            <a:headEnd type="triangle"/>
+            <a:tailEnd type="triangle"/>
+          </a:ln>
+        </p:spPr>
+        <p:style>
+          <a:lnRef idx="1">
+            <a:schemeClr val="accent1"/>
+          </a:lnRef>
+          <a:fillRef idx="0">
+            <a:schemeClr val="accent1"/>
+          </a:fillRef>
+          <a:effectRef idx="0">
+            <a:schemeClr val="accent1"/>
+          </a:effectRef>
+          <a:fontRef idx="minor">
+            <a:schemeClr val="tx1"/>
+          </a:fontRef>
+        </p:style>
+      </p:cxnSp>
+      <p:sp>
+        <p:nvSpPr>
+          <p:cNvPr id="227" name="מלבן 226">
+            <a:extLst>
+              <a:ext uri="{FF2B5EF4-FFF2-40B4-BE49-F238E27FC236}">
+                <a16:creationId xmlns:a16="http://schemas.microsoft.com/office/drawing/2014/main" id="{FD587D99-6C77-4E42-B646-3E9A6CDE85DC}"/>
+              </a:ext>
+            </a:extLst>
+          </p:cNvPr>
+          <p:cNvSpPr/>
+          <p:nvPr/>
+        </p:nvSpPr>
+        <p:spPr>
+          <a:xfrm>
+            <a:off x="4749756" y="1233492"/>
+            <a:ext cx="1026735" cy="321892"/>
+          </a:xfrm>
+          <a:prstGeom prst="rect">
+            <a:avLst/>
+          </a:prstGeom>
+          <a:noFill/>
+          <a:ln>
+            <a:solidFill>
+              <a:schemeClr val="accent1"/>
+            </a:solidFill>
+          </a:ln>
+        </p:spPr>
+        <p:style>
+          <a:lnRef idx="2">
+            <a:schemeClr val="accent1">
+              <a:shade val="50000"/>
+            </a:schemeClr>
+          </a:lnRef>
+          <a:fillRef idx="1">
+            <a:schemeClr val="accent1"/>
+          </a:fillRef>
+          <a:effectRef idx="0">
+            <a:schemeClr val="accent1"/>
+          </a:effectRef>
+          <a:fontRef idx="minor">
+            <a:schemeClr val="lt1"/>
+          </a:fontRef>
+        </p:style>
+        <p:txBody>
+          <a:bodyPr rtlCol="1" anchor="ctr"/>
+          <a:lstStyle/>
+          <a:p>
+            <a:pPr algn="ctr" rtl="0"/>
+            <a:r>
+              <a:rPr lang="en-IL" sz="1000" dirty="0">
+                <a:solidFill>
+                  <a:schemeClr val="tx1"/>
+                </a:solidFill>
+              </a:rPr>
+              <a:t>User Service</a:t>
+            </a:r>
+          </a:p>
+        </p:txBody>
+      </p:sp>
+      <p:sp>
+        <p:nvSpPr>
+          <p:cNvPr id="228" name="מלבן 227">
+            <a:extLst>
+              <a:ext uri="{FF2B5EF4-FFF2-40B4-BE49-F238E27FC236}">
+                <a16:creationId xmlns:a16="http://schemas.microsoft.com/office/drawing/2014/main" id="{67E1E91A-B8A6-4C2E-9D4B-622AD8497660}"/>
+              </a:ext>
+            </a:extLst>
+          </p:cNvPr>
+          <p:cNvSpPr/>
+          <p:nvPr/>
+        </p:nvSpPr>
+        <p:spPr>
+          <a:xfrm>
+            <a:off x="6092365" y="765661"/>
+            <a:ext cx="1026735" cy="357319"/>
+          </a:xfrm>
+          <a:prstGeom prst="rect">
+            <a:avLst/>
+          </a:prstGeom>
+          <a:noFill/>
+          <a:ln>
+            <a:solidFill>
+              <a:srgbClr val="FF0000"/>
+            </a:solidFill>
+          </a:ln>
+        </p:spPr>
+        <p:style>
+          <a:lnRef idx="2">
+            <a:schemeClr val="accent1">
+              <a:shade val="50000"/>
+            </a:schemeClr>
+          </a:lnRef>
+          <a:fillRef idx="1">
+            <a:schemeClr val="accent1"/>
+          </a:fillRef>
+          <a:effectRef idx="0">
+            <a:schemeClr val="accent1"/>
+          </a:effectRef>
+          <a:fontRef idx="minor">
+            <a:schemeClr val="lt1"/>
+          </a:fontRef>
+        </p:style>
+        <p:txBody>
+          <a:bodyPr rtlCol="1" anchor="ctr"/>
+          <a:lstStyle/>
+          <a:p>
+            <a:pPr algn="ctr"/>
+            <a:r>
+              <a:rPr lang="en-IL" sz="1000" dirty="0">
+                <a:solidFill>
+                  <a:schemeClr val="tx1"/>
+                </a:solidFill>
+              </a:rPr>
+              <a:t>User DB MySQL</a:t>
+            </a:r>
+          </a:p>
+        </p:txBody>
+      </p:sp>
+      <p:sp>
+        <p:nvSpPr>
+          <p:cNvPr id="230" name="מלבן 229">
+            <a:extLst>
+              <a:ext uri="{FF2B5EF4-FFF2-40B4-BE49-F238E27FC236}">
+                <a16:creationId xmlns:a16="http://schemas.microsoft.com/office/drawing/2014/main" id="{97ABC998-226C-4C68-9EB2-3B8A69AFCDE9}"/>
+              </a:ext>
+            </a:extLst>
+          </p:cNvPr>
+          <p:cNvSpPr/>
+          <p:nvPr/>
+        </p:nvSpPr>
+        <p:spPr>
+          <a:xfrm flipH="1">
+            <a:off x="6241548" y="1255347"/>
+            <a:ext cx="710342" cy="278479"/>
+          </a:xfrm>
+          <a:prstGeom prst="rect">
+            <a:avLst/>
+          </a:prstGeom>
+          <a:noFill/>
+          <a:ln>
+            <a:solidFill>
+              <a:srgbClr val="FF0000"/>
+            </a:solidFill>
+          </a:ln>
+        </p:spPr>
+        <p:style>
+          <a:lnRef idx="2">
+            <a:schemeClr val="accent1">
+              <a:shade val="50000"/>
+            </a:schemeClr>
+          </a:lnRef>
+          <a:fillRef idx="1">
+            <a:schemeClr val="accent1"/>
+          </a:fillRef>
+          <a:effectRef idx="0">
+            <a:schemeClr val="accent1"/>
+          </a:effectRef>
+          <a:fontRef idx="minor">
+            <a:schemeClr val="lt1"/>
+          </a:fontRef>
+        </p:style>
+        <p:txBody>
+          <a:bodyPr rtlCol="1" anchor="ctr"/>
+          <a:lstStyle/>
+          <a:p>
+            <a:pPr algn="ctr"/>
+            <a:r>
+              <a:rPr lang="en-IL" sz="1000" dirty="0">
+                <a:solidFill>
+                  <a:schemeClr val="tx1"/>
+                </a:solidFill>
+              </a:rPr>
+              <a:t>Redis</a:t>
+            </a:r>
+            <a:endParaRPr lang="he-IL" sz="1000" dirty="0">
+              <a:solidFill>
+                <a:schemeClr val="tx1"/>
+              </a:solidFill>
+            </a:endParaRPr>
+          </a:p>
+        </p:txBody>
+      </p:sp>
+      <p:cxnSp>
+        <p:nvCxnSpPr>
+          <p:cNvPr id="241" name="מחבר: מרפקי 240">
+            <a:extLst>
+              <a:ext uri="{FF2B5EF4-FFF2-40B4-BE49-F238E27FC236}">
+                <a16:creationId xmlns:a16="http://schemas.microsoft.com/office/drawing/2014/main" id="{EADA8BB3-1908-4AB1-B358-2C233981A86A}"/>
+              </a:ext>
+            </a:extLst>
+          </p:cNvPr>
+          <p:cNvCxnSpPr>
+            <a:cxnSpLocks/>
+          </p:cNvCxnSpPr>
+          <p:nvPr/>
+        </p:nvCxnSpPr>
+        <p:spPr>
+          <a:xfrm rot="5400000" flipH="1" flipV="1">
+            <a:off x="3988564" y="2111648"/>
+            <a:ext cx="1128436" cy="412584"/>
+          </a:xfrm>
+          <a:prstGeom prst="bentConnector2">
+            <a:avLst/>
+          </a:prstGeom>
+          <a:ln>
+            <a:headEnd type="triangle"/>
+            <a:tailEnd type="triangle"/>
+          </a:ln>
+        </p:spPr>
+        <p:style>
+          <a:lnRef idx="1">
+            <a:schemeClr val="accent1"/>
+          </a:lnRef>
+          <a:fillRef idx="0">
+            <a:schemeClr val="accent1"/>
+          </a:fillRef>
+          <a:effectRef idx="0">
+            <a:schemeClr val="accent1"/>
+          </a:effectRef>
+          <a:fontRef idx="minor">
+            <a:schemeClr val="tx1"/>
+          </a:fontRef>
+        </p:style>
+      </p:cxnSp>
+      <p:cxnSp>
+        <p:nvCxnSpPr>
+          <p:cNvPr id="242" name="מחבר: מרפקי 241">
+            <a:extLst>
+              <a:ext uri="{FF2B5EF4-FFF2-40B4-BE49-F238E27FC236}">
+                <a16:creationId xmlns:a16="http://schemas.microsoft.com/office/drawing/2014/main" id="{EB7601DC-1F0B-42C9-BA7B-0E4074C48CA6}"/>
+              </a:ext>
+            </a:extLst>
+          </p:cNvPr>
+          <p:cNvCxnSpPr>
+            <a:cxnSpLocks/>
+            <a:stCxn id="25" idx="0"/>
+            <a:endCxn id="227" idx="1"/>
+          </p:cNvCxnSpPr>
+          <p:nvPr/>
+        </p:nvCxnSpPr>
+        <p:spPr>
+          <a:xfrm rot="5400000" flipH="1" flipV="1">
+            <a:off x="3799604" y="1932006"/>
+            <a:ext cx="1487720" cy="412584"/>
+          </a:xfrm>
+          <a:prstGeom prst="bentConnector2">
+            <a:avLst/>
+          </a:prstGeom>
+          <a:ln>
+            <a:headEnd type="triangle"/>
+            <a:tailEnd type="triangle"/>
+          </a:ln>
+        </p:spPr>
+        <p:style>
+          <a:lnRef idx="1">
+            <a:schemeClr val="accent1"/>
+          </a:lnRef>
+          <a:fillRef idx="0">
+            <a:schemeClr val="accent1"/>
+          </a:fillRef>
+          <a:effectRef idx="0">
+            <a:schemeClr val="accent1"/>
+          </a:effectRef>
+          <a:fontRef idx="minor">
+            <a:schemeClr val="tx1"/>
+          </a:fontRef>
+        </p:style>
+      </p:cxnSp>
+      <p:sp>
+        <p:nvSpPr>
+          <p:cNvPr id="263" name="מלבן 262">
+            <a:extLst>
+              <a:ext uri="{FF2B5EF4-FFF2-40B4-BE49-F238E27FC236}">
+                <a16:creationId xmlns:a16="http://schemas.microsoft.com/office/drawing/2014/main" id="{6D0C5C35-50AA-4737-BB88-20C1FA0047E7}"/>
+              </a:ext>
+            </a:extLst>
+          </p:cNvPr>
+          <p:cNvSpPr/>
+          <p:nvPr/>
+        </p:nvSpPr>
+        <p:spPr>
+          <a:xfrm>
+            <a:off x="4762048" y="779328"/>
+            <a:ext cx="1026735" cy="321892"/>
+          </a:xfrm>
+          <a:prstGeom prst="rect">
+            <a:avLst/>
+          </a:prstGeom>
+          <a:noFill/>
+          <a:ln>
+            <a:solidFill>
+              <a:schemeClr val="accent1"/>
+            </a:solidFill>
+          </a:ln>
+        </p:spPr>
+        <p:style>
+          <a:lnRef idx="2">
+            <a:schemeClr val="accent1">
+              <a:shade val="50000"/>
+            </a:schemeClr>
+          </a:lnRef>
+          <a:fillRef idx="1">
+            <a:schemeClr val="accent1"/>
+          </a:fillRef>
+          <a:effectRef idx="0">
+            <a:schemeClr val="accent1"/>
+          </a:effectRef>
+          <a:fontRef idx="minor">
+            <a:schemeClr val="lt1"/>
+          </a:fontRef>
+        </p:style>
+        <p:txBody>
+          <a:bodyPr rtlCol="1" anchor="ctr"/>
+          <a:lstStyle/>
+          <a:p>
+            <a:pPr algn="ctr" rtl="0"/>
+            <a:r>
+              <a:rPr lang="en-IL" sz="1000" dirty="0">
+                <a:solidFill>
+                  <a:schemeClr val="tx1"/>
+                </a:solidFill>
+              </a:rPr>
+              <a:t>Last Seen Service</a:t>
+            </a:r>
+          </a:p>
+        </p:txBody>
+      </p:sp>
+      <p:cxnSp>
+        <p:nvCxnSpPr>
+          <p:cNvPr id="264" name="מחבר: מרפקי 263">
+            <a:extLst>
+              <a:ext uri="{FF2B5EF4-FFF2-40B4-BE49-F238E27FC236}">
+                <a16:creationId xmlns:a16="http://schemas.microsoft.com/office/drawing/2014/main" id="{6B78AEFD-6EDE-44A7-981C-0069BF36BBD6}"/>
+              </a:ext>
+            </a:extLst>
+          </p:cNvPr>
+          <p:cNvCxnSpPr>
+            <a:cxnSpLocks/>
+            <a:stCxn id="25" idx="0"/>
+            <a:endCxn id="263" idx="1"/>
+          </p:cNvCxnSpPr>
+          <p:nvPr/>
+        </p:nvCxnSpPr>
+        <p:spPr>
+          <a:xfrm rot="5400000" flipH="1" flipV="1">
+            <a:off x="3578668" y="1698778"/>
+            <a:ext cx="1941884" cy="424876"/>
+          </a:xfrm>
+          <a:prstGeom prst="bentConnector2">
+            <a:avLst/>
+          </a:prstGeom>
+          <a:ln>
+            <a:headEnd type="triangle"/>
+            <a:tailEnd type="triangle"/>
+          </a:ln>
+        </p:spPr>
+        <p:style>
+          <a:lnRef idx="1">
+            <a:schemeClr val="accent1"/>
+          </a:lnRef>
+          <a:fillRef idx="0">
+            <a:schemeClr val="accent1"/>
+          </a:fillRef>
+          <a:effectRef idx="0">
+            <a:schemeClr val="accent1"/>
+          </a:effectRef>
+          <a:fontRef idx="minor">
+            <a:schemeClr val="tx1"/>
+          </a:fontRef>
+        </p:style>
+      </p:cxnSp>
+      <p:sp>
+        <p:nvSpPr>
+          <p:cNvPr id="267" name="מלבן 266">
+            <a:extLst>
+              <a:ext uri="{FF2B5EF4-FFF2-40B4-BE49-F238E27FC236}">
+                <a16:creationId xmlns:a16="http://schemas.microsoft.com/office/drawing/2014/main" id="{D09A6D28-22E6-4D45-B7F8-9EB991C1FF4B}"/>
+              </a:ext>
+            </a:extLst>
+          </p:cNvPr>
+          <p:cNvSpPr/>
+          <p:nvPr/>
+        </p:nvSpPr>
+        <p:spPr>
+          <a:xfrm>
+            <a:off x="6090843" y="306849"/>
+            <a:ext cx="1026735" cy="357319"/>
+          </a:xfrm>
+          <a:prstGeom prst="rect">
+            <a:avLst/>
+          </a:prstGeom>
+          <a:noFill/>
+          <a:ln>
+            <a:solidFill>
+              <a:srgbClr val="FF0000"/>
+            </a:solidFill>
+          </a:ln>
+        </p:spPr>
+        <p:style>
+          <a:lnRef idx="2">
+            <a:schemeClr val="accent1">
+              <a:shade val="50000"/>
+            </a:schemeClr>
+          </a:lnRef>
+          <a:fillRef idx="1">
+            <a:schemeClr val="accent1"/>
+          </a:fillRef>
+          <a:effectRef idx="0">
+            <a:schemeClr val="accent1"/>
+          </a:effectRef>
+          <a:fontRef idx="minor">
+            <a:schemeClr val="lt1"/>
+          </a:fontRef>
+        </p:style>
+        <p:txBody>
+          <a:bodyPr rtlCol="1" anchor="ctr"/>
+          <a:lstStyle/>
+          <a:p>
+            <a:pPr algn="ctr"/>
+            <a:r>
+              <a:rPr lang="en-IL" sz="1000" dirty="0">
+                <a:solidFill>
+                  <a:schemeClr val="tx1"/>
+                </a:solidFill>
+              </a:rPr>
+              <a:t>Cassandra</a:t>
+            </a:r>
+          </a:p>
+        </p:txBody>
+      </p:sp>
+      <p:cxnSp>
+        <p:nvCxnSpPr>
+          <p:cNvPr id="271" name="מחבר חץ ישר 270">
+            <a:extLst>
+              <a:ext uri="{FF2B5EF4-FFF2-40B4-BE49-F238E27FC236}">
+                <a16:creationId xmlns:a16="http://schemas.microsoft.com/office/drawing/2014/main" id="{F73104F7-0FE7-4C7E-B6F8-49BD59E199FD}"/>
+              </a:ext>
+            </a:extLst>
+          </p:cNvPr>
+          <p:cNvCxnSpPr>
+            <a:cxnSpLocks/>
+            <a:stCxn id="263" idx="3"/>
+            <a:endCxn id="267" idx="1"/>
+          </p:cNvCxnSpPr>
+          <p:nvPr/>
+        </p:nvCxnSpPr>
+        <p:spPr>
+          <a:xfrm flipV="1">
+            <a:off x="5788783" y="485509"/>
+            <a:ext cx="302060" cy="454765"/>
+          </a:xfrm>
+          <a:prstGeom prst="straightConnector1">
+            <a:avLst/>
+          </a:prstGeom>
+          <a:ln>
+            <a:headEnd type="triangle"/>
+            <a:tailEnd type="triangle"/>
+          </a:ln>
+        </p:spPr>
+        <p:style>
+          <a:lnRef idx="1">
+            <a:schemeClr val="accent1"/>
+          </a:lnRef>
+          <a:fillRef idx="0">
+            <a:schemeClr val="accent1"/>
+          </a:fillRef>
+          <a:effectRef idx="0">
+            <a:schemeClr val="accent1"/>
+          </a:effectRef>
+          <a:fontRef idx="minor">
+            <a:schemeClr val="tx1"/>
+          </a:fontRef>
+        </p:style>
+      </p:cxnSp>
+      <p:cxnSp>
+        <p:nvCxnSpPr>
+          <p:cNvPr id="282" name="מחבר חץ ישר 281">
+            <a:extLst>
+              <a:ext uri="{FF2B5EF4-FFF2-40B4-BE49-F238E27FC236}">
+                <a16:creationId xmlns:a16="http://schemas.microsoft.com/office/drawing/2014/main" id="{90868BAC-FFEE-42F8-A861-327682FB2763}"/>
+              </a:ext>
+            </a:extLst>
+          </p:cNvPr>
+          <p:cNvCxnSpPr>
+            <a:cxnSpLocks/>
+            <a:stCxn id="227" idx="3"/>
+            <a:endCxn id="230" idx="3"/>
+          </p:cNvCxnSpPr>
+          <p:nvPr/>
+        </p:nvCxnSpPr>
+        <p:spPr>
+          <a:xfrm>
+            <a:off x="5776491" y="1394438"/>
+            <a:ext cx="465057" cy="149"/>
+          </a:xfrm>
+          <a:prstGeom prst="straightConnector1">
+            <a:avLst/>
+          </a:prstGeom>
+          <a:ln>
+            <a:headEnd type="triangle"/>
+            <a:tailEnd type="triangle"/>
+          </a:ln>
+        </p:spPr>
+        <p:style>
+          <a:lnRef idx="1">
+            <a:schemeClr val="accent1"/>
+          </a:lnRef>
+          <a:fillRef idx="0">
+            <a:schemeClr val="accent1"/>
+          </a:fillRef>
+          <a:effectRef idx="0">
+            <a:schemeClr val="accent1"/>
+          </a:effectRef>
+          <a:fontRef idx="minor">
+            <a:schemeClr val="tx1"/>
+          </a:fontRef>
+        </p:style>
+      </p:cxnSp>
+      <p:cxnSp>
+        <p:nvCxnSpPr>
+          <p:cNvPr id="285" name="מחבר חץ ישר 284">
+            <a:extLst>
+              <a:ext uri="{FF2B5EF4-FFF2-40B4-BE49-F238E27FC236}">
+                <a16:creationId xmlns:a16="http://schemas.microsoft.com/office/drawing/2014/main" id="{A6B7C667-6692-4CB9-8736-1A461428EDEE}"/>
+              </a:ext>
+            </a:extLst>
+          </p:cNvPr>
+          <p:cNvCxnSpPr>
+            <a:cxnSpLocks/>
+            <a:stCxn id="171" idx="3"/>
+            <a:endCxn id="172" idx="1"/>
+          </p:cNvCxnSpPr>
+          <p:nvPr/>
+        </p:nvCxnSpPr>
+        <p:spPr>
+          <a:xfrm flipV="1">
+            <a:off x="5776491" y="1883556"/>
+            <a:ext cx="314353" cy="756"/>
+          </a:xfrm>
+          <a:prstGeom prst="straightConnector1">
+            <a:avLst/>
+          </a:prstGeom>
+          <a:ln>
+            <a:headEnd type="triangle"/>
+            <a:tailEnd type="triangle"/>
+          </a:ln>
+        </p:spPr>
+        <p:style>
+          <a:lnRef idx="1">
+            <a:schemeClr val="accent1"/>
+          </a:lnRef>
+          <a:fillRef idx="0">
+            <a:schemeClr val="accent1"/>
+          </a:fillRef>
+          <a:effectRef idx="0">
+            <a:schemeClr val="accent1"/>
+          </a:effectRef>
+          <a:fontRef idx="minor">
+            <a:schemeClr val="tx1"/>
+          </a:fontRef>
+        </p:style>
+      </p:cxnSp>
+      <p:cxnSp>
+        <p:nvCxnSpPr>
+          <p:cNvPr id="288" name="מחבר חץ ישר 287">
+            <a:extLst>
+              <a:ext uri="{FF2B5EF4-FFF2-40B4-BE49-F238E27FC236}">
+                <a16:creationId xmlns:a16="http://schemas.microsoft.com/office/drawing/2014/main" id="{83AD3966-293E-4D1F-852C-4798A88FCD63}"/>
+              </a:ext>
+            </a:extLst>
+          </p:cNvPr>
+          <p:cNvCxnSpPr>
+            <a:cxnSpLocks/>
+            <a:stCxn id="171" idx="3"/>
+            <a:endCxn id="230" idx="3"/>
+          </p:cNvCxnSpPr>
+          <p:nvPr/>
+        </p:nvCxnSpPr>
+        <p:spPr>
+          <a:xfrm flipV="1">
+            <a:off x="5776491" y="1394587"/>
+            <a:ext cx="465057" cy="489725"/>
+          </a:xfrm>
+          <a:prstGeom prst="straightConnector1">
+            <a:avLst/>
+          </a:prstGeom>
+          <a:ln>
+            <a:headEnd type="triangle"/>
+            <a:tailEnd type="triangle"/>
+          </a:ln>
+        </p:spPr>
+        <p:style>
+          <a:lnRef idx="1">
+            <a:schemeClr val="accent1"/>
+          </a:lnRef>
+          <a:fillRef idx="0">
+            <a:schemeClr val="accent1"/>
+          </a:fillRef>
+          <a:effectRef idx="0">
+            <a:schemeClr val="accent1"/>
+          </a:effectRef>
+          <a:fontRef idx="minor">
+            <a:schemeClr val="tx1"/>
+          </a:fontRef>
+        </p:style>
+      </p:cxnSp>
+      <p:cxnSp>
+        <p:nvCxnSpPr>
+          <p:cNvPr id="293" name="מחבר חץ ישר 292">
+            <a:extLst>
+              <a:ext uri="{FF2B5EF4-FFF2-40B4-BE49-F238E27FC236}">
+                <a16:creationId xmlns:a16="http://schemas.microsoft.com/office/drawing/2014/main" id="{356DD0ED-83A5-44A6-BF05-AFED98CCA4DB}"/>
+              </a:ext>
+            </a:extLst>
+          </p:cNvPr>
+          <p:cNvCxnSpPr>
+            <a:cxnSpLocks/>
+            <a:stCxn id="227" idx="3"/>
+            <a:endCxn id="228" idx="1"/>
+          </p:cNvCxnSpPr>
+          <p:nvPr/>
+        </p:nvCxnSpPr>
+        <p:spPr>
+          <a:xfrm flipV="1">
+            <a:off x="5776491" y="944321"/>
+            <a:ext cx="315874" cy="450117"/>
+          </a:xfrm>
+          <a:prstGeom prst="straightConnector1">
+            <a:avLst/>
+          </a:prstGeom>
+          <a:ln>
+            <a:headEnd type="triangle"/>
+            <a:tailEnd type="triangle"/>
+          </a:ln>
+        </p:spPr>
+        <p:style>
+          <a:lnRef idx="1">
+            <a:schemeClr val="accent1"/>
+          </a:lnRef>
+          <a:fillRef idx="0">
+            <a:schemeClr val="accent1"/>
+          </a:fillRef>
+          <a:effectRef idx="0">
+            <a:schemeClr val="accent1"/>
+          </a:effectRef>
+          <a:fontRef idx="minor">
+            <a:schemeClr val="tx1"/>
+          </a:fontRef>
+        </p:style>
+      </p:cxnSp>
+      <p:sp>
+        <p:nvSpPr>
+          <p:cNvPr id="297" name="תיבת טקסט 296">
+            <a:extLst>
+              <a:ext uri="{FF2B5EF4-FFF2-40B4-BE49-F238E27FC236}">
+                <a16:creationId xmlns:a16="http://schemas.microsoft.com/office/drawing/2014/main" id="{9CDCF092-D820-4990-9B3A-D5447062A161}"/>
+              </a:ext>
+            </a:extLst>
+          </p:cNvPr>
+          <p:cNvSpPr txBox="1"/>
+          <p:nvPr/>
+        </p:nvSpPr>
+        <p:spPr>
+          <a:xfrm>
+            <a:off x="7117577" y="261361"/>
+            <a:ext cx="1518403" cy="400110"/>
+          </a:xfrm>
+          <a:prstGeom prst="rect">
+            <a:avLst/>
+          </a:prstGeom>
+          <a:noFill/>
+        </p:spPr>
+        <p:txBody>
+          <a:bodyPr wrap="square" rtlCol="1">
+            <a:spAutoFit/>
+          </a:bodyPr>
+          <a:lstStyle/>
+          <a:p>
+            <a:pPr algn="l" rtl="0"/>
+            <a:r>
+              <a:rPr lang="en-IL" sz="1000" dirty="0"/>
+              <a:t>We should use Cassandra in order to scale writes!</a:t>
+            </a:r>
+            <a:endParaRPr lang="he-IL" sz="1000" dirty="0"/>
+          </a:p>
+        </p:txBody>
+      </p:sp>
+    </p:spTree>
+    <p:extLst>
+      <p:ext uri="{BB962C8B-B14F-4D97-AF65-F5344CB8AC3E}">
+        <p14:creationId xmlns:p14="http://schemas.microsoft.com/office/powerpoint/2010/main" val="3122671333"/>
       </p:ext>
     </p:extLst>
   </p:cSld>

--- a/Notification System Design.pptx
+++ b/Notification System Design.pptx
@@ -7,6 +7,7 @@
   <p:sldIdLst>
     <p:sldId id="256" r:id="rId2"/>
     <p:sldId id="257" r:id="rId3"/>
+    <p:sldId id="258" r:id="rId4"/>
   </p:sldIdLst>
   <p:sldSz cx="12192000" cy="6858000"/>
   <p:notesSz cx="6858000" cy="9144000"/>
@@ -260,7 +261,7 @@
           <a:p>
             <a:fld id="{06C28339-2151-49AF-B4B9-DF404CFA876A}" type="datetimeFigureOut">
               <a:rPr lang="he-IL" smtClean="0"/>
-              <a:t>י"ב/סיון/תשפ"א</a:t>
+              <a:t>י"ג/סיון/תשפ"א</a:t>
             </a:fld>
             <a:endParaRPr lang="he-IL"/>
           </a:p>
@@ -458,7 +459,7 @@
           <a:p>
             <a:fld id="{06C28339-2151-49AF-B4B9-DF404CFA876A}" type="datetimeFigureOut">
               <a:rPr lang="he-IL" smtClean="0"/>
-              <a:t>י"ב/סיון/תשפ"א</a:t>
+              <a:t>י"ג/סיון/תשפ"א</a:t>
             </a:fld>
             <a:endParaRPr lang="he-IL"/>
           </a:p>
@@ -666,7 +667,7 @@
           <a:p>
             <a:fld id="{06C28339-2151-49AF-B4B9-DF404CFA876A}" type="datetimeFigureOut">
               <a:rPr lang="he-IL" smtClean="0"/>
-              <a:t>י"ב/סיון/תשפ"א</a:t>
+              <a:t>י"ג/סיון/תשפ"א</a:t>
             </a:fld>
             <a:endParaRPr lang="he-IL"/>
           </a:p>
@@ -864,7 +865,7 @@
           <a:p>
             <a:fld id="{06C28339-2151-49AF-B4B9-DF404CFA876A}" type="datetimeFigureOut">
               <a:rPr lang="he-IL" smtClean="0"/>
-              <a:t>י"ב/סיון/תשפ"א</a:t>
+              <a:t>י"ג/סיון/תשפ"א</a:t>
             </a:fld>
             <a:endParaRPr lang="he-IL"/>
           </a:p>
@@ -1139,7 +1140,7 @@
           <a:p>
             <a:fld id="{06C28339-2151-49AF-B4B9-DF404CFA876A}" type="datetimeFigureOut">
               <a:rPr lang="he-IL" smtClean="0"/>
-              <a:t>י"ב/סיון/תשפ"א</a:t>
+              <a:t>י"ג/סיון/תשפ"א</a:t>
             </a:fld>
             <a:endParaRPr lang="he-IL"/>
           </a:p>
@@ -1404,7 +1405,7 @@
           <a:p>
             <a:fld id="{06C28339-2151-49AF-B4B9-DF404CFA876A}" type="datetimeFigureOut">
               <a:rPr lang="he-IL" smtClean="0"/>
-              <a:t>י"ב/סיון/תשפ"א</a:t>
+              <a:t>י"ג/סיון/תשפ"א</a:t>
             </a:fld>
             <a:endParaRPr lang="he-IL"/>
           </a:p>
@@ -1816,7 +1817,7 @@
           <a:p>
             <a:fld id="{06C28339-2151-49AF-B4B9-DF404CFA876A}" type="datetimeFigureOut">
               <a:rPr lang="he-IL" smtClean="0"/>
-              <a:t>י"ב/סיון/תשפ"א</a:t>
+              <a:t>י"ג/סיון/תשפ"א</a:t>
             </a:fld>
             <a:endParaRPr lang="he-IL"/>
           </a:p>
@@ -1957,7 +1958,7 @@
           <a:p>
             <a:fld id="{06C28339-2151-49AF-B4B9-DF404CFA876A}" type="datetimeFigureOut">
               <a:rPr lang="he-IL" smtClean="0"/>
-              <a:t>י"ב/סיון/תשפ"א</a:t>
+              <a:t>י"ג/סיון/תשפ"א</a:t>
             </a:fld>
             <a:endParaRPr lang="he-IL"/>
           </a:p>
@@ -2070,7 +2071,7 @@
           <a:p>
             <a:fld id="{06C28339-2151-49AF-B4B9-DF404CFA876A}" type="datetimeFigureOut">
               <a:rPr lang="he-IL" smtClean="0"/>
-              <a:t>י"ב/סיון/תשפ"א</a:t>
+              <a:t>י"ג/סיון/תשפ"א</a:t>
             </a:fld>
             <a:endParaRPr lang="he-IL"/>
           </a:p>
@@ -2381,7 +2382,7 @@
           <a:p>
             <a:fld id="{06C28339-2151-49AF-B4B9-DF404CFA876A}" type="datetimeFigureOut">
               <a:rPr lang="he-IL" smtClean="0"/>
-              <a:t>י"ב/סיון/תשפ"א</a:t>
+              <a:t>י"ג/סיון/תשפ"א</a:t>
             </a:fld>
             <a:endParaRPr lang="he-IL"/>
           </a:p>
@@ -2669,7 +2670,7 @@
           <a:p>
             <a:fld id="{06C28339-2151-49AF-B4B9-DF404CFA876A}" type="datetimeFigureOut">
               <a:rPr lang="he-IL" smtClean="0"/>
-              <a:t>י"ב/סיון/תשפ"א</a:t>
+              <a:t>י"ג/סיון/תשפ"א</a:t>
             </a:fld>
             <a:endParaRPr lang="he-IL"/>
           </a:p>
@@ -2910,7 +2911,7 @@
           <a:p>
             <a:fld id="{06C28339-2151-49AF-B4B9-DF404CFA876A}" type="datetimeFigureOut">
               <a:rPr lang="he-IL" smtClean="0"/>
-              <a:t>י"ב/סיון/תשפ"א</a:t>
+              <a:t>י"ג/סיון/תשפ"א</a:t>
             </a:fld>
             <a:endParaRPr lang="he-IL"/>
           </a:p>
@@ -9194,7 +9195,7 @@
         <p:spPr>
           <a:xfrm>
             <a:off x="378386" y="2513256"/>
-            <a:ext cx="1510350" cy="400110"/>
+            <a:ext cx="1535998" cy="400110"/>
           </a:xfrm>
           <a:prstGeom prst="rect">
             <a:avLst/>
@@ -9217,7 +9218,7 @@
             </a:br>
             <a:r>
               <a:rPr lang="en-IL" sz="1000" dirty="0"/>
-              <a:t>message to another user</a:t>
+              <a:t>message to another user.</a:t>
             </a:r>
             <a:endParaRPr lang="he-IL" sz="1000" dirty="0"/>
           </a:p>
@@ -9289,8 +9290,8 @@
         </p:nvCxnSpPr>
         <p:spPr>
           <a:xfrm>
-            <a:off x="1888736" y="2713311"/>
-            <a:ext cx="405577" cy="588920"/>
+            <a:off x="1914384" y="2713311"/>
+            <a:ext cx="379929" cy="588920"/>
           </a:xfrm>
           <a:prstGeom prst="straightConnector1">
             <a:avLst/>
@@ -10664,13 +10665,14 @@
           </p:cNvPr>
           <p:cNvCxnSpPr>
             <a:cxnSpLocks/>
+            <a:endCxn id="171" idx="1"/>
           </p:cNvCxnSpPr>
           <p:nvPr/>
         </p:nvCxnSpPr>
         <p:spPr>
           <a:xfrm rot="5400000" flipH="1" flipV="1">
-            <a:off x="3988564" y="2111648"/>
-            <a:ext cx="1128436" cy="412584"/>
+            <a:off x="4049200" y="2181602"/>
+            <a:ext cx="997846" cy="403266"/>
           </a:xfrm>
           <a:prstGeom prst="bentConnector2">
             <a:avLst/>
@@ -11162,6 +11164,4503 @@
     <p:extLst>
       <p:ext uri="{BB962C8B-B14F-4D97-AF65-F5344CB8AC3E}">
         <p14:creationId xmlns:p14="http://schemas.microsoft.com/office/powerpoint/2010/main" val="3122671333"/>
+      </p:ext>
+    </p:extLst>
+  </p:cSld>
+  <p:clrMapOvr>
+    <a:masterClrMapping/>
+  </p:clrMapOvr>
+</p:sld>
+</file>
+
+<file path=ppt/slides/slide3.xml><?xml version="1.0" encoding="utf-8"?>
+<p:sld xmlns:a="http://schemas.openxmlformats.org/drawingml/2006/main" xmlns:r="http://schemas.openxmlformats.org/officeDocument/2006/relationships" xmlns:p="http://schemas.openxmlformats.org/presentationml/2006/main">
+  <p:cSld>
+    <p:spTree>
+      <p:nvGrpSpPr>
+        <p:cNvPr id="1" name=""/>
+        <p:cNvGrpSpPr/>
+        <p:nvPr/>
+      </p:nvGrpSpPr>
+      <p:grpSpPr>
+        <a:xfrm>
+          <a:off x="0" y="0"/>
+          <a:ext cx="0" cy="0"/>
+          <a:chOff x="0" y="0"/>
+          <a:chExt cx="0" cy="0"/>
+        </a:xfrm>
+      </p:grpSpPr>
+      <p:sp>
+        <p:nvSpPr>
+          <p:cNvPr id="4" name="תיבת טקסט 3">
+            <a:extLst>
+              <a:ext uri="{FF2B5EF4-FFF2-40B4-BE49-F238E27FC236}">
+                <a16:creationId xmlns:a16="http://schemas.microsoft.com/office/drawing/2014/main" id="{6E9F3ACF-368D-42F8-A0E8-11A2F30C345E}"/>
+              </a:ext>
+            </a:extLst>
+          </p:cNvPr>
+          <p:cNvSpPr txBox="1"/>
+          <p:nvPr/>
+        </p:nvSpPr>
+        <p:spPr>
+          <a:xfrm>
+            <a:off x="8786685" y="360269"/>
+            <a:ext cx="3288206" cy="1938992"/>
+          </a:xfrm>
+          <a:prstGeom prst="rect">
+            <a:avLst/>
+          </a:prstGeom>
+          <a:noFill/>
+          <a:ln>
+            <a:solidFill>
+              <a:schemeClr val="tx1"/>
+            </a:solidFill>
+          </a:ln>
+        </p:spPr>
+        <p:txBody>
+          <a:bodyPr wrap="square" rtlCol="1">
+            <a:spAutoFit/>
+          </a:bodyPr>
+          <a:lstStyle/>
+          <a:p>
+            <a:pPr algn="l" rtl="0"/>
+            <a:r>
+              <a:rPr lang="en-IL" sz="1000" b="1" dirty="0"/>
+              <a:t>NFR</a:t>
+            </a:r>
+            <a:r>
+              <a:rPr lang="en-IL" sz="1000" dirty="0"/>
+              <a:t>: Read heavy, fast rendering, fast tweet, scale.</a:t>
+            </a:r>
+          </a:p>
+          <a:p>
+            <a:pPr algn="l" rtl="0"/>
+            <a:r>
+              <a:rPr lang="en-IL" sz="1000" dirty="0"/>
+              <a:t>The user timeline should be displayed fast when accessing the home page. Millions of tweets per day.</a:t>
+            </a:r>
+            <a:br>
+              <a:rPr lang="en-IL" sz="1000" dirty="0"/>
+            </a:br>
+            <a:endParaRPr lang="en-IL" sz="1000" dirty="0"/>
+          </a:p>
+          <a:p>
+            <a:pPr algn="l" rtl="0"/>
+            <a:r>
+              <a:rPr lang="en-IL" sz="1000" b="1" dirty="0"/>
+              <a:t>FR</a:t>
+            </a:r>
+            <a:r>
+              <a:rPr lang="en-IL" sz="1000" dirty="0"/>
+              <a:t>: Tweet, re-tweet, follow, search</a:t>
+            </a:r>
+          </a:p>
+          <a:p>
+            <a:pPr algn="l" rtl="0"/>
+            <a:endParaRPr lang="en-IL" sz="1000" dirty="0"/>
+          </a:p>
+          <a:p>
+            <a:pPr algn="l" rtl="0"/>
+            <a:r>
+              <a:rPr lang="en-IL" sz="1000" dirty="0"/>
+              <a:t>We should classify the users upon their number of their followers. We handle these users’ tweets differently.</a:t>
+            </a:r>
+            <a:br>
+              <a:rPr lang="en-IL" sz="1000" dirty="0"/>
+            </a:br>
+            <a:r>
+              <a:rPr lang="en-IL" sz="1000" dirty="0"/>
+              <a:t>User classification: Famous, Active, Live, Passive, Inactive.</a:t>
+            </a:r>
+          </a:p>
+          <a:p>
+            <a:pPr algn="l" rtl="0"/>
+            <a:endParaRPr lang="en-IL" sz="1000" dirty="0"/>
+          </a:p>
+          <a:p>
+            <a:pPr algn="l" rtl="0"/>
+            <a:r>
+              <a:rPr lang="en-IL" sz="1000" dirty="0">
+                <a:solidFill>
+                  <a:srgbClr val="FF0000"/>
+                </a:solidFill>
+              </a:rPr>
+              <a:t>Whenever we design an heavy read system – we should consider to pre-compute information and caching.</a:t>
+            </a:r>
+          </a:p>
+        </p:txBody>
+      </p:sp>
+      <p:sp>
+        <p:nvSpPr>
+          <p:cNvPr id="5" name="תיבת טקסט 4">
+            <a:extLst>
+              <a:ext uri="{FF2B5EF4-FFF2-40B4-BE49-F238E27FC236}">
+                <a16:creationId xmlns:a16="http://schemas.microsoft.com/office/drawing/2014/main" id="{1863C921-4855-4A36-ACEB-115E9858BC7C}"/>
+              </a:ext>
+            </a:extLst>
+          </p:cNvPr>
+          <p:cNvSpPr txBox="1"/>
+          <p:nvPr/>
+        </p:nvSpPr>
+        <p:spPr>
+          <a:xfrm>
+            <a:off x="9450551" y="15876"/>
+            <a:ext cx="2252733" cy="369332"/>
+          </a:xfrm>
+          <a:prstGeom prst="rect">
+            <a:avLst/>
+          </a:prstGeom>
+          <a:noFill/>
+        </p:spPr>
+        <p:txBody>
+          <a:bodyPr wrap="none" rtlCol="1">
+            <a:spAutoFit/>
+          </a:bodyPr>
+          <a:lstStyle/>
+          <a:p>
+            <a:r>
+              <a:rPr lang="en-IL" u="sng" dirty="0">
+                <a:ln w="0"/>
+                <a:effectLst>
+                  <a:outerShdw blurRad="38100" dist="19050" dir="2700000" algn="tl" rotWithShape="0">
+                    <a:schemeClr val="dk1">
+                      <a:alpha val="40000"/>
+                    </a:schemeClr>
+                  </a:outerShdw>
+                </a:effectLst>
+              </a:rPr>
+              <a:t>Twitter System Design</a:t>
+            </a:r>
+            <a:endParaRPr lang="he-IL" u="sng" dirty="0">
+              <a:ln w="0"/>
+              <a:effectLst>
+                <a:outerShdw blurRad="38100" dist="19050" dir="2700000" algn="tl" rotWithShape="0">
+                  <a:schemeClr val="dk1">
+                    <a:alpha val="40000"/>
+                  </a:schemeClr>
+                </a:outerShdw>
+              </a:effectLst>
+            </a:endParaRPr>
+          </a:p>
+        </p:txBody>
+      </p:sp>
+      <p:sp>
+        <p:nvSpPr>
+          <p:cNvPr id="6" name="מלבן 5">
+            <a:extLst>
+              <a:ext uri="{FF2B5EF4-FFF2-40B4-BE49-F238E27FC236}">
+                <a16:creationId xmlns:a16="http://schemas.microsoft.com/office/drawing/2014/main" id="{7273136F-F51C-4283-94CB-CA5932EB995D}"/>
+              </a:ext>
+            </a:extLst>
+          </p:cNvPr>
+          <p:cNvSpPr/>
+          <p:nvPr/>
+        </p:nvSpPr>
+        <p:spPr>
+          <a:xfrm>
+            <a:off x="366043" y="2267216"/>
+            <a:ext cx="1175217" cy="393063"/>
+          </a:xfrm>
+          <a:prstGeom prst="rect">
+            <a:avLst/>
+          </a:prstGeom>
+          <a:noFill/>
+          <a:ln>
+            <a:solidFill>
+              <a:schemeClr val="accent6"/>
+            </a:solidFill>
+          </a:ln>
+        </p:spPr>
+        <p:style>
+          <a:lnRef idx="2">
+            <a:schemeClr val="accent1">
+              <a:shade val="50000"/>
+            </a:schemeClr>
+          </a:lnRef>
+          <a:fillRef idx="1">
+            <a:schemeClr val="accent1"/>
+          </a:fillRef>
+          <a:effectRef idx="0">
+            <a:schemeClr val="accent1"/>
+          </a:effectRef>
+          <a:fontRef idx="minor">
+            <a:schemeClr val="lt1"/>
+          </a:fontRef>
+        </p:style>
+        <p:txBody>
+          <a:bodyPr rtlCol="1" anchor="ctr"/>
+          <a:lstStyle/>
+          <a:p>
+            <a:pPr algn="ctr"/>
+            <a:r>
+              <a:rPr lang="en-IL" sz="1000" dirty="0">
+                <a:solidFill>
+                  <a:schemeClr val="tx1"/>
+                </a:solidFill>
+              </a:rPr>
+              <a:t>User App/Website</a:t>
+            </a:r>
+            <a:endParaRPr lang="he-IL" sz="1000" dirty="0">
+              <a:solidFill>
+                <a:schemeClr val="tx1"/>
+              </a:solidFill>
+            </a:endParaRPr>
+          </a:p>
+        </p:txBody>
+      </p:sp>
+      <p:sp>
+        <p:nvSpPr>
+          <p:cNvPr id="7" name="מלבן 6">
+            <a:extLst>
+              <a:ext uri="{FF2B5EF4-FFF2-40B4-BE49-F238E27FC236}">
+                <a16:creationId xmlns:a16="http://schemas.microsoft.com/office/drawing/2014/main" id="{DC72F269-3B25-4EBD-9509-E4821EDAE826}"/>
+              </a:ext>
+            </a:extLst>
+          </p:cNvPr>
+          <p:cNvSpPr/>
+          <p:nvPr/>
+        </p:nvSpPr>
+        <p:spPr>
+          <a:xfrm>
+            <a:off x="366043" y="947385"/>
+            <a:ext cx="1175217" cy="486363"/>
+          </a:xfrm>
+          <a:prstGeom prst="rect">
+            <a:avLst/>
+          </a:prstGeom>
+          <a:noFill/>
+          <a:ln>
+            <a:solidFill>
+              <a:schemeClr val="accent6"/>
+            </a:solidFill>
+          </a:ln>
+        </p:spPr>
+        <p:style>
+          <a:lnRef idx="2">
+            <a:schemeClr val="accent1">
+              <a:shade val="50000"/>
+            </a:schemeClr>
+          </a:lnRef>
+          <a:fillRef idx="1">
+            <a:schemeClr val="accent1"/>
+          </a:fillRef>
+          <a:effectRef idx="0">
+            <a:schemeClr val="accent1"/>
+          </a:effectRef>
+          <a:fontRef idx="minor">
+            <a:schemeClr val="lt1"/>
+          </a:fontRef>
+        </p:style>
+        <p:txBody>
+          <a:bodyPr rtlCol="1" anchor="ctr"/>
+          <a:lstStyle/>
+          <a:p>
+            <a:pPr algn="ctr"/>
+            <a:r>
+              <a:rPr lang="en-IL" sz="1000" dirty="0">
+                <a:solidFill>
+                  <a:schemeClr val="tx1"/>
+                </a:solidFill>
+              </a:rPr>
+              <a:t>User </a:t>
+            </a:r>
+            <a:br>
+              <a:rPr lang="en-IL" sz="1000" dirty="0">
+                <a:solidFill>
+                  <a:schemeClr val="tx1"/>
+                </a:solidFill>
+              </a:rPr>
+            </a:br>
+            <a:r>
+              <a:rPr lang="en-IL" sz="1000" dirty="0">
+                <a:solidFill>
+                  <a:schemeClr val="tx1"/>
+                </a:solidFill>
+              </a:rPr>
+              <a:t>Login/</a:t>
+            </a:r>
+            <a:r>
+              <a:rPr lang="en-IL" sz="1000" dirty="0" err="1">
+                <a:solidFill>
+                  <a:schemeClr val="tx1"/>
+                </a:solidFill>
+              </a:rPr>
+              <a:t>OnBoarding</a:t>
+            </a:r>
+            <a:endParaRPr lang="he-IL" sz="1000" dirty="0">
+              <a:solidFill>
+                <a:schemeClr val="tx1"/>
+              </a:solidFill>
+            </a:endParaRPr>
+          </a:p>
+        </p:txBody>
+      </p:sp>
+      <p:sp>
+        <p:nvSpPr>
+          <p:cNvPr id="8" name="מלבן 7">
+            <a:extLst>
+              <a:ext uri="{FF2B5EF4-FFF2-40B4-BE49-F238E27FC236}">
+                <a16:creationId xmlns:a16="http://schemas.microsoft.com/office/drawing/2014/main" id="{D767415E-BFD6-4546-85F2-7F78612F3D5F}"/>
+              </a:ext>
+            </a:extLst>
+          </p:cNvPr>
+          <p:cNvSpPr/>
+          <p:nvPr/>
+        </p:nvSpPr>
+        <p:spPr>
+          <a:xfrm>
+            <a:off x="366043" y="1672063"/>
+            <a:ext cx="1175217" cy="393063"/>
+          </a:xfrm>
+          <a:prstGeom prst="rect">
+            <a:avLst/>
+          </a:prstGeom>
+          <a:noFill/>
+          <a:ln>
+            <a:solidFill>
+              <a:schemeClr val="accent6"/>
+            </a:solidFill>
+          </a:ln>
+        </p:spPr>
+        <p:style>
+          <a:lnRef idx="2">
+            <a:schemeClr val="accent1">
+              <a:shade val="50000"/>
+            </a:schemeClr>
+          </a:lnRef>
+          <a:fillRef idx="1">
+            <a:schemeClr val="accent1"/>
+          </a:fillRef>
+          <a:effectRef idx="0">
+            <a:schemeClr val="accent1"/>
+          </a:effectRef>
+          <a:fontRef idx="minor">
+            <a:schemeClr val="lt1"/>
+          </a:fontRef>
+        </p:style>
+        <p:txBody>
+          <a:bodyPr rtlCol="1" anchor="ctr"/>
+          <a:lstStyle/>
+          <a:p>
+            <a:pPr algn="ctr"/>
+            <a:r>
+              <a:rPr lang="en-IL" sz="1000" dirty="0">
+                <a:solidFill>
+                  <a:schemeClr val="tx1"/>
+                </a:solidFill>
+              </a:rPr>
+              <a:t>User Follow</a:t>
+            </a:r>
+            <a:endParaRPr lang="he-IL" sz="1000" dirty="0">
+              <a:solidFill>
+                <a:schemeClr val="tx1"/>
+              </a:solidFill>
+            </a:endParaRPr>
+          </a:p>
+        </p:txBody>
+      </p:sp>
+      <p:sp>
+        <p:nvSpPr>
+          <p:cNvPr id="9" name="מלבן 8">
+            <a:extLst>
+              <a:ext uri="{FF2B5EF4-FFF2-40B4-BE49-F238E27FC236}">
+                <a16:creationId xmlns:a16="http://schemas.microsoft.com/office/drawing/2014/main" id="{9448C546-B18B-4CE4-B9CA-E080161890C7}"/>
+              </a:ext>
+            </a:extLst>
+          </p:cNvPr>
+          <p:cNvSpPr/>
+          <p:nvPr/>
+        </p:nvSpPr>
+        <p:spPr>
+          <a:xfrm>
+            <a:off x="1939832" y="713619"/>
+            <a:ext cx="232756" cy="2250946"/>
+          </a:xfrm>
+          <a:prstGeom prst="rect">
+            <a:avLst/>
+          </a:prstGeom>
+          <a:noFill/>
+          <a:ln>
+            <a:solidFill>
+              <a:schemeClr val="tx1"/>
+            </a:solidFill>
+          </a:ln>
+        </p:spPr>
+        <p:style>
+          <a:lnRef idx="2">
+            <a:schemeClr val="accent1">
+              <a:shade val="50000"/>
+            </a:schemeClr>
+          </a:lnRef>
+          <a:fillRef idx="1">
+            <a:schemeClr val="accent1"/>
+          </a:fillRef>
+          <a:effectRef idx="0">
+            <a:schemeClr val="accent1"/>
+          </a:effectRef>
+          <a:fontRef idx="minor">
+            <a:schemeClr val="lt1"/>
+          </a:fontRef>
+        </p:style>
+        <p:txBody>
+          <a:bodyPr rtlCol="1" anchor="ctr"/>
+          <a:lstStyle/>
+          <a:p>
+            <a:pPr algn="ctr"/>
+            <a:r>
+              <a:rPr lang="en-IL" sz="1000" dirty="0">
+                <a:solidFill>
+                  <a:schemeClr val="tx1"/>
+                </a:solidFill>
+              </a:rPr>
+              <a:t>LB</a:t>
+            </a:r>
+            <a:endParaRPr lang="he-IL" sz="1000" dirty="0">
+              <a:solidFill>
+                <a:schemeClr val="tx1"/>
+              </a:solidFill>
+            </a:endParaRPr>
+          </a:p>
+        </p:txBody>
+      </p:sp>
+      <p:sp>
+        <p:nvSpPr>
+          <p:cNvPr id="10" name="מלבן 9">
+            <a:extLst>
+              <a:ext uri="{FF2B5EF4-FFF2-40B4-BE49-F238E27FC236}">
+                <a16:creationId xmlns:a16="http://schemas.microsoft.com/office/drawing/2014/main" id="{831707DD-C4CD-4D4A-BF15-774AC44AF88E}"/>
+              </a:ext>
+            </a:extLst>
+          </p:cNvPr>
+          <p:cNvSpPr/>
+          <p:nvPr/>
+        </p:nvSpPr>
+        <p:spPr>
+          <a:xfrm>
+            <a:off x="2663261" y="830000"/>
+            <a:ext cx="1026735" cy="321892"/>
+          </a:xfrm>
+          <a:prstGeom prst="rect">
+            <a:avLst/>
+          </a:prstGeom>
+          <a:noFill/>
+          <a:ln>
+            <a:solidFill>
+              <a:schemeClr val="accent1"/>
+            </a:solidFill>
+          </a:ln>
+        </p:spPr>
+        <p:style>
+          <a:lnRef idx="2">
+            <a:schemeClr val="accent1">
+              <a:shade val="50000"/>
+            </a:schemeClr>
+          </a:lnRef>
+          <a:fillRef idx="1">
+            <a:schemeClr val="accent1"/>
+          </a:fillRef>
+          <a:effectRef idx="0">
+            <a:schemeClr val="accent1"/>
+          </a:effectRef>
+          <a:fontRef idx="minor">
+            <a:schemeClr val="lt1"/>
+          </a:fontRef>
+        </p:style>
+        <p:txBody>
+          <a:bodyPr rtlCol="1" anchor="ctr"/>
+          <a:lstStyle/>
+          <a:p>
+            <a:pPr algn="ctr" rtl="0"/>
+            <a:r>
+              <a:rPr lang="en-IL" sz="1000" dirty="0">
+                <a:solidFill>
+                  <a:schemeClr val="tx1"/>
+                </a:solidFill>
+              </a:rPr>
+              <a:t>User Service</a:t>
+            </a:r>
+          </a:p>
+        </p:txBody>
+      </p:sp>
+      <p:sp>
+        <p:nvSpPr>
+          <p:cNvPr id="11" name="מלבן 10">
+            <a:extLst>
+              <a:ext uri="{FF2B5EF4-FFF2-40B4-BE49-F238E27FC236}">
+                <a16:creationId xmlns:a16="http://schemas.microsoft.com/office/drawing/2014/main" id="{87E78773-B54D-4F53-A141-445755EC3214}"/>
+              </a:ext>
+            </a:extLst>
+          </p:cNvPr>
+          <p:cNvSpPr/>
+          <p:nvPr/>
+        </p:nvSpPr>
+        <p:spPr>
+          <a:xfrm>
+            <a:off x="4054225" y="821687"/>
+            <a:ext cx="1026735" cy="340034"/>
+          </a:xfrm>
+          <a:prstGeom prst="rect">
+            <a:avLst/>
+          </a:prstGeom>
+          <a:noFill/>
+          <a:ln>
+            <a:solidFill>
+              <a:srgbClr val="FF0000"/>
+            </a:solidFill>
+          </a:ln>
+        </p:spPr>
+        <p:style>
+          <a:lnRef idx="2">
+            <a:schemeClr val="accent1">
+              <a:shade val="50000"/>
+            </a:schemeClr>
+          </a:lnRef>
+          <a:fillRef idx="1">
+            <a:schemeClr val="accent1"/>
+          </a:fillRef>
+          <a:effectRef idx="0">
+            <a:schemeClr val="accent1"/>
+          </a:effectRef>
+          <a:fontRef idx="minor">
+            <a:schemeClr val="lt1"/>
+          </a:fontRef>
+        </p:style>
+        <p:txBody>
+          <a:bodyPr rtlCol="1" anchor="ctr"/>
+          <a:lstStyle/>
+          <a:p>
+            <a:pPr algn="ctr"/>
+            <a:r>
+              <a:rPr lang="en-IL" sz="1000" dirty="0">
+                <a:solidFill>
+                  <a:schemeClr val="tx1"/>
+                </a:solidFill>
+              </a:rPr>
+              <a:t>User DB MySQL</a:t>
+            </a:r>
+          </a:p>
+        </p:txBody>
+      </p:sp>
+      <p:sp>
+        <p:nvSpPr>
+          <p:cNvPr id="12" name="מלבן 11">
+            <a:extLst>
+              <a:ext uri="{FF2B5EF4-FFF2-40B4-BE49-F238E27FC236}">
+                <a16:creationId xmlns:a16="http://schemas.microsoft.com/office/drawing/2014/main" id="{64C5E9B5-9F2B-4B34-BAEF-EC124821F376}"/>
+              </a:ext>
+            </a:extLst>
+          </p:cNvPr>
+          <p:cNvSpPr/>
+          <p:nvPr/>
+        </p:nvSpPr>
+        <p:spPr>
+          <a:xfrm flipH="1">
+            <a:off x="4054225" y="1282008"/>
+            <a:ext cx="710342" cy="278479"/>
+          </a:xfrm>
+          <a:prstGeom prst="rect">
+            <a:avLst/>
+          </a:prstGeom>
+          <a:noFill/>
+          <a:ln>
+            <a:solidFill>
+              <a:srgbClr val="FF0000"/>
+            </a:solidFill>
+          </a:ln>
+        </p:spPr>
+        <p:style>
+          <a:lnRef idx="2">
+            <a:schemeClr val="accent1">
+              <a:shade val="50000"/>
+            </a:schemeClr>
+          </a:lnRef>
+          <a:fillRef idx="1">
+            <a:schemeClr val="accent1"/>
+          </a:fillRef>
+          <a:effectRef idx="0">
+            <a:schemeClr val="accent1"/>
+          </a:effectRef>
+          <a:fontRef idx="minor">
+            <a:schemeClr val="lt1"/>
+          </a:fontRef>
+        </p:style>
+        <p:txBody>
+          <a:bodyPr rtlCol="1" anchor="ctr"/>
+          <a:lstStyle/>
+          <a:p>
+            <a:pPr algn="ctr"/>
+            <a:r>
+              <a:rPr lang="en-IL" sz="1000" dirty="0">
+                <a:solidFill>
+                  <a:schemeClr val="tx1"/>
+                </a:solidFill>
+              </a:rPr>
+              <a:t>Redis</a:t>
+            </a:r>
+            <a:endParaRPr lang="he-IL" sz="1000" dirty="0">
+              <a:solidFill>
+                <a:schemeClr val="tx1"/>
+              </a:solidFill>
+            </a:endParaRPr>
+          </a:p>
+        </p:txBody>
+      </p:sp>
+      <p:sp>
+        <p:nvSpPr>
+          <p:cNvPr id="13" name="מלבן 12">
+            <a:extLst>
+              <a:ext uri="{FF2B5EF4-FFF2-40B4-BE49-F238E27FC236}">
+                <a16:creationId xmlns:a16="http://schemas.microsoft.com/office/drawing/2014/main" id="{04EC00D7-609B-4F9C-A94D-FC6FDAC63FE2}"/>
+              </a:ext>
+            </a:extLst>
+          </p:cNvPr>
+          <p:cNvSpPr/>
+          <p:nvPr/>
+        </p:nvSpPr>
+        <p:spPr>
+          <a:xfrm>
+            <a:off x="2663260" y="1709266"/>
+            <a:ext cx="1026735" cy="321892"/>
+          </a:xfrm>
+          <a:prstGeom prst="rect">
+            <a:avLst/>
+          </a:prstGeom>
+          <a:noFill/>
+          <a:ln>
+            <a:solidFill>
+              <a:schemeClr val="accent1"/>
+            </a:solidFill>
+          </a:ln>
+        </p:spPr>
+        <p:style>
+          <a:lnRef idx="2">
+            <a:schemeClr val="accent1">
+              <a:shade val="50000"/>
+            </a:schemeClr>
+          </a:lnRef>
+          <a:fillRef idx="1">
+            <a:schemeClr val="accent1"/>
+          </a:fillRef>
+          <a:effectRef idx="0">
+            <a:schemeClr val="accent1"/>
+          </a:effectRef>
+          <a:fontRef idx="minor">
+            <a:schemeClr val="lt1"/>
+          </a:fontRef>
+        </p:style>
+        <p:txBody>
+          <a:bodyPr rtlCol="1" anchor="ctr"/>
+          <a:lstStyle/>
+          <a:p>
+            <a:pPr algn="ctr" rtl="0"/>
+            <a:r>
+              <a:rPr lang="en-IL" sz="1000" dirty="0">
+                <a:solidFill>
+                  <a:schemeClr val="tx1"/>
+                </a:solidFill>
+              </a:rPr>
+              <a:t>Graph Service</a:t>
+            </a:r>
+          </a:p>
+        </p:txBody>
+      </p:sp>
+      <p:cxnSp>
+        <p:nvCxnSpPr>
+          <p:cNvPr id="14" name="מחבר חץ ישר 13">
+            <a:extLst>
+              <a:ext uri="{FF2B5EF4-FFF2-40B4-BE49-F238E27FC236}">
+                <a16:creationId xmlns:a16="http://schemas.microsoft.com/office/drawing/2014/main" id="{EDA1CF7F-9761-4DE0-938F-2250E9C83E55}"/>
+              </a:ext>
+            </a:extLst>
+          </p:cNvPr>
+          <p:cNvCxnSpPr>
+            <a:cxnSpLocks/>
+            <a:stCxn id="7" idx="3"/>
+            <a:endCxn id="10" idx="1"/>
+          </p:cNvCxnSpPr>
+          <p:nvPr/>
+        </p:nvCxnSpPr>
+        <p:spPr>
+          <a:xfrm flipV="1">
+            <a:off x="1541260" y="990946"/>
+            <a:ext cx="1122001" cy="199621"/>
+          </a:xfrm>
+          <a:prstGeom prst="straightConnector1">
+            <a:avLst/>
+          </a:prstGeom>
+          <a:ln>
+            <a:headEnd type="triangle"/>
+            <a:tailEnd type="triangle"/>
+          </a:ln>
+        </p:spPr>
+        <p:style>
+          <a:lnRef idx="1">
+            <a:schemeClr val="accent1"/>
+          </a:lnRef>
+          <a:fillRef idx="0">
+            <a:schemeClr val="accent1"/>
+          </a:fillRef>
+          <a:effectRef idx="0">
+            <a:schemeClr val="accent1"/>
+          </a:effectRef>
+          <a:fontRef idx="minor">
+            <a:schemeClr val="tx1"/>
+          </a:fontRef>
+        </p:style>
+      </p:cxnSp>
+      <p:cxnSp>
+        <p:nvCxnSpPr>
+          <p:cNvPr id="17" name="מחבר חץ ישר 16">
+            <a:extLst>
+              <a:ext uri="{FF2B5EF4-FFF2-40B4-BE49-F238E27FC236}">
+                <a16:creationId xmlns:a16="http://schemas.microsoft.com/office/drawing/2014/main" id="{8C98C93E-0C06-4C24-8710-E96C8FF8406A}"/>
+              </a:ext>
+            </a:extLst>
+          </p:cNvPr>
+          <p:cNvCxnSpPr>
+            <a:cxnSpLocks/>
+            <a:stCxn id="8" idx="3"/>
+            <a:endCxn id="13" idx="1"/>
+          </p:cNvCxnSpPr>
+          <p:nvPr/>
+        </p:nvCxnSpPr>
+        <p:spPr>
+          <a:xfrm>
+            <a:off x="1541260" y="1868595"/>
+            <a:ext cx="1122000" cy="1617"/>
+          </a:xfrm>
+          <a:prstGeom prst="straightConnector1">
+            <a:avLst/>
+          </a:prstGeom>
+          <a:ln>
+            <a:headEnd type="triangle"/>
+            <a:tailEnd type="triangle"/>
+          </a:ln>
+        </p:spPr>
+        <p:style>
+          <a:lnRef idx="1">
+            <a:schemeClr val="accent1"/>
+          </a:lnRef>
+          <a:fillRef idx="0">
+            <a:schemeClr val="accent1"/>
+          </a:fillRef>
+          <a:effectRef idx="0">
+            <a:schemeClr val="accent1"/>
+          </a:effectRef>
+          <a:fontRef idx="minor">
+            <a:schemeClr val="tx1"/>
+          </a:fontRef>
+        </p:style>
+      </p:cxnSp>
+      <p:sp>
+        <p:nvSpPr>
+          <p:cNvPr id="21" name="מלבן 20">
+            <a:extLst>
+              <a:ext uri="{FF2B5EF4-FFF2-40B4-BE49-F238E27FC236}">
+                <a16:creationId xmlns:a16="http://schemas.microsoft.com/office/drawing/2014/main" id="{41B6A65F-B260-48D4-98E1-5F072918D841}"/>
+              </a:ext>
+            </a:extLst>
+          </p:cNvPr>
+          <p:cNvSpPr/>
+          <p:nvPr/>
+        </p:nvSpPr>
+        <p:spPr>
+          <a:xfrm>
+            <a:off x="4075258" y="1696204"/>
+            <a:ext cx="1905710" cy="340034"/>
+          </a:xfrm>
+          <a:prstGeom prst="rect">
+            <a:avLst/>
+          </a:prstGeom>
+          <a:noFill/>
+          <a:ln>
+            <a:solidFill>
+              <a:srgbClr val="FF0000"/>
+            </a:solidFill>
+          </a:ln>
+        </p:spPr>
+        <p:style>
+          <a:lnRef idx="2">
+            <a:schemeClr val="accent1">
+              <a:shade val="50000"/>
+            </a:schemeClr>
+          </a:lnRef>
+          <a:fillRef idx="1">
+            <a:schemeClr val="accent1"/>
+          </a:fillRef>
+          <a:effectRef idx="0">
+            <a:schemeClr val="accent1"/>
+          </a:effectRef>
+          <a:fontRef idx="minor">
+            <a:schemeClr val="lt1"/>
+          </a:fontRef>
+        </p:style>
+        <p:txBody>
+          <a:bodyPr rtlCol="1" anchor="ctr"/>
+          <a:lstStyle/>
+          <a:p>
+            <a:pPr algn="ctr"/>
+            <a:r>
+              <a:rPr lang="en-IL" sz="1000" dirty="0">
+                <a:solidFill>
+                  <a:schemeClr val="tx1"/>
+                </a:solidFill>
+              </a:rPr>
+              <a:t>User DB MySQL</a:t>
+            </a:r>
+          </a:p>
+          <a:p>
+            <a:pPr algn="ctr"/>
+            <a:r>
+              <a:rPr lang="en-IL" sz="1000" dirty="0" err="1">
+                <a:solidFill>
+                  <a:schemeClr val="tx1"/>
+                </a:solidFill>
+              </a:rPr>
+              <a:t>UserID</a:t>
+            </a:r>
+            <a:r>
+              <a:rPr lang="en-IL" sz="1000" dirty="0">
+                <a:solidFill>
+                  <a:schemeClr val="tx1"/>
+                </a:solidFill>
+              </a:rPr>
+              <a:t>/</a:t>
+            </a:r>
+            <a:r>
+              <a:rPr lang="en-IL" sz="1000" dirty="0" err="1">
+                <a:solidFill>
+                  <a:schemeClr val="tx1"/>
+                </a:solidFill>
+              </a:rPr>
+              <a:t>FollowerID</a:t>
+            </a:r>
+            <a:r>
+              <a:rPr lang="en-IL" sz="1000" dirty="0">
+                <a:solidFill>
+                  <a:schemeClr val="tx1"/>
+                </a:solidFill>
+              </a:rPr>
+              <a:t>/</a:t>
+            </a:r>
+            <a:r>
+              <a:rPr lang="en-IL" sz="1000" dirty="0" err="1">
+                <a:solidFill>
+                  <a:schemeClr val="tx1"/>
+                </a:solidFill>
+              </a:rPr>
+              <a:t>TimeStamp</a:t>
+            </a:r>
+            <a:endParaRPr lang="en-IL" sz="1000" dirty="0">
+              <a:solidFill>
+                <a:schemeClr val="tx1"/>
+              </a:solidFill>
+            </a:endParaRPr>
+          </a:p>
+        </p:txBody>
+      </p:sp>
+      <p:cxnSp>
+        <p:nvCxnSpPr>
+          <p:cNvPr id="23" name="מחבר חץ ישר 22">
+            <a:extLst>
+              <a:ext uri="{FF2B5EF4-FFF2-40B4-BE49-F238E27FC236}">
+                <a16:creationId xmlns:a16="http://schemas.microsoft.com/office/drawing/2014/main" id="{DA099CC6-491E-4A47-BD7F-EC5B1A801AF9}"/>
+              </a:ext>
+            </a:extLst>
+          </p:cNvPr>
+          <p:cNvCxnSpPr>
+            <a:cxnSpLocks/>
+            <a:stCxn id="13" idx="3"/>
+            <a:endCxn id="21" idx="1"/>
+          </p:cNvCxnSpPr>
+          <p:nvPr/>
+        </p:nvCxnSpPr>
+        <p:spPr>
+          <a:xfrm flipV="1">
+            <a:off x="3689995" y="1866221"/>
+            <a:ext cx="385263" cy="3991"/>
+          </a:xfrm>
+          <a:prstGeom prst="straightConnector1">
+            <a:avLst/>
+          </a:prstGeom>
+          <a:ln>
+            <a:headEnd type="triangle"/>
+            <a:tailEnd type="triangle"/>
+          </a:ln>
+        </p:spPr>
+        <p:style>
+          <a:lnRef idx="1">
+            <a:schemeClr val="accent1"/>
+          </a:lnRef>
+          <a:fillRef idx="0">
+            <a:schemeClr val="accent1"/>
+          </a:fillRef>
+          <a:effectRef idx="0">
+            <a:schemeClr val="accent1"/>
+          </a:effectRef>
+          <a:fontRef idx="minor">
+            <a:schemeClr val="tx1"/>
+          </a:fontRef>
+        </p:style>
+      </p:cxnSp>
+      <p:cxnSp>
+        <p:nvCxnSpPr>
+          <p:cNvPr id="26" name="מחבר חץ ישר 25">
+            <a:extLst>
+              <a:ext uri="{FF2B5EF4-FFF2-40B4-BE49-F238E27FC236}">
+                <a16:creationId xmlns:a16="http://schemas.microsoft.com/office/drawing/2014/main" id="{20B7F2B0-DFC3-499F-9613-6A954E97D1E0}"/>
+              </a:ext>
+            </a:extLst>
+          </p:cNvPr>
+          <p:cNvCxnSpPr>
+            <a:cxnSpLocks/>
+            <a:stCxn id="10" idx="3"/>
+            <a:endCxn id="11" idx="1"/>
+          </p:cNvCxnSpPr>
+          <p:nvPr/>
+        </p:nvCxnSpPr>
+        <p:spPr>
+          <a:xfrm>
+            <a:off x="3689996" y="990946"/>
+            <a:ext cx="364229" cy="758"/>
+          </a:xfrm>
+          <a:prstGeom prst="straightConnector1">
+            <a:avLst/>
+          </a:prstGeom>
+          <a:ln>
+            <a:headEnd type="triangle"/>
+            <a:tailEnd type="triangle"/>
+          </a:ln>
+        </p:spPr>
+        <p:style>
+          <a:lnRef idx="1">
+            <a:schemeClr val="accent1"/>
+          </a:lnRef>
+          <a:fillRef idx="0">
+            <a:schemeClr val="accent1"/>
+          </a:fillRef>
+          <a:effectRef idx="0">
+            <a:schemeClr val="accent1"/>
+          </a:effectRef>
+          <a:fontRef idx="minor">
+            <a:schemeClr val="tx1"/>
+          </a:fontRef>
+        </p:style>
+      </p:cxnSp>
+      <p:cxnSp>
+        <p:nvCxnSpPr>
+          <p:cNvPr id="33" name="מחבר: מרפקי 32">
+            <a:extLst>
+              <a:ext uri="{FF2B5EF4-FFF2-40B4-BE49-F238E27FC236}">
+                <a16:creationId xmlns:a16="http://schemas.microsoft.com/office/drawing/2014/main" id="{FAB77D39-D42A-46E9-9042-F3030077F98D}"/>
+              </a:ext>
+            </a:extLst>
+          </p:cNvPr>
+          <p:cNvCxnSpPr>
+            <a:stCxn id="12" idx="3"/>
+            <a:endCxn id="10" idx="2"/>
+          </p:cNvCxnSpPr>
+          <p:nvPr/>
+        </p:nvCxnSpPr>
+        <p:spPr>
+          <a:xfrm rot="10800000">
+            <a:off x="3176629" y="1151892"/>
+            <a:ext cx="877596" cy="269356"/>
+          </a:xfrm>
+          <a:prstGeom prst="bentConnector2">
+            <a:avLst/>
+          </a:prstGeom>
+          <a:ln>
+            <a:tailEnd type="triangle"/>
+          </a:ln>
+        </p:spPr>
+        <p:style>
+          <a:lnRef idx="1">
+            <a:schemeClr val="accent1"/>
+          </a:lnRef>
+          <a:fillRef idx="0">
+            <a:schemeClr val="accent1"/>
+          </a:fillRef>
+          <a:effectRef idx="0">
+            <a:schemeClr val="accent1"/>
+          </a:effectRef>
+          <a:fontRef idx="minor">
+            <a:schemeClr val="tx1"/>
+          </a:fontRef>
+        </p:style>
+      </p:cxnSp>
+      <p:cxnSp>
+        <p:nvCxnSpPr>
+          <p:cNvPr id="34" name="מחבר: מרפקי 33">
+            <a:extLst>
+              <a:ext uri="{FF2B5EF4-FFF2-40B4-BE49-F238E27FC236}">
+                <a16:creationId xmlns:a16="http://schemas.microsoft.com/office/drawing/2014/main" id="{DC310F7D-A603-4EBD-86B9-1C27D62BEB02}"/>
+              </a:ext>
+            </a:extLst>
+          </p:cNvPr>
+          <p:cNvCxnSpPr>
+            <a:cxnSpLocks/>
+            <a:stCxn id="12" idx="3"/>
+            <a:endCxn id="13" idx="0"/>
+          </p:cNvCxnSpPr>
+          <p:nvPr/>
+        </p:nvCxnSpPr>
+        <p:spPr>
+          <a:xfrm rot="10800000" flipV="1">
+            <a:off x="3176629" y="1421248"/>
+            <a:ext cx="877597" cy="288018"/>
+          </a:xfrm>
+          <a:prstGeom prst="bentConnector2">
+            <a:avLst/>
+          </a:prstGeom>
+          <a:ln>
+            <a:tailEnd type="triangle"/>
+          </a:ln>
+        </p:spPr>
+        <p:style>
+          <a:lnRef idx="1">
+            <a:schemeClr val="accent1"/>
+          </a:lnRef>
+          <a:fillRef idx="0">
+            <a:schemeClr val="accent1"/>
+          </a:fillRef>
+          <a:effectRef idx="0">
+            <a:schemeClr val="accent1"/>
+          </a:effectRef>
+          <a:fontRef idx="minor">
+            <a:schemeClr val="tx1"/>
+          </a:fontRef>
+        </p:style>
+      </p:cxnSp>
+      <p:sp>
+        <p:nvSpPr>
+          <p:cNvPr id="37" name="תיבת טקסט 36">
+            <a:extLst>
+              <a:ext uri="{FF2B5EF4-FFF2-40B4-BE49-F238E27FC236}">
+                <a16:creationId xmlns:a16="http://schemas.microsoft.com/office/drawing/2014/main" id="{DD704E38-E79C-49AD-80C2-CBB8275D4A2D}"/>
+              </a:ext>
+            </a:extLst>
+          </p:cNvPr>
+          <p:cNvSpPr txBox="1"/>
+          <p:nvPr/>
+        </p:nvSpPr>
+        <p:spPr>
+          <a:xfrm>
+            <a:off x="2478785" y="159844"/>
+            <a:ext cx="1395684" cy="408040"/>
+          </a:xfrm>
+          <a:prstGeom prst="rect">
+            <a:avLst/>
+          </a:prstGeom>
+          <a:noFill/>
+        </p:spPr>
+        <p:txBody>
+          <a:bodyPr wrap="square" rtlCol="1">
+            <a:spAutoFit/>
+          </a:bodyPr>
+          <a:lstStyle/>
+          <a:p>
+            <a:pPr algn="l" rtl="0"/>
+            <a:r>
+              <a:rPr lang="en-IL" sz="1000" dirty="0"/>
+              <a:t>Get user by ID, Mail etc</a:t>
+            </a:r>
+            <a:br>
+              <a:rPr lang="en-IL" sz="1000" dirty="0"/>
+            </a:br>
+            <a:r>
+              <a:rPr lang="en-IL" sz="1000" dirty="0"/>
+              <a:t>Also offers bulk API</a:t>
+            </a:r>
+            <a:endParaRPr lang="he-IL" sz="1000" dirty="0"/>
+          </a:p>
+        </p:txBody>
+      </p:sp>
+      <p:cxnSp>
+        <p:nvCxnSpPr>
+          <p:cNvPr id="38" name="מחבר חץ ישר 37">
+            <a:extLst>
+              <a:ext uri="{FF2B5EF4-FFF2-40B4-BE49-F238E27FC236}">
+                <a16:creationId xmlns:a16="http://schemas.microsoft.com/office/drawing/2014/main" id="{23C4D86C-4180-472A-AD52-6F9EAEF4B38D}"/>
+              </a:ext>
+            </a:extLst>
+          </p:cNvPr>
+          <p:cNvCxnSpPr>
+            <a:cxnSpLocks/>
+            <a:stCxn id="37" idx="2"/>
+            <a:endCxn id="10" idx="0"/>
+          </p:cNvCxnSpPr>
+          <p:nvPr/>
+        </p:nvCxnSpPr>
+        <p:spPr>
+          <a:xfrm>
+            <a:off x="3176627" y="567884"/>
+            <a:ext cx="2" cy="262116"/>
+          </a:xfrm>
+          <a:prstGeom prst="straightConnector1">
+            <a:avLst/>
+          </a:prstGeom>
+          <a:ln>
+            <a:tailEnd type="triangle"/>
+          </a:ln>
+        </p:spPr>
+        <p:style>
+          <a:lnRef idx="1">
+            <a:schemeClr val="dk1"/>
+          </a:lnRef>
+          <a:fillRef idx="0">
+            <a:schemeClr val="dk1"/>
+          </a:fillRef>
+          <a:effectRef idx="0">
+            <a:schemeClr val="dk1"/>
+          </a:effectRef>
+          <a:fontRef idx="minor">
+            <a:schemeClr val="tx1"/>
+          </a:fontRef>
+        </p:style>
+      </p:cxnSp>
+      <p:sp>
+        <p:nvSpPr>
+          <p:cNvPr id="41" name="תיבת טקסט 40">
+            <a:extLst>
+              <a:ext uri="{FF2B5EF4-FFF2-40B4-BE49-F238E27FC236}">
+                <a16:creationId xmlns:a16="http://schemas.microsoft.com/office/drawing/2014/main" id="{2CBF63D9-1164-4D72-B990-73205106FA4D}"/>
+              </a:ext>
+            </a:extLst>
+          </p:cNvPr>
+          <p:cNvSpPr txBox="1"/>
+          <p:nvPr/>
+        </p:nvSpPr>
+        <p:spPr>
+          <a:xfrm>
+            <a:off x="4330271" y="2847111"/>
+            <a:ext cx="1395684" cy="861774"/>
+          </a:xfrm>
+          <a:prstGeom prst="rect">
+            <a:avLst/>
+          </a:prstGeom>
+          <a:noFill/>
+        </p:spPr>
+        <p:txBody>
+          <a:bodyPr wrap="square" rtlCol="1">
+            <a:spAutoFit/>
+          </a:bodyPr>
+          <a:lstStyle/>
+          <a:p>
+            <a:pPr algn="l" rtl="0"/>
+            <a:r>
+              <a:rPr lang="en-IL" sz="1000" dirty="0"/>
+              <a:t>This database doesn’t get updated frequently but contains a lot of data so we should consider </a:t>
+            </a:r>
+            <a:r>
+              <a:rPr lang="en-IL" sz="1000" dirty="0" err="1"/>
+              <a:t>sharding</a:t>
+            </a:r>
+            <a:endParaRPr lang="he-IL" sz="1000" dirty="0"/>
+          </a:p>
+        </p:txBody>
+      </p:sp>
+      <p:cxnSp>
+        <p:nvCxnSpPr>
+          <p:cNvPr id="42" name="מחבר חץ ישר 41">
+            <a:extLst>
+              <a:ext uri="{FF2B5EF4-FFF2-40B4-BE49-F238E27FC236}">
+                <a16:creationId xmlns:a16="http://schemas.microsoft.com/office/drawing/2014/main" id="{3BEE9D77-4145-423C-B23D-120EDA501DCE}"/>
+              </a:ext>
+            </a:extLst>
+          </p:cNvPr>
+          <p:cNvCxnSpPr>
+            <a:cxnSpLocks/>
+            <a:stCxn id="41" idx="0"/>
+            <a:endCxn id="21" idx="2"/>
+          </p:cNvCxnSpPr>
+          <p:nvPr/>
+        </p:nvCxnSpPr>
+        <p:spPr>
+          <a:xfrm flipV="1">
+            <a:off x="5028113" y="2036238"/>
+            <a:ext cx="0" cy="810873"/>
+          </a:xfrm>
+          <a:prstGeom prst="straightConnector1">
+            <a:avLst/>
+          </a:prstGeom>
+          <a:ln>
+            <a:tailEnd type="triangle"/>
+          </a:ln>
+        </p:spPr>
+        <p:style>
+          <a:lnRef idx="1">
+            <a:schemeClr val="dk1"/>
+          </a:lnRef>
+          <a:fillRef idx="0">
+            <a:schemeClr val="dk1"/>
+          </a:fillRef>
+          <a:effectRef idx="0">
+            <a:schemeClr val="dk1"/>
+          </a:effectRef>
+          <a:fontRef idx="minor">
+            <a:schemeClr val="tx1"/>
+          </a:fontRef>
+        </p:style>
+      </p:cxnSp>
+      <p:sp>
+        <p:nvSpPr>
+          <p:cNvPr id="45" name="מלבן 44">
+            <a:extLst>
+              <a:ext uri="{FF2B5EF4-FFF2-40B4-BE49-F238E27FC236}">
+                <a16:creationId xmlns:a16="http://schemas.microsoft.com/office/drawing/2014/main" id="{DE5985D8-677D-499C-B1E6-85409F5CD6C7}"/>
+              </a:ext>
+            </a:extLst>
+          </p:cNvPr>
+          <p:cNvSpPr/>
+          <p:nvPr/>
+        </p:nvSpPr>
+        <p:spPr>
+          <a:xfrm>
+            <a:off x="2663259" y="2298117"/>
+            <a:ext cx="1026735" cy="321892"/>
+          </a:xfrm>
+          <a:prstGeom prst="rect">
+            <a:avLst/>
+          </a:prstGeom>
+          <a:noFill/>
+          <a:ln>
+            <a:solidFill>
+              <a:schemeClr val="accent1"/>
+            </a:solidFill>
+          </a:ln>
+        </p:spPr>
+        <p:style>
+          <a:lnRef idx="2">
+            <a:schemeClr val="accent1">
+              <a:shade val="50000"/>
+            </a:schemeClr>
+          </a:lnRef>
+          <a:fillRef idx="1">
+            <a:schemeClr val="accent1"/>
+          </a:fillRef>
+          <a:effectRef idx="0">
+            <a:schemeClr val="accent1"/>
+          </a:effectRef>
+          <a:fontRef idx="minor">
+            <a:schemeClr val="lt1"/>
+          </a:fontRef>
+        </p:style>
+        <p:txBody>
+          <a:bodyPr rtlCol="1" anchor="ctr"/>
+          <a:lstStyle/>
+          <a:p>
+            <a:pPr algn="ctr" rtl="0"/>
+            <a:r>
+              <a:rPr lang="en-IL" sz="1000" dirty="0">
+                <a:solidFill>
+                  <a:schemeClr val="tx1"/>
+                </a:solidFill>
+              </a:rPr>
+              <a:t>Analytics</a:t>
+            </a:r>
+          </a:p>
+        </p:txBody>
+      </p:sp>
+      <p:sp>
+        <p:nvSpPr>
+          <p:cNvPr id="46" name="מלבן 45">
+            <a:extLst>
+              <a:ext uri="{FF2B5EF4-FFF2-40B4-BE49-F238E27FC236}">
+                <a16:creationId xmlns:a16="http://schemas.microsoft.com/office/drawing/2014/main" id="{D4491582-C019-412C-AA7B-F092C537018E}"/>
+              </a:ext>
+            </a:extLst>
+          </p:cNvPr>
+          <p:cNvSpPr/>
+          <p:nvPr/>
+        </p:nvSpPr>
+        <p:spPr>
+          <a:xfrm>
+            <a:off x="2663258" y="2724728"/>
+            <a:ext cx="1026735" cy="321892"/>
+          </a:xfrm>
+          <a:prstGeom prst="rect">
+            <a:avLst/>
+          </a:prstGeom>
+          <a:noFill/>
+          <a:ln>
+            <a:solidFill>
+              <a:schemeClr val="accent1"/>
+            </a:solidFill>
+          </a:ln>
+        </p:spPr>
+        <p:style>
+          <a:lnRef idx="2">
+            <a:schemeClr val="accent1">
+              <a:shade val="50000"/>
+            </a:schemeClr>
+          </a:lnRef>
+          <a:fillRef idx="1">
+            <a:schemeClr val="accent1"/>
+          </a:fillRef>
+          <a:effectRef idx="0">
+            <a:schemeClr val="accent1"/>
+          </a:effectRef>
+          <a:fontRef idx="minor">
+            <a:schemeClr val="lt1"/>
+          </a:fontRef>
+        </p:style>
+        <p:txBody>
+          <a:bodyPr rtlCol="1" anchor="ctr"/>
+          <a:lstStyle/>
+          <a:p>
+            <a:pPr algn="ctr" rtl="0"/>
+            <a:r>
+              <a:rPr lang="en-IL" sz="1000" dirty="0">
+                <a:solidFill>
+                  <a:schemeClr val="tx1"/>
+                </a:solidFill>
+              </a:rPr>
+              <a:t>User Live WebSocket</a:t>
+            </a:r>
+          </a:p>
+        </p:txBody>
+      </p:sp>
+      <p:cxnSp>
+        <p:nvCxnSpPr>
+          <p:cNvPr id="47" name="מחבר חץ ישר 46">
+            <a:extLst>
+              <a:ext uri="{FF2B5EF4-FFF2-40B4-BE49-F238E27FC236}">
+                <a16:creationId xmlns:a16="http://schemas.microsoft.com/office/drawing/2014/main" id="{45A63188-C2CA-45EA-9729-31A124BBF7DC}"/>
+              </a:ext>
+            </a:extLst>
+          </p:cNvPr>
+          <p:cNvCxnSpPr>
+            <a:cxnSpLocks/>
+            <a:stCxn id="6" idx="3"/>
+            <a:endCxn id="45" idx="1"/>
+          </p:cNvCxnSpPr>
+          <p:nvPr/>
+        </p:nvCxnSpPr>
+        <p:spPr>
+          <a:xfrm flipV="1">
+            <a:off x="1541260" y="2459063"/>
+            <a:ext cx="1121999" cy="4685"/>
+          </a:xfrm>
+          <a:prstGeom prst="straightConnector1">
+            <a:avLst/>
+          </a:prstGeom>
+          <a:ln>
+            <a:headEnd type="triangle"/>
+            <a:tailEnd type="triangle"/>
+          </a:ln>
+        </p:spPr>
+        <p:style>
+          <a:lnRef idx="1">
+            <a:schemeClr val="accent1"/>
+          </a:lnRef>
+          <a:fillRef idx="0">
+            <a:schemeClr val="accent1"/>
+          </a:fillRef>
+          <a:effectRef idx="0">
+            <a:schemeClr val="accent1"/>
+          </a:effectRef>
+          <a:fontRef idx="minor">
+            <a:schemeClr val="tx1"/>
+          </a:fontRef>
+        </p:style>
+      </p:cxnSp>
+      <p:cxnSp>
+        <p:nvCxnSpPr>
+          <p:cNvPr id="50" name="מחבר חץ ישר 49">
+            <a:extLst>
+              <a:ext uri="{FF2B5EF4-FFF2-40B4-BE49-F238E27FC236}">
+                <a16:creationId xmlns:a16="http://schemas.microsoft.com/office/drawing/2014/main" id="{42EFA43E-9A81-415F-9105-6E86058D040B}"/>
+              </a:ext>
+            </a:extLst>
+          </p:cNvPr>
+          <p:cNvCxnSpPr>
+            <a:cxnSpLocks/>
+            <a:stCxn id="6" idx="3"/>
+            <a:endCxn id="46" idx="1"/>
+          </p:cNvCxnSpPr>
+          <p:nvPr/>
+        </p:nvCxnSpPr>
+        <p:spPr>
+          <a:xfrm>
+            <a:off x="1541260" y="2463748"/>
+            <a:ext cx="1121998" cy="421926"/>
+          </a:xfrm>
+          <a:prstGeom prst="straightConnector1">
+            <a:avLst/>
+          </a:prstGeom>
+          <a:ln>
+            <a:headEnd type="triangle"/>
+            <a:tailEnd type="triangle"/>
+          </a:ln>
+        </p:spPr>
+        <p:style>
+          <a:lnRef idx="1">
+            <a:schemeClr val="accent1"/>
+          </a:lnRef>
+          <a:fillRef idx="0">
+            <a:schemeClr val="accent1"/>
+          </a:fillRef>
+          <a:effectRef idx="0">
+            <a:schemeClr val="accent1"/>
+          </a:effectRef>
+          <a:fontRef idx="minor">
+            <a:schemeClr val="tx1"/>
+          </a:fontRef>
+        </p:style>
+      </p:cxnSp>
+      <p:sp>
+        <p:nvSpPr>
+          <p:cNvPr id="59" name="תיבת טקסט 58">
+            <a:extLst>
+              <a:ext uri="{FF2B5EF4-FFF2-40B4-BE49-F238E27FC236}">
+                <a16:creationId xmlns:a16="http://schemas.microsoft.com/office/drawing/2014/main" id="{2F75EED1-75C1-4BC8-A8F3-D04B4559D0EB}"/>
+              </a:ext>
+            </a:extLst>
+          </p:cNvPr>
+          <p:cNvSpPr txBox="1"/>
+          <p:nvPr/>
+        </p:nvSpPr>
+        <p:spPr>
+          <a:xfrm>
+            <a:off x="1464170" y="3193257"/>
+            <a:ext cx="2866101" cy="553998"/>
+          </a:xfrm>
+          <a:prstGeom prst="rect">
+            <a:avLst/>
+          </a:prstGeom>
+          <a:noFill/>
+        </p:spPr>
+        <p:txBody>
+          <a:bodyPr wrap="square" rtlCol="1">
+            <a:spAutoFit/>
+          </a:bodyPr>
+          <a:lstStyle/>
+          <a:p>
+            <a:pPr algn="l" rtl="0"/>
+            <a:r>
+              <a:rPr lang="en-IL" sz="1000" dirty="0"/>
+              <a:t>We track the user status in order to see if it live or not. Remember we need to classify users in order to handle a large scale of users</a:t>
+            </a:r>
+            <a:endParaRPr lang="he-IL" sz="1000" dirty="0"/>
+          </a:p>
+        </p:txBody>
+      </p:sp>
+      <p:cxnSp>
+        <p:nvCxnSpPr>
+          <p:cNvPr id="60" name="מחבר חץ ישר 59">
+            <a:extLst>
+              <a:ext uri="{FF2B5EF4-FFF2-40B4-BE49-F238E27FC236}">
+                <a16:creationId xmlns:a16="http://schemas.microsoft.com/office/drawing/2014/main" id="{1447816D-11E0-4B8C-A188-F20F170D188D}"/>
+              </a:ext>
+            </a:extLst>
+          </p:cNvPr>
+          <p:cNvCxnSpPr>
+            <a:cxnSpLocks/>
+            <a:stCxn id="59" idx="0"/>
+            <a:endCxn id="46" idx="2"/>
+          </p:cNvCxnSpPr>
+          <p:nvPr/>
+        </p:nvCxnSpPr>
+        <p:spPr>
+          <a:xfrm flipV="1">
+            <a:off x="2897221" y="3046620"/>
+            <a:ext cx="279405" cy="146637"/>
+          </a:xfrm>
+          <a:prstGeom prst="straightConnector1">
+            <a:avLst/>
+          </a:prstGeom>
+          <a:ln>
+            <a:tailEnd type="triangle"/>
+          </a:ln>
+        </p:spPr>
+        <p:style>
+          <a:lnRef idx="1">
+            <a:schemeClr val="dk1"/>
+          </a:lnRef>
+          <a:fillRef idx="0">
+            <a:schemeClr val="dk1"/>
+          </a:fillRef>
+          <a:effectRef idx="0">
+            <a:schemeClr val="dk1"/>
+          </a:effectRef>
+          <a:fontRef idx="minor">
+            <a:schemeClr val="tx1"/>
+          </a:fontRef>
+        </p:style>
+      </p:cxnSp>
+      <p:sp>
+        <p:nvSpPr>
+          <p:cNvPr id="68" name="מלבן 67">
+            <a:extLst>
+              <a:ext uri="{FF2B5EF4-FFF2-40B4-BE49-F238E27FC236}">
+                <a16:creationId xmlns:a16="http://schemas.microsoft.com/office/drawing/2014/main" id="{E130F441-E66E-4EA1-9BB9-D8AFD3E3EE44}"/>
+              </a:ext>
+            </a:extLst>
+          </p:cNvPr>
+          <p:cNvSpPr/>
+          <p:nvPr/>
+        </p:nvSpPr>
+        <p:spPr>
+          <a:xfrm>
+            <a:off x="6742885" y="664181"/>
+            <a:ext cx="232756" cy="2250000"/>
+          </a:xfrm>
+          <a:prstGeom prst="rect">
+            <a:avLst/>
+          </a:prstGeom>
+          <a:noFill/>
+          <a:ln>
+            <a:solidFill>
+              <a:srgbClr val="FF0000"/>
+            </a:solidFill>
+          </a:ln>
+        </p:spPr>
+        <p:style>
+          <a:lnRef idx="2">
+            <a:schemeClr val="accent1">
+              <a:shade val="50000"/>
+            </a:schemeClr>
+          </a:lnRef>
+          <a:fillRef idx="1">
+            <a:schemeClr val="accent1"/>
+          </a:fillRef>
+          <a:effectRef idx="0">
+            <a:schemeClr val="accent1"/>
+          </a:effectRef>
+          <a:fontRef idx="minor">
+            <a:schemeClr val="lt1"/>
+          </a:fontRef>
+        </p:style>
+        <p:txBody>
+          <a:bodyPr rtlCol="1" anchor="ctr"/>
+          <a:lstStyle/>
+          <a:p>
+            <a:pPr algn="ctr"/>
+            <a:r>
+              <a:rPr lang="en-IL" sz="1000" dirty="0">
+                <a:solidFill>
+                  <a:schemeClr val="tx1"/>
+                </a:solidFill>
+              </a:rPr>
+              <a:t>KAFKA</a:t>
+            </a:r>
+            <a:endParaRPr lang="he-IL" sz="1000" dirty="0">
+              <a:solidFill>
+                <a:schemeClr val="tx1"/>
+              </a:solidFill>
+            </a:endParaRPr>
+          </a:p>
+        </p:txBody>
+      </p:sp>
+      <p:cxnSp>
+        <p:nvCxnSpPr>
+          <p:cNvPr id="71" name="מחבר חץ ישר 70">
+            <a:extLst>
+              <a:ext uri="{FF2B5EF4-FFF2-40B4-BE49-F238E27FC236}">
+                <a16:creationId xmlns:a16="http://schemas.microsoft.com/office/drawing/2014/main" id="{FC7DB603-8C40-4591-AC46-E2385C3D2F99}"/>
+              </a:ext>
+            </a:extLst>
+          </p:cNvPr>
+          <p:cNvCxnSpPr>
+            <a:stCxn id="45" idx="3"/>
+          </p:cNvCxnSpPr>
+          <p:nvPr/>
+        </p:nvCxnSpPr>
+        <p:spPr>
+          <a:xfrm>
+            <a:off x="3689994" y="2459063"/>
+            <a:ext cx="3052891" cy="0"/>
+          </a:xfrm>
+          <a:prstGeom prst="straightConnector1">
+            <a:avLst/>
+          </a:prstGeom>
+          <a:ln>
+            <a:tailEnd type="triangle"/>
+          </a:ln>
+        </p:spPr>
+        <p:style>
+          <a:lnRef idx="1">
+            <a:schemeClr val="accent1"/>
+          </a:lnRef>
+          <a:fillRef idx="0">
+            <a:schemeClr val="accent1"/>
+          </a:fillRef>
+          <a:effectRef idx="0">
+            <a:schemeClr val="accent1"/>
+          </a:effectRef>
+          <a:fontRef idx="minor">
+            <a:schemeClr val="tx1"/>
+          </a:fontRef>
+        </p:style>
+      </p:cxnSp>
+      <p:cxnSp>
+        <p:nvCxnSpPr>
+          <p:cNvPr id="75" name="מחבר: מרפקי 74">
+            <a:extLst>
+              <a:ext uri="{FF2B5EF4-FFF2-40B4-BE49-F238E27FC236}">
+                <a16:creationId xmlns:a16="http://schemas.microsoft.com/office/drawing/2014/main" id="{3D993D03-63F8-4515-B103-183D37AA24CE}"/>
+              </a:ext>
+            </a:extLst>
+          </p:cNvPr>
+          <p:cNvCxnSpPr>
+            <a:stCxn id="46" idx="3"/>
+          </p:cNvCxnSpPr>
+          <p:nvPr/>
+        </p:nvCxnSpPr>
+        <p:spPr>
+          <a:xfrm flipV="1">
+            <a:off x="3689993" y="2620009"/>
+            <a:ext cx="3052892" cy="265665"/>
+          </a:xfrm>
+          <a:prstGeom prst="bentConnector3">
+            <a:avLst>
+              <a:gd name="adj1" fmla="val 18959"/>
+            </a:avLst>
+          </a:prstGeom>
+          <a:ln>
+            <a:tailEnd type="triangle"/>
+          </a:ln>
+        </p:spPr>
+        <p:style>
+          <a:lnRef idx="1">
+            <a:schemeClr val="accent1"/>
+          </a:lnRef>
+          <a:fillRef idx="0">
+            <a:schemeClr val="accent1"/>
+          </a:fillRef>
+          <a:effectRef idx="0">
+            <a:schemeClr val="accent1"/>
+          </a:effectRef>
+          <a:fontRef idx="minor">
+            <a:schemeClr val="tx1"/>
+          </a:fontRef>
+        </p:style>
+      </p:cxnSp>
+      <p:cxnSp>
+        <p:nvCxnSpPr>
+          <p:cNvPr id="77" name="מחבר: מרפקי 76">
+            <a:extLst>
+              <a:ext uri="{FF2B5EF4-FFF2-40B4-BE49-F238E27FC236}">
+                <a16:creationId xmlns:a16="http://schemas.microsoft.com/office/drawing/2014/main" id="{1B443198-A3D0-4AE6-BCD8-737ABA23566A}"/>
+              </a:ext>
+            </a:extLst>
+          </p:cNvPr>
+          <p:cNvCxnSpPr>
+            <a:cxnSpLocks/>
+          </p:cNvCxnSpPr>
+          <p:nvPr/>
+        </p:nvCxnSpPr>
+        <p:spPr>
+          <a:xfrm rot="16200000" flipH="1" flipV="1">
+            <a:off x="5169437" y="-815259"/>
+            <a:ext cx="210386" cy="3169266"/>
+          </a:xfrm>
+          <a:prstGeom prst="bentConnector4">
+            <a:avLst>
+              <a:gd name="adj1" fmla="val -108657"/>
+              <a:gd name="adj2" fmla="val 94327"/>
+            </a:avLst>
+          </a:prstGeom>
+          <a:ln>
+            <a:tailEnd type="triangle"/>
+          </a:ln>
+        </p:spPr>
+        <p:style>
+          <a:lnRef idx="1">
+            <a:schemeClr val="accent1"/>
+          </a:lnRef>
+          <a:fillRef idx="0">
+            <a:schemeClr val="accent1"/>
+          </a:fillRef>
+          <a:effectRef idx="0">
+            <a:schemeClr val="accent1"/>
+          </a:effectRef>
+          <a:fontRef idx="minor">
+            <a:schemeClr val="tx1"/>
+          </a:fontRef>
+        </p:style>
+      </p:cxnSp>
+      <p:sp>
+        <p:nvSpPr>
+          <p:cNvPr id="88" name="תיבת טקסט 87">
+            <a:extLst>
+              <a:ext uri="{FF2B5EF4-FFF2-40B4-BE49-F238E27FC236}">
+                <a16:creationId xmlns:a16="http://schemas.microsoft.com/office/drawing/2014/main" id="{0550C076-06A6-4B15-A248-06196EBF4FA8}"/>
+              </a:ext>
+            </a:extLst>
+          </p:cNvPr>
+          <p:cNvSpPr txBox="1"/>
+          <p:nvPr/>
+        </p:nvSpPr>
+        <p:spPr>
+          <a:xfrm>
+            <a:off x="5455675" y="2640648"/>
+            <a:ext cx="1278897" cy="246221"/>
+          </a:xfrm>
+          <a:prstGeom prst="rect">
+            <a:avLst/>
+          </a:prstGeom>
+          <a:noFill/>
+        </p:spPr>
+        <p:txBody>
+          <a:bodyPr wrap="square" rtlCol="1">
+            <a:spAutoFit/>
+          </a:bodyPr>
+          <a:lstStyle/>
+          <a:p>
+            <a:pPr algn="l" rtl="0"/>
+            <a:r>
+              <a:rPr lang="en-IL" sz="1000" dirty="0"/>
+              <a:t>User became offline</a:t>
+            </a:r>
+            <a:endParaRPr lang="he-IL" sz="1000" dirty="0"/>
+          </a:p>
+        </p:txBody>
+      </p:sp>
+      <p:sp>
+        <p:nvSpPr>
+          <p:cNvPr id="90" name="תיבת טקסט 89">
+            <a:extLst>
+              <a:ext uri="{FF2B5EF4-FFF2-40B4-BE49-F238E27FC236}">
+                <a16:creationId xmlns:a16="http://schemas.microsoft.com/office/drawing/2014/main" id="{A7FBDF8C-A6D8-4BE4-80B2-CA270ED4B588}"/>
+              </a:ext>
+            </a:extLst>
+          </p:cNvPr>
+          <p:cNvSpPr txBox="1"/>
+          <p:nvPr/>
+        </p:nvSpPr>
+        <p:spPr>
+          <a:xfrm>
+            <a:off x="5397283" y="44100"/>
+            <a:ext cx="1395680" cy="400110"/>
+          </a:xfrm>
+          <a:prstGeom prst="rect">
+            <a:avLst/>
+          </a:prstGeom>
+          <a:noFill/>
+        </p:spPr>
+        <p:txBody>
+          <a:bodyPr wrap="square" rtlCol="1">
+            <a:spAutoFit/>
+          </a:bodyPr>
+          <a:lstStyle/>
+          <a:p>
+            <a:pPr algn="l" rtl="0"/>
+            <a:r>
+              <a:rPr lang="en-IL" sz="1000" dirty="0"/>
+              <a:t>Change user type from active to inactive</a:t>
+            </a:r>
+            <a:endParaRPr lang="he-IL" sz="1000" dirty="0"/>
+          </a:p>
+        </p:txBody>
+      </p:sp>
+      <p:cxnSp>
+        <p:nvCxnSpPr>
+          <p:cNvPr id="91" name="מחבר: מרפקי 90">
+            <a:extLst>
+              <a:ext uri="{FF2B5EF4-FFF2-40B4-BE49-F238E27FC236}">
+                <a16:creationId xmlns:a16="http://schemas.microsoft.com/office/drawing/2014/main" id="{47481429-BF55-4556-AEDB-FE0E094A5FB5}"/>
+              </a:ext>
+            </a:extLst>
+          </p:cNvPr>
+          <p:cNvCxnSpPr>
+            <a:cxnSpLocks/>
+            <a:stCxn id="68" idx="1"/>
+            <a:endCxn id="13" idx="2"/>
+          </p:cNvCxnSpPr>
+          <p:nvPr/>
+        </p:nvCxnSpPr>
+        <p:spPr>
+          <a:xfrm rot="10800000" flipV="1">
+            <a:off x="3176629" y="1789180"/>
+            <a:ext cx="3566257" cy="241977"/>
+          </a:xfrm>
+          <a:prstGeom prst="bentConnector4">
+            <a:avLst>
+              <a:gd name="adj1" fmla="val 6206"/>
+              <a:gd name="adj2" fmla="val 167763"/>
+            </a:avLst>
+          </a:prstGeom>
+          <a:ln>
+            <a:tailEnd type="triangle"/>
+          </a:ln>
+        </p:spPr>
+        <p:style>
+          <a:lnRef idx="1">
+            <a:schemeClr val="accent1"/>
+          </a:lnRef>
+          <a:fillRef idx="0">
+            <a:schemeClr val="accent1"/>
+          </a:fillRef>
+          <a:effectRef idx="0">
+            <a:schemeClr val="accent1"/>
+          </a:effectRef>
+          <a:fontRef idx="minor">
+            <a:schemeClr val="tx1"/>
+          </a:fontRef>
+        </p:style>
+      </p:cxnSp>
+      <p:sp>
+        <p:nvSpPr>
+          <p:cNvPr id="98" name="מלבן 97">
+            <a:extLst>
+              <a:ext uri="{FF2B5EF4-FFF2-40B4-BE49-F238E27FC236}">
+                <a16:creationId xmlns:a16="http://schemas.microsoft.com/office/drawing/2014/main" id="{D9121298-7B95-4099-815E-09488B7E1D50}"/>
+              </a:ext>
+            </a:extLst>
+          </p:cNvPr>
+          <p:cNvSpPr/>
+          <p:nvPr/>
+        </p:nvSpPr>
+        <p:spPr>
+          <a:xfrm>
+            <a:off x="366043" y="4348169"/>
+            <a:ext cx="1175217" cy="393063"/>
+          </a:xfrm>
+          <a:prstGeom prst="rect">
+            <a:avLst/>
+          </a:prstGeom>
+          <a:noFill/>
+          <a:ln>
+            <a:solidFill>
+              <a:schemeClr val="accent6"/>
+            </a:solidFill>
+          </a:ln>
+        </p:spPr>
+        <p:style>
+          <a:lnRef idx="2">
+            <a:schemeClr val="accent1">
+              <a:shade val="50000"/>
+            </a:schemeClr>
+          </a:lnRef>
+          <a:fillRef idx="1">
+            <a:schemeClr val="accent1"/>
+          </a:fillRef>
+          <a:effectRef idx="0">
+            <a:schemeClr val="accent1"/>
+          </a:effectRef>
+          <a:fontRef idx="minor">
+            <a:schemeClr val="lt1"/>
+          </a:fontRef>
+        </p:style>
+        <p:txBody>
+          <a:bodyPr rtlCol="1" anchor="ctr"/>
+          <a:lstStyle/>
+          <a:p>
+            <a:pPr algn="ctr"/>
+            <a:r>
+              <a:rPr lang="en-IL" sz="1000" dirty="0">
+                <a:solidFill>
+                  <a:schemeClr val="tx1"/>
+                </a:solidFill>
+              </a:rPr>
+              <a:t>User App/Website</a:t>
+            </a:r>
+            <a:endParaRPr lang="he-IL" sz="1000" dirty="0">
+              <a:solidFill>
+                <a:schemeClr val="tx1"/>
+              </a:solidFill>
+            </a:endParaRPr>
+          </a:p>
+        </p:txBody>
+      </p:sp>
+      <p:sp>
+        <p:nvSpPr>
+          <p:cNvPr id="101" name="תיבת טקסט 100">
+            <a:extLst>
+              <a:ext uri="{FF2B5EF4-FFF2-40B4-BE49-F238E27FC236}">
+                <a16:creationId xmlns:a16="http://schemas.microsoft.com/office/drawing/2014/main" id="{49E9F406-3B9D-4868-B28B-0B6181C317B0}"/>
+              </a:ext>
+            </a:extLst>
+          </p:cNvPr>
+          <p:cNvSpPr txBox="1"/>
+          <p:nvPr/>
+        </p:nvSpPr>
+        <p:spPr>
+          <a:xfrm>
+            <a:off x="4362746" y="3835763"/>
+            <a:ext cx="1067350" cy="215444"/>
+          </a:xfrm>
+          <a:prstGeom prst="rect">
+            <a:avLst/>
+          </a:prstGeom>
+          <a:noFill/>
+        </p:spPr>
+        <p:txBody>
+          <a:bodyPr wrap="square" rtlCol="1">
+            <a:spAutoFit/>
+          </a:bodyPr>
+          <a:lstStyle/>
+          <a:p>
+            <a:pPr algn="l" rtl="0"/>
+            <a:r>
+              <a:rPr lang="en-IL" sz="800" dirty="0" err="1"/>
+              <a:t>TweetID</a:t>
+            </a:r>
+            <a:r>
+              <a:rPr lang="en-IL" sz="800" dirty="0"/>
+              <a:t> from </a:t>
+            </a:r>
+            <a:r>
+              <a:rPr lang="en-IL" sz="800" dirty="0" err="1"/>
+              <a:t>UserID</a:t>
+            </a:r>
+            <a:endParaRPr lang="he-IL" sz="800" dirty="0"/>
+          </a:p>
+        </p:txBody>
+      </p:sp>
+      <p:sp>
+        <p:nvSpPr>
+          <p:cNvPr id="102" name="מלבן 101">
+            <a:extLst>
+              <a:ext uri="{FF2B5EF4-FFF2-40B4-BE49-F238E27FC236}">
+                <a16:creationId xmlns:a16="http://schemas.microsoft.com/office/drawing/2014/main" id="{1803344D-F2DE-4B0F-8A67-511D96969CD0}"/>
+              </a:ext>
+            </a:extLst>
+          </p:cNvPr>
+          <p:cNvSpPr/>
+          <p:nvPr/>
+        </p:nvSpPr>
+        <p:spPr>
+          <a:xfrm>
+            <a:off x="1864342" y="4141234"/>
+            <a:ext cx="232756" cy="820507"/>
+          </a:xfrm>
+          <a:prstGeom prst="rect">
+            <a:avLst/>
+          </a:prstGeom>
+          <a:noFill/>
+          <a:ln>
+            <a:solidFill>
+              <a:schemeClr val="tx1"/>
+            </a:solidFill>
+          </a:ln>
+        </p:spPr>
+        <p:style>
+          <a:lnRef idx="2">
+            <a:schemeClr val="accent1">
+              <a:shade val="50000"/>
+            </a:schemeClr>
+          </a:lnRef>
+          <a:fillRef idx="1">
+            <a:schemeClr val="accent1"/>
+          </a:fillRef>
+          <a:effectRef idx="0">
+            <a:schemeClr val="accent1"/>
+          </a:effectRef>
+          <a:fontRef idx="minor">
+            <a:schemeClr val="lt1"/>
+          </a:fontRef>
+        </p:style>
+        <p:txBody>
+          <a:bodyPr rtlCol="1" anchor="ctr"/>
+          <a:lstStyle/>
+          <a:p>
+            <a:pPr algn="ctr"/>
+            <a:r>
+              <a:rPr lang="en-IL" sz="1000" dirty="0">
+                <a:solidFill>
+                  <a:schemeClr val="tx1"/>
+                </a:solidFill>
+              </a:rPr>
+              <a:t>LB</a:t>
+            </a:r>
+            <a:endParaRPr lang="he-IL" sz="1000" dirty="0">
+              <a:solidFill>
+                <a:schemeClr val="tx1"/>
+              </a:solidFill>
+            </a:endParaRPr>
+          </a:p>
+        </p:txBody>
+      </p:sp>
+      <p:sp>
+        <p:nvSpPr>
+          <p:cNvPr id="103" name="מלבן 102">
+            <a:extLst>
+              <a:ext uri="{FF2B5EF4-FFF2-40B4-BE49-F238E27FC236}">
+                <a16:creationId xmlns:a16="http://schemas.microsoft.com/office/drawing/2014/main" id="{BC27B1A1-B09C-46AC-94BA-0EF55EB07CCB}"/>
+              </a:ext>
+            </a:extLst>
+          </p:cNvPr>
+          <p:cNvSpPr/>
+          <p:nvPr/>
+        </p:nvSpPr>
+        <p:spPr>
+          <a:xfrm>
+            <a:off x="2609459" y="4382033"/>
+            <a:ext cx="1026735" cy="321892"/>
+          </a:xfrm>
+          <a:prstGeom prst="rect">
+            <a:avLst/>
+          </a:prstGeom>
+          <a:noFill/>
+          <a:ln>
+            <a:solidFill>
+              <a:schemeClr val="accent1"/>
+            </a:solidFill>
+          </a:ln>
+        </p:spPr>
+        <p:style>
+          <a:lnRef idx="2">
+            <a:schemeClr val="accent1">
+              <a:shade val="50000"/>
+            </a:schemeClr>
+          </a:lnRef>
+          <a:fillRef idx="1">
+            <a:schemeClr val="accent1"/>
+          </a:fillRef>
+          <a:effectRef idx="0">
+            <a:schemeClr val="accent1"/>
+          </a:effectRef>
+          <a:fontRef idx="minor">
+            <a:schemeClr val="lt1"/>
+          </a:fontRef>
+        </p:style>
+        <p:txBody>
+          <a:bodyPr rtlCol="1" anchor="ctr"/>
+          <a:lstStyle/>
+          <a:p>
+            <a:pPr algn="ctr" rtl="0"/>
+            <a:r>
+              <a:rPr lang="en-IL" sz="1000" dirty="0">
+                <a:solidFill>
+                  <a:schemeClr val="tx1"/>
+                </a:solidFill>
+              </a:rPr>
+              <a:t>Tweet Ingestion Service</a:t>
+            </a:r>
+          </a:p>
+        </p:txBody>
+      </p:sp>
+      <p:cxnSp>
+        <p:nvCxnSpPr>
+          <p:cNvPr id="105" name="מחבר חץ ישר 104">
+            <a:extLst>
+              <a:ext uri="{FF2B5EF4-FFF2-40B4-BE49-F238E27FC236}">
+                <a16:creationId xmlns:a16="http://schemas.microsoft.com/office/drawing/2014/main" id="{4ACACE89-DB2E-4361-BD36-8693B8BEF9AA}"/>
+              </a:ext>
+            </a:extLst>
+          </p:cNvPr>
+          <p:cNvCxnSpPr>
+            <a:stCxn id="98" idx="3"/>
+            <a:endCxn id="103" idx="1"/>
+          </p:cNvCxnSpPr>
+          <p:nvPr/>
+        </p:nvCxnSpPr>
+        <p:spPr>
+          <a:xfrm flipV="1">
+            <a:off x="1541260" y="4542979"/>
+            <a:ext cx="1068199" cy="1722"/>
+          </a:xfrm>
+          <a:prstGeom prst="straightConnector1">
+            <a:avLst/>
+          </a:prstGeom>
+          <a:ln>
+            <a:tailEnd type="triangle"/>
+          </a:ln>
+        </p:spPr>
+        <p:style>
+          <a:lnRef idx="1">
+            <a:schemeClr val="accent1"/>
+          </a:lnRef>
+          <a:fillRef idx="0">
+            <a:schemeClr val="accent1"/>
+          </a:fillRef>
+          <a:effectRef idx="0">
+            <a:schemeClr val="accent1"/>
+          </a:effectRef>
+          <a:fontRef idx="minor">
+            <a:schemeClr val="tx1"/>
+          </a:fontRef>
+        </p:style>
+      </p:cxnSp>
+      <p:sp>
+        <p:nvSpPr>
+          <p:cNvPr id="106" name="מלבן 105">
+            <a:extLst>
+              <a:ext uri="{FF2B5EF4-FFF2-40B4-BE49-F238E27FC236}">
+                <a16:creationId xmlns:a16="http://schemas.microsoft.com/office/drawing/2014/main" id="{A5FE455C-304F-4901-9144-A8BB2A86A478}"/>
+              </a:ext>
+            </a:extLst>
+          </p:cNvPr>
+          <p:cNvSpPr/>
+          <p:nvPr/>
+        </p:nvSpPr>
+        <p:spPr>
+          <a:xfrm>
+            <a:off x="4075258" y="4373099"/>
+            <a:ext cx="1111884" cy="340034"/>
+          </a:xfrm>
+          <a:prstGeom prst="rect">
+            <a:avLst/>
+          </a:prstGeom>
+          <a:noFill/>
+          <a:ln>
+            <a:solidFill>
+              <a:srgbClr val="FF0000"/>
+            </a:solidFill>
+          </a:ln>
+        </p:spPr>
+        <p:style>
+          <a:lnRef idx="2">
+            <a:schemeClr val="accent1">
+              <a:shade val="50000"/>
+            </a:schemeClr>
+          </a:lnRef>
+          <a:fillRef idx="1">
+            <a:schemeClr val="accent1"/>
+          </a:fillRef>
+          <a:effectRef idx="0">
+            <a:schemeClr val="accent1"/>
+          </a:effectRef>
+          <a:fontRef idx="minor">
+            <a:schemeClr val="lt1"/>
+          </a:fontRef>
+        </p:style>
+        <p:txBody>
+          <a:bodyPr rtlCol="1" anchor="ctr"/>
+          <a:lstStyle/>
+          <a:p>
+            <a:pPr algn="ctr"/>
+            <a:r>
+              <a:rPr lang="en-IL" sz="1000" dirty="0">
+                <a:solidFill>
+                  <a:schemeClr val="tx1"/>
+                </a:solidFill>
+              </a:rPr>
+              <a:t>Cassandra/HBase</a:t>
+            </a:r>
+          </a:p>
+        </p:txBody>
+      </p:sp>
+      <p:cxnSp>
+        <p:nvCxnSpPr>
+          <p:cNvPr id="107" name="מחבר חץ ישר 106">
+            <a:extLst>
+              <a:ext uri="{FF2B5EF4-FFF2-40B4-BE49-F238E27FC236}">
+                <a16:creationId xmlns:a16="http://schemas.microsoft.com/office/drawing/2014/main" id="{DCC8F118-491F-423B-A05B-EDF2DA49385A}"/>
+              </a:ext>
+            </a:extLst>
+          </p:cNvPr>
+          <p:cNvCxnSpPr>
+            <a:cxnSpLocks/>
+            <a:stCxn id="103" idx="3"/>
+            <a:endCxn id="106" idx="1"/>
+          </p:cNvCxnSpPr>
+          <p:nvPr/>
+        </p:nvCxnSpPr>
+        <p:spPr>
+          <a:xfrm>
+            <a:off x="3636194" y="4542979"/>
+            <a:ext cx="439064" cy="137"/>
+          </a:xfrm>
+          <a:prstGeom prst="straightConnector1">
+            <a:avLst/>
+          </a:prstGeom>
+          <a:ln>
+            <a:tailEnd type="triangle"/>
+          </a:ln>
+        </p:spPr>
+        <p:style>
+          <a:lnRef idx="1">
+            <a:schemeClr val="accent1"/>
+          </a:lnRef>
+          <a:fillRef idx="0">
+            <a:schemeClr val="accent1"/>
+          </a:fillRef>
+          <a:effectRef idx="0">
+            <a:schemeClr val="accent1"/>
+          </a:effectRef>
+          <a:fontRef idx="minor">
+            <a:schemeClr val="tx1"/>
+          </a:fontRef>
+        </p:style>
+      </p:cxnSp>
+      <p:sp>
+        <p:nvSpPr>
+          <p:cNvPr id="111" name="מלבן 110">
+            <a:extLst>
+              <a:ext uri="{FF2B5EF4-FFF2-40B4-BE49-F238E27FC236}">
+                <a16:creationId xmlns:a16="http://schemas.microsoft.com/office/drawing/2014/main" id="{C0B27B40-8595-4554-ADEE-F02704E01F86}"/>
+              </a:ext>
+            </a:extLst>
+          </p:cNvPr>
+          <p:cNvSpPr/>
+          <p:nvPr/>
+        </p:nvSpPr>
+        <p:spPr>
+          <a:xfrm>
+            <a:off x="6327249" y="4295199"/>
+            <a:ext cx="232756" cy="1349143"/>
+          </a:xfrm>
+          <a:prstGeom prst="rect">
+            <a:avLst/>
+          </a:prstGeom>
+          <a:noFill/>
+          <a:ln>
+            <a:solidFill>
+              <a:srgbClr val="FF0000"/>
+            </a:solidFill>
+          </a:ln>
+        </p:spPr>
+        <p:style>
+          <a:lnRef idx="2">
+            <a:schemeClr val="accent1">
+              <a:shade val="50000"/>
+            </a:schemeClr>
+          </a:lnRef>
+          <a:fillRef idx="1">
+            <a:schemeClr val="accent1"/>
+          </a:fillRef>
+          <a:effectRef idx="0">
+            <a:schemeClr val="accent1"/>
+          </a:effectRef>
+          <a:fontRef idx="minor">
+            <a:schemeClr val="lt1"/>
+          </a:fontRef>
+        </p:style>
+        <p:txBody>
+          <a:bodyPr rtlCol="1" anchor="ctr"/>
+          <a:lstStyle/>
+          <a:p>
+            <a:pPr algn="ctr"/>
+            <a:r>
+              <a:rPr lang="en-IL" sz="1000" dirty="0">
+                <a:solidFill>
+                  <a:schemeClr val="tx1"/>
+                </a:solidFill>
+              </a:rPr>
+              <a:t>KAFKA</a:t>
+            </a:r>
+            <a:endParaRPr lang="he-IL" sz="1000" dirty="0">
+              <a:solidFill>
+                <a:schemeClr val="tx1"/>
+              </a:solidFill>
+            </a:endParaRPr>
+          </a:p>
+        </p:txBody>
+      </p:sp>
+      <p:cxnSp>
+        <p:nvCxnSpPr>
+          <p:cNvPr id="113" name="מחבר: מרפקי 112">
+            <a:extLst>
+              <a:ext uri="{FF2B5EF4-FFF2-40B4-BE49-F238E27FC236}">
+                <a16:creationId xmlns:a16="http://schemas.microsoft.com/office/drawing/2014/main" id="{BC7A6B53-194B-4510-921F-F4B35A0EC15A}"/>
+              </a:ext>
+            </a:extLst>
+          </p:cNvPr>
+          <p:cNvCxnSpPr>
+            <a:cxnSpLocks/>
+          </p:cNvCxnSpPr>
+          <p:nvPr/>
+        </p:nvCxnSpPr>
+        <p:spPr>
+          <a:xfrm rot="5400000" flipH="1" flipV="1">
+            <a:off x="4758456" y="2669145"/>
+            <a:ext cx="86834" cy="3320800"/>
+          </a:xfrm>
+          <a:prstGeom prst="bentConnector3">
+            <a:avLst>
+              <a:gd name="adj1" fmla="val 363261"/>
+            </a:avLst>
+          </a:prstGeom>
+          <a:ln>
+            <a:tailEnd type="triangle"/>
+          </a:ln>
+        </p:spPr>
+        <p:style>
+          <a:lnRef idx="1">
+            <a:schemeClr val="accent1"/>
+          </a:lnRef>
+          <a:fillRef idx="0">
+            <a:schemeClr val="accent1"/>
+          </a:fillRef>
+          <a:effectRef idx="0">
+            <a:schemeClr val="accent1"/>
+          </a:effectRef>
+          <a:fontRef idx="minor">
+            <a:schemeClr val="tx1"/>
+          </a:fontRef>
+        </p:style>
+      </p:cxnSp>
+      <p:sp>
+        <p:nvSpPr>
+          <p:cNvPr id="117" name="מלבן 116">
+            <a:extLst>
+              <a:ext uri="{FF2B5EF4-FFF2-40B4-BE49-F238E27FC236}">
+                <a16:creationId xmlns:a16="http://schemas.microsoft.com/office/drawing/2014/main" id="{AF92198D-4CC5-46FE-BFB5-595BCA507A5A}"/>
+              </a:ext>
+            </a:extLst>
+          </p:cNvPr>
+          <p:cNvSpPr/>
+          <p:nvPr/>
+        </p:nvSpPr>
+        <p:spPr>
+          <a:xfrm>
+            <a:off x="4117832" y="4888341"/>
+            <a:ext cx="1026735" cy="321892"/>
+          </a:xfrm>
+          <a:prstGeom prst="rect">
+            <a:avLst/>
+          </a:prstGeom>
+          <a:noFill/>
+          <a:ln>
+            <a:solidFill>
+              <a:schemeClr val="accent1"/>
+            </a:solidFill>
+          </a:ln>
+        </p:spPr>
+        <p:style>
+          <a:lnRef idx="2">
+            <a:schemeClr val="accent1">
+              <a:shade val="50000"/>
+            </a:schemeClr>
+          </a:lnRef>
+          <a:fillRef idx="1">
+            <a:schemeClr val="accent1"/>
+          </a:fillRef>
+          <a:effectRef idx="0">
+            <a:schemeClr val="accent1"/>
+          </a:effectRef>
+          <a:fontRef idx="minor">
+            <a:schemeClr val="lt1"/>
+          </a:fontRef>
+        </p:style>
+        <p:txBody>
+          <a:bodyPr rtlCol="1" anchor="ctr"/>
+          <a:lstStyle/>
+          <a:p>
+            <a:pPr algn="ctr" rtl="0"/>
+            <a:r>
+              <a:rPr lang="en-IL" sz="1000" dirty="0">
+                <a:solidFill>
+                  <a:schemeClr val="tx1"/>
+                </a:solidFill>
+              </a:rPr>
+              <a:t>Tweet Service</a:t>
+            </a:r>
+          </a:p>
+        </p:txBody>
+      </p:sp>
+      <p:cxnSp>
+        <p:nvCxnSpPr>
+          <p:cNvPr id="118" name="מחבר חץ ישר 117">
+            <a:extLst>
+              <a:ext uri="{FF2B5EF4-FFF2-40B4-BE49-F238E27FC236}">
+                <a16:creationId xmlns:a16="http://schemas.microsoft.com/office/drawing/2014/main" id="{2E4809D0-79CA-4E84-971B-B63459D06575}"/>
+              </a:ext>
+            </a:extLst>
+          </p:cNvPr>
+          <p:cNvCxnSpPr>
+            <a:cxnSpLocks/>
+            <a:stCxn id="106" idx="2"/>
+            <a:endCxn id="117" idx="0"/>
+          </p:cNvCxnSpPr>
+          <p:nvPr/>
+        </p:nvCxnSpPr>
+        <p:spPr>
+          <a:xfrm>
+            <a:off x="4631200" y="4713133"/>
+            <a:ext cx="0" cy="175208"/>
+          </a:xfrm>
+          <a:prstGeom prst="straightConnector1">
+            <a:avLst/>
+          </a:prstGeom>
+          <a:ln>
+            <a:tailEnd type="triangle"/>
+          </a:ln>
+        </p:spPr>
+        <p:style>
+          <a:lnRef idx="1">
+            <a:schemeClr val="accent1"/>
+          </a:lnRef>
+          <a:fillRef idx="0">
+            <a:schemeClr val="accent1"/>
+          </a:fillRef>
+          <a:effectRef idx="0">
+            <a:schemeClr val="accent1"/>
+          </a:effectRef>
+          <a:fontRef idx="minor">
+            <a:schemeClr val="tx1"/>
+          </a:fontRef>
+        </p:style>
+      </p:cxnSp>
+      <p:sp>
+        <p:nvSpPr>
+          <p:cNvPr id="121" name="מלבן 120">
+            <a:extLst>
+              <a:ext uri="{FF2B5EF4-FFF2-40B4-BE49-F238E27FC236}">
+                <a16:creationId xmlns:a16="http://schemas.microsoft.com/office/drawing/2014/main" id="{8E3127B3-28BA-46F3-9CC6-D3219402D8F6}"/>
+              </a:ext>
+            </a:extLst>
+          </p:cNvPr>
+          <p:cNvSpPr/>
+          <p:nvPr/>
+        </p:nvSpPr>
+        <p:spPr>
+          <a:xfrm>
+            <a:off x="6949927" y="4821845"/>
+            <a:ext cx="1026735" cy="321892"/>
+          </a:xfrm>
+          <a:prstGeom prst="rect">
+            <a:avLst/>
+          </a:prstGeom>
+          <a:noFill/>
+          <a:ln>
+            <a:solidFill>
+              <a:schemeClr val="accent1"/>
+            </a:solidFill>
+          </a:ln>
+        </p:spPr>
+        <p:style>
+          <a:lnRef idx="2">
+            <a:schemeClr val="accent1">
+              <a:shade val="50000"/>
+            </a:schemeClr>
+          </a:lnRef>
+          <a:fillRef idx="1">
+            <a:schemeClr val="accent1"/>
+          </a:fillRef>
+          <a:effectRef idx="0">
+            <a:schemeClr val="accent1"/>
+          </a:effectRef>
+          <a:fontRef idx="minor">
+            <a:schemeClr val="lt1"/>
+          </a:fontRef>
+        </p:style>
+        <p:txBody>
+          <a:bodyPr rtlCol="1" anchor="ctr"/>
+          <a:lstStyle/>
+          <a:p>
+            <a:pPr algn="ctr" rtl="0"/>
+            <a:r>
+              <a:rPr lang="en-IL" sz="1000" dirty="0">
+                <a:solidFill>
+                  <a:schemeClr val="tx1"/>
+                </a:solidFill>
+              </a:rPr>
+              <a:t>User Live WebSocket</a:t>
+            </a:r>
+          </a:p>
+        </p:txBody>
+      </p:sp>
+      <p:cxnSp>
+        <p:nvCxnSpPr>
+          <p:cNvPr id="122" name="מחבר חץ ישר 121">
+            <a:extLst>
+              <a:ext uri="{FF2B5EF4-FFF2-40B4-BE49-F238E27FC236}">
+                <a16:creationId xmlns:a16="http://schemas.microsoft.com/office/drawing/2014/main" id="{7C254A57-B1B3-45C0-A40D-BD2DA8E0D246}"/>
+              </a:ext>
+            </a:extLst>
+          </p:cNvPr>
+          <p:cNvCxnSpPr>
+            <a:cxnSpLocks/>
+            <a:endCxn id="121" idx="1"/>
+          </p:cNvCxnSpPr>
+          <p:nvPr/>
+        </p:nvCxnSpPr>
+        <p:spPr>
+          <a:xfrm>
+            <a:off x="6560005" y="4982791"/>
+            <a:ext cx="389922" cy="0"/>
+          </a:xfrm>
+          <a:prstGeom prst="straightConnector1">
+            <a:avLst/>
+          </a:prstGeom>
+          <a:ln>
+            <a:tailEnd type="triangle"/>
+          </a:ln>
+        </p:spPr>
+        <p:style>
+          <a:lnRef idx="1">
+            <a:schemeClr val="accent1"/>
+          </a:lnRef>
+          <a:fillRef idx="0">
+            <a:schemeClr val="accent1"/>
+          </a:fillRef>
+          <a:effectRef idx="0">
+            <a:schemeClr val="accent1"/>
+          </a:effectRef>
+          <a:fontRef idx="minor">
+            <a:schemeClr val="tx1"/>
+          </a:fontRef>
+        </p:style>
+      </p:cxnSp>
+      <p:sp>
+        <p:nvSpPr>
+          <p:cNvPr id="126" name="מלבן 125">
+            <a:extLst>
+              <a:ext uri="{FF2B5EF4-FFF2-40B4-BE49-F238E27FC236}">
+                <a16:creationId xmlns:a16="http://schemas.microsoft.com/office/drawing/2014/main" id="{3AA0CF31-109F-408D-BFD1-2A951E368D5D}"/>
+              </a:ext>
+            </a:extLst>
+          </p:cNvPr>
+          <p:cNvSpPr/>
+          <p:nvPr/>
+        </p:nvSpPr>
+        <p:spPr>
+          <a:xfrm>
+            <a:off x="6866564" y="4084986"/>
+            <a:ext cx="1175217" cy="393063"/>
+          </a:xfrm>
+          <a:prstGeom prst="rect">
+            <a:avLst/>
+          </a:prstGeom>
+          <a:noFill/>
+          <a:ln>
+            <a:solidFill>
+              <a:schemeClr val="accent6"/>
+            </a:solidFill>
+          </a:ln>
+        </p:spPr>
+        <p:style>
+          <a:lnRef idx="2">
+            <a:schemeClr val="accent1">
+              <a:shade val="50000"/>
+            </a:schemeClr>
+          </a:lnRef>
+          <a:fillRef idx="1">
+            <a:schemeClr val="accent1"/>
+          </a:fillRef>
+          <a:effectRef idx="0">
+            <a:schemeClr val="accent1"/>
+          </a:effectRef>
+          <a:fontRef idx="minor">
+            <a:schemeClr val="lt1"/>
+          </a:fontRef>
+        </p:style>
+        <p:txBody>
+          <a:bodyPr rtlCol="1" anchor="ctr"/>
+          <a:lstStyle/>
+          <a:p>
+            <a:pPr algn="ctr"/>
+            <a:r>
+              <a:rPr lang="en-IL" sz="1000" dirty="0">
+                <a:solidFill>
+                  <a:schemeClr val="tx1"/>
+                </a:solidFill>
+              </a:rPr>
+              <a:t>User App/Website</a:t>
+            </a:r>
+            <a:endParaRPr lang="he-IL" sz="1000" dirty="0">
+              <a:solidFill>
+                <a:schemeClr val="tx1"/>
+              </a:solidFill>
+            </a:endParaRPr>
+          </a:p>
+        </p:txBody>
+      </p:sp>
+      <p:cxnSp>
+        <p:nvCxnSpPr>
+          <p:cNvPr id="127" name="מחבר חץ ישר 126">
+            <a:extLst>
+              <a:ext uri="{FF2B5EF4-FFF2-40B4-BE49-F238E27FC236}">
+                <a16:creationId xmlns:a16="http://schemas.microsoft.com/office/drawing/2014/main" id="{1293A85C-12CD-4A18-A95E-250B6C65EF13}"/>
+              </a:ext>
+            </a:extLst>
+          </p:cNvPr>
+          <p:cNvCxnSpPr>
+            <a:cxnSpLocks/>
+            <a:stCxn id="121" idx="0"/>
+            <a:endCxn id="126" idx="2"/>
+          </p:cNvCxnSpPr>
+          <p:nvPr/>
+        </p:nvCxnSpPr>
+        <p:spPr>
+          <a:xfrm flipH="1" flipV="1">
+            <a:off x="7454173" y="4478049"/>
+            <a:ext cx="9122" cy="343796"/>
+          </a:xfrm>
+          <a:prstGeom prst="straightConnector1">
+            <a:avLst/>
+          </a:prstGeom>
+          <a:ln>
+            <a:tailEnd type="triangle"/>
+          </a:ln>
+        </p:spPr>
+        <p:style>
+          <a:lnRef idx="1">
+            <a:schemeClr val="accent1"/>
+          </a:lnRef>
+          <a:fillRef idx="0">
+            <a:schemeClr val="accent1"/>
+          </a:fillRef>
+          <a:effectRef idx="0">
+            <a:schemeClr val="accent1"/>
+          </a:effectRef>
+          <a:fontRef idx="minor">
+            <a:schemeClr val="tx1"/>
+          </a:fontRef>
+        </p:style>
+      </p:cxnSp>
+      <p:sp>
+        <p:nvSpPr>
+          <p:cNvPr id="130" name="תיבת טקסט 129">
+            <a:extLst>
+              <a:ext uri="{FF2B5EF4-FFF2-40B4-BE49-F238E27FC236}">
+                <a16:creationId xmlns:a16="http://schemas.microsoft.com/office/drawing/2014/main" id="{2E19D187-651C-4859-8251-D9206D21A49B}"/>
+              </a:ext>
+            </a:extLst>
+          </p:cNvPr>
+          <p:cNvSpPr txBox="1"/>
+          <p:nvPr/>
+        </p:nvSpPr>
+        <p:spPr>
+          <a:xfrm>
+            <a:off x="7619190" y="5292894"/>
+            <a:ext cx="2458062" cy="400110"/>
+          </a:xfrm>
+          <a:prstGeom prst="rect">
+            <a:avLst/>
+          </a:prstGeom>
+          <a:noFill/>
+        </p:spPr>
+        <p:txBody>
+          <a:bodyPr wrap="square" rtlCol="1">
+            <a:spAutoFit/>
+          </a:bodyPr>
+          <a:lstStyle/>
+          <a:p>
+            <a:pPr algn="l" rtl="0"/>
+            <a:r>
+              <a:rPr lang="en-IL" sz="1000" dirty="0"/>
+              <a:t>For </a:t>
+            </a:r>
+            <a:r>
+              <a:rPr lang="en-IL" sz="1000" b="1" dirty="0">
+                <a:solidFill>
+                  <a:srgbClr val="FF0000"/>
+                </a:solidFill>
+              </a:rPr>
+              <a:t>LIVE</a:t>
+            </a:r>
+            <a:r>
+              <a:rPr lang="en-IL" sz="1000" dirty="0"/>
+              <a:t> users, we put an event in Kafka to be handled by User Live Service</a:t>
+            </a:r>
+            <a:endParaRPr lang="he-IL" sz="1000" dirty="0"/>
+          </a:p>
+        </p:txBody>
+      </p:sp>
+      <p:sp>
+        <p:nvSpPr>
+          <p:cNvPr id="137" name="מלבן 136">
+            <a:extLst>
+              <a:ext uri="{FF2B5EF4-FFF2-40B4-BE49-F238E27FC236}">
+                <a16:creationId xmlns:a16="http://schemas.microsoft.com/office/drawing/2014/main" id="{2C29D450-8B0B-40F7-B0BE-3C13CE0EFFF5}"/>
+              </a:ext>
+            </a:extLst>
+          </p:cNvPr>
+          <p:cNvSpPr/>
+          <p:nvPr/>
+        </p:nvSpPr>
+        <p:spPr>
+          <a:xfrm>
+            <a:off x="5930259" y="5869164"/>
+            <a:ext cx="1026735" cy="321892"/>
+          </a:xfrm>
+          <a:prstGeom prst="rect">
+            <a:avLst/>
+          </a:prstGeom>
+          <a:noFill/>
+          <a:ln>
+            <a:solidFill>
+              <a:schemeClr val="accent1"/>
+            </a:solidFill>
+          </a:ln>
+        </p:spPr>
+        <p:style>
+          <a:lnRef idx="2">
+            <a:schemeClr val="accent1">
+              <a:shade val="50000"/>
+            </a:schemeClr>
+          </a:lnRef>
+          <a:fillRef idx="1">
+            <a:schemeClr val="accent1"/>
+          </a:fillRef>
+          <a:effectRef idx="0">
+            <a:schemeClr val="accent1"/>
+          </a:effectRef>
+          <a:fontRef idx="minor">
+            <a:schemeClr val="lt1"/>
+          </a:fontRef>
+        </p:style>
+        <p:txBody>
+          <a:bodyPr rtlCol="1" anchor="ctr"/>
+          <a:lstStyle/>
+          <a:p>
+            <a:pPr algn="ctr" rtl="0"/>
+            <a:r>
+              <a:rPr lang="en-IL" sz="1000" dirty="0">
+                <a:solidFill>
+                  <a:schemeClr val="tx1"/>
+                </a:solidFill>
+              </a:rPr>
+              <a:t>Tweet Processor</a:t>
+            </a:r>
+          </a:p>
+        </p:txBody>
+      </p:sp>
+      <p:sp>
+        <p:nvSpPr>
+          <p:cNvPr id="138" name="תיבת טקסט 137">
+            <a:extLst>
+              <a:ext uri="{FF2B5EF4-FFF2-40B4-BE49-F238E27FC236}">
+                <a16:creationId xmlns:a16="http://schemas.microsoft.com/office/drawing/2014/main" id="{84AE8334-A39D-46D2-99C6-2DAFEE94E56E}"/>
+              </a:ext>
+            </a:extLst>
+          </p:cNvPr>
+          <p:cNvSpPr txBox="1"/>
+          <p:nvPr/>
+        </p:nvSpPr>
+        <p:spPr>
+          <a:xfrm>
+            <a:off x="7605386" y="5677393"/>
+            <a:ext cx="3816301" cy="707886"/>
+          </a:xfrm>
+          <a:prstGeom prst="rect">
+            <a:avLst/>
+          </a:prstGeom>
+          <a:noFill/>
+        </p:spPr>
+        <p:txBody>
+          <a:bodyPr wrap="square" rtlCol="1">
+            <a:spAutoFit/>
+          </a:bodyPr>
+          <a:lstStyle/>
+          <a:p>
+            <a:pPr algn="l" rtl="0"/>
+            <a:r>
+              <a:rPr lang="en-IL" sz="1000" dirty="0"/>
+              <a:t>For </a:t>
+            </a:r>
+            <a:r>
+              <a:rPr lang="en-IL" sz="1000" b="1" dirty="0">
+                <a:solidFill>
+                  <a:srgbClr val="FF0000"/>
+                </a:solidFill>
+              </a:rPr>
+              <a:t>ACTIVE</a:t>
+            </a:r>
+            <a:r>
+              <a:rPr lang="en-IL" sz="1000" dirty="0"/>
+              <a:t> users only who follows a tweeter (which isn’t famous) we use </a:t>
+            </a:r>
+            <a:r>
+              <a:rPr lang="en-IL" sz="1000" b="1" u="sng" dirty="0"/>
+              <a:t>pre-computation</a:t>
+            </a:r>
+            <a:r>
+              <a:rPr lang="en-IL" sz="1000" dirty="0"/>
+              <a:t> – we put in Redis, which stores the timeline for these users, the new tweet.  We apply this route for active users only because if we would do it for all user the machine RAM won’t suffice</a:t>
+            </a:r>
+            <a:endParaRPr lang="he-IL" sz="1000" dirty="0"/>
+          </a:p>
+        </p:txBody>
+      </p:sp>
+      <p:sp>
+        <p:nvSpPr>
+          <p:cNvPr id="140" name="מלבן 139">
+            <a:extLst>
+              <a:ext uri="{FF2B5EF4-FFF2-40B4-BE49-F238E27FC236}">
+                <a16:creationId xmlns:a16="http://schemas.microsoft.com/office/drawing/2014/main" id="{2023F980-9E81-4F5D-94F1-70D3DA28E34E}"/>
+              </a:ext>
+            </a:extLst>
+          </p:cNvPr>
+          <p:cNvSpPr/>
+          <p:nvPr/>
+        </p:nvSpPr>
+        <p:spPr>
+          <a:xfrm>
+            <a:off x="6190648" y="6428519"/>
+            <a:ext cx="1045382" cy="321892"/>
+          </a:xfrm>
+          <a:prstGeom prst="rect">
+            <a:avLst/>
+          </a:prstGeom>
+          <a:noFill/>
+          <a:ln>
+            <a:solidFill>
+              <a:schemeClr val="accent1"/>
+            </a:solidFill>
+          </a:ln>
+        </p:spPr>
+        <p:style>
+          <a:lnRef idx="2">
+            <a:schemeClr val="accent1">
+              <a:shade val="50000"/>
+            </a:schemeClr>
+          </a:lnRef>
+          <a:fillRef idx="1">
+            <a:schemeClr val="accent1"/>
+          </a:fillRef>
+          <a:effectRef idx="0">
+            <a:schemeClr val="accent1"/>
+          </a:effectRef>
+          <a:fontRef idx="minor">
+            <a:schemeClr val="lt1"/>
+          </a:fontRef>
+        </p:style>
+        <p:txBody>
+          <a:bodyPr rtlCol="1" anchor="ctr"/>
+          <a:lstStyle/>
+          <a:p>
+            <a:pPr algn="ctr" rtl="0"/>
+            <a:r>
+              <a:rPr lang="en-IL" sz="1000" dirty="0">
+                <a:solidFill>
+                  <a:schemeClr val="tx1"/>
+                </a:solidFill>
+              </a:rPr>
+              <a:t>Graph Service</a:t>
+            </a:r>
+          </a:p>
+        </p:txBody>
+      </p:sp>
+      <p:cxnSp>
+        <p:nvCxnSpPr>
+          <p:cNvPr id="141" name="מחבר חץ ישר 140">
+            <a:extLst>
+              <a:ext uri="{FF2B5EF4-FFF2-40B4-BE49-F238E27FC236}">
+                <a16:creationId xmlns:a16="http://schemas.microsoft.com/office/drawing/2014/main" id="{D88ABC47-03FB-41F1-B13D-90A5897DF5A7}"/>
+              </a:ext>
+            </a:extLst>
+          </p:cNvPr>
+          <p:cNvCxnSpPr>
+            <a:cxnSpLocks/>
+            <a:stCxn id="140" idx="0"/>
+            <a:endCxn id="137" idx="2"/>
+          </p:cNvCxnSpPr>
+          <p:nvPr/>
+        </p:nvCxnSpPr>
+        <p:spPr>
+          <a:xfrm flipH="1" flipV="1">
+            <a:off x="6443627" y="6191056"/>
+            <a:ext cx="269712" cy="237463"/>
+          </a:xfrm>
+          <a:prstGeom prst="straightConnector1">
+            <a:avLst/>
+          </a:prstGeom>
+          <a:ln>
+            <a:tailEnd type="triangle"/>
+          </a:ln>
+        </p:spPr>
+        <p:style>
+          <a:lnRef idx="1">
+            <a:schemeClr val="accent1"/>
+          </a:lnRef>
+          <a:fillRef idx="0">
+            <a:schemeClr val="accent1"/>
+          </a:fillRef>
+          <a:effectRef idx="0">
+            <a:schemeClr val="accent1"/>
+          </a:effectRef>
+          <a:fontRef idx="minor">
+            <a:schemeClr val="tx1"/>
+          </a:fontRef>
+        </p:style>
+      </p:cxnSp>
+      <p:cxnSp>
+        <p:nvCxnSpPr>
+          <p:cNvPr id="158" name="מחבר: מרפקי 157">
+            <a:extLst>
+              <a:ext uri="{FF2B5EF4-FFF2-40B4-BE49-F238E27FC236}">
+                <a16:creationId xmlns:a16="http://schemas.microsoft.com/office/drawing/2014/main" id="{88AEE037-2D12-4E2B-8527-65F8297B4596}"/>
+              </a:ext>
+            </a:extLst>
+          </p:cNvPr>
+          <p:cNvCxnSpPr>
+            <a:stCxn id="140" idx="3"/>
+            <a:endCxn id="121" idx="2"/>
+          </p:cNvCxnSpPr>
+          <p:nvPr/>
+        </p:nvCxnSpPr>
+        <p:spPr>
+          <a:xfrm flipV="1">
+            <a:off x="7236030" y="5143737"/>
+            <a:ext cx="227265" cy="1445728"/>
+          </a:xfrm>
+          <a:prstGeom prst="bentConnector2">
+            <a:avLst/>
+          </a:prstGeom>
+          <a:ln>
+            <a:tailEnd type="triangle"/>
+          </a:ln>
+        </p:spPr>
+        <p:style>
+          <a:lnRef idx="1">
+            <a:schemeClr val="accent1"/>
+          </a:lnRef>
+          <a:fillRef idx="0">
+            <a:schemeClr val="accent1"/>
+          </a:fillRef>
+          <a:effectRef idx="0">
+            <a:schemeClr val="accent1"/>
+          </a:effectRef>
+          <a:fontRef idx="minor">
+            <a:schemeClr val="tx1"/>
+          </a:fontRef>
+        </p:style>
+      </p:cxnSp>
+      <p:cxnSp>
+        <p:nvCxnSpPr>
+          <p:cNvPr id="162" name="מחבר חץ ישר 161">
+            <a:extLst>
+              <a:ext uri="{FF2B5EF4-FFF2-40B4-BE49-F238E27FC236}">
+                <a16:creationId xmlns:a16="http://schemas.microsoft.com/office/drawing/2014/main" id="{FF99D37C-87AD-4248-94EB-387F151166A3}"/>
+              </a:ext>
+            </a:extLst>
+          </p:cNvPr>
+          <p:cNvCxnSpPr>
+            <a:cxnSpLocks/>
+          </p:cNvCxnSpPr>
+          <p:nvPr/>
+        </p:nvCxnSpPr>
+        <p:spPr>
+          <a:xfrm>
+            <a:off x="6385438" y="5644342"/>
+            <a:ext cx="0" cy="224822"/>
+          </a:xfrm>
+          <a:prstGeom prst="straightConnector1">
+            <a:avLst/>
+          </a:prstGeom>
+          <a:ln>
+            <a:tailEnd type="triangle"/>
+          </a:ln>
+        </p:spPr>
+        <p:style>
+          <a:lnRef idx="1">
+            <a:schemeClr val="accent1"/>
+          </a:lnRef>
+          <a:fillRef idx="0">
+            <a:schemeClr val="accent1"/>
+          </a:fillRef>
+          <a:effectRef idx="0">
+            <a:schemeClr val="accent1"/>
+          </a:effectRef>
+          <a:fontRef idx="minor">
+            <a:schemeClr val="tx1"/>
+          </a:fontRef>
+        </p:style>
+      </p:cxnSp>
+      <p:sp>
+        <p:nvSpPr>
+          <p:cNvPr id="165" name="מלבן 164">
+            <a:extLst>
+              <a:ext uri="{FF2B5EF4-FFF2-40B4-BE49-F238E27FC236}">
+                <a16:creationId xmlns:a16="http://schemas.microsoft.com/office/drawing/2014/main" id="{32928E5B-5D19-45DC-92E2-1A9195FD7390}"/>
+              </a:ext>
+            </a:extLst>
+          </p:cNvPr>
+          <p:cNvSpPr/>
+          <p:nvPr/>
+        </p:nvSpPr>
+        <p:spPr>
+          <a:xfrm flipH="1">
+            <a:off x="4434225" y="5890870"/>
+            <a:ext cx="710342" cy="278479"/>
+          </a:xfrm>
+          <a:prstGeom prst="rect">
+            <a:avLst/>
+          </a:prstGeom>
+          <a:noFill/>
+          <a:ln>
+            <a:solidFill>
+              <a:srgbClr val="FF0000"/>
+            </a:solidFill>
+          </a:ln>
+        </p:spPr>
+        <p:style>
+          <a:lnRef idx="2">
+            <a:schemeClr val="accent1">
+              <a:shade val="50000"/>
+            </a:schemeClr>
+          </a:lnRef>
+          <a:fillRef idx="1">
+            <a:schemeClr val="accent1"/>
+          </a:fillRef>
+          <a:effectRef idx="0">
+            <a:schemeClr val="accent1"/>
+          </a:effectRef>
+          <a:fontRef idx="minor">
+            <a:schemeClr val="lt1"/>
+          </a:fontRef>
+        </p:style>
+        <p:txBody>
+          <a:bodyPr rtlCol="1" anchor="ctr"/>
+          <a:lstStyle/>
+          <a:p>
+            <a:pPr algn="ctr"/>
+            <a:r>
+              <a:rPr lang="en-IL" sz="1000" dirty="0">
+                <a:solidFill>
+                  <a:schemeClr val="tx1"/>
+                </a:solidFill>
+              </a:rPr>
+              <a:t>Redis</a:t>
+            </a:r>
+            <a:endParaRPr lang="he-IL" sz="1000" dirty="0">
+              <a:solidFill>
+                <a:schemeClr val="tx1"/>
+              </a:solidFill>
+            </a:endParaRPr>
+          </a:p>
+        </p:txBody>
+      </p:sp>
+      <p:cxnSp>
+        <p:nvCxnSpPr>
+          <p:cNvPr id="166" name="מחבר חץ ישר 165">
+            <a:extLst>
+              <a:ext uri="{FF2B5EF4-FFF2-40B4-BE49-F238E27FC236}">
+                <a16:creationId xmlns:a16="http://schemas.microsoft.com/office/drawing/2014/main" id="{22EF13B9-B3B4-40A4-B97A-9CC09090364F}"/>
+              </a:ext>
+            </a:extLst>
+          </p:cNvPr>
+          <p:cNvCxnSpPr>
+            <a:cxnSpLocks/>
+            <a:stCxn id="137" idx="1"/>
+            <a:endCxn id="165" idx="1"/>
+          </p:cNvCxnSpPr>
+          <p:nvPr/>
+        </p:nvCxnSpPr>
+        <p:spPr>
+          <a:xfrm flipH="1">
+            <a:off x="5144567" y="6030110"/>
+            <a:ext cx="785692" cy="0"/>
+          </a:xfrm>
+          <a:prstGeom prst="straightConnector1">
+            <a:avLst/>
+          </a:prstGeom>
+          <a:ln>
+            <a:tailEnd type="triangle"/>
+          </a:ln>
+        </p:spPr>
+        <p:style>
+          <a:lnRef idx="1">
+            <a:schemeClr val="accent1"/>
+          </a:lnRef>
+          <a:fillRef idx="0">
+            <a:schemeClr val="accent1"/>
+          </a:fillRef>
+          <a:effectRef idx="0">
+            <a:schemeClr val="accent1"/>
+          </a:effectRef>
+          <a:fontRef idx="minor">
+            <a:schemeClr val="tx1"/>
+          </a:fontRef>
+        </p:style>
+      </p:cxnSp>
+      <p:sp>
+        <p:nvSpPr>
+          <p:cNvPr id="175" name="תיבת טקסט 174">
+            <a:extLst>
+              <a:ext uri="{FF2B5EF4-FFF2-40B4-BE49-F238E27FC236}">
+                <a16:creationId xmlns:a16="http://schemas.microsoft.com/office/drawing/2014/main" id="{C5F2AD41-C4C2-4DB7-8EA1-8E34ABC0F395}"/>
+              </a:ext>
+            </a:extLst>
+          </p:cNvPr>
+          <p:cNvSpPr txBox="1"/>
+          <p:nvPr/>
+        </p:nvSpPr>
+        <p:spPr>
+          <a:xfrm>
+            <a:off x="5164480" y="5556019"/>
+            <a:ext cx="857220" cy="415498"/>
+          </a:xfrm>
+          <a:prstGeom prst="rect">
+            <a:avLst/>
+          </a:prstGeom>
+          <a:noFill/>
+        </p:spPr>
+        <p:txBody>
+          <a:bodyPr wrap="square" rtlCol="1">
+            <a:spAutoFit/>
+          </a:bodyPr>
+          <a:lstStyle/>
+          <a:p>
+            <a:pPr algn="l" rtl="0"/>
+            <a:r>
+              <a:rPr lang="en-IL" sz="700" dirty="0"/>
+              <a:t>U1: T3,T2,T1, </a:t>
+            </a:r>
+            <a:r>
+              <a:rPr lang="en-IL" sz="700" b="1" dirty="0">
+                <a:solidFill>
+                  <a:srgbClr val="FF0000"/>
+                </a:solidFill>
+              </a:rPr>
+              <a:t>TS</a:t>
+            </a:r>
+          </a:p>
+          <a:p>
+            <a:pPr algn="l" rtl="0"/>
+            <a:r>
+              <a:rPr lang="en-IL" sz="700" dirty="0"/>
+              <a:t>U2: T2,T1</a:t>
+            </a:r>
+            <a:endParaRPr lang="he-IL" sz="700" dirty="0"/>
+          </a:p>
+          <a:p>
+            <a:pPr algn="l" rtl="0"/>
+            <a:r>
+              <a:rPr lang="en-IL" sz="700" dirty="0"/>
+              <a:t>U3: T1</a:t>
+            </a:r>
+            <a:endParaRPr lang="he-IL" sz="700" dirty="0"/>
+          </a:p>
+        </p:txBody>
+      </p:sp>
+      <p:sp>
+        <p:nvSpPr>
+          <p:cNvPr id="176" name="מלבן 175">
+            <a:extLst>
+              <a:ext uri="{FF2B5EF4-FFF2-40B4-BE49-F238E27FC236}">
+                <a16:creationId xmlns:a16="http://schemas.microsoft.com/office/drawing/2014/main" id="{5BCE52E7-9A5D-40D1-99B5-49F7660BDA61}"/>
+              </a:ext>
+            </a:extLst>
+          </p:cNvPr>
+          <p:cNvSpPr/>
+          <p:nvPr/>
+        </p:nvSpPr>
+        <p:spPr>
+          <a:xfrm>
+            <a:off x="2631635" y="5308679"/>
+            <a:ext cx="991724" cy="321892"/>
+          </a:xfrm>
+          <a:prstGeom prst="rect">
+            <a:avLst/>
+          </a:prstGeom>
+          <a:noFill/>
+          <a:ln>
+            <a:solidFill>
+              <a:schemeClr val="accent1"/>
+            </a:solidFill>
+          </a:ln>
+        </p:spPr>
+        <p:style>
+          <a:lnRef idx="2">
+            <a:schemeClr val="accent1">
+              <a:shade val="50000"/>
+            </a:schemeClr>
+          </a:lnRef>
+          <a:fillRef idx="1">
+            <a:schemeClr val="accent1"/>
+          </a:fillRef>
+          <a:effectRef idx="0">
+            <a:schemeClr val="accent1"/>
+          </a:effectRef>
+          <a:fontRef idx="minor">
+            <a:schemeClr val="lt1"/>
+          </a:fontRef>
+        </p:style>
+        <p:txBody>
+          <a:bodyPr rtlCol="1" anchor="ctr"/>
+          <a:lstStyle/>
+          <a:p>
+            <a:pPr algn="ctr" rtl="0"/>
+            <a:r>
+              <a:rPr lang="en-IL" sz="1000" dirty="0">
+                <a:solidFill>
+                  <a:schemeClr val="tx1"/>
+                </a:solidFill>
+              </a:rPr>
+              <a:t>Timeline Service</a:t>
+            </a:r>
+          </a:p>
+        </p:txBody>
+      </p:sp>
+      <p:cxnSp>
+        <p:nvCxnSpPr>
+          <p:cNvPr id="179" name="מחבר: מרפקי 178">
+            <a:extLst>
+              <a:ext uri="{FF2B5EF4-FFF2-40B4-BE49-F238E27FC236}">
+                <a16:creationId xmlns:a16="http://schemas.microsoft.com/office/drawing/2014/main" id="{06F595CF-7D9B-4C16-8529-A24FDBB21B65}"/>
+              </a:ext>
+            </a:extLst>
+          </p:cNvPr>
+          <p:cNvCxnSpPr>
+            <a:cxnSpLocks/>
+          </p:cNvCxnSpPr>
+          <p:nvPr/>
+        </p:nvCxnSpPr>
+        <p:spPr>
+          <a:xfrm rot="16200000" flipV="1">
+            <a:off x="4295655" y="4370974"/>
+            <a:ext cx="797948" cy="3317141"/>
+          </a:xfrm>
+          <a:prstGeom prst="bentConnector3">
+            <a:avLst>
+              <a:gd name="adj1" fmla="val 16663"/>
+            </a:avLst>
+          </a:prstGeom>
+          <a:ln>
+            <a:tailEnd type="triangle"/>
+          </a:ln>
+        </p:spPr>
+        <p:style>
+          <a:lnRef idx="1">
+            <a:schemeClr val="accent1"/>
+          </a:lnRef>
+          <a:fillRef idx="0">
+            <a:schemeClr val="accent1"/>
+          </a:fillRef>
+          <a:effectRef idx="0">
+            <a:schemeClr val="accent1"/>
+          </a:effectRef>
+          <a:fontRef idx="minor">
+            <a:schemeClr val="tx1"/>
+          </a:fontRef>
+        </p:style>
+      </p:cxnSp>
+      <p:cxnSp>
+        <p:nvCxnSpPr>
+          <p:cNvPr id="183" name="מחבר: מרפקי 182">
+            <a:extLst>
+              <a:ext uri="{FF2B5EF4-FFF2-40B4-BE49-F238E27FC236}">
+                <a16:creationId xmlns:a16="http://schemas.microsoft.com/office/drawing/2014/main" id="{59B23D78-DC52-426C-9563-821A8CB6B20C}"/>
+              </a:ext>
+            </a:extLst>
+          </p:cNvPr>
+          <p:cNvCxnSpPr>
+            <a:cxnSpLocks/>
+            <a:stCxn id="117" idx="1"/>
+            <a:endCxn id="176" idx="0"/>
+          </p:cNvCxnSpPr>
+          <p:nvPr/>
+        </p:nvCxnSpPr>
+        <p:spPr>
+          <a:xfrm rot="10800000" flipV="1">
+            <a:off x="3127498" y="5049287"/>
+            <a:ext cx="990335" cy="259392"/>
+          </a:xfrm>
+          <a:prstGeom prst="bentConnector2">
+            <a:avLst/>
+          </a:prstGeom>
+          <a:ln>
+            <a:tailEnd type="triangle"/>
+          </a:ln>
+        </p:spPr>
+        <p:style>
+          <a:lnRef idx="1">
+            <a:schemeClr val="accent1"/>
+          </a:lnRef>
+          <a:fillRef idx="0">
+            <a:schemeClr val="accent1"/>
+          </a:fillRef>
+          <a:effectRef idx="0">
+            <a:schemeClr val="accent1"/>
+          </a:effectRef>
+          <a:fontRef idx="minor">
+            <a:schemeClr val="tx1"/>
+          </a:fontRef>
+        </p:style>
+      </p:cxnSp>
+      <p:sp>
+        <p:nvSpPr>
+          <p:cNvPr id="186" name="מלבן 185">
+            <a:extLst>
+              <a:ext uri="{FF2B5EF4-FFF2-40B4-BE49-F238E27FC236}">
+                <a16:creationId xmlns:a16="http://schemas.microsoft.com/office/drawing/2014/main" id="{9CB2B6B3-0D5D-4BBC-8C2D-2418A3AE0C0E}"/>
+              </a:ext>
+            </a:extLst>
+          </p:cNvPr>
+          <p:cNvSpPr/>
+          <p:nvPr/>
+        </p:nvSpPr>
+        <p:spPr>
+          <a:xfrm>
+            <a:off x="1860131" y="5323874"/>
+            <a:ext cx="232756" cy="1359559"/>
+          </a:xfrm>
+          <a:prstGeom prst="rect">
+            <a:avLst/>
+          </a:prstGeom>
+          <a:noFill/>
+          <a:ln>
+            <a:solidFill>
+              <a:schemeClr val="tx1"/>
+            </a:solidFill>
+          </a:ln>
+        </p:spPr>
+        <p:style>
+          <a:lnRef idx="2">
+            <a:schemeClr val="accent1">
+              <a:shade val="50000"/>
+            </a:schemeClr>
+          </a:lnRef>
+          <a:fillRef idx="1">
+            <a:schemeClr val="accent1"/>
+          </a:fillRef>
+          <a:effectRef idx="0">
+            <a:schemeClr val="accent1"/>
+          </a:effectRef>
+          <a:fontRef idx="minor">
+            <a:schemeClr val="lt1"/>
+          </a:fontRef>
+        </p:style>
+        <p:txBody>
+          <a:bodyPr rtlCol="1" anchor="ctr"/>
+          <a:lstStyle/>
+          <a:p>
+            <a:pPr algn="ctr"/>
+            <a:r>
+              <a:rPr lang="en-IL" sz="1000" dirty="0">
+                <a:solidFill>
+                  <a:schemeClr val="tx1"/>
+                </a:solidFill>
+              </a:rPr>
+              <a:t>LB</a:t>
+            </a:r>
+            <a:endParaRPr lang="he-IL" sz="1000" dirty="0">
+              <a:solidFill>
+                <a:schemeClr val="tx1"/>
+              </a:solidFill>
+            </a:endParaRPr>
+          </a:p>
+        </p:txBody>
+      </p:sp>
+      <p:sp>
+        <p:nvSpPr>
+          <p:cNvPr id="187" name="מלבן 186">
+            <a:extLst>
+              <a:ext uri="{FF2B5EF4-FFF2-40B4-BE49-F238E27FC236}">
+                <a16:creationId xmlns:a16="http://schemas.microsoft.com/office/drawing/2014/main" id="{13EAFC2A-AA84-4CA9-A554-9FADC266738F}"/>
+              </a:ext>
+            </a:extLst>
+          </p:cNvPr>
+          <p:cNvSpPr/>
+          <p:nvPr/>
+        </p:nvSpPr>
+        <p:spPr>
+          <a:xfrm>
+            <a:off x="361136" y="5273996"/>
+            <a:ext cx="1175217" cy="393063"/>
+          </a:xfrm>
+          <a:prstGeom prst="rect">
+            <a:avLst/>
+          </a:prstGeom>
+          <a:noFill/>
+          <a:ln>
+            <a:solidFill>
+              <a:schemeClr val="accent6"/>
+            </a:solidFill>
+          </a:ln>
+        </p:spPr>
+        <p:style>
+          <a:lnRef idx="2">
+            <a:schemeClr val="accent1">
+              <a:shade val="50000"/>
+            </a:schemeClr>
+          </a:lnRef>
+          <a:fillRef idx="1">
+            <a:schemeClr val="accent1"/>
+          </a:fillRef>
+          <a:effectRef idx="0">
+            <a:schemeClr val="accent1"/>
+          </a:effectRef>
+          <a:fontRef idx="minor">
+            <a:schemeClr val="lt1"/>
+          </a:fontRef>
+        </p:style>
+        <p:txBody>
+          <a:bodyPr rtlCol="1" anchor="ctr"/>
+          <a:lstStyle/>
+          <a:p>
+            <a:pPr algn="ctr"/>
+            <a:r>
+              <a:rPr lang="en-IL" sz="1000" dirty="0">
+                <a:solidFill>
+                  <a:schemeClr val="tx1"/>
+                </a:solidFill>
+              </a:rPr>
+              <a:t>User Timeline</a:t>
+            </a:r>
+            <a:endParaRPr lang="he-IL" sz="1000" dirty="0">
+              <a:solidFill>
+                <a:schemeClr val="tx1"/>
+              </a:solidFill>
+            </a:endParaRPr>
+          </a:p>
+        </p:txBody>
+      </p:sp>
+      <p:sp>
+        <p:nvSpPr>
+          <p:cNvPr id="188" name="מלבן 187">
+            <a:extLst>
+              <a:ext uri="{FF2B5EF4-FFF2-40B4-BE49-F238E27FC236}">
+                <a16:creationId xmlns:a16="http://schemas.microsoft.com/office/drawing/2014/main" id="{A6953733-7E86-4E39-A3CA-8E804A9F5738}"/>
+              </a:ext>
+            </a:extLst>
+          </p:cNvPr>
+          <p:cNvSpPr/>
+          <p:nvPr/>
+        </p:nvSpPr>
+        <p:spPr>
+          <a:xfrm>
+            <a:off x="361584" y="5792012"/>
+            <a:ext cx="1175217" cy="393063"/>
+          </a:xfrm>
+          <a:prstGeom prst="rect">
+            <a:avLst/>
+          </a:prstGeom>
+          <a:noFill/>
+          <a:ln>
+            <a:solidFill>
+              <a:schemeClr val="accent6"/>
+            </a:solidFill>
+          </a:ln>
+        </p:spPr>
+        <p:style>
+          <a:lnRef idx="2">
+            <a:schemeClr val="accent1">
+              <a:shade val="50000"/>
+            </a:schemeClr>
+          </a:lnRef>
+          <a:fillRef idx="1">
+            <a:schemeClr val="accent1"/>
+          </a:fillRef>
+          <a:effectRef idx="0">
+            <a:schemeClr val="accent1"/>
+          </a:effectRef>
+          <a:fontRef idx="minor">
+            <a:schemeClr val="lt1"/>
+          </a:fontRef>
+        </p:style>
+        <p:txBody>
+          <a:bodyPr rtlCol="1" anchor="ctr"/>
+          <a:lstStyle/>
+          <a:p>
+            <a:pPr algn="ctr"/>
+            <a:r>
+              <a:rPr lang="en-IL" sz="1000" dirty="0">
+                <a:solidFill>
+                  <a:schemeClr val="tx1"/>
+                </a:solidFill>
+              </a:rPr>
+              <a:t>Home Timeline</a:t>
+            </a:r>
+            <a:endParaRPr lang="he-IL" sz="1000" dirty="0">
+              <a:solidFill>
+                <a:schemeClr val="tx1"/>
+              </a:solidFill>
+            </a:endParaRPr>
+          </a:p>
+        </p:txBody>
+      </p:sp>
+      <p:cxnSp>
+        <p:nvCxnSpPr>
+          <p:cNvPr id="190" name="מחבר חץ ישר 189">
+            <a:extLst>
+              <a:ext uri="{FF2B5EF4-FFF2-40B4-BE49-F238E27FC236}">
+                <a16:creationId xmlns:a16="http://schemas.microsoft.com/office/drawing/2014/main" id="{AC1CBCF5-41C0-45DA-8598-8F84C7AA8576}"/>
+              </a:ext>
+            </a:extLst>
+          </p:cNvPr>
+          <p:cNvCxnSpPr>
+            <a:stCxn id="187" idx="3"/>
+            <a:endCxn id="176" idx="1"/>
+          </p:cNvCxnSpPr>
+          <p:nvPr/>
+        </p:nvCxnSpPr>
+        <p:spPr>
+          <a:xfrm flipV="1">
+            <a:off x="1536353" y="5469625"/>
+            <a:ext cx="1095282" cy="903"/>
+          </a:xfrm>
+          <a:prstGeom prst="straightConnector1">
+            <a:avLst/>
+          </a:prstGeom>
+          <a:ln>
+            <a:tailEnd type="triangle"/>
+          </a:ln>
+        </p:spPr>
+        <p:style>
+          <a:lnRef idx="1">
+            <a:schemeClr val="accent1"/>
+          </a:lnRef>
+          <a:fillRef idx="0">
+            <a:schemeClr val="accent1"/>
+          </a:fillRef>
+          <a:effectRef idx="0">
+            <a:schemeClr val="accent1"/>
+          </a:effectRef>
+          <a:fontRef idx="minor">
+            <a:schemeClr val="tx1"/>
+          </a:fontRef>
+        </p:style>
+      </p:cxnSp>
+      <p:cxnSp>
+        <p:nvCxnSpPr>
+          <p:cNvPr id="191" name="מחבר חץ ישר 190">
+            <a:extLst>
+              <a:ext uri="{FF2B5EF4-FFF2-40B4-BE49-F238E27FC236}">
+                <a16:creationId xmlns:a16="http://schemas.microsoft.com/office/drawing/2014/main" id="{DE813093-A701-42AC-BA4B-EF1B0E9ABDA1}"/>
+              </a:ext>
+            </a:extLst>
+          </p:cNvPr>
+          <p:cNvCxnSpPr>
+            <a:cxnSpLocks/>
+            <a:stCxn id="188" idx="3"/>
+            <a:endCxn id="176" idx="1"/>
+          </p:cNvCxnSpPr>
+          <p:nvPr/>
+        </p:nvCxnSpPr>
+        <p:spPr>
+          <a:xfrm flipV="1">
+            <a:off x="1536801" y="5469625"/>
+            <a:ext cx="1094834" cy="518919"/>
+          </a:xfrm>
+          <a:prstGeom prst="straightConnector1">
+            <a:avLst/>
+          </a:prstGeom>
+          <a:ln>
+            <a:tailEnd type="triangle"/>
+          </a:ln>
+        </p:spPr>
+        <p:style>
+          <a:lnRef idx="1">
+            <a:schemeClr val="accent1"/>
+          </a:lnRef>
+          <a:fillRef idx="0">
+            <a:schemeClr val="accent1"/>
+          </a:fillRef>
+          <a:effectRef idx="0">
+            <a:schemeClr val="accent1"/>
+          </a:effectRef>
+          <a:fontRef idx="minor">
+            <a:schemeClr val="tx1"/>
+          </a:fontRef>
+        </p:style>
+      </p:cxnSp>
+      <p:sp>
+        <p:nvSpPr>
+          <p:cNvPr id="196" name="מלבן 195">
+            <a:extLst>
+              <a:ext uri="{FF2B5EF4-FFF2-40B4-BE49-F238E27FC236}">
+                <a16:creationId xmlns:a16="http://schemas.microsoft.com/office/drawing/2014/main" id="{FE7C83C4-F129-4CCA-989F-A779BF9DA967}"/>
+              </a:ext>
+            </a:extLst>
+          </p:cNvPr>
+          <p:cNvSpPr/>
+          <p:nvPr/>
+        </p:nvSpPr>
+        <p:spPr>
+          <a:xfrm>
+            <a:off x="4724280" y="6428519"/>
+            <a:ext cx="1045382" cy="321892"/>
+          </a:xfrm>
+          <a:prstGeom prst="rect">
+            <a:avLst/>
+          </a:prstGeom>
+          <a:noFill/>
+          <a:ln>
+            <a:solidFill>
+              <a:schemeClr val="accent1"/>
+            </a:solidFill>
+          </a:ln>
+        </p:spPr>
+        <p:style>
+          <a:lnRef idx="2">
+            <a:schemeClr val="accent1">
+              <a:shade val="50000"/>
+            </a:schemeClr>
+          </a:lnRef>
+          <a:fillRef idx="1">
+            <a:schemeClr val="accent1"/>
+          </a:fillRef>
+          <a:effectRef idx="0">
+            <a:schemeClr val="accent1"/>
+          </a:effectRef>
+          <a:fontRef idx="minor">
+            <a:schemeClr val="lt1"/>
+          </a:fontRef>
+        </p:style>
+        <p:txBody>
+          <a:bodyPr rtlCol="1" anchor="ctr"/>
+          <a:lstStyle/>
+          <a:p>
+            <a:pPr algn="ctr" rtl="0"/>
+            <a:r>
+              <a:rPr lang="en-IL" sz="1000" dirty="0">
+                <a:solidFill>
+                  <a:schemeClr val="tx1"/>
+                </a:solidFill>
+              </a:rPr>
+              <a:t>User Service</a:t>
+            </a:r>
+          </a:p>
+        </p:txBody>
+      </p:sp>
+      <p:cxnSp>
+        <p:nvCxnSpPr>
+          <p:cNvPr id="202" name="מחבר: מרפקי 201">
+            <a:extLst>
+              <a:ext uri="{FF2B5EF4-FFF2-40B4-BE49-F238E27FC236}">
+                <a16:creationId xmlns:a16="http://schemas.microsoft.com/office/drawing/2014/main" id="{55071F06-4E5A-4E70-9EAE-3FAB692C5D9D}"/>
+              </a:ext>
+            </a:extLst>
+          </p:cNvPr>
+          <p:cNvCxnSpPr>
+            <a:cxnSpLocks/>
+            <a:stCxn id="196" idx="0"/>
+            <a:endCxn id="176" idx="2"/>
+          </p:cNvCxnSpPr>
+          <p:nvPr/>
+        </p:nvCxnSpPr>
+        <p:spPr>
+          <a:xfrm rot="16200000" flipV="1">
+            <a:off x="3788260" y="4969808"/>
+            <a:ext cx="797948" cy="2119474"/>
+          </a:xfrm>
+          <a:prstGeom prst="bentConnector3">
+            <a:avLst>
+              <a:gd name="adj1" fmla="val 8329"/>
+            </a:avLst>
+          </a:prstGeom>
+          <a:ln>
+            <a:tailEnd type="triangle"/>
+          </a:ln>
+        </p:spPr>
+        <p:style>
+          <a:lnRef idx="1">
+            <a:schemeClr val="accent1"/>
+          </a:lnRef>
+          <a:fillRef idx="0">
+            <a:schemeClr val="accent1"/>
+          </a:fillRef>
+          <a:effectRef idx="0">
+            <a:schemeClr val="accent1"/>
+          </a:effectRef>
+          <a:fontRef idx="minor">
+            <a:schemeClr val="tx1"/>
+          </a:fontRef>
+        </p:style>
+      </p:cxnSp>
+      <p:cxnSp>
+        <p:nvCxnSpPr>
+          <p:cNvPr id="207" name="מחבר חץ ישר 206">
+            <a:extLst>
+              <a:ext uri="{FF2B5EF4-FFF2-40B4-BE49-F238E27FC236}">
+                <a16:creationId xmlns:a16="http://schemas.microsoft.com/office/drawing/2014/main" id="{40D98B16-CE74-4A00-A883-B226760255A8}"/>
+              </a:ext>
+            </a:extLst>
+          </p:cNvPr>
+          <p:cNvCxnSpPr>
+            <a:cxnSpLocks/>
+            <a:stCxn id="196" idx="3"/>
+            <a:endCxn id="137" idx="2"/>
+          </p:cNvCxnSpPr>
+          <p:nvPr/>
+        </p:nvCxnSpPr>
+        <p:spPr>
+          <a:xfrm flipV="1">
+            <a:off x="5769662" y="6191056"/>
+            <a:ext cx="673965" cy="398409"/>
+          </a:xfrm>
+          <a:prstGeom prst="straightConnector1">
+            <a:avLst/>
+          </a:prstGeom>
+          <a:ln>
+            <a:tailEnd type="triangle"/>
+          </a:ln>
+        </p:spPr>
+        <p:style>
+          <a:lnRef idx="1">
+            <a:schemeClr val="accent1"/>
+          </a:lnRef>
+          <a:fillRef idx="0">
+            <a:schemeClr val="accent1"/>
+          </a:fillRef>
+          <a:effectRef idx="0">
+            <a:schemeClr val="accent1"/>
+          </a:effectRef>
+          <a:fontRef idx="minor">
+            <a:schemeClr val="tx1"/>
+          </a:fontRef>
+        </p:style>
+      </p:cxnSp>
+      <p:sp>
+        <p:nvSpPr>
+          <p:cNvPr id="213" name="תיבת טקסט 212">
+            <a:extLst>
+              <a:ext uri="{FF2B5EF4-FFF2-40B4-BE49-F238E27FC236}">
+                <a16:creationId xmlns:a16="http://schemas.microsoft.com/office/drawing/2014/main" id="{F592EC1D-105A-4B1F-9F96-08F2769B7040}"/>
+              </a:ext>
+            </a:extLst>
+          </p:cNvPr>
+          <p:cNvSpPr txBox="1"/>
+          <p:nvPr/>
+        </p:nvSpPr>
+        <p:spPr>
+          <a:xfrm>
+            <a:off x="3806635" y="5483101"/>
+            <a:ext cx="857220" cy="338554"/>
+          </a:xfrm>
+          <a:prstGeom prst="rect">
+            <a:avLst/>
+          </a:prstGeom>
+          <a:noFill/>
+        </p:spPr>
+        <p:txBody>
+          <a:bodyPr wrap="square" rtlCol="1">
+            <a:spAutoFit/>
+          </a:bodyPr>
+          <a:lstStyle/>
+          <a:p>
+            <a:pPr algn="l" rtl="0"/>
+            <a:r>
+              <a:rPr lang="en-IL" sz="800" dirty="0"/>
+              <a:t>Query timeline for active users</a:t>
+            </a:r>
+            <a:endParaRPr lang="he-IL" sz="800" dirty="0"/>
+          </a:p>
+        </p:txBody>
+      </p:sp>
+      <p:sp>
+        <p:nvSpPr>
+          <p:cNvPr id="214" name="תיבת טקסט 213">
+            <a:extLst>
+              <a:ext uri="{FF2B5EF4-FFF2-40B4-BE49-F238E27FC236}">
+                <a16:creationId xmlns:a16="http://schemas.microsoft.com/office/drawing/2014/main" id="{6D77842C-CDAC-4C38-BF8E-D6402FB0E761}"/>
+              </a:ext>
+            </a:extLst>
+          </p:cNvPr>
+          <p:cNvSpPr txBox="1"/>
+          <p:nvPr/>
+        </p:nvSpPr>
+        <p:spPr>
+          <a:xfrm>
+            <a:off x="3117555" y="4750674"/>
+            <a:ext cx="990336" cy="338554"/>
+          </a:xfrm>
+          <a:prstGeom prst="rect">
+            <a:avLst/>
+          </a:prstGeom>
+          <a:noFill/>
+        </p:spPr>
+        <p:txBody>
+          <a:bodyPr wrap="square" rtlCol="1">
+            <a:spAutoFit/>
+          </a:bodyPr>
+          <a:lstStyle/>
+          <a:p>
+            <a:pPr algn="l" rtl="0"/>
+            <a:r>
+              <a:rPr lang="en-IL" sz="800" dirty="0"/>
+              <a:t>Query timeline for </a:t>
+            </a:r>
+            <a:r>
+              <a:rPr lang="en-IL" sz="800" b="1" dirty="0">
+                <a:solidFill>
+                  <a:srgbClr val="FF0000"/>
+                </a:solidFill>
+              </a:rPr>
+              <a:t>PASSIVE</a:t>
+            </a:r>
+            <a:r>
+              <a:rPr lang="en-IL" sz="800" dirty="0"/>
+              <a:t> users</a:t>
+            </a:r>
+            <a:endParaRPr lang="he-IL" sz="800" dirty="0"/>
+          </a:p>
+        </p:txBody>
+      </p:sp>
+      <p:cxnSp>
+        <p:nvCxnSpPr>
+          <p:cNvPr id="216" name="מחבר: מרפקי 215">
+            <a:extLst>
+              <a:ext uri="{FF2B5EF4-FFF2-40B4-BE49-F238E27FC236}">
+                <a16:creationId xmlns:a16="http://schemas.microsoft.com/office/drawing/2014/main" id="{C4E1378B-4E36-403B-9D2E-560BD6718750}"/>
+              </a:ext>
+            </a:extLst>
+          </p:cNvPr>
+          <p:cNvCxnSpPr>
+            <a:stCxn id="165" idx="0"/>
+            <a:endCxn id="176" idx="3"/>
+          </p:cNvCxnSpPr>
+          <p:nvPr/>
+        </p:nvCxnSpPr>
+        <p:spPr>
+          <a:xfrm rot="16200000" flipV="1">
+            <a:off x="3995756" y="5097229"/>
+            <a:ext cx="421245" cy="1166037"/>
+          </a:xfrm>
+          <a:prstGeom prst="bentConnector2">
+            <a:avLst/>
+          </a:prstGeom>
+          <a:ln>
+            <a:headEnd type="triangle"/>
+            <a:tailEnd type="triangle"/>
+          </a:ln>
+        </p:spPr>
+        <p:style>
+          <a:lnRef idx="1">
+            <a:schemeClr val="accent1"/>
+          </a:lnRef>
+          <a:fillRef idx="0">
+            <a:schemeClr val="accent1"/>
+          </a:fillRef>
+          <a:effectRef idx="0">
+            <a:schemeClr val="accent1"/>
+          </a:effectRef>
+          <a:fontRef idx="minor">
+            <a:schemeClr val="tx1"/>
+          </a:fontRef>
+        </p:style>
+      </p:cxnSp>
+      <p:sp>
+        <p:nvSpPr>
+          <p:cNvPr id="217" name="תיבת טקסט 216">
+            <a:extLst>
+              <a:ext uri="{FF2B5EF4-FFF2-40B4-BE49-F238E27FC236}">
+                <a16:creationId xmlns:a16="http://schemas.microsoft.com/office/drawing/2014/main" id="{6B86C1C8-CFFB-419D-BA30-118D9D8774B2}"/>
+              </a:ext>
+            </a:extLst>
+          </p:cNvPr>
+          <p:cNvSpPr txBox="1"/>
+          <p:nvPr/>
+        </p:nvSpPr>
+        <p:spPr>
+          <a:xfrm>
+            <a:off x="4162275" y="5178365"/>
+            <a:ext cx="857220" cy="338554"/>
+          </a:xfrm>
+          <a:prstGeom prst="rect">
+            <a:avLst/>
+          </a:prstGeom>
+          <a:noFill/>
+        </p:spPr>
+        <p:txBody>
+          <a:bodyPr wrap="square" rtlCol="1">
+            <a:spAutoFit/>
+          </a:bodyPr>
+          <a:lstStyle/>
+          <a:p>
+            <a:pPr algn="l" rtl="0"/>
+            <a:r>
+              <a:rPr lang="en-IL" sz="800" dirty="0"/>
+              <a:t>Store </a:t>
+            </a:r>
+            <a:r>
+              <a:rPr lang="en-IL" sz="800" b="1" dirty="0">
+                <a:solidFill>
+                  <a:srgbClr val="FF0000"/>
+                </a:solidFill>
+              </a:rPr>
+              <a:t>passive</a:t>
+            </a:r>
+            <a:r>
+              <a:rPr lang="en-IL" sz="800" dirty="0"/>
+              <a:t> users timeline</a:t>
+            </a:r>
+            <a:endParaRPr lang="he-IL" sz="800" dirty="0"/>
+          </a:p>
+        </p:txBody>
+      </p:sp>
+      <p:sp>
+        <p:nvSpPr>
+          <p:cNvPr id="218" name="חץ: ימינה 217">
+            <a:extLst>
+              <a:ext uri="{FF2B5EF4-FFF2-40B4-BE49-F238E27FC236}">
+                <a16:creationId xmlns:a16="http://schemas.microsoft.com/office/drawing/2014/main" id="{B9CB18F1-731D-4C5B-BBD9-D91393817160}"/>
+              </a:ext>
+            </a:extLst>
+          </p:cNvPr>
+          <p:cNvSpPr/>
+          <p:nvPr/>
+        </p:nvSpPr>
+        <p:spPr>
+          <a:xfrm rot="10800000">
+            <a:off x="3735230" y="5600478"/>
+            <a:ext cx="103514" cy="74894"/>
+          </a:xfrm>
+          <a:prstGeom prst="rightArrow">
+            <a:avLst/>
+          </a:prstGeom>
+        </p:spPr>
+        <p:style>
+          <a:lnRef idx="2">
+            <a:schemeClr val="accent1">
+              <a:shade val="50000"/>
+            </a:schemeClr>
+          </a:lnRef>
+          <a:fillRef idx="1">
+            <a:schemeClr val="accent1"/>
+          </a:fillRef>
+          <a:effectRef idx="0">
+            <a:schemeClr val="accent1"/>
+          </a:effectRef>
+          <a:fontRef idx="minor">
+            <a:schemeClr val="lt1"/>
+          </a:fontRef>
+        </p:style>
+        <p:txBody>
+          <a:bodyPr rtlCol="1" anchor="ctr"/>
+          <a:lstStyle/>
+          <a:p>
+            <a:pPr algn="ctr"/>
+            <a:endParaRPr lang="he-IL"/>
+          </a:p>
+        </p:txBody>
+      </p:sp>
+      <p:sp>
+        <p:nvSpPr>
+          <p:cNvPr id="219" name="חץ: ימינה 218">
+            <a:extLst>
+              <a:ext uri="{FF2B5EF4-FFF2-40B4-BE49-F238E27FC236}">
+                <a16:creationId xmlns:a16="http://schemas.microsoft.com/office/drawing/2014/main" id="{F5E58023-0F72-4143-8574-86FBD556E792}"/>
+              </a:ext>
+            </a:extLst>
+          </p:cNvPr>
+          <p:cNvSpPr/>
+          <p:nvPr/>
+        </p:nvSpPr>
+        <p:spPr>
+          <a:xfrm rot="5400000">
+            <a:off x="4860222" y="5403745"/>
+            <a:ext cx="103514" cy="74894"/>
+          </a:xfrm>
+          <a:prstGeom prst="rightArrow">
+            <a:avLst/>
+          </a:prstGeom>
+        </p:spPr>
+        <p:style>
+          <a:lnRef idx="2">
+            <a:schemeClr val="accent1">
+              <a:shade val="50000"/>
+            </a:schemeClr>
+          </a:lnRef>
+          <a:fillRef idx="1">
+            <a:schemeClr val="accent1"/>
+          </a:fillRef>
+          <a:effectRef idx="0">
+            <a:schemeClr val="accent1"/>
+          </a:effectRef>
+          <a:fontRef idx="minor">
+            <a:schemeClr val="lt1"/>
+          </a:fontRef>
+        </p:style>
+        <p:txBody>
+          <a:bodyPr rtlCol="1" anchor="ctr"/>
+          <a:lstStyle/>
+          <a:p>
+            <a:pPr algn="ctr"/>
+            <a:endParaRPr lang="he-IL"/>
+          </a:p>
+        </p:txBody>
+      </p:sp>
+      <p:cxnSp>
+        <p:nvCxnSpPr>
+          <p:cNvPr id="220" name="מחבר חץ ישר 219">
+            <a:extLst>
+              <a:ext uri="{FF2B5EF4-FFF2-40B4-BE49-F238E27FC236}">
+                <a16:creationId xmlns:a16="http://schemas.microsoft.com/office/drawing/2014/main" id="{A64B17E0-5484-4D5A-814D-602198723554}"/>
+              </a:ext>
+            </a:extLst>
+          </p:cNvPr>
+          <p:cNvCxnSpPr>
+            <a:cxnSpLocks/>
+          </p:cNvCxnSpPr>
+          <p:nvPr/>
+        </p:nvCxnSpPr>
+        <p:spPr>
+          <a:xfrm flipV="1">
+            <a:off x="6493505" y="5627716"/>
+            <a:ext cx="0" cy="224822"/>
+          </a:xfrm>
+          <a:prstGeom prst="straightConnector1">
+            <a:avLst/>
+          </a:prstGeom>
+          <a:ln>
+            <a:tailEnd type="triangle"/>
+          </a:ln>
+        </p:spPr>
+        <p:style>
+          <a:lnRef idx="1">
+            <a:schemeClr val="accent1"/>
+          </a:lnRef>
+          <a:fillRef idx="0">
+            <a:schemeClr val="accent1"/>
+          </a:fillRef>
+          <a:effectRef idx="0">
+            <a:schemeClr val="accent1"/>
+          </a:effectRef>
+          <a:fontRef idx="minor">
+            <a:schemeClr val="tx1"/>
+          </a:fontRef>
+        </p:style>
+      </p:cxnSp>
+      <p:cxnSp>
+        <p:nvCxnSpPr>
+          <p:cNvPr id="223" name="מחבר חץ ישר 222">
+            <a:extLst>
+              <a:ext uri="{FF2B5EF4-FFF2-40B4-BE49-F238E27FC236}">
+                <a16:creationId xmlns:a16="http://schemas.microsoft.com/office/drawing/2014/main" id="{0A1FE32B-D90B-4282-B79C-D4A0E1711399}"/>
+              </a:ext>
+            </a:extLst>
+          </p:cNvPr>
+          <p:cNvCxnSpPr>
+            <a:cxnSpLocks/>
+            <a:stCxn id="130" idx="1"/>
+          </p:cNvCxnSpPr>
+          <p:nvPr/>
+        </p:nvCxnSpPr>
+        <p:spPr>
+          <a:xfrm flipH="1">
+            <a:off x="6527530" y="5492949"/>
+            <a:ext cx="1091660" cy="274912"/>
+          </a:xfrm>
+          <a:prstGeom prst="straightConnector1">
+            <a:avLst/>
+          </a:prstGeom>
+          <a:ln>
+            <a:tailEnd type="triangle"/>
+          </a:ln>
+        </p:spPr>
+        <p:style>
+          <a:lnRef idx="1">
+            <a:schemeClr val="dk1"/>
+          </a:lnRef>
+          <a:fillRef idx="0">
+            <a:schemeClr val="dk1"/>
+          </a:fillRef>
+          <a:effectRef idx="0">
+            <a:schemeClr val="dk1"/>
+          </a:effectRef>
+          <a:fontRef idx="minor">
+            <a:schemeClr val="tx1"/>
+          </a:fontRef>
+        </p:style>
+      </p:cxnSp>
+      <p:cxnSp>
+        <p:nvCxnSpPr>
+          <p:cNvPr id="227" name="מחבר חץ ישר 226">
+            <a:extLst>
+              <a:ext uri="{FF2B5EF4-FFF2-40B4-BE49-F238E27FC236}">
+                <a16:creationId xmlns:a16="http://schemas.microsoft.com/office/drawing/2014/main" id="{414D826D-EBC9-44D6-B739-E6FF168CFDFA}"/>
+              </a:ext>
+            </a:extLst>
+          </p:cNvPr>
+          <p:cNvCxnSpPr>
+            <a:cxnSpLocks/>
+          </p:cNvCxnSpPr>
+          <p:nvPr/>
+        </p:nvCxnSpPr>
+        <p:spPr>
+          <a:xfrm flipH="1" flipV="1">
+            <a:off x="6956994" y="6030110"/>
+            <a:ext cx="648392" cy="1226"/>
+          </a:xfrm>
+          <a:prstGeom prst="straightConnector1">
+            <a:avLst/>
+          </a:prstGeom>
+          <a:ln>
+            <a:tailEnd type="triangle"/>
+          </a:ln>
+        </p:spPr>
+        <p:style>
+          <a:lnRef idx="1">
+            <a:schemeClr val="dk1"/>
+          </a:lnRef>
+          <a:fillRef idx="0">
+            <a:schemeClr val="dk1"/>
+          </a:fillRef>
+          <a:effectRef idx="0">
+            <a:schemeClr val="dk1"/>
+          </a:effectRef>
+          <a:fontRef idx="minor">
+            <a:schemeClr val="tx1"/>
+          </a:fontRef>
+        </p:style>
+      </p:cxnSp>
+      <p:sp>
+        <p:nvSpPr>
+          <p:cNvPr id="228" name="תיבת טקסט 227">
+            <a:extLst>
+              <a:ext uri="{FF2B5EF4-FFF2-40B4-BE49-F238E27FC236}">
+                <a16:creationId xmlns:a16="http://schemas.microsoft.com/office/drawing/2014/main" id="{E5E32622-51D6-4359-AC65-9004D8DA9A55}"/>
+              </a:ext>
+            </a:extLst>
+          </p:cNvPr>
+          <p:cNvSpPr txBox="1"/>
+          <p:nvPr/>
+        </p:nvSpPr>
+        <p:spPr>
+          <a:xfrm>
+            <a:off x="2116639" y="4828813"/>
+            <a:ext cx="1128879" cy="461665"/>
+          </a:xfrm>
+          <a:prstGeom prst="rect">
+            <a:avLst/>
+          </a:prstGeom>
+          <a:noFill/>
+        </p:spPr>
+        <p:txBody>
+          <a:bodyPr wrap="square" rtlCol="1">
+            <a:spAutoFit/>
+          </a:bodyPr>
+          <a:lstStyle/>
+          <a:p>
+            <a:pPr algn="l" rtl="0"/>
+            <a:r>
+              <a:rPr lang="en-IL" sz="800" dirty="0"/>
+              <a:t>Query </a:t>
+            </a:r>
+            <a:r>
+              <a:rPr lang="en-IL" sz="800" b="1" dirty="0">
+                <a:solidFill>
+                  <a:srgbClr val="FF0000"/>
+                </a:solidFill>
+              </a:rPr>
+              <a:t>FAMOUS</a:t>
+            </a:r>
+            <a:r>
+              <a:rPr lang="en-IL" sz="800" dirty="0"/>
+              <a:t> users tweets to be merged with timeline</a:t>
+            </a:r>
+            <a:endParaRPr lang="he-IL" sz="800" dirty="0"/>
+          </a:p>
+        </p:txBody>
+      </p:sp>
+      <p:sp>
+        <p:nvSpPr>
+          <p:cNvPr id="229" name="תיבת טקסט 228">
+            <a:extLst>
+              <a:ext uri="{FF2B5EF4-FFF2-40B4-BE49-F238E27FC236}">
+                <a16:creationId xmlns:a16="http://schemas.microsoft.com/office/drawing/2014/main" id="{8C3E1C18-8E1D-413E-8B08-1A92D282B777}"/>
+              </a:ext>
+            </a:extLst>
+          </p:cNvPr>
+          <p:cNvSpPr txBox="1"/>
+          <p:nvPr/>
+        </p:nvSpPr>
+        <p:spPr>
+          <a:xfrm>
+            <a:off x="8433149" y="3850854"/>
+            <a:ext cx="3288206" cy="1323439"/>
+          </a:xfrm>
+          <a:prstGeom prst="rect">
+            <a:avLst/>
+          </a:prstGeom>
+          <a:noFill/>
+        </p:spPr>
+        <p:txBody>
+          <a:bodyPr wrap="square" rtlCol="1">
+            <a:spAutoFit/>
+          </a:bodyPr>
+          <a:lstStyle/>
+          <a:p>
+            <a:pPr algn="l" rtl="0"/>
+            <a:r>
+              <a:rPr lang="en-IL" sz="1000" dirty="0"/>
+              <a:t>When a user requests his timeline, and he follows a </a:t>
+            </a:r>
+            <a:r>
+              <a:rPr lang="en-IL" sz="1000" b="1" dirty="0">
+                <a:solidFill>
+                  <a:srgbClr val="FF0000"/>
+                </a:solidFill>
+              </a:rPr>
+              <a:t>famous</a:t>
+            </a:r>
+            <a:r>
+              <a:rPr lang="en-IL" sz="1000" dirty="0"/>
+              <a:t> user, we need to query that famous tweets from the tweet service – this is because updating the users timeline when a famous user tweets is very expensive!</a:t>
+            </a:r>
+          </a:p>
+          <a:p>
+            <a:pPr algn="l" rtl="0"/>
+            <a:r>
+              <a:rPr lang="en-IL" sz="1000" dirty="0"/>
+              <a:t>We can easily check if the user follows a famous user because the timeline service uses the graph service.</a:t>
+            </a:r>
+          </a:p>
+          <a:p>
+            <a:pPr algn="l" rtl="0"/>
+            <a:r>
+              <a:rPr lang="en-IL" sz="1000" dirty="0"/>
+              <a:t>We can store the timestamp for this kind of processing in Redis in order not to perform this computation again!</a:t>
+            </a:r>
+            <a:endParaRPr lang="he-IL" sz="1000" dirty="0"/>
+          </a:p>
+        </p:txBody>
+      </p:sp>
+      <p:sp>
+        <p:nvSpPr>
+          <p:cNvPr id="231" name="תיבת טקסט 230">
+            <a:extLst>
+              <a:ext uri="{FF2B5EF4-FFF2-40B4-BE49-F238E27FC236}">
+                <a16:creationId xmlns:a16="http://schemas.microsoft.com/office/drawing/2014/main" id="{372B0471-9A4C-417B-A55A-DD92074B11EC}"/>
+              </a:ext>
+            </a:extLst>
+          </p:cNvPr>
+          <p:cNvSpPr txBox="1"/>
+          <p:nvPr/>
+        </p:nvSpPr>
+        <p:spPr>
+          <a:xfrm>
+            <a:off x="4898095" y="5180112"/>
+            <a:ext cx="857220" cy="338554"/>
+          </a:xfrm>
+          <a:prstGeom prst="rect">
+            <a:avLst/>
+          </a:prstGeom>
+          <a:noFill/>
+        </p:spPr>
+        <p:txBody>
+          <a:bodyPr wrap="square" rtlCol="1">
+            <a:spAutoFit/>
+          </a:bodyPr>
+          <a:lstStyle/>
+          <a:p>
+            <a:pPr algn="l" rtl="0"/>
+            <a:r>
+              <a:rPr lang="en-IL" sz="800" dirty="0"/>
+              <a:t>Store </a:t>
+            </a:r>
+            <a:r>
+              <a:rPr lang="en-IL" sz="800" b="1" dirty="0">
+                <a:solidFill>
+                  <a:srgbClr val="FF0000"/>
+                </a:solidFill>
+              </a:rPr>
+              <a:t>famous</a:t>
+            </a:r>
+            <a:r>
+              <a:rPr lang="en-IL" sz="800" dirty="0"/>
+              <a:t> user tweets</a:t>
+            </a:r>
+            <a:endParaRPr lang="he-IL" sz="800" dirty="0"/>
+          </a:p>
+        </p:txBody>
+      </p:sp>
+      <p:cxnSp>
+        <p:nvCxnSpPr>
+          <p:cNvPr id="237" name="מחבר ישר 236">
+            <a:extLst>
+              <a:ext uri="{FF2B5EF4-FFF2-40B4-BE49-F238E27FC236}">
+                <a16:creationId xmlns:a16="http://schemas.microsoft.com/office/drawing/2014/main" id="{F697A868-5B7C-496E-9648-F5EF1DA00B70}"/>
+              </a:ext>
+            </a:extLst>
+          </p:cNvPr>
+          <p:cNvCxnSpPr/>
+          <p:nvPr/>
+        </p:nvCxnSpPr>
+        <p:spPr>
+          <a:xfrm flipV="1">
+            <a:off x="5769662" y="3708885"/>
+            <a:ext cx="0" cy="1847134"/>
+          </a:xfrm>
+          <a:prstGeom prst="line">
+            <a:avLst/>
+          </a:prstGeom>
+        </p:spPr>
+        <p:style>
+          <a:lnRef idx="1">
+            <a:schemeClr val="accent1"/>
+          </a:lnRef>
+          <a:fillRef idx="0">
+            <a:schemeClr val="accent1"/>
+          </a:fillRef>
+          <a:effectRef idx="0">
+            <a:schemeClr val="accent1"/>
+          </a:effectRef>
+          <a:fontRef idx="minor">
+            <a:schemeClr val="tx1"/>
+          </a:fontRef>
+        </p:style>
+      </p:cxnSp>
+      <p:cxnSp>
+        <p:nvCxnSpPr>
+          <p:cNvPr id="238" name="מחבר ישר 237">
+            <a:extLst>
+              <a:ext uri="{FF2B5EF4-FFF2-40B4-BE49-F238E27FC236}">
+                <a16:creationId xmlns:a16="http://schemas.microsoft.com/office/drawing/2014/main" id="{89952BFC-D733-41EC-9DC5-E818362D5581}"/>
+              </a:ext>
+            </a:extLst>
+          </p:cNvPr>
+          <p:cNvCxnSpPr>
+            <a:cxnSpLocks/>
+          </p:cNvCxnSpPr>
+          <p:nvPr/>
+        </p:nvCxnSpPr>
+        <p:spPr>
+          <a:xfrm>
+            <a:off x="5770565" y="3705690"/>
+            <a:ext cx="2575413" cy="3195"/>
+          </a:xfrm>
+          <a:prstGeom prst="line">
+            <a:avLst/>
+          </a:prstGeom>
+        </p:spPr>
+        <p:style>
+          <a:lnRef idx="1">
+            <a:schemeClr val="accent1"/>
+          </a:lnRef>
+          <a:fillRef idx="0">
+            <a:schemeClr val="accent1"/>
+          </a:fillRef>
+          <a:effectRef idx="0">
+            <a:schemeClr val="accent1"/>
+          </a:effectRef>
+          <a:fontRef idx="minor">
+            <a:schemeClr val="tx1"/>
+          </a:fontRef>
+        </p:style>
+      </p:cxnSp>
+      <p:cxnSp>
+        <p:nvCxnSpPr>
+          <p:cNvPr id="243" name="מחבר ישר 242">
+            <a:extLst>
+              <a:ext uri="{FF2B5EF4-FFF2-40B4-BE49-F238E27FC236}">
+                <a16:creationId xmlns:a16="http://schemas.microsoft.com/office/drawing/2014/main" id="{51B40A49-E599-4B81-99FB-C6C804B07353}"/>
+              </a:ext>
+            </a:extLst>
+          </p:cNvPr>
+          <p:cNvCxnSpPr>
+            <a:cxnSpLocks/>
+          </p:cNvCxnSpPr>
+          <p:nvPr/>
+        </p:nvCxnSpPr>
+        <p:spPr>
+          <a:xfrm>
+            <a:off x="8345831" y="3710440"/>
+            <a:ext cx="8313" cy="1209511"/>
+          </a:xfrm>
+          <a:prstGeom prst="line">
+            <a:avLst/>
+          </a:prstGeom>
+        </p:spPr>
+        <p:style>
+          <a:lnRef idx="1">
+            <a:schemeClr val="accent1"/>
+          </a:lnRef>
+          <a:fillRef idx="0">
+            <a:schemeClr val="accent1"/>
+          </a:fillRef>
+          <a:effectRef idx="0">
+            <a:schemeClr val="accent1"/>
+          </a:effectRef>
+          <a:fontRef idx="minor">
+            <a:schemeClr val="tx1"/>
+          </a:fontRef>
+        </p:style>
+      </p:cxnSp>
+      <p:cxnSp>
+        <p:nvCxnSpPr>
+          <p:cNvPr id="247" name="מחבר חץ ישר 246">
+            <a:extLst>
+              <a:ext uri="{FF2B5EF4-FFF2-40B4-BE49-F238E27FC236}">
+                <a16:creationId xmlns:a16="http://schemas.microsoft.com/office/drawing/2014/main" id="{741439A5-9652-4956-9224-68BB8F365355}"/>
+              </a:ext>
+            </a:extLst>
+          </p:cNvPr>
+          <p:cNvCxnSpPr>
+            <a:cxnSpLocks/>
+          </p:cNvCxnSpPr>
+          <p:nvPr/>
+        </p:nvCxnSpPr>
+        <p:spPr>
+          <a:xfrm>
+            <a:off x="8345831" y="4919951"/>
+            <a:ext cx="158089" cy="0"/>
+          </a:xfrm>
+          <a:prstGeom prst="straightConnector1">
+            <a:avLst/>
+          </a:prstGeom>
+          <a:ln>
+            <a:tailEnd type="triangle"/>
+          </a:ln>
+        </p:spPr>
+        <p:style>
+          <a:lnRef idx="1">
+            <a:schemeClr val="accent1"/>
+          </a:lnRef>
+          <a:fillRef idx="0">
+            <a:schemeClr val="accent1"/>
+          </a:fillRef>
+          <a:effectRef idx="0">
+            <a:schemeClr val="accent1"/>
+          </a:effectRef>
+          <a:fontRef idx="minor">
+            <a:schemeClr val="tx1"/>
+          </a:fontRef>
+        </p:style>
+      </p:cxnSp>
+      <p:sp>
+        <p:nvSpPr>
+          <p:cNvPr id="249" name="תיבת טקסט 248">
+            <a:extLst>
+              <a:ext uri="{FF2B5EF4-FFF2-40B4-BE49-F238E27FC236}">
+                <a16:creationId xmlns:a16="http://schemas.microsoft.com/office/drawing/2014/main" id="{FE48041D-DBD1-4897-B09E-2F58BD8A0F06}"/>
+              </a:ext>
+            </a:extLst>
+          </p:cNvPr>
+          <p:cNvSpPr txBox="1"/>
+          <p:nvPr/>
+        </p:nvSpPr>
+        <p:spPr>
+          <a:xfrm>
+            <a:off x="7605386" y="6357638"/>
+            <a:ext cx="3683298" cy="400110"/>
+          </a:xfrm>
+          <a:prstGeom prst="rect">
+            <a:avLst/>
+          </a:prstGeom>
+          <a:noFill/>
+        </p:spPr>
+        <p:txBody>
+          <a:bodyPr wrap="square" rtlCol="1">
+            <a:spAutoFit/>
+          </a:bodyPr>
+          <a:lstStyle/>
+          <a:p>
+            <a:pPr algn="l" rtl="0"/>
+            <a:r>
+              <a:rPr lang="en-IL" sz="1000" dirty="0"/>
+              <a:t>For </a:t>
+            </a:r>
+            <a:r>
+              <a:rPr lang="en-IL" sz="1000" b="1" dirty="0">
+                <a:solidFill>
+                  <a:srgbClr val="FF0000"/>
+                </a:solidFill>
+              </a:rPr>
+              <a:t>FAMOUS</a:t>
+            </a:r>
+            <a:r>
+              <a:rPr lang="en-IL" sz="1000" dirty="0"/>
+              <a:t> user </a:t>
+            </a:r>
+            <a:r>
+              <a:rPr lang="en-IL" sz="1000"/>
+              <a:t>who follows a </a:t>
+            </a:r>
+            <a:r>
+              <a:rPr lang="en-IL" sz="1000" b="1">
+                <a:solidFill>
+                  <a:srgbClr val="FF0000"/>
+                </a:solidFill>
+              </a:rPr>
+              <a:t>FAMOUS</a:t>
+            </a:r>
+            <a:r>
+              <a:rPr lang="en-IL" sz="1000"/>
+              <a:t> user, </a:t>
+            </a:r>
+            <a:r>
+              <a:rPr lang="en-IL" sz="1000" dirty="0"/>
+              <a:t>we can update the Redis time line</a:t>
+            </a:r>
+            <a:endParaRPr lang="he-IL" sz="1000" dirty="0"/>
+          </a:p>
+        </p:txBody>
+      </p:sp>
+    </p:spTree>
+    <p:extLst>
+      <p:ext uri="{BB962C8B-B14F-4D97-AF65-F5344CB8AC3E}">
+        <p14:creationId xmlns:p14="http://schemas.microsoft.com/office/powerpoint/2010/main" val="2068844558"/>
       </p:ext>
     </p:extLst>
   </p:cSld>

--- a/Notification System Design.pptx
+++ b/Notification System Design.pptx
@@ -8,6 +8,7 @@
     <p:sldId id="256" r:id="rId2"/>
     <p:sldId id="257" r:id="rId3"/>
     <p:sldId id="258" r:id="rId4"/>
+    <p:sldId id="259" r:id="rId5"/>
   </p:sldIdLst>
   <p:sldSz cx="12192000" cy="6858000"/>
   <p:notesSz cx="6858000" cy="9144000"/>
@@ -261,7 +262,7 @@
           <a:p>
             <a:fld id="{06C28339-2151-49AF-B4B9-DF404CFA876A}" type="datetimeFigureOut">
               <a:rPr lang="he-IL" smtClean="0"/>
-              <a:t>י"ג/סיון/תשפ"א</a:t>
+              <a:t>י"ז/סיון/תשפ"א</a:t>
             </a:fld>
             <a:endParaRPr lang="he-IL"/>
           </a:p>
@@ -459,7 +460,7 @@
           <a:p>
             <a:fld id="{06C28339-2151-49AF-B4B9-DF404CFA876A}" type="datetimeFigureOut">
               <a:rPr lang="he-IL" smtClean="0"/>
-              <a:t>י"ג/סיון/תשפ"א</a:t>
+              <a:t>י"ז/סיון/תשפ"א</a:t>
             </a:fld>
             <a:endParaRPr lang="he-IL"/>
           </a:p>
@@ -667,7 +668,7 @@
           <a:p>
             <a:fld id="{06C28339-2151-49AF-B4B9-DF404CFA876A}" type="datetimeFigureOut">
               <a:rPr lang="he-IL" smtClean="0"/>
-              <a:t>י"ג/סיון/תשפ"א</a:t>
+              <a:t>י"ז/סיון/תשפ"א</a:t>
             </a:fld>
             <a:endParaRPr lang="he-IL"/>
           </a:p>
@@ -865,7 +866,7 @@
           <a:p>
             <a:fld id="{06C28339-2151-49AF-B4B9-DF404CFA876A}" type="datetimeFigureOut">
               <a:rPr lang="he-IL" smtClean="0"/>
-              <a:t>י"ג/סיון/תשפ"א</a:t>
+              <a:t>י"ז/סיון/תשפ"א</a:t>
             </a:fld>
             <a:endParaRPr lang="he-IL"/>
           </a:p>
@@ -1140,7 +1141,7 @@
           <a:p>
             <a:fld id="{06C28339-2151-49AF-B4B9-DF404CFA876A}" type="datetimeFigureOut">
               <a:rPr lang="he-IL" smtClean="0"/>
-              <a:t>י"ג/סיון/תשפ"א</a:t>
+              <a:t>י"ז/סיון/תשפ"א</a:t>
             </a:fld>
             <a:endParaRPr lang="he-IL"/>
           </a:p>
@@ -1405,7 +1406,7 @@
           <a:p>
             <a:fld id="{06C28339-2151-49AF-B4B9-DF404CFA876A}" type="datetimeFigureOut">
               <a:rPr lang="he-IL" smtClean="0"/>
-              <a:t>י"ג/סיון/תשפ"א</a:t>
+              <a:t>י"ז/סיון/תשפ"א</a:t>
             </a:fld>
             <a:endParaRPr lang="he-IL"/>
           </a:p>
@@ -1817,7 +1818,7 @@
           <a:p>
             <a:fld id="{06C28339-2151-49AF-B4B9-DF404CFA876A}" type="datetimeFigureOut">
               <a:rPr lang="he-IL" smtClean="0"/>
-              <a:t>י"ג/סיון/תשפ"א</a:t>
+              <a:t>י"ז/סיון/תשפ"א</a:t>
             </a:fld>
             <a:endParaRPr lang="he-IL"/>
           </a:p>
@@ -1958,7 +1959,7 @@
           <a:p>
             <a:fld id="{06C28339-2151-49AF-B4B9-DF404CFA876A}" type="datetimeFigureOut">
               <a:rPr lang="he-IL" smtClean="0"/>
-              <a:t>י"ג/סיון/תשפ"א</a:t>
+              <a:t>י"ז/סיון/תשפ"א</a:t>
             </a:fld>
             <a:endParaRPr lang="he-IL"/>
           </a:p>
@@ -2071,7 +2072,7 @@
           <a:p>
             <a:fld id="{06C28339-2151-49AF-B4B9-DF404CFA876A}" type="datetimeFigureOut">
               <a:rPr lang="he-IL" smtClean="0"/>
-              <a:t>י"ג/סיון/תשפ"א</a:t>
+              <a:t>י"ז/סיון/תשפ"א</a:t>
             </a:fld>
             <a:endParaRPr lang="he-IL"/>
           </a:p>
@@ -2382,7 +2383,7 @@
           <a:p>
             <a:fld id="{06C28339-2151-49AF-B4B9-DF404CFA876A}" type="datetimeFigureOut">
               <a:rPr lang="he-IL" smtClean="0"/>
-              <a:t>י"ג/סיון/תשפ"א</a:t>
+              <a:t>י"ז/סיון/תשפ"א</a:t>
             </a:fld>
             <a:endParaRPr lang="he-IL"/>
           </a:p>
@@ -2670,7 +2671,7 @@
           <a:p>
             <a:fld id="{06C28339-2151-49AF-B4B9-DF404CFA876A}" type="datetimeFigureOut">
               <a:rPr lang="he-IL" smtClean="0"/>
-              <a:t>י"ג/סיון/תשפ"א</a:t>
+              <a:t>י"ז/סיון/תשפ"א</a:t>
             </a:fld>
             <a:endParaRPr lang="he-IL"/>
           </a:p>
@@ -2911,7 +2912,7 @@
           <a:p>
             <a:fld id="{06C28339-2151-49AF-B4B9-DF404CFA876A}" type="datetimeFigureOut">
               <a:rPr lang="he-IL" smtClean="0"/>
-              <a:t>י"ג/סיון/תשפ"א</a:t>
+              <a:t>י"ז/סיון/תשפ"א</a:t>
             </a:fld>
             <a:endParaRPr lang="he-IL"/>
           </a:p>
@@ -9826,13 +9827,13 @@
           </p:cNvPr>
           <p:cNvCxnSpPr>
             <a:cxnSpLocks/>
-            <a:stCxn id="47" idx="0"/>
-            <a:endCxn id="167" idx="2"/>
+            <a:stCxn id="167" idx="2"/>
+            <a:endCxn id="47" idx="0"/>
           </p:cNvCxnSpPr>
           <p:nvPr/>
         </p:nvCxnSpPr>
         <p:spPr>
-          <a:xfrm flipH="1" flipV="1">
+          <a:xfrm>
             <a:off x="5263124" y="2874791"/>
             <a:ext cx="2058" cy="849815"/>
           </a:xfrm>
@@ -15661,6 +15662,1743 @@
     <p:extLst>
       <p:ext uri="{BB962C8B-B14F-4D97-AF65-F5344CB8AC3E}">
         <p14:creationId xmlns:p14="http://schemas.microsoft.com/office/powerpoint/2010/main" val="2068844558"/>
+      </p:ext>
+    </p:extLst>
+  </p:cSld>
+  <p:clrMapOvr>
+    <a:masterClrMapping/>
+  </p:clrMapOvr>
+</p:sld>
+</file>
+
+<file path=ppt/slides/slide4.xml><?xml version="1.0" encoding="utf-8"?>
+<p:sld xmlns:a="http://schemas.openxmlformats.org/drawingml/2006/main" xmlns:r="http://schemas.openxmlformats.org/officeDocument/2006/relationships" xmlns:p="http://schemas.openxmlformats.org/presentationml/2006/main">
+  <p:cSld>
+    <p:spTree>
+      <p:nvGrpSpPr>
+        <p:cNvPr id="1" name=""/>
+        <p:cNvGrpSpPr/>
+        <p:nvPr/>
+      </p:nvGrpSpPr>
+      <p:grpSpPr>
+        <a:xfrm>
+          <a:off x="0" y="0"/>
+          <a:ext cx="0" cy="0"/>
+          <a:chOff x="0" y="0"/>
+          <a:chExt cx="0" cy="0"/>
+        </a:xfrm>
+      </p:grpSpPr>
+      <mc:AlternateContent xmlns:mc="http://schemas.openxmlformats.org/markup-compatibility/2006">
+        <mc:Choice xmlns:a14="http://schemas.microsoft.com/office/drawing/2010/main" Requires="a14">
+          <p:sp>
+            <p:nvSpPr>
+              <p:cNvPr id="4" name="תיבת טקסט 3">
+                <a:extLst>
+                  <a:ext uri="{FF2B5EF4-FFF2-40B4-BE49-F238E27FC236}">
+                    <a16:creationId xmlns:a16="http://schemas.microsoft.com/office/drawing/2014/main" id="{89CD38C8-6E36-44E8-B1E0-A19CBFF0802E}"/>
+                  </a:ext>
+                </a:extLst>
+              </p:cNvPr>
+              <p:cNvSpPr txBox="1"/>
+              <p:nvPr/>
+            </p:nvSpPr>
+            <p:spPr>
+              <a:xfrm>
+                <a:off x="274979" y="453788"/>
+                <a:ext cx="5668621" cy="3477875"/>
+              </a:xfrm>
+              <a:prstGeom prst="rect">
+                <a:avLst/>
+              </a:prstGeom>
+              <a:noFill/>
+              <a:ln>
+                <a:solidFill>
+                  <a:schemeClr val="tx1"/>
+                </a:solidFill>
+              </a:ln>
+            </p:spPr>
+            <p:txBody>
+              <a:bodyPr wrap="square" rtlCol="1">
+                <a:spAutoFit/>
+              </a:bodyPr>
+              <a:lstStyle/>
+              <a:p>
+                <a:pPr algn="l" rtl="0"/>
+                <a:r>
+                  <a:rPr lang="en-IL" sz="1000" dirty="0"/>
+                  <a:t>We need to ask the interviewer:</a:t>
+                </a:r>
+                <a:br>
+                  <a:rPr lang="en-IL" sz="1000" dirty="0"/>
+                </a:br>
+                <a:endParaRPr lang="en-IL" sz="1000" dirty="0"/>
+              </a:p>
+              <a:p>
+                <a:pPr marL="628650" lvl="1" indent="-171450" algn="l" rtl="0">
+                  <a:buFont typeface="Arial" panose="020B0604020202020204" pitchFamily="34" charset="0"/>
+                  <a:buChar char="•"/>
+                </a:pPr>
+                <a:r>
+                  <a:rPr lang="en-IL" sz="1000" dirty="0"/>
+                  <a:t>What is the expected traffic?</a:t>
+                </a:r>
+              </a:p>
+              <a:p>
+                <a:pPr marL="628650" lvl="1" indent="-171450" algn="l" rtl="0">
+                  <a:buFont typeface="Arial" panose="020B0604020202020204" pitchFamily="34" charset="0"/>
+                  <a:buChar char="•"/>
+                </a:pPr>
+                <a:r>
+                  <a:rPr lang="en-IL" sz="1000" dirty="0"/>
+                  <a:t>How many URLs to support?</a:t>
+                </a:r>
+              </a:p>
+              <a:p>
+                <a:pPr marL="628650" lvl="1" indent="-171450" algn="l" rtl="0">
+                  <a:buFont typeface="Arial" panose="020B0604020202020204" pitchFamily="34" charset="0"/>
+                  <a:buChar char="•"/>
+                </a:pPr>
+                <a:r>
+                  <a:rPr lang="en-IL" sz="1000" dirty="0"/>
+                  <a:t>How much time do we need to preserve the URL?</a:t>
+                </a:r>
+              </a:p>
+              <a:p>
+                <a:pPr algn="l" rtl="0"/>
+                <a:endParaRPr lang="en-IL" sz="1000" dirty="0"/>
+              </a:p>
+              <a:p>
+                <a:pPr algn="l" rtl="0"/>
+                <a:r>
+                  <a:rPr lang="en-IL" sz="1000" dirty="0"/>
+                  <a:t>Let’s assume that we need to preserve the URL for 10 years, so if we have X URL assignments in a seconds, we need to support </a:t>
+                </a:r>
+              </a:p>
+              <a:p>
+                <a:pPr algn="l" rtl="0"/>
+                <a:endParaRPr lang="en-IL" sz="1000" dirty="0">
+                  <a:solidFill>
+                    <a:srgbClr val="FF0000"/>
+                  </a:solidFill>
+                </a:endParaRPr>
+              </a:p>
+              <a:p>
+                <a:pPr algn="ctr" rtl="0"/>
+                <a:r>
+                  <a:rPr lang="en-IL" sz="1000" dirty="0">
+                    <a:solidFill>
+                      <a:srgbClr val="FF0000"/>
+                    </a:solidFill>
+                  </a:rPr>
+                  <a:t>	</a:t>
+                </a:r>
+                <a:r>
+                  <a:rPr lang="en-IL" sz="1000" dirty="0"/>
+                  <a:t>Y = X * 60 * 60 * 24 * 365 * 10 different URLs!</a:t>
+                </a:r>
+              </a:p>
+              <a:p>
+                <a:pPr algn="ctr" rtl="0"/>
+                <a:endParaRPr lang="en-IL" sz="1000" dirty="0"/>
+              </a:p>
+              <a:p>
+                <a:pPr algn="l" rtl="0"/>
+                <a:r>
+                  <a:rPr lang="en-IL" sz="1000" dirty="0"/>
+                  <a:t>The URL is a combination of chars: a-z,A-Z,0-9, so we have a 62 unique chars we can use! If we’ll use only 2 chars in our URL generation routine, we’ll  have 62^2 different URLs we can generate. From our requirements, we can determine the minimum number characters in the URL that we need to use:</a:t>
+                </a:r>
+              </a:p>
+              <a:p>
+                <a:pPr algn="ctr" rtl="0"/>
+                <a:br>
+                  <a:rPr lang="en-IL" sz="1000" dirty="0"/>
+                </a:br>
+                <a:r>
+                  <a:rPr lang="en-IL" sz="1000" dirty="0"/>
+                  <a:t>	</a:t>
+                </a:r>
+                <a14:m>
+                  <m:oMath xmlns:m="http://schemas.openxmlformats.org/officeDocument/2006/math">
+                    <m:sSub>
+                      <m:sSubPr>
+                        <m:ctrlPr>
+                          <a:rPr lang="en-IL" sz="1000" i="1" smtClean="0">
+                            <a:solidFill>
+                              <a:schemeClr val="tx1"/>
+                            </a:solidFill>
+                            <a:latin typeface="Cambria Math" panose="02040503050406030204" pitchFamily="18" charset="0"/>
+                          </a:rPr>
+                        </m:ctrlPr>
+                      </m:sSubPr>
+                      <m:e>
+                        <m:r>
+                          <a:rPr lang="en-IL" sz="1000" b="0" i="1" smtClean="0">
+                            <a:solidFill>
+                              <a:schemeClr val="tx1"/>
+                            </a:solidFill>
+                            <a:latin typeface="Cambria Math" panose="02040503050406030204" pitchFamily="18" charset="0"/>
+                          </a:rPr>
+                          <m:t>𝐿𝑒𝑛𝑔𝑡</m:t>
+                        </m:r>
+                        <m:r>
+                          <a:rPr lang="en-IL" sz="1000" b="0" i="1" smtClean="0">
+                            <a:solidFill>
+                              <a:schemeClr val="tx1"/>
+                            </a:solidFill>
+                            <a:latin typeface="Cambria Math" panose="02040503050406030204" pitchFamily="18" charset="0"/>
+                          </a:rPr>
+                          <m:t>h</m:t>
+                        </m:r>
+                        <m:r>
+                          <a:rPr lang="en-IL" sz="1000" b="0" i="1" smtClean="0">
+                            <a:solidFill>
+                              <a:schemeClr val="tx1"/>
+                            </a:solidFill>
+                            <a:latin typeface="Cambria Math" panose="02040503050406030204" pitchFamily="18" charset="0"/>
+                          </a:rPr>
+                          <m:t>= </m:t>
+                        </m:r>
+                        <m:r>
+                          <a:rPr lang="en-IL" sz="1000" b="0" i="1" smtClean="0">
+                            <a:solidFill>
+                              <a:schemeClr val="tx1"/>
+                            </a:solidFill>
+                            <a:latin typeface="Cambria Math" panose="02040503050406030204" pitchFamily="18" charset="0"/>
+                          </a:rPr>
+                          <m:t>𝑙𝑜𝑔</m:t>
+                        </m:r>
+                      </m:e>
+                      <m:sub>
+                        <m:r>
+                          <a:rPr lang="en-IL" sz="1000" b="0" i="1" smtClean="0">
+                            <a:solidFill>
+                              <a:schemeClr val="tx1"/>
+                            </a:solidFill>
+                            <a:latin typeface="Cambria Math" panose="02040503050406030204" pitchFamily="18" charset="0"/>
+                          </a:rPr>
+                          <m:t>62</m:t>
+                        </m:r>
+                      </m:sub>
+                    </m:sSub>
+                    <m:r>
+                      <a:rPr lang="en-IL" sz="1000" b="0" i="1" smtClean="0">
+                        <a:solidFill>
+                          <a:schemeClr val="tx1"/>
+                        </a:solidFill>
+                        <a:latin typeface="Cambria Math" panose="02040503050406030204" pitchFamily="18" charset="0"/>
+                      </a:rPr>
+                      <m:t>𝑌</m:t>
+                    </m:r>
+                  </m:oMath>
+                </a14:m>
+                <a:endParaRPr lang="en-IL" sz="1000" dirty="0"/>
+              </a:p>
+              <a:p>
+                <a:pPr algn="ctr" rtl="0"/>
+                <a:endParaRPr lang="en-IL" sz="1000" dirty="0"/>
+              </a:p>
+              <a:p>
+                <a:pPr algn="l" rtl="0"/>
+                <a:r>
+                  <a:rPr lang="en-IL" sz="1000" dirty="0"/>
+                  <a:t>BTW: 62^7 = 3.5 trillion! So using 7 characters is suffice.</a:t>
+                </a:r>
+              </a:p>
+              <a:p>
+                <a:pPr algn="l" rtl="0"/>
+                <a:endParaRPr lang="en-IL" sz="1000" dirty="0"/>
+              </a:p>
+              <a:p>
+                <a:pPr algn="l" rtl="0"/>
+                <a:r>
+                  <a:rPr lang="en-IL" sz="1000" dirty="0"/>
+                  <a:t>It is easy to implement an algorithm that converts a base 10 numbers to base 62 ones. So, If we assign each request to generate a URL a unique ID base 10, we can generate from this unique ID a base 62 URL. This is the real problem of the design: </a:t>
+                </a:r>
+                <a:r>
+                  <a:rPr lang="en-IL" sz="1000" b="1" dirty="0"/>
+                  <a:t>How to assign a unique ID to each request in a distributed system!</a:t>
+                </a:r>
+              </a:p>
+            </p:txBody>
+          </p:sp>
+        </mc:Choice>
+        <mc:Fallback>
+          <p:sp>
+            <p:nvSpPr>
+              <p:cNvPr id="4" name="תיבת טקסט 3">
+                <a:extLst>
+                  <a:ext uri="{FF2B5EF4-FFF2-40B4-BE49-F238E27FC236}">
+                    <a16:creationId xmlns:a16="http://schemas.microsoft.com/office/drawing/2014/main" id="{89CD38C8-6E36-44E8-B1E0-A19CBFF0802E}"/>
+                  </a:ext>
+                </a:extLst>
+              </p:cNvPr>
+              <p:cNvSpPr txBox="1">
+                <a:spLocks noRot="1" noChangeAspect="1" noMove="1" noResize="1" noEditPoints="1" noAdjustHandles="1" noChangeArrowheads="1" noChangeShapeType="1" noTextEdit="1"/>
+              </p:cNvSpPr>
+              <p:nvPr/>
+            </p:nvSpPr>
+            <p:spPr>
+              <a:xfrm>
+                <a:off x="274979" y="453788"/>
+                <a:ext cx="5668621" cy="3477875"/>
+              </a:xfrm>
+              <a:prstGeom prst="rect">
+                <a:avLst/>
+              </a:prstGeom>
+              <a:blipFill>
+                <a:blip r:embed="rId2"/>
+                <a:stretch>
+                  <a:fillRect r="-107"/>
+                </a:stretch>
+              </a:blipFill>
+              <a:ln>
+                <a:solidFill>
+                  <a:schemeClr val="tx1"/>
+                </a:solidFill>
+              </a:ln>
+            </p:spPr>
+            <p:txBody>
+              <a:bodyPr/>
+              <a:lstStyle/>
+              <a:p>
+                <a:r>
+                  <a:rPr lang="he-IL">
+                    <a:noFill/>
+                  </a:rPr>
+                  <a:t> </a:t>
+                </a:r>
+              </a:p>
+            </p:txBody>
+          </p:sp>
+        </mc:Fallback>
+      </mc:AlternateContent>
+      <p:sp>
+        <p:nvSpPr>
+          <p:cNvPr id="5" name="תיבת טקסט 4">
+            <a:extLst>
+              <a:ext uri="{FF2B5EF4-FFF2-40B4-BE49-F238E27FC236}">
+                <a16:creationId xmlns:a16="http://schemas.microsoft.com/office/drawing/2014/main" id="{DA7CFC87-325B-4DD0-ACBC-058286B854C9}"/>
+              </a:ext>
+            </a:extLst>
+          </p:cNvPr>
+          <p:cNvSpPr txBox="1"/>
+          <p:nvPr/>
+        </p:nvSpPr>
+        <p:spPr>
+          <a:xfrm>
+            <a:off x="4896729" y="24939"/>
+            <a:ext cx="2398542" cy="369332"/>
+          </a:xfrm>
+          <a:prstGeom prst="rect">
+            <a:avLst/>
+          </a:prstGeom>
+          <a:noFill/>
+        </p:spPr>
+        <p:txBody>
+          <a:bodyPr wrap="none" rtlCol="1">
+            <a:spAutoFit/>
+          </a:bodyPr>
+          <a:lstStyle/>
+          <a:p>
+            <a:r>
+              <a:rPr lang="en-IL" u="sng" dirty="0">
+                <a:ln w="0"/>
+                <a:effectLst>
+                  <a:outerShdw blurRad="38100" dist="19050" dir="2700000" algn="tl" rotWithShape="0">
+                    <a:schemeClr val="dk1">
+                      <a:alpha val="40000"/>
+                    </a:schemeClr>
+                  </a:outerShdw>
+                </a:effectLst>
+              </a:rPr>
+              <a:t>Tiny URL System Design</a:t>
+            </a:r>
+            <a:endParaRPr lang="he-IL" u="sng" dirty="0">
+              <a:ln w="0"/>
+              <a:effectLst>
+                <a:outerShdw blurRad="38100" dist="19050" dir="2700000" algn="tl" rotWithShape="0">
+                  <a:schemeClr val="dk1">
+                    <a:alpha val="40000"/>
+                  </a:schemeClr>
+                </a:outerShdw>
+              </a:effectLst>
+            </a:endParaRPr>
+          </a:p>
+        </p:txBody>
+      </p:sp>
+      <p:sp>
+        <p:nvSpPr>
+          <p:cNvPr id="7" name="תיבת טקסט 6">
+            <a:extLst>
+              <a:ext uri="{FF2B5EF4-FFF2-40B4-BE49-F238E27FC236}">
+                <a16:creationId xmlns:a16="http://schemas.microsoft.com/office/drawing/2014/main" id="{4219192D-B6F1-4AFA-9BED-0FD5D990830E}"/>
+              </a:ext>
+            </a:extLst>
+          </p:cNvPr>
+          <p:cNvSpPr txBox="1"/>
+          <p:nvPr/>
+        </p:nvSpPr>
+        <p:spPr>
+          <a:xfrm>
+            <a:off x="6096000" y="453788"/>
+            <a:ext cx="5821021" cy="4247317"/>
+          </a:xfrm>
+          <a:prstGeom prst="rect">
+            <a:avLst/>
+          </a:prstGeom>
+          <a:noFill/>
+          <a:ln>
+            <a:solidFill>
+              <a:schemeClr val="tx1"/>
+            </a:solidFill>
+          </a:ln>
+        </p:spPr>
+        <p:txBody>
+          <a:bodyPr wrap="square" rtlCol="1">
+            <a:spAutoFit/>
+          </a:bodyPr>
+          <a:lstStyle/>
+          <a:p>
+            <a:pPr algn="l" rtl="0"/>
+            <a:r>
+              <a:rPr lang="en-IL" sz="1000" dirty="0"/>
+              <a:t>How to assign a unique ID to each request in a distributed system?</a:t>
+            </a:r>
+          </a:p>
+          <a:p>
+            <a:pPr algn="l" rtl="0"/>
+            <a:endParaRPr lang="en-IL" sz="1000" dirty="0"/>
+          </a:p>
+          <a:p>
+            <a:pPr marL="171450" indent="-171450" algn="l" rtl="0">
+              <a:buFont typeface="Arial" panose="020B0604020202020204" pitchFamily="34" charset="0"/>
+              <a:buChar char="•"/>
+            </a:pPr>
+            <a:r>
+              <a:rPr lang="en-IL" sz="1000" dirty="0"/>
+              <a:t>Flicker </a:t>
+            </a:r>
+            <a:r>
+              <a:rPr lang="en-US" sz="1000" dirty="0"/>
+              <a:t>use</a:t>
+            </a:r>
+            <a:r>
+              <a:rPr lang="en-IL" sz="1000" dirty="0"/>
+              <a:t>s</a:t>
+            </a:r>
+            <a:r>
+              <a:rPr lang="en-US" sz="1000" dirty="0"/>
+              <a:t> a Ticket</a:t>
+            </a:r>
+            <a:r>
+              <a:rPr lang="en-IL" sz="1000" dirty="0"/>
+              <a:t> </a:t>
+            </a:r>
+            <a:r>
+              <a:rPr lang="en-US" sz="1000" dirty="0"/>
+              <a:t>Server </a:t>
+            </a:r>
+            <a:r>
+              <a:rPr lang="en-IL" sz="1000" dirty="0"/>
+              <a:t>which is a </a:t>
+            </a:r>
+            <a:r>
+              <a:rPr lang="en-US" sz="1000" dirty="0"/>
+              <a:t>centralized </a:t>
+            </a:r>
+            <a:r>
+              <a:rPr lang="en-US" sz="1000" dirty="0" err="1"/>
+              <a:t>auto_increment</a:t>
+            </a:r>
+            <a:r>
+              <a:rPr lang="en-US" sz="1000" dirty="0"/>
+              <a:t> feature in a single database server</a:t>
+            </a:r>
+            <a:r>
+              <a:rPr lang="en-IL" sz="1000" dirty="0"/>
+              <a:t>. The problem with this approach is that the server is a </a:t>
+            </a:r>
+            <a:r>
+              <a:rPr lang="en-US" sz="1000" dirty="0"/>
+              <a:t>Single point of failure. Single ticket server means if the ticket server goes down, all</a:t>
+            </a:r>
+            <a:r>
+              <a:rPr lang="en-IL" sz="1000" dirty="0"/>
+              <a:t> </a:t>
+            </a:r>
+            <a:r>
+              <a:rPr lang="en-US" sz="1000" dirty="0"/>
+              <a:t>systems that depend on it will face issues</a:t>
+            </a:r>
+            <a:r>
+              <a:rPr lang="en-IL" sz="1000" dirty="0"/>
+              <a:t>. The solve the SPOF issue Flicker uses </a:t>
+            </a:r>
+            <a:r>
+              <a:rPr lang="en-US" sz="1000" dirty="0"/>
+              <a:t>two ticket servers</a:t>
+            </a:r>
+            <a:r>
+              <a:rPr lang="en-IL" sz="1000" dirty="0"/>
+              <a:t> and </a:t>
+            </a:r>
+            <a:r>
+              <a:rPr lang="en-US" sz="1000" dirty="0"/>
+              <a:t>divide</a:t>
+            </a:r>
+            <a:r>
+              <a:rPr lang="en-IL" sz="1000" dirty="0"/>
+              <a:t>s</a:t>
+            </a:r>
+            <a:r>
+              <a:rPr lang="en-US" sz="1000" dirty="0"/>
+              <a:t> responsibility between the two </a:t>
+            </a:r>
+            <a:r>
+              <a:rPr lang="en-IL" sz="1000" dirty="0"/>
+              <a:t>servers</a:t>
+            </a:r>
+            <a:r>
+              <a:rPr lang="en-US" sz="1000" dirty="0"/>
+              <a:t> by dividing the ID space down the middle</a:t>
+            </a:r>
+            <a:r>
+              <a:rPr lang="en-IL" sz="1000" dirty="0"/>
+              <a:t> to</a:t>
+            </a:r>
+            <a:r>
+              <a:rPr lang="en-US" sz="1000" dirty="0"/>
+              <a:t> evens and odds</a:t>
+            </a:r>
+            <a:r>
+              <a:rPr lang="en-IL" sz="1000" dirty="0"/>
+              <a:t> ID generation.</a:t>
+            </a:r>
+            <a:br>
+              <a:rPr lang="en-IL" sz="1000" dirty="0"/>
+            </a:br>
+            <a:r>
+              <a:rPr lang="en-IL" sz="1000" dirty="0"/>
+              <a:t>(</a:t>
+            </a:r>
+            <a:r>
+              <a:rPr lang="en-IL" sz="1000" dirty="0">
+                <a:hlinkClick r:id="rId3"/>
+              </a:rPr>
+              <a:t>https://code.flickr.net/2010/02/08/ticket-servers-distributed-unique-primary-keys-on-the-cheap</a:t>
+            </a:r>
+            <a:r>
+              <a:rPr lang="en-IL" sz="1000" dirty="0"/>
+              <a:t>)</a:t>
+            </a:r>
+          </a:p>
+          <a:p>
+            <a:pPr algn="l" rtl="0"/>
+            <a:endParaRPr lang="en-IL" sz="1000" dirty="0"/>
+          </a:p>
+          <a:p>
+            <a:pPr marL="171450" indent="-171450" algn="l" rtl="0">
+              <a:buFont typeface="Arial" panose="020B0604020202020204" pitchFamily="34" charset="0"/>
+              <a:buChar char="•"/>
+            </a:pPr>
+            <a:r>
+              <a:rPr lang="en-US" sz="1000" dirty="0"/>
+              <a:t>Twitter snowflake ID</a:t>
+            </a:r>
+            <a:r>
+              <a:rPr lang="en-IL" sz="1000" dirty="0"/>
+              <a:t> </a:t>
+            </a:r>
+            <a:r>
+              <a:rPr lang="en-US" sz="1000" dirty="0"/>
+              <a:t>generator</a:t>
+            </a:r>
+            <a:r>
+              <a:rPr lang="en-IL" sz="1000" dirty="0"/>
+              <a:t> which generates a number using these scheme:</a:t>
+            </a:r>
+            <a:br>
+              <a:rPr lang="en-IL" sz="1000" dirty="0"/>
+            </a:br>
+            <a:br>
+              <a:rPr lang="en-IL" sz="1000" dirty="0"/>
+            </a:br>
+            <a:br>
+              <a:rPr lang="en-IL" sz="1000" dirty="0"/>
+            </a:br>
+            <a:br>
+              <a:rPr lang="en-IL" sz="1000" dirty="0"/>
+            </a:br>
+            <a:br>
+              <a:rPr lang="en-IL" sz="1000" dirty="0"/>
+            </a:br>
+            <a:r>
+              <a:rPr lang="en-US" sz="1000" dirty="0"/>
+              <a:t>Datacenter IDs and machine IDs are chosen at the startup time, generally fixed once the</a:t>
+            </a:r>
+            <a:r>
+              <a:rPr lang="en-IL" sz="1000" dirty="0"/>
+              <a:t> </a:t>
+            </a:r>
+            <a:r>
+              <a:rPr lang="en-US" sz="1000" dirty="0"/>
+              <a:t>system is up running. Any changes in datacenter IDs and machine IDs require careful review</a:t>
+            </a:r>
+            <a:r>
+              <a:rPr lang="en-IL" sz="1000" dirty="0"/>
+              <a:t> </a:t>
+            </a:r>
+            <a:r>
+              <a:rPr lang="en-US" sz="1000" dirty="0"/>
+              <a:t>since an accidental change in those values can lead to ID conflicts. Timestamp and sequence</a:t>
+            </a:r>
+            <a:r>
+              <a:rPr lang="en-IL" sz="1000" dirty="0"/>
+              <a:t> </a:t>
+            </a:r>
+            <a:r>
+              <a:rPr lang="en-US" sz="1000" dirty="0"/>
+              <a:t>numbers are generated when the ID generator is running.</a:t>
+            </a:r>
+            <a:br>
+              <a:rPr lang="en-IL" sz="1000" dirty="0"/>
+            </a:br>
+            <a:endParaRPr lang="en-IL" sz="1000" dirty="0"/>
+          </a:p>
+          <a:p>
+            <a:pPr marL="171450" indent="-171450" algn="l" rtl="0">
+              <a:buFont typeface="Arial" panose="020B0604020202020204" pitchFamily="34" charset="0"/>
+              <a:buChar char="•"/>
+            </a:pPr>
+            <a:r>
+              <a:rPr lang="en-IL" sz="1000" dirty="0"/>
+              <a:t>The guy at </a:t>
+            </a:r>
+            <a:r>
+              <a:rPr lang="en-IL" sz="1000" dirty="0" err="1"/>
+              <a:t>CodeKarle</a:t>
+            </a:r>
+            <a:r>
+              <a:rPr lang="en-IL" sz="1000" dirty="0"/>
+              <a:t> suggests to use a token service that is in charge to provide a range of base 10 numbers to each short URL service machine. The machines will use that range to assign an incoming generate request with an ID that will get converted to base 62. </a:t>
+            </a:r>
+            <a:r>
+              <a:rPr lang="en-US" sz="1000" dirty="0"/>
+              <a:t>The token service will run on a </a:t>
+            </a:r>
+            <a:r>
+              <a:rPr lang="en-US" sz="1000" b="1" dirty="0"/>
+              <a:t>single-threaded </a:t>
+            </a:r>
+            <a:r>
+              <a:rPr lang="en-US" sz="1000" dirty="0"/>
+              <a:t>model and cater to only one machine at a time so that each machine has a different range</a:t>
+            </a:r>
+            <a:r>
+              <a:rPr lang="en-IL" sz="1000" dirty="0"/>
+              <a:t>.</a:t>
+            </a:r>
+            <a:r>
+              <a:rPr lang="en-US" sz="1000" dirty="0"/>
+              <a:t> Our services will only interact with this token service on startup and when they are about to run out of their range, so token service can be something simple like a MySQL service as it will be dealing with a very minimal load. We will of course make sure that this MySQL service is distributed across geographies to reduce latency and also to make sure it is not a single point of failure.</a:t>
+            </a:r>
+            <a:endParaRPr lang="en-IL" sz="1000" dirty="0"/>
+          </a:p>
+        </p:txBody>
+      </p:sp>
+      <p:pic>
+        <p:nvPicPr>
+          <p:cNvPr id="10" name="תמונה 9">
+            <a:extLst>
+              <a:ext uri="{FF2B5EF4-FFF2-40B4-BE49-F238E27FC236}">
+                <a16:creationId xmlns:a16="http://schemas.microsoft.com/office/drawing/2014/main" id="{8F126D6D-47C6-44A1-86E4-BB2D0268884F}"/>
+              </a:ext>
+            </a:extLst>
+          </p:cNvPr>
+          <p:cNvPicPr>
+            <a:picLocks noChangeAspect="1"/>
+          </p:cNvPicPr>
+          <p:nvPr/>
+        </p:nvPicPr>
+        <p:blipFill>
+          <a:blip r:embed="rId4"/>
+          <a:stretch>
+            <a:fillRect/>
+          </a:stretch>
+        </p:blipFill>
+        <p:spPr>
+          <a:xfrm>
+            <a:off x="6914127" y="2069253"/>
+            <a:ext cx="4100237" cy="491567"/>
+          </a:xfrm>
+          <a:prstGeom prst="rect">
+            <a:avLst/>
+          </a:prstGeom>
+        </p:spPr>
+      </p:pic>
+      <p:sp>
+        <p:nvSpPr>
+          <p:cNvPr id="11" name="מלבן 10">
+            <a:extLst>
+              <a:ext uri="{FF2B5EF4-FFF2-40B4-BE49-F238E27FC236}">
+                <a16:creationId xmlns:a16="http://schemas.microsoft.com/office/drawing/2014/main" id="{E5B91B32-55F6-4E34-84BA-3932B584067B}"/>
+              </a:ext>
+            </a:extLst>
+          </p:cNvPr>
+          <p:cNvSpPr/>
+          <p:nvPr/>
+        </p:nvSpPr>
+        <p:spPr>
+          <a:xfrm>
+            <a:off x="219878" y="5444836"/>
+            <a:ext cx="1100676" cy="391393"/>
+          </a:xfrm>
+          <a:prstGeom prst="rect">
+            <a:avLst/>
+          </a:prstGeom>
+          <a:noFill/>
+          <a:ln>
+            <a:solidFill>
+              <a:schemeClr val="accent6"/>
+            </a:solidFill>
+          </a:ln>
+        </p:spPr>
+        <p:style>
+          <a:lnRef idx="2">
+            <a:schemeClr val="accent1">
+              <a:shade val="50000"/>
+            </a:schemeClr>
+          </a:lnRef>
+          <a:fillRef idx="1">
+            <a:schemeClr val="accent1"/>
+          </a:fillRef>
+          <a:effectRef idx="0">
+            <a:schemeClr val="accent1"/>
+          </a:effectRef>
+          <a:fontRef idx="minor">
+            <a:schemeClr val="lt1"/>
+          </a:fontRef>
+        </p:style>
+        <p:txBody>
+          <a:bodyPr rtlCol="1" anchor="ctr"/>
+          <a:lstStyle/>
+          <a:p>
+            <a:pPr algn="ctr"/>
+            <a:r>
+              <a:rPr lang="en-IL" sz="1000" dirty="0">
+                <a:solidFill>
+                  <a:schemeClr val="tx1"/>
+                </a:solidFill>
+              </a:rPr>
+              <a:t>Long to Short UI</a:t>
+            </a:r>
+            <a:endParaRPr lang="he-IL" sz="1000" dirty="0">
+              <a:solidFill>
+                <a:schemeClr val="tx1"/>
+              </a:solidFill>
+            </a:endParaRPr>
+          </a:p>
+        </p:txBody>
+      </p:sp>
+      <p:sp>
+        <p:nvSpPr>
+          <p:cNvPr id="12" name="מלבן 11">
+            <a:extLst>
+              <a:ext uri="{FF2B5EF4-FFF2-40B4-BE49-F238E27FC236}">
+                <a16:creationId xmlns:a16="http://schemas.microsoft.com/office/drawing/2014/main" id="{41BBF233-40F7-4339-90C8-2834EFB614CC}"/>
+              </a:ext>
+            </a:extLst>
+          </p:cNvPr>
+          <p:cNvSpPr/>
+          <p:nvPr/>
+        </p:nvSpPr>
+        <p:spPr>
+          <a:xfrm>
+            <a:off x="1718814" y="4959919"/>
+            <a:ext cx="232756" cy="1359559"/>
+          </a:xfrm>
+          <a:prstGeom prst="rect">
+            <a:avLst/>
+          </a:prstGeom>
+          <a:noFill/>
+          <a:ln>
+            <a:solidFill>
+              <a:schemeClr val="tx1"/>
+            </a:solidFill>
+          </a:ln>
+        </p:spPr>
+        <p:style>
+          <a:lnRef idx="2">
+            <a:schemeClr val="accent1">
+              <a:shade val="50000"/>
+            </a:schemeClr>
+          </a:lnRef>
+          <a:fillRef idx="1">
+            <a:schemeClr val="accent1"/>
+          </a:fillRef>
+          <a:effectRef idx="0">
+            <a:schemeClr val="accent1"/>
+          </a:effectRef>
+          <a:fontRef idx="minor">
+            <a:schemeClr val="lt1"/>
+          </a:fontRef>
+        </p:style>
+        <p:txBody>
+          <a:bodyPr rtlCol="1" anchor="ctr"/>
+          <a:lstStyle/>
+          <a:p>
+            <a:pPr algn="ctr"/>
+            <a:r>
+              <a:rPr lang="en-IL" sz="1000" dirty="0">
+                <a:solidFill>
+                  <a:schemeClr val="tx1"/>
+                </a:solidFill>
+              </a:rPr>
+              <a:t>LB</a:t>
+            </a:r>
+            <a:endParaRPr lang="he-IL" sz="1000" dirty="0">
+              <a:solidFill>
+                <a:schemeClr val="tx1"/>
+              </a:solidFill>
+            </a:endParaRPr>
+          </a:p>
+        </p:txBody>
+      </p:sp>
+      <p:sp>
+        <p:nvSpPr>
+          <p:cNvPr id="14" name="מלבן 13">
+            <a:extLst>
+              <a:ext uri="{FF2B5EF4-FFF2-40B4-BE49-F238E27FC236}">
+                <a16:creationId xmlns:a16="http://schemas.microsoft.com/office/drawing/2014/main" id="{54195C35-787A-457A-90F3-294FCA5E043C}"/>
+              </a:ext>
+            </a:extLst>
+          </p:cNvPr>
+          <p:cNvSpPr/>
+          <p:nvPr/>
+        </p:nvSpPr>
+        <p:spPr>
+          <a:xfrm>
+            <a:off x="2347419" y="5279032"/>
+            <a:ext cx="991724" cy="321892"/>
+          </a:xfrm>
+          <a:prstGeom prst="rect">
+            <a:avLst/>
+          </a:prstGeom>
+          <a:noFill/>
+          <a:ln>
+            <a:solidFill>
+              <a:schemeClr val="accent1"/>
+            </a:solidFill>
+          </a:ln>
+        </p:spPr>
+        <p:style>
+          <a:lnRef idx="2">
+            <a:schemeClr val="accent1">
+              <a:shade val="50000"/>
+            </a:schemeClr>
+          </a:lnRef>
+          <a:fillRef idx="1">
+            <a:schemeClr val="accent1"/>
+          </a:fillRef>
+          <a:effectRef idx="0">
+            <a:schemeClr val="accent1"/>
+          </a:effectRef>
+          <a:fontRef idx="minor">
+            <a:schemeClr val="lt1"/>
+          </a:fontRef>
+        </p:style>
+        <p:txBody>
+          <a:bodyPr rtlCol="1" anchor="ctr"/>
+          <a:lstStyle/>
+          <a:p>
+            <a:pPr algn="ctr" rtl="0"/>
+            <a:r>
+              <a:rPr lang="en-IL" sz="1000" dirty="0">
+                <a:solidFill>
+                  <a:schemeClr val="tx1"/>
+                </a:solidFill>
+              </a:rPr>
+              <a:t>Short URL Service</a:t>
+            </a:r>
+          </a:p>
+        </p:txBody>
+      </p:sp>
+      <p:sp>
+        <p:nvSpPr>
+          <p:cNvPr id="15" name="מלבן 14">
+            <a:extLst>
+              <a:ext uri="{FF2B5EF4-FFF2-40B4-BE49-F238E27FC236}">
+                <a16:creationId xmlns:a16="http://schemas.microsoft.com/office/drawing/2014/main" id="{6FBE1601-ACAA-4087-A308-E2FAE9101680}"/>
+              </a:ext>
+            </a:extLst>
+          </p:cNvPr>
+          <p:cNvSpPr/>
+          <p:nvPr/>
+        </p:nvSpPr>
+        <p:spPr>
+          <a:xfrm>
+            <a:off x="3884065" y="5844542"/>
+            <a:ext cx="991724" cy="321892"/>
+          </a:xfrm>
+          <a:prstGeom prst="rect">
+            <a:avLst/>
+          </a:prstGeom>
+          <a:noFill/>
+          <a:ln>
+            <a:solidFill>
+              <a:schemeClr val="accent1"/>
+            </a:solidFill>
+          </a:ln>
+        </p:spPr>
+        <p:style>
+          <a:lnRef idx="2">
+            <a:schemeClr val="accent1">
+              <a:shade val="50000"/>
+            </a:schemeClr>
+          </a:lnRef>
+          <a:fillRef idx="1">
+            <a:schemeClr val="accent1"/>
+          </a:fillRef>
+          <a:effectRef idx="0">
+            <a:schemeClr val="accent1"/>
+          </a:effectRef>
+          <a:fontRef idx="minor">
+            <a:schemeClr val="lt1"/>
+          </a:fontRef>
+        </p:style>
+        <p:txBody>
+          <a:bodyPr rtlCol="1" anchor="ctr"/>
+          <a:lstStyle/>
+          <a:p>
+            <a:pPr algn="ctr" rtl="0"/>
+            <a:r>
+              <a:rPr lang="en-IL" sz="1000" dirty="0">
+                <a:solidFill>
+                  <a:schemeClr val="tx1"/>
+                </a:solidFill>
+              </a:rPr>
+              <a:t>Token Service</a:t>
+            </a:r>
+          </a:p>
+        </p:txBody>
+      </p:sp>
+      <p:sp>
+        <p:nvSpPr>
+          <p:cNvPr id="16" name="מלבן 15">
+            <a:extLst>
+              <a:ext uri="{FF2B5EF4-FFF2-40B4-BE49-F238E27FC236}">
+                <a16:creationId xmlns:a16="http://schemas.microsoft.com/office/drawing/2014/main" id="{96B1393A-D894-42B3-A4E2-FB4221EC3722}"/>
+              </a:ext>
+            </a:extLst>
+          </p:cNvPr>
+          <p:cNvSpPr/>
+          <p:nvPr/>
+        </p:nvSpPr>
+        <p:spPr>
+          <a:xfrm>
+            <a:off x="3638997" y="4700824"/>
+            <a:ext cx="795716" cy="321892"/>
+          </a:xfrm>
+          <a:prstGeom prst="rect">
+            <a:avLst/>
+          </a:prstGeom>
+          <a:noFill/>
+          <a:ln>
+            <a:solidFill>
+              <a:srgbClr val="FF0000"/>
+            </a:solidFill>
+          </a:ln>
+        </p:spPr>
+        <p:style>
+          <a:lnRef idx="2">
+            <a:schemeClr val="accent1">
+              <a:shade val="50000"/>
+            </a:schemeClr>
+          </a:lnRef>
+          <a:fillRef idx="1">
+            <a:schemeClr val="accent1"/>
+          </a:fillRef>
+          <a:effectRef idx="0">
+            <a:schemeClr val="accent1"/>
+          </a:effectRef>
+          <a:fontRef idx="minor">
+            <a:schemeClr val="lt1"/>
+          </a:fontRef>
+        </p:style>
+        <p:txBody>
+          <a:bodyPr rtlCol="1" anchor="ctr"/>
+          <a:lstStyle/>
+          <a:p>
+            <a:pPr algn="ctr"/>
+            <a:r>
+              <a:rPr lang="en-IL" sz="1000" dirty="0">
+                <a:solidFill>
+                  <a:schemeClr val="tx1"/>
+                </a:solidFill>
+              </a:rPr>
+              <a:t>Cassandra</a:t>
+            </a:r>
+          </a:p>
+        </p:txBody>
+      </p:sp>
+      <p:sp>
+        <p:nvSpPr>
+          <p:cNvPr id="17" name="מלבן 16">
+            <a:extLst>
+              <a:ext uri="{FF2B5EF4-FFF2-40B4-BE49-F238E27FC236}">
+                <a16:creationId xmlns:a16="http://schemas.microsoft.com/office/drawing/2014/main" id="{618F29E6-D88B-4F12-8166-FCB57041544B}"/>
+              </a:ext>
+            </a:extLst>
+          </p:cNvPr>
+          <p:cNvSpPr/>
+          <p:nvPr/>
+        </p:nvSpPr>
+        <p:spPr>
+          <a:xfrm>
+            <a:off x="2347419" y="5844542"/>
+            <a:ext cx="991724" cy="321892"/>
+          </a:xfrm>
+          <a:prstGeom prst="rect">
+            <a:avLst/>
+          </a:prstGeom>
+          <a:noFill/>
+          <a:ln>
+            <a:solidFill>
+              <a:schemeClr val="accent1"/>
+            </a:solidFill>
+          </a:ln>
+        </p:spPr>
+        <p:style>
+          <a:lnRef idx="2">
+            <a:schemeClr val="accent1">
+              <a:shade val="50000"/>
+            </a:schemeClr>
+          </a:lnRef>
+          <a:fillRef idx="1">
+            <a:schemeClr val="accent1"/>
+          </a:fillRef>
+          <a:effectRef idx="0">
+            <a:schemeClr val="accent1"/>
+          </a:effectRef>
+          <a:fontRef idx="minor">
+            <a:schemeClr val="lt1"/>
+          </a:fontRef>
+        </p:style>
+        <p:txBody>
+          <a:bodyPr rtlCol="1" anchor="ctr"/>
+          <a:lstStyle/>
+          <a:p>
+            <a:pPr algn="ctr" rtl="0"/>
+            <a:r>
+              <a:rPr lang="en-IL" sz="1000" dirty="0">
+                <a:solidFill>
+                  <a:schemeClr val="tx1"/>
+                </a:solidFill>
+              </a:rPr>
+              <a:t>Short URL Service</a:t>
+            </a:r>
+          </a:p>
+        </p:txBody>
+      </p:sp>
+      <p:sp>
+        <p:nvSpPr>
+          <p:cNvPr id="18" name="מלבן 17">
+            <a:extLst>
+              <a:ext uri="{FF2B5EF4-FFF2-40B4-BE49-F238E27FC236}">
+                <a16:creationId xmlns:a16="http://schemas.microsoft.com/office/drawing/2014/main" id="{AE1E8653-5C03-42A3-8FCD-6E6F1FE7ABE9}"/>
+              </a:ext>
+            </a:extLst>
+          </p:cNvPr>
+          <p:cNvSpPr/>
+          <p:nvPr/>
+        </p:nvSpPr>
+        <p:spPr>
+          <a:xfrm>
+            <a:off x="5274050" y="5844542"/>
+            <a:ext cx="555942" cy="314274"/>
+          </a:xfrm>
+          <a:prstGeom prst="rect">
+            <a:avLst/>
+          </a:prstGeom>
+          <a:noFill/>
+          <a:ln>
+            <a:solidFill>
+              <a:srgbClr val="FF0000"/>
+            </a:solidFill>
+          </a:ln>
+        </p:spPr>
+        <p:style>
+          <a:lnRef idx="2">
+            <a:schemeClr val="accent1">
+              <a:shade val="50000"/>
+            </a:schemeClr>
+          </a:lnRef>
+          <a:fillRef idx="1">
+            <a:schemeClr val="accent1"/>
+          </a:fillRef>
+          <a:effectRef idx="0">
+            <a:schemeClr val="accent1"/>
+          </a:effectRef>
+          <a:fontRef idx="minor">
+            <a:schemeClr val="lt1"/>
+          </a:fontRef>
+        </p:style>
+        <p:txBody>
+          <a:bodyPr rtlCol="1" anchor="ctr"/>
+          <a:lstStyle/>
+          <a:p>
+            <a:pPr algn="ctr"/>
+            <a:r>
+              <a:rPr lang="en-IL" sz="1000" dirty="0">
+                <a:solidFill>
+                  <a:schemeClr val="tx1"/>
+                </a:solidFill>
+              </a:rPr>
+              <a:t>MySQL</a:t>
+            </a:r>
+          </a:p>
+        </p:txBody>
+      </p:sp>
+      <p:cxnSp>
+        <p:nvCxnSpPr>
+          <p:cNvPr id="19" name="מחבר חץ ישר 18">
+            <a:extLst>
+              <a:ext uri="{FF2B5EF4-FFF2-40B4-BE49-F238E27FC236}">
+                <a16:creationId xmlns:a16="http://schemas.microsoft.com/office/drawing/2014/main" id="{745D7131-E789-4C7C-84D4-3E76387DA56C}"/>
+              </a:ext>
+            </a:extLst>
+          </p:cNvPr>
+          <p:cNvCxnSpPr>
+            <a:cxnSpLocks/>
+            <a:stCxn id="11" idx="3"/>
+            <a:endCxn id="14" idx="1"/>
+          </p:cNvCxnSpPr>
+          <p:nvPr/>
+        </p:nvCxnSpPr>
+        <p:spPr>
+          <a:xfrm flipV="1">
+            <a:off x="1320554" y="5439978"/>
+            <a:ext cx="1026865" cy="200555"/>
+          </a:xfrm>
+          <a:prstGeom prst="straightConnector1">
+            <a:avLst/>
+          </a:prstGeom>
+          <a:ln>
+            <a:headEnd type="triangle"/>
+            <a:tailEnd type="triangle"/>
+          </a:ln>
+        </p:spPr>
+        <p:style>
+          <a:lnRef idx="1">
+            <a:schemeClr val="accent1"/>
+          </a:lnRef>
+          <a:fillRef idx="0">
+            <a:schemeClr val="accent1"/>
+          </a:fillRef>
+          <a:effectRef idx="0">
+            <a:schemeClr val="accent1"/>
+          </a:effectRef>
+          <a:fontRef idx="minor">
+            <a:schemeClr val="tx1"/>
+          </a:fontRef>
+        </p:style>
+      </p:cxnSp>
+      <p:cxnSp>
+        <p:nvCxnSpPr>
+          <p:cNvPr id="22" name="מחבר חץ ישר 21">
+            <a:extLst>
+              <a:ext uri="{FF2B5EF4-FFF2-40B4-BE49-F238E27FC236}">
+                <a16:creationId xmlns:a16="http://schemas.microsoft.com/office/drawing/2014/main" id="{5CE0C363-35F5-4CB3-9E76-402BBEE0742D}"/>
+              </a:ext>
+            </a:extLst>
+          </p:cNvPr>
+          <p:cNvCxnSpPr>
+            <a:cxnSpLocks/>
+            <a:stCxn id="11" idx="3"/>
+            <a:endCxn id="17" idx="1"/>
+          </p:cNvCxnSpPr>
+          <p:nvPr/>
+        </p:nvCxnSpPr>
+        <p:spPr>
+          <a:xfrm>
+            <a:off x="1320554" y="5640533"/>
+            <a:ext cx="1026865" cy="364955"/>
+          </a:xfrm>
+          <a:prstGeom prst="straightConnector1">
+            <a:avLst/>
+          </a:prstGeom>
+          <a:ln>
+            <a:headEnd type="triangle"/>
+            <a:tailEnd type="triangle"/>
+          </a:ln>
+        </p:spPr>
+        <p:style>
+          <a:lnRef idx="1">
+            <a:schemeClr val="accent1"/>
+          </a:lnRef>
+          <a:fillRef idx="0">
+            <a:schemeClr val="accent1"/>
+          </a:fillRef>
+          <a:effectRef idx="0">
+            <a:schemeClr val="accent1"/>
+          </a:effectRef>
+          <a:fontRef idx="minor">
+            <a:schemeClr val="tx1"/>
+          </a:fontRef>
+        </p:style>
+      </p:cxnSp>
+      <p:cxnSp>
+        <p:nvCxnSpPr>
+          <p:cNvPr id="25" name="מחבר חץ ישר 24">
+            <a:extLst>
+              <a:ext uri="{FF2B5EF4-FFF2-40B4-BE49-F238E27FC236}">
+                <a16:creationId xmlns:a16="http://schemas.microsoft.com/office/drawing/2014/main" id="{BA6465AB-9DB8-4987-BB94-D4F87F9847F3}"/>
+              </a:ext>
+            </a:extLst>
+          </p:cNvPr>
+          <p:cNvCxnSpPr>
+            <a:cxnSpLocks/>
+            <a:stCxn id="14" idx="3"/>
+            <a:endCxn id="15" idx="0"/>
+          </p:cNvCxnSpPr>
+          <p:nvPr/>
+        </p:nvCxnSpPr>
+        <p:spPr>
+          <a:xfrm>
+            <a:off x="3339143" y="5439978"/>
+            <a:ext cx="1040784" cy="404564"/>
+          </a:xfrm>
+          <a:prstGeom prst="straightConnector1">
+            <a:avLst/>
+          </a:prstGeom>
+          <a:ln>
+            <a:headEnd type="triangle"/>
+            <a:tailEnd type="triangle"/>
+          </a:ln>
+        </p:spPr>
+        <p:style>
+          <a:lnRef idx="1">
+            <a:schemeClr val="accent1"/>
+          </a:lnRef>
+          <a:fillRef idx="0">
+            <a:schemeClr val="accent1"/>
+          </a:fillRef>
+          <a:effectRef idx="0">
+            <a:schemeClr val="accent1"/>
+          </a:effectRef>
+          <a:fontRef idx="minor">
+            <a:schemeClr val="tx1"/>
+          </a:fontRef>
+        </p:style>
+      </p:cxnSp>
+      <p:cxnSp>
+        <p:nvCxnSpPr>
+          <p:cNvPr id="28" name="מחבר חץ ישר 27">
+            <a:extLst>
+              <a:ext uri="{FF2B5EF4-FFF2-40B4-BE49-F238E27FC236}">
+                <a16:creationId xmlns:a16="http://schemas.microsoft.com/office/drawing/2014/main" id="{7A8B10C4-BCC6-415F-8C60-99B356C53D45}"/>
+              </a:ext>
+            </a:extLst>
+          </p:cNvPr>
+          <p:cNvCxnSpPr>
+            <a:cxnSpLocks/>
+            <a:stCxn id="17" idx="3"/>
+            <a:endCxn id="15" idx="1"/>
+          </p:cNvCxnSpPr>
+          <p:nvPr/>
+        </p:nvCxnSpPr>
+        <p:spPr>
+          <a:xfrm>
+            <a:off x="3339143" y="6005488"/>
+            <a:ext cx="544922" cy="0"/>
+          </a:xfrm>
+          <a:prstGeom prst="straightConnector1">
+            <a:avLst/>
+          </a:prstGeom>
+          <a:ln>
+            <a:headEnd type="triangle"/>
+            <a:tailEnd type="triangle"/>
+          </a:ln>
+        </p:spPr>
+        <p:style>
+          <a:lnRef idx="1">
+            <a:schemeClr val="accent1"/>
+          </a:lnRef>
+          <a:fillRef idx="0">
+            <a:schemeClr val="accent1"/>
+          </a:fillRef>
+          <a:effectRef idx="0">
+            <a:schemeClr val="accent1"/>
+          </a:effectRef>
+          <a:fontRef idx="minor">
+            <a:schemeClr val="tx1"/>
+          </a:fontRef>
+        </p:style>
+      </p:cxnSp>
+      <p:cxnSp>
+        <p:nvCxnSpPr>
+          <p:cNvPr id="32" name="מחבר: מרפקי 31">
+            <a:extLst>
+              <a:ext uri="{FF2B5EF4-FFF2-40B4-BE49-F238E27FC236}">
+                <a16:creationId xmlns:a16="http://schemas.microsoft.com/office/drawing/2014/main" id="{35057820-FD7E-42EA-B10F-7ECF13DF6AA2}"/>
+              </a:ext>
+            </a:extLst>
+          </p:cNvPr>
+          <p:cNvCxnSpPr>
+            <a:cxnSpLocks/>
+          </p:cNvCxnSpPr>
+          <p:nvPr/>
+        </p:nvCxnSpPr>
+        <p:spPr>
+          <a:xfrm flipV="1">
+            <a:off x="3339143" y="5014405"/>
+            <a:ext cx="395848" cy="866388"/>
+          </a:xfrm>
+          <a:prstGeom prst="bentConnector2">
+            <a:avLst/>
+          </a:prstGeom>
+          <a:ln>
+            <a:tailEnd type="triangle"/>
+          </a:ln>
+        </p:spPr>
+        <p:style>
+          <a:lnRef idx="1">
+            <a:schemeClr val="accent1"/>
+          </a:lnRef>
+          <a:fillRef idx="0">
+            <a:schemeClr val="accent1"/>
+          </a:fillRef>
+          <a:effectRef idx="0">
+            <a:schemeClr val="accent1"/>
+          </a:effectRef>
+          <a:fontRef idx="minor">
+            <a:schemeClr val="tx1"/>
+          </a:fontRef>
+        </p:style>
+      </p:cxnSp>
+      <p:cxnSp>
+        <p:nvCxnSpPr>
+          <p:cNvPr id="37" name="מחבר: מרפקי 36">
+            <a:extLst>
+              <a:ext uri="{FF2B5EF4-FFF2-40B4-BE49-F238E27FC236}">
+                <a16:creationId xmlns:a16="http://schemas.microsoft.com/office/drawing/2014/main" id="{DF21A41D-2FBA-422A-B737-1ABB76C0995B}"/>
+              </a:ext>
+            </a:extLst>
+          </p:cNvPr>
+          <p:cNvCxnSpPr>
+            <a:cxnSpLocks/>
+          </p:cNvCxnSpPr>
+          <p:nvPr/>
+        </p:nvCxnSpPr>
+        <p:spPr>
+          <a:xfrm flipV="1">
+            <a:off x="3339143" y="5006090"/>
+            <a:ext cx="795716" cy="375697"/>
+          </a:xfrm>
+          <a:prstGeom prst="bentConnector2">
+            <a:avLst/>
+          </a:prstGeom>
+          <a:ln>
+            <a:tailEnd type="triangle"/>
+          </a:ln>
+        </p:spPr>
+        <p:style>
+          <a:lnRef idx="1">
+            <a:schemeClr val="accent1"/>
+          </a:lnRef>
+          <a:fillRef idx="0">
+            <a:schemeClr val="accent1"/>
+          </a:fillRef>
+          <a:effectRef idx="0">
+            <a:schemeClr val="accent1"/>
+          </a:effectRef>
+          <a:fontRef idx="minor">
+            <a:schemeClr val="tx1"/>
+          </a:fontRef>
+        </p:style>
+      </p:cxnSp>
+      <p:cxnSp>
+        <p:nvCxnSpPr>
+          <p:cNvPr id="40" name="מחבר חץ ישר 39">
+            <a:extLst>
+              <a:ext uri="{FF2B5EF4-FFF2-40B4-BE49-F238E27FC236}">
+                <a16:creationId xmlns:a16="http://schemas.microsoft.com/office/drawing/2014/main" id="{5C600343-2DA0-49B4-8DCC-E8E918A380B8}"/>
+              </a:ext>
+            </a:extLst>
+          </p:cNvPr>
+          <p:cNvCxnSpPr>
+            <a:cxnSpLocks/>
+            <a:stCxn id="15" idx="3"/>
+            <a:endCxn id="18" idx="1"/>
+          </p:cNvCxnSpPr>
+          <p:nvPr/>
+        </p:nvCxnSpPr>
+        <p:spPr>
+          <a:xfrm flipV="1">
+            <a:off x="4875789" y="6001679"/>
+            <a:ext cx="398261" cy="3809"/>
+          </a:xfrm>
+          <a:prstGeom prst="straightConnector1">
+            <a:avLst/>
+          </a:prstGeom>
+          <a:ln>
+            <a:headEnd type="triangle"/>
+            <a:tailEnd type="triangle"/>
+          </a:ln>
+        </p:spPr>
+        <p:style>
+          <a:lnRef idx="1">
+            <a:schemeClr val="accent1"/>
+          </a:lnRef>
+          <a:fillRef idx="0">
+            <a:schemeClr val="accent1"/>
+          </a:fillRef>
+          <a:effectRef idx="0">
+            <a:schemeClr val="accent1"/>
+          </a:effectRef>
+          <a:fontRef idx="minor">
+            <a:schemeClr val="tx1"/>
+          </a:fontRef>
+        </p:style>
+      </p:cxnSp>
+      <p:sp>
+        <p:nvSpPr>
+          <p:cNvPr id="43" name="תיבת טקסט 42">
+            <a:extLst>
+              <a:ext uri="{FF2B5EF4-FFF2-40B4-BE49-F238E27FC236}">
+                <a16:creationId xmlns:a16="http://schemas.microsoft.com/office/drawing/2014/main" id="{B7573210-7044-456C-9767-4BCDB66E5700}"/>
+              </a:ext>
+            </a:extLst>
+          </p:cNvPr>
+          <p:cNvSpPr txBox="1"/>
+          <p:nvPr/>
+        </p:nvSpPr>
+        <p:spPr>
+          <a:xfrm>
+            <a:off x="2308143" y="6209497"/>
+            <a:ext cx="1040784" cy="369332"/>
+          </a:xfrm>
+          <a:prstGeom prst="rect">
+            <a:avLst/>
+          </a:prstGeom>
+          <a:noFill/>
+        </p:spPr>
+        <p:txBody>
+          <a:bodyPr wrap="square" rtlCol="1">
+            <a:spAutoFit/>
+          </a:bodyPr>
+          <a:lstStyle/>
+          <a:p>
+            <a:pPr algn="ctr" rtl="0"/>
+            <a:r>
+              <a:rPr lang="en-IL" sz="900" dirty="0"/>
+              <a:t>100,001 – 200,000</a:t>
+            </a:r>
+            <a:br>
+              <a:rPr lang="en-IL" sz="900" dirty="0"/>
+            </a:br>
+            <a:r>
+              <a:rPr lang="en-IL" sz="900" dirty="0"/>
+              <a:t>Range</a:t>
+            </a:r>
+            <a:endParaRPr lang="he-IL" sz="900" dirty="0"/>
+          </a:p>
+        </p:txBody>
+      </p:sp>
+      <p:sp>
+        <p:nvSpPr>
+          <p:cNvPr id="44" name="תיבת טקסט 43">
+            <a:extLst>
+              <a:ext uri="{FF2B5EF4-FFF2-40B4-BE49-F238E27FC236}">
+                <a16:creationId xmlns:a16="http://schemas.microsoft.com/office/drawing/2014/main" id="{489AA73C-6659-4D81-9B7B-9A9B76886C64}"/>
+              </a:ext>
+            </a:extLst>
+          </p:cNvPr>
+          <p:cNvSpPr txBox="1"/>
+          <p:nvPr/>
+        </p:nvSpPr>
+        <p:spPr>
+          <a:xfrm>
+            <a:off x="2322889" y="4889580"/>
+            <a:ext cx="1040784" cy="369332"/>
+          </a:xfrm>
+          <a:prstGeom prst="rect">
+            <a:avLst/>
+          </a:prstGeom>
+          <a:noFill/>
+        </p:spPr>
+        <p:txBody>
+          <a:bodyPr wrap="square" rtlCol="1">
+            <a:spAutoFit/>
+          </a:bodyPr>
+          <a:lstStyle/>
+          <a:p>
+            <a:pPr algn="l" rtl="0"/>
+            <a:r>
+              <a:rPr lang="en-IL" sz="900" dirty="0"/>
+              <a:t>200,001 – 300,000</a:t>
+            </a:r>
+          </a:p>
+          <a:p>
+            <a:pPr algn="ctr" rtl="0"/>
+            <a:r>
+              <a:rPr lang="en-IL" sz="900" dirty="0"/>
+              <a:t>Range</a:t>
+            </a:r>
+            <a:endParaRPr lang="he-IL" sz="900" dirty="0"/>
+          </a:p>
+        </p:txBody>
+      </p:sp>
+      <p:sp>
+        <p:nvSpPr>
+          <p:cNvPr id="45" name="תיבת טקסט 44">
+            <a:extLst>
+              <a:ext uri="{FF2B5EF4-FFF2-40B4-BE49-F238E27FC236}">
+                <a16:creationId xmlns:a16="http://schemas.microsoft.com/office/drawing/2014/main" id="{AE3188A5-7996-439E-8D91-ADD4ADDAF90D}"/>
+              </a:ext>
+            </a:extLst>
+          </p:cNvPr>
+          <p:cNvSpPr txBox="1"/>
+          <p:nvPr/>
+        </p:nvSpPr>
+        <p:spPr>
+          <a:xfrm>
+            <a:off x="3230822" y="6415377"/>
+            <a:ext cx="2292925" cy="369332"/>
+          </a:xfrm>
+          <a:prstGeom prst="rect">
+            <a:avLst/>
+          </a:prstGeom>
+          <a:noFill/>
+        </p:spPr>
+        <p:txBody>
+          <a:bodyPr wrap="square" rtlCol="1">
+            <a:spAutoFit/>
+          </a:bodyPr>
+          <a:lstStyle/>
+          <a:p>
+            <a:pPr algn="l" rtl="0"/>
+            <a:r>
+              <a:rPr lang="en-IL" sz="900" dirty="0"/>
+              <a:t>Very low traffic, so it is single threaded and</a:t>
+            </a:r>
+            <a:br>
+              <a:rPr lang="en-IL" sz="900" dirty="0"/>
+            </a:br>
+            <a:r>
+              <a:rPr lang="en-IL" sz="900" dirty="0"/>
+              <a:t>is not scaled but has a backup machines</a:t>
+            </a:r>
+          </a:p>
+        </p:txBody>
+      </p:sp>
+      <p:cxnSp>
+        <p:nvCxnSpPr>
+          <p:cNvPr id="49" name="מחבר חץ ישר 48">
+            <a:extLst>
+              <a:ext uri="{FF2B5EF4-FFF2-40B4-BE49-F238E27FC236}">
+                <a16:creationId xmlns:a16="http://schemas.microsoft.com/office/drawing/2014/main" id="{368C9AD5-194C-47A0-AEEB-4A7940C6479D}"/>
+              </a:ext>
+            </a:extLst>
+          </p:cNvPr>
+          <p:cNvCxnSpPr>
+            <a:cxnSpLocks/>
+            <a:stCxn id="45" idx="0"/>
+            <a:endCxn id="15" idx="2"/>
+          </p:cNvCxnSpPr>
+          <p:nvPr/>
+        </p:nvCxnSpPr>
+        <p:spPr>
+          <a:xfrm flipV="1">
+            <a:off x="4377285" y="6166434"/>
+            <a:ext cx="2642" cy="248943"/>
+          </a:xfrm>
+          <a:prstGeom prst="straightConnector1">
+            <a:avLst/>
+          </a:prstGeom>
+          <a:ln>
+            <a:tailEnd type="triangle"/>
+          </a:ln>
+        </p:spPr>
+        <p:style>
+          <a:lnRef idx="1">
+            <a:schemeClr val="dk1"/>
+          </a:lnRef>
+          <a:fillRef idx="0">
+            <a:schemeClr val="dk1"/>
+          </a:fillRef>
+          <a:effectRef idx="0">
+            <a:schemeClr val="dk1"/>
+          </a:effectRef>
+          <a:fontRef idx="minor">
+            <a:schemeClr val="tx1"/>
+          </a:fontRef>
+        </p:style>
+      </p:cxnSp>
+      <p:sp>
+        <p:nvSpPr>
+          <p:cNvPr id="55" name="תיבת טקסט 54">
+            <a:extLst>
+              <a:ext uri="{FF2B5EF4-FFF2-40B4-BE49-F238E27FC236}">
+                <a16:creationId xmlns:a16="http://schemas.microsoft.com/office/drawing/2014/main" id="{46BEF879-2D53-4AC7-A0FC-C1DD28FB0E25}"/>
+              </a:ext>
+            </a:extLst>
+          </p:cNvPr>
+          <p:cNvSpPr txBox="1"/>
+          <p:nvPr/>
+        </p:nvSpPr>
+        <p:spPr>
+          <a:xfrm>
+            <a:off x="435423" y="4204390"/>
+            <a:ext cx="2440194" cy="369332"/>
+          </a:xfrm>
+          <a:prstGeom prst="rect">
+            <a:avLst/>
+          </a:prstGeom>
+          <a:noFill/>
+        </p:spPr>
+        <p:txBody>
+          <a:bodyPr wrap="square" rtlCol="1">
+            <a:spAutoFit/>
+          </a:bodyPr>
+          <a:lstStyle/>
+          <a:p>
+            <a:pPr algn="l" rtl="0"/>
+            <a:r>
+              <a:rPr lang="en-IL" sz="900" dirty="0"/>
+              <a:t>Take a number in the range, convert it to base 62, write to Cassandra and return to the caller</a:t>
+            </a:r>
+          </a:p>
+        </p:txBody>
+      </p:sp>
+      <p:cxnSp>
+        <p:nvCxnSpPr>
+          <p:cNvPr id="56" name="מחבר חץ ישר 55">
+            <a:extLst>
+              <a:ext uri="{FF2B5EF4-FFF2-40B4-BE49-F238E27FC236}">
+                <a16:creationId xmlns:a16="http://schemas.microsoft.com/office/drawing/2014/main" id="{A1150A80-7E9E-4D62-B241-5F5882367DED}"/>
+              </a:ext>
+            </a:extLst>
+          </p:cNvPr>
+          <p:cNvCxnSpPr>
+            <a:cxnSpLocks/>
+            <a:stCxn id="55" idx="2"/>
+          </p:cNvCxnSpPr>
+          <p:nvPr/>
+        </p:nvCxnSpPr>
+        <p:spPr>
+          <a:xfrm>
+            <a:off x="1655520" y="4573722"/>
+            <a:ext cx="652623" cy="617406"/>
+          </a:xfrm>
+          <a:prstGeom prst="straightConnector1">
+            <a:avLst/>
+          </a:prstGeom>
+          <a:ln>
+            <a:tailEnd type="triangle"/>
+          </a:ln>
+        </p:spPr>
+        <p:style>
+          <a:lnRef idx="1">
+            <a:schemeClr val="dk1"/>
+          </a:lnRef>
+          <a:fillRef idx="0">
+            <a:schemeClr val="dk1"/>
+          </a:fillRef>
+          <a:effectRef idx="0">
+            <a:schemeClr val="dk1"/>
+          </a:effectRef>
+          <a:fontRef idx="minor">
+            <a:schemeClr val="tx1"/>
+          </a:fontRef>
+        </p:style>
+      </p:cxnSp>
+      <p:sp>
+        <p:nvSpPr>
+          <p:cNvPr id="62" name="תיבת טקסט 61">
+            <a:extLst>
+              <a:ext uri="{FF2B5EF4-FFF2-40B4-BE49-F238E27FC236}">
+                <a16:creationId xmlns:a16="http://schemas.microsoft.com/office/drawing/2014/main" id="{BEA5520E-A7F3-4240-AC61-1BEF6BA669A8}"/>
+              </a:ext>
+            </a:extLst>
+          </p:cNvPr>
+          <p:cNvSpPr txBox="1"/>
+          <p:nvPr/>
+        </p:nvSpPr>
+        <p:spPr>
+          <a:xfrm>
+            <a:off x="4543072" y="5006090"/>
+            <a:ext cx="2305926" cy="507831"/>
+          </a:xfrm>
+          <a:prstGeom prst="rect">
+            <a:avLst/>
+          </a:prstGeom>
+          <a:noFill/>
+        </p:spPr>
+        <p:txBody>
+          <a:bodyPr wrap="square">
+            <a:spAutoFit/>
+          </a:bodyPr>
+          <a:lstStyle/>
+          <a:p>
+            <a:pPr algn="l" rtl="0"/>
+            <a:r>
+              <a:rPr lang="en-IL" sz="900" dirty="0"/>
+              <a:t>Increasing </a:t>
+            </a:r>
+            <a:r>
+              <a:rPr lang="en-US" sz="900" dirty="0"/>
+              <a:t>the length of our range. That would mean that machines will approach the token service at a much lower frequency.</a:t>
+            </a:r>
+            <a:endParaRPr lang="he-IL" sz="900" dirty="0"/>
+          </a:p>
+        </p:txBody>
+      </p:sp>
+      <p:cxnSp>
+        <p:nvCxnSpPr>
+          <p:cNvPr id="63" name="מחבר חץ ישר 62">
+            <a:extLst>
+              <a:ext uri="{FF2B5EF4-FFF2-40B4-BE49-F238E27FC236}">
+                <a16:creationId xmlns:a16="http://schemas.microsoft.com/office/drawing/2014/main" id="{5EDF8B2C-885B-4476-828C-F19BBFA5EC66}"/>
+              </a:ext>
+            </a:extLst>
+          </p:cNvPr>
+          <p:cNvCxnSpPr>
+            <a:cxnSpLocks/>
+          </p:cNvCxnSpPr>
+          <p:nvPr/>
+        </p:nvCxnSpPr>
+        <p:spPr>
+          <a:xfrm flipH="1">
+            <a:off x="4896729" y="5487105"/>
+            <a:ext cx="377321" cy="331801"/>
+          </a:xfrm>
+          <a:prstGeom prst="straightConnector1">
+            <a:avLst/>
+          </a:prstGeom>
+          <a:ln>
+            <a:tailEnd type="triangle"/>
+          </a:ln>
+        </p:spPr>
+        <p:style>
+          <a:lnRef idx="1">
+            <a:schemeClr val="dk1"/>
+          </a:lnRef>
+          <a:fillRef idx="0">
+            <a:schemeClr val="dk1"/>
+          </a:fillRef>
+          <a:effectRef idx="0">
+            <a:schemeClr val="dk1"/>
+          </a:effectRef>
+          <a:fontRef idx="minor">
+            <a:schemeClr val="tx1"/>
+          </a:fontRef>
+        </p:style>
+      </p:cxnSp>
+    </p:spTree>
+    <p:extLst>
+      <p:ext uri="{BB962C8B-B14F-4D97-AF65-F5344CB8AC3E}">
+        <p14:creationId xmlns:p14="http://schemas.microsoft.com/office/powerpoint/2010/main" val="2472357877"/>
       </p:ext>
     </p:extLst>
   </p:cSld>
